--- a/Part_01/Section01.pptx
+++ b/Part_01/Section01.pptx
@@ -4,6 +4,9 @@
   <p:sldMasterIdLst>
     <p:sldMasterId id="2147483648" r:id="rId1"/>
   </p:sldMasterIdLst>
+  <p:sldIdLst>
+    <p:sldId id="256" r:id="rId2"/>
+  </p:sldIdLst>
   <p:sldSz cx="12192000" cy="6858000"/>
   <p:notesSz cx="6858000" cy="9144000"/>
   <p:defaultTextStyle>
@@ -101,6 +104,11 @@
       </a:defRPr>
     </a:lvl9pPr>
   </p:defaultTextStyle>
+  <p:extLst>
+    <p:ext uri="{EFAFB233-063F-42B5-8137-9DF3F51BA10A}">
+      <p15:sldGuideLst xmlns:p15="http://schemas.microsoft.com/office/powerpoint/2012/main"/>
+    </p:ext>
+  </p:extLst>
 </p:presentation>
 </file>
 
@@ -235,7 +243,7 @@
           <a:p>
             <a:fld id="{968F8B48-9EEB-4E1A-AB61-E86E4E194647}" type="datetimeFigureOut">
               <a:rPr lang="en-US" smtClean="0"/>
-              <a:t>10/19/2018</a:t>
+              <a:t>10/22/2018</a:t>
             </a:fld>
             <a:endParaRPr lang="en-US"/>
           </a:p>
@@ -405,7 +413,7 @@
           <a:p>
             <a:fld id="{968F8B48-9EEB-4E1A-AB61-E86E4E194647}" type="datetimeFigureOut">
               <a:rPr lang="en-US" smtClean="0"/>
-              <a:t>10/19/2018</a:t>
+              <a:t>10/22/2018</a:t>
             </a:fld>
             <a:endParaRPr lang="en-US"/>
           </a:p>
@@ -585,7 +593,7 @@
           <a:p>
             <a:fld id="{968F8B48-9EEB-4E1A-AB61-E86E4E194647}" type="datetimeFigureOut">
               <a:rPr lang="en-US" smtClean="0"/>
-              <a:t>10/19/2018</a:t>
+              <a:t>10/22/2018</a:t>
             </a:fld>
             <a:endParaRPr lang="en-US"/>
           </a:p>
@@ -755,7 +763,7 @@
           <a:p>
             <a:fld id="{968F8B48-9EEB-4E1A-AB61-E86E4E194647}" type="datetimeFigureOut">
               <a:rPr lang="en-US" smtClean="0"/>
-              <a:t>10/19/2018</a:t>
+              <a:t>10/22/2018</a:t>
             </a:fld>
             <a:endParaRPr lang="en-US"/>
           </a:p>
@@ -1001,7 +1009,7 @@
           <a:p>
             <a:fld id="{968F8B48-9EEB-4E1A-AB61-E86E4E194647}" type="datetimeFigureOut">
               <a:rPr lang="en-US" smtClean="0"/>
-              <a:t>10/19/2018</a:t>
+              <a:t>10/22/2018</a:t>
             </a:fld>
             <a:endParaRPr lang="en-US"/>
           </a:p>
@@ -1233,7 +1241,7 @@
           <a:p>
             <a:fld id="{968F8B48-9EEB-4E1A-AB61-E86E4E194647}" type="datetimeFigureOut">
               <a:rPr lang="en-US" smtClean="0"/>
-              <a:t>10/19/2018</a:t>
+              <a:t>10/22/2018</a:t>
             </a:fld>
             <a:endParaRPr lang="en-US"/>
           </a:p>
@@ -1600,7 +1608,7 @@
           <a:p>
             <a:fld id="{968F8B48-9EEB-4E1A-AB61-E86E4E194647}" type="datetimeFigureOut">
               <a:rPr lang="en-US" smtClean="0"/>
-              <a:t>10/19/2018</a:t>
+              <a:t>10/22/2018</a:t>
             </a:fld>
             <a:endParaRPr lang="en-US"/>
           </a:p>
@@ -1718,7 +1726,7 @@
           <a:p>
             <a:fld id="{968F8B48-9EEB-4E1A-AB61-E86E4E194647}" type="datetimeFigureOut">
               <a:rPr lang="en-US" smtClean="0"/>
-              <a:t>10/19/2018</a:t>
+              <a:t>10/22/2018</a:t>
             </a:fld>
             <a:endParaRPr lang="en-US"/>
           </a:p>
@@ -1813,7 +1821,7 @@
           <a:p>
             <a:fld id="{968F8B48-9EEB-4E1A-AB61-E86E4E194647}" type="datetimeFigureOut">
               <a:rPr lang="en-US" smtClean="0"/>
-              <a:t>10/19/2018</a:t>
+              <a:t>10/22/2018</a:t>
             </a:fld>
             <a:endParaRPr lang="en-US"/>
           </a:p>
@@ -2090,7 +2098,7 @@
           <a:p>
             <a:fld id="{968F8B48-9EEB-4E1A-AB61-E86E4E194647}" type="datetimeFigureOut">
               <a:rPr lang="en-US" smtClean="0"/>
-              <a:t>10/19/2018</a:t>
+              <a:t>10/22/2018</a:t>
             </a:fld>
             <a:endParaRPr lang="en-US"/>
           </a:p>
@@ -2343,7 +2351,7 @@
           <a:p>
             <a:fld id="{968F8B48-9EEB-4E1A-AB61-E86E4E194647}" type="datetimeFigureOut">
               <a:rPr lang="en-US" smtClean="0"/>
-              <a:t>10/19/2018</a:t>
+              <a:t>10/22/2018</a:t>
             </a:fld>
             <a:endParaRPr lang="en-US"/>
           </a:p>
@@ -2556,7 +2564,7 @@
           <a:p>
             <a:fld id="{968F8B48-9EEB-4E1A-AB61-E86E4E194647}" type="datetimeFigureOut">
               <a:rPr lang="en-US" smtClean="0"/>
-              <a:t>10/19/2018</a:t>
+              <a:t>10/22/2018</a:t>
             </a:fld>
             <a:endParaRPr lang="en-US"/>
           </a:p>
@@ -2944,6 +2952,86 @@
 </p:sldMaster>
 </file>
 
+<file path=ppt/slides/slide1.xml><?xml version="1.0" encoding="utf-8"?>
+<p:sld xmlns:a="http://schemas.openxmlformats.org/drawingml/2006/main" xmlns:r="http://schemas.openxmlformats.org/officeDocument/2006/relationships" xmlns:p="http://schemas.openxmlformats.org/presentationml/2006/main">
+  <p:cSld>
+    <p:spTree>
+      <p:nvGrpSpPr>
+        <p:cNvPr id="1" name=""/>
+        <p:cNvGrpSpPr/>
+        <p:nvPr/>
+      </p:nvGrpSpPr>
+      <p:grpSpPr>
+        <a:xfrm>
+          <a:off x="0" y="0"/>
+          <a:ext cx="0" cy="0"/>
+          <a:chOff x="0" y="0"/>
+          <a:chExt cx="0" cy="0"/>
+        </a:xfrm>
+      </p:grpSpPr>
+      <p:sp>
+        <p:nvSpPr>
+          <p:cNvPr id="2" name="Title 1"/>
+          <p:cNvSpPr>
+            <a:spLocks noGrp="1"/>
+          </p:cNvSpPr>
+          <p:nvPr>
+            <p:ph type="ctrTitle"/>
+          </p:nvPr>
+        </p:nvSpPr>
+        <p:spPr/>
+        <p:txBody>
+          <a:bodyPr/>
+          <a:lstStyle/>
+          <a:p>
+            <a:r>
+              <a:rPr lang="en-US" dirty="0" smtClean="0"/>
+              <a:t>HECC 2018</a:t>
+            </a:r>
+            <a:endParaRPr lang="en-US" dirty="0"/>
+          </a:p>
+        </p:txBody>
+      </p:sp>
+      <p:sp>
+        <p:nvSpPr>
+          <p:cNvPr id="3" name="Subtitle 2"/>
+          <p:cNvSpPr>
+            <a:spLocks noGrp="1"/>
+          </p:cNvSpPr>
+          <p:nvPr>
+            <p:ph type="subTitle" idx="1"/>
+          </p:nvPr>
+        </p:nvSpPr>
+        <p:spPr/>
+        <p:txBody>
+          <a:bodyPr/>
+          <a:lstStyle/>
+          <a:p>
+            <a:r>
+              <a:rPr lang="en-US" dirty="0"/>
+              <a:t>2053 - Deploying Windows 10 With MDT (Part 1</a:t>
+            </a:r>
+            <a:r>
+              <a:rPr lang="en-US" dirty="0" smtClean="0"/>
+              <a:t>)</a:t>
+            </a:r>
+            <a:endParaRPr lang="en-US" dirty="0"/>
+          </a:p>
+        </p:txBody>
+      </p:sp>
+    </p:spTree>
+    <p:extLst>
+      <p:ext uri="{BB962C8B-B14F-4D97-AF65-F5344CB8AC3E}">
+        <p14:creationId xmlns:p14="http://schemas.microsoft.com/office/powerpoint/2010/main" val="1129465165"/>
+      </p:ext>
+    </p:extLst>
+  </p:cSld>
+  <p:clrMapOvr>
+    <a:masterClrMapping/>
+  </p:clrMapOvr>
+</p:sld>
+</file>
+
 <file path=ppt/theme/theme1.xml><?xml version="1.0" encoding="utf-8"?>
 <a:theme xmlns:a="http://schemas.openxmlformats.org/drawingml/2006/main" name="Office Theme">
   <a:themeElements>

--- a/Part_01/Section01.pptx
+++ b/Part_01/Section01.pptx
@@ -6,6 +6,8 @@
   </p:sldMasterIdLst>
   <p:sldIdLst>
     <p:sldId id="256" r:id="rId2"/>
+    <p:sldId id="257" r:id="rId3"/>
+    <p:sldId id="258" r:id="rId4"/>
   </p:sldIdLst>
   <p:sldSz cx="12192000" cy="6858000"/>
   <p:notesSz cx="6858000" cy="9144000"/>
@@ -3032,6 +3034,271 @@
 </p:sld>
 </file>
 
+<file path=ppt/slides/slide2.xml><?xml version="1.0" encoding="utf-8"?>
+<p:sld xmlns:a="http://schemas.openxmlformats.org/drawingml/2006/main" xmlns:r="http://schemas.openxmlformats.org/officeDocument/2006/relationships" xmlns:p="http://schemas.openxmlformats.org/presentationml/2006/main">
+  <p:cSld>
+    <p:spTree>
+      <p:nvGrpSpPr>
+        <p:cNvPr id="1" name=""/>
+        <p:cNvGrpSpPr/>
+        <p:nvPr/>
+      </p:nvGrpSpPr>
+      <p:grpSpPr>
+        <a:xfrm>
+          <a:off x="0" y="0"/>
+          <a:ext cx="0" cy="0"/>
+          <a:chOff x="0" y="0"/>
+          <a:chExt cx="0" cy="0"/>
+        </a:xfrm>
+      </p:grpSpPr>
+      <p:sp>
+        <p:nvSpPr>
+          <p:cNvPr id="2" name="Title 1"/>
+          <p:cNvSpPr>
+            <a:spLocks noGrp="1"/>
+          </p:cNvSpPr>
+          <p:nvPr>
+            <p:ph type="title"/>
+          </p:nvPr>
+        </p:nvSpPr>
+        <p:spPr/>
+        <p:txBody>
+          <a:bodyPr/>
+          <a:lstStyle/>
+          <a:p>
+            <a:r>
+              <a:rPr lang="en-US" dirty="0" smtClean="0"/>
+              <a:t>Agenda</a:t>
+            </a:r>
+            <a:endParaRPr lang="en-US" dirty="0"/>
+          </a:p>
+        </p:txBody>
+      </p:sp>
+      <p:sp>
+        <p:nvSpPr>
+          <p:cNvPr id="3" name="Content Placeholder 2"/>
+          <p:cNvSpPr>
+            <a:spLocks noGrp="1"/>
+          </p:cNvSpPr>
+          <p:nvPr>
+            <p:ph idx="1"/>
+          </p:nvPr>
+        </p:nvSpPr>
+        <p:spPr/>
+        <p:txBody>
+          <a:bodyPr/>
+          <a:lstStyle/>
+          <a:p>
+            <a:r>
+              <a:rPr lang="en-US" dirty="0" smtClean="0"/>
+              <a:t>The Setup</a:t>
+            </a:r>
+          </a:p>
+          <a:p>
+            <a:pPr lvl="1"/>
+            <a:r>
+              <a:rPr lang="en-US" dirty="0" smtClean="0"/>
+              <a:t>Setting </a:t>
+            </a:r>
+            <a:r>
+              <a:rPr lang="en-US" dirty="0"/>
+              <a:t>up Environment</a:t>
+            </a:r>
+          </a:p>
+          <a:p>
+            <a:pPr lvl="2"/>
+            <a:r>
+              <a:rPr lang="en-US" dirty="0" smtClean="0"/>
+              <a:t>Installing MDT 8450</a:t>
+            </a:r>
+            <a:endParaRPr lang="en-US" dirty="0"/>
+          </a:p>
+          <a:p>
+            <a:pPr lvl="2"/>
+            <a:r>
+              <a:rPr lang="en-US" dirty="0" smtClean="0"/>
+              <a:t>Installing ADK 1809</a:t>
+            </a:r>
+          </a:p>
+          <a:p>
+            <a:pPr lvl="2"/>
+            <a:r>
+              <a:rPr lang="en-US" dirty="0" smtClean="0"/>
+              <a:t>Installing ADK WinPE 1809</a:t>
+            </a:r>
+            <a:endParaRPr lang="en-US" dirty="0"/>
+          </a:p>
+          <a:p>
+            <a:pPr lvl="2"/>
+            <a:r>
+              <a:rPr lang="en-US" dirty="0" smtClean="0"/>
+              <a:t>Creating </a:t>
+            </a:r>
+            <a:r>
+              <a:rPr lang="en-US" dirty="0"/>
+              <a:t>Build </a:t>
+            </a:r>
+            <a:r>
+              <a:rPr lang="en-US" dirty="0" smtClean="0"/>
+              <a:t>Share in MDT</a:t>
+            </a:r>
+            <a:endParaRPr lang="en-US" dirty="0"/>
+          </a:p>
+          <a:p>
+            <a:pPr lvl="2"/>
+            <a:r>
+              <a:rPr lang="en-US" dirty="0" smtClean="0"/>
+              <a:t>Configure and Customizing </a:t>
+            </a:r>
+            <a:r>
+              <a:rPr lang="en-US" dirty="0"/>
+              <a:t>Build Share</a:t>
+            </a:r>
+          </a:p>
+        </p:txBody>
+      </p:sp>
+    </p:spTree>
+    <p:extLst>
+      <p:ext uri="{BB962C8B-B14F-4D97-AF65-F5344CB8AC3E}">
+        <p14:creationId xmlns:p14="http://schemas.microsoft.com/office/powerpoint/2010/main" val="971628130"/>
+      </p:ext>
+    </p:extLst>
+  </p:cSld>
+  <p:clrMapOvr>
+    <a:masterClrMapping/>
+  </p:clrMapOvr>
+</p:sld>
+</file>
+
+<file path=ppt/slides/slide3.xml><?xml version="1.0" encoding="utf-8"?>
+<p:sld xmlns:a="http://schemas.openxmlformats.org/drawingml/2006/main" xmlns:r="http://schemas.openxmlformats.org/officeDocument/2006/relationships" xmlns:p="http://schemas.openxmlformats.org/presentationml/2006/main">
+  <p:cSld>
+    <p:spTree>
+      <p:nvGrpSpPr>
+        <p:cNvPr id="1" name=""/>
+        <p:cNvGrpSpPr/>
+        <p:nvPr/>
+      </p:nvGrpSpPr>
+      <p:grpSpPr>
+        <a:xfrm>
+          <a:off x="0" y="0"/>
+          <a:ext cx="0" cy="0"/>
+          <a:chOff x="0" y="0"/>
+          <a:chExt cx="0" cy="0"/>
+        </a:xfrm>
+      </p:grpSpPr>
+      <p:sp>
+        <p:nvSpPr>
+          <p:cNvPr id="2" name="Title 1"/>
+          <p:cNvSpPr>
+            <a:spLocks noGrp="1"/>
+          </p:cNvSpPr>
+          <p:nvPr>
+            <p:ph type="title"/>
+          </p:nvPr>
+        </p:nvSpPr>
+        <p:spPr/>
+        <p:txBody>
+          <a:bodyPr/>
+          <a:lstStyle/>
+          <a:p>
+            <a:r>
+              <a:rPr lang="en-US" dirty="0" smtClean="0"/>
+              <a:t>Things you will need</a:t>
+            </a:r>
+            <a:endParaRPr lang="en-US" dirty="0"/>
+          </a:p>
+        </p:txBody>
+      </p:sp>
+      <p:sp>
+        <p:nvSpPr>
+          <p:cNvPr id="3" name="Content Placeholder 2"/>
+          <p:cNvSpPr>
+            <a:spLocks noGrp="1"/>
+          </p:cNvSpPr>
+          <p:nvPr>
+            <p:ph idx="1"/>
+          </p:nvPr>
+        </p:nvSpPr>
+        <p:spPr/>
+        <p:txBody>
+          <a:bodyPr/>
+          <a:lstStyle/>
+          <a:p>
+            <a:r>
+              <a:rPr lang="en-US" dirty="0" smtClean="0"/>
+              <a:t>Computer to build images on (Laptop or Server)</a:t>
+            </a:r>
+          </a:p>
+          <a:p>
+            <a:r>
+              <a:rPr lang="en-US" dirty="0" smtClean="0"/>
+              <a:t>Windows 10 Education </a:t>
+            </a:r>
+            <a:r>
+              <a:rPr lang="en-US" dirty="0" err="1" smtClean="0"/>
+              <a:t>iso</a:t>
+            </a:r>
+            <a:r>
+              <a:rPr lang="en-US" dirty="0" smtClean="0"/>
+              <a:t> (</a:t>
+            </a:r>
+            <a:r>
+              <a:rPr lang="en-US" b="1" dirty="0" smtClean="0"/>
+              <a:t>1809</a:t>
+            </a:r>
+            <a:r>
+              <a:rPr lang="en-US" dirty="0" smtClean="0"/>
+              <a:t>, 1803, or 1709)</a:t>
+            </a:r>
+          </a:p>
+          <a:p>
+            <a:r>
+              <a:rPr lang="en-US" dirty="0" smtClean="0"/>
+              <a:t>Windows 10 ADK 10 v 1809</a:t>
+            </a:r>
+          </a:p>
+          <a:p>
+            <a:r>
+              <a:rPr lang="en-US" dirty="0" smtClean="0"/>
+              <a:t>WinPE </a:t>
+            </a:r>
+            <a:r>
+              <a:rPr lang="en-US" dirty="0" err="1" smtClean="0"/>
+              <a:t>addon</a:t>
+            </a:r>
+            <a:r>
+              <a:rPr lang="en-US" dirty="0" smtClean="0"/>
+              <a:t> for Windows 10 ADK v1809</a:t>
+            </a:r>
+          </a:p>
+          <a:p>
+            <a:r>
+              <a:rPr lang="en-US" dirty="0" smtClean="0"/>
+              <a:t>Microsoft Deployment Toolkit (MDT) 8450</a:t>
+            </a:r>
+          </a:p>
+          <a:p>
+            <a:r>
+              <a:rPr lang="en-US" dirty="0" smtClean="0"/>
+              <a:t>Script to relax deployment share permissions</a:t>
+            </a:r>
+          </a:p>
+        </p:txBody>
+      </p:sp>
+    </p:spTree>
+    <p:extLst>
+      <p:ext uri="{BB962C8B-B14F-4D97-AF65-F5344CB8AC3E}">
+        <p14:creationId xmlns:p14="http://schemas.microsoft.com/office/powerpoint/2010/main" val="380975044"/>
+      </p:ext>
+    </p:extLst>
+  </p:cSld>
+  <p:clrMapOvr>
+    <a:masterClrMapping/>
+  </p:clrMapOvr>
+</p:sld>
+</file>
+
 <file path=ppt/theme/theme1.xml><?xml version="1.0" encoding="utf-8"?>
 <a:theme xmlns:a="http://schemas.openxmlformats.org/drawingml/2006/main" name="Office Theme">
   <a:themeElements>

--- a/Part_01/Section01.pptx
+++ b/Part_01/Section01.pptx
@@ -4,10 +4,17 @@
   <p:sldMasterIdLst>
     <p:sldMasterId id="2147483648" r:id="rId1"/>
   </p:sldMasterIdLst>
+  <p:notesMasterIdLst>
+    <p:notesMasterId r:id="rId9"/>
+  </p:notesMasterIdLst>
   <p:sldIdLst>
     <p:sldId id="256" r:id="rId2"/>
     <p:sldId id="257" r:id="rId3"/>
     <p:sldId id="258" r:id="rId4"/>
+    <p:sldId id="259" r:id="rId5"/>
+    <p:sldId id="260" r:id="rId6"/>
+    <p:sldId id="261" r:id="rId7"/>
+    <p:sldId id="262" r:id="rId8"/>
   </p:sldIdLst>
   <p:sldSz cx="12192000" cy="6858000"/>
   <p:notesSz cx="6858000" cy="9144000"/>
@@ -114,6 +121,536 @@
 </p:presentation>
 </file>
 
+<file path=ppt/notesMasters/notesMaster1.xml><?xml version="1.0" encoding="utf-8"?>
+<p:notesMaster xmlns:a="http://schemas.openxmlformats.org/drawingml/2006/main" xmlns:r="http://schemas.openxmlformats.org/officeDocument/2006/relationships" xmlns:p="http://schemas.openxmlformats.org/presentationml/2006/main">
+  <p:cSld>
+    <p:bg>
+      <p:bgRef idx="1001">
+        <a:schemeClr val="bg1"/>
+      </p:bgRef>
+    </p:bg>
+    <p:spTree>
+      <p:nvGrpSpPr>
+        <p:cNvPr id="1" name=""/>
+        <p:cNvGrpSpPr/>
+        <p:nvPr/>
+      </p:nvGrpSpPr>
+      <p:grpSpPr>
+        <a:xfrm>
+          <a:off x="0" y="0"/>
+          <a:ext cx="0" cy="0"/>
+          <a:chOff x="0" y="0"/>
+          <a:chExt cx="0" cy="0"/>
+        </a:xfrm>
+      </p:grpSpPr>
+      <p:sp>
+        <p:nvSpPr>
+          <p:cNvPr id="2" name="Header Placeholder 1"/>
+          <p:cNvSpPr>
+            <a:spLocks noGrp="1"/>
+          </p:cNvSpPr>
+          <p:nvPr>
+            <p:ph type="hdr" sz="quarter"/>
+          </p:nvPr>
+        </p:nvSpPr>
+        <p:spPr>
+          <a:xfrm>
+            <a:off x="0" y="0"/>
+            <a:ext cx="2971800" cy="458788"/>
+          </a:xfrm>
+          <a:prstGeom prst="rect">
+            <a:avLst/>
+          </a:prstGeom>
+        </p:spPr>
+        <p:txBody>
+          <a:bodyPr vert="horz" lIns="91440" tIns="45720" rIns="91440" bIns="45720" rtlCol="0"/>
+          <a:lstStyle>
+            <a:lvl1pPr algn="l">
+              <a:defRPr sz="1200"/>
+            </a:lvl1pPr>
+          </a:lstStyle>
+          <a:p>
+            <a:endParaRPr lang="en-US"/>
+          </a:p>
+        </p:txBody>
+      </p:sp>
+      <p:sp>
+        <p:nvSpPr>
+          <p:cNvPr id="3" name="Date Placeholder 2"/>
+          <p:cNvSpPr>
+            <a:spLocks noGrp="1"/>
+          </p:cNvSpPr>
+          <p:nvPr>
+            <p:ph type="dt" idx="1"/>
+          </p:nvPr>
+        </p:nvSpPr>
+        <p:spPr>
+          <a:xfrm>
+            <a:off x="3884613" y="0"/>
+            <a:ext cx="2971800" cy="458788"/>
+          </a:xfrm>
+          <a:prstGeom prst="rect">
+            <a:avLst/>
+          </a:prstGeom>
+        </p:spPr>
+        <p:txBody>
+          <a:bodyPr vert="horz" lIns="91440" tIns="45720" rIns="91440" bIns="45720" rtlCol="0"/>
+          <a:lstStyle>
+            <a:lvl1pPr algn="r">
+              <a:defRPr sz="1200"/>
+            </a:lvl1pPr>
+          </a:lstStyle>
+          <a:p>
+            <a:fld id="{75EEFB58-FC8A-462A-900E-E48AB904531D}" type="datetimeFigureOut">
+              <a:rPr lang="en-US" smtClean="0"/>
+              <a:t>10/24/2018</a:t>
+            </a:fld>
+            <a:endParaRPr lang="en-US"/>
+          </a:p>
+        </p:txBody>
+      </p:sp>
+      <p:sp>
+        <p:nvSpPr>
+          <p:cNvPr id="4" name="Slide Image Placeholder 3"/>
+          <p:cNvSpPr>
+            <a:spLocks noGrp="1" noRot="1" noChangeAspect="1"/>
+          </p:cNvSpPr>
+          <p:nvPr>
+            <p:ph type="sldImg" idx="2"/>
+          </p:nvPr>
+        </p:nvSpPr>
+        <p:spPr>
+          <a:xfrm>
+            <a:off x="685800" y="1143000"/>
+            <a:ext cx="5486400" cy="3086100"/>
+          </a:xfrm>
+          <a:prstGeom prst="rect">
+            <a:avLst/>
+          </a:prstGeom>
+          <a:noFill/>
+          <a:ln w="12700">
+            <a:solidFill>
+              <a:prstClr val="black"/>
+            </a:solidFill>
+          </a:ln>
+        </p:spPr>
+        <p:txBody>
+          <a:bodyPr vert="horz" lIns="91440" tIns="45720" rIns="91440" bIns="45720" rtlCol="0" anchor="ctr"/>
+          <a:lstStyle/>
+          <a:p>
+            <a:endParaRPr lang="en-US"/>
+          </a:p>
+        </p:txBody>
+      </p:sp>
+      <p:sp>
+        <p:nvSpPr>
+          <p:cNvPr id="5" name="Notes Placeholder 4"/>
+          <p:cNvSpPr>
+            <a:spLocks noGrp="1"/>
+          </p:cNvSpPr>
+          <p:nvPr>
+            <p:ph type="body" sz="quarter" idx="3"/>
+          </p:nvPr>
+        </p:nvSpPr>
+        <p:spPr>
+          <a:xfrm>
+            <a:off x="685800" y="4400550"/>
+            <a:ext cx="5486400" cy="3600450"/>
+          </a:xfrm>
+          <a:prstGeom prst="rect">
+            <a:avLst/>
+          </a:prstGeom>
+        </p:spPr>
+        <p:txBody>
+          <a:bodyPr vert="horz" lIns="91440" tIns="45720" rIns="91440" bIns="45720" rtlCol="0"/>
+          <a:lstStyle/>
+          <a:p>
+            <a:pPr lvl="0"/>
+            <a:r>
+              <a:rPr lang="en-US" smtClean="0"/>
+              <a:t>Edit Master text styles</a:t>
+            </a:r>
+          </a:p>
+          <a:p>
+            <a:pPr lvl="1"/>
+            <a:r>
+              <a:rPr lang="en-US" smtClean="0"/>
+              <a:t>Second level</a:t>
+            </a:r>
+          </a:p>
+          <a:p>
+            <a:pPr lvl="2"/>
+            <a:r>
+              <a:rPr lang="en-US" smtClean="0"/>
+              <a:t>Third level</a:t>
+            </a:r>
+          </a:p>
+          <a:p>
+            <a:pPr lvl="3"/>
+            <a:r>
+              <a:rPr lang="en-US" smtClean="0"/>
+              <a:t>Fourth level</a:t>
+            </a:r>
+          </a:p>
+          <a:p>
+            <a:pPr lvl="4"/>
+            <a:r>
+              <a:rPr lang="en-US" smtClean="0"/>
+              <a:t>Fifth level</a:t>
+            </a:r>
+            <a:endParaRPr lang="en-US"/>
+          </a:p>
+        </p:txBody>
+      </p:sp>
+      <p:sp>
+        <p:nvSpPr>
+          <p:cNvPr id="6" name="Footer Placeholder 5"/>
+          <p:cNvSpPr>
+            <a:spLocks noGrp="1"/>
+          </p:cNvSpPr>
+          <p:nvPr>
+            <p:ph type="ftr" sz="quarter" idx="4"/>
+          </p:nvPr>
+        </p:nvSpPr>
+        <p:spPr>
+          <a:xfrm>
+            <a:off x="0" y="8685213"/>
+            <a:ext cx="2971800" cy="458787"/>
+          </a:xfrm>
+          <a:prstGeom prst="rect">
+            <a:avLst/>
+          </a:prstGeom>
+        </p:spPr>
+        <p:txBody>
+          <a:bodyPr vert="horz" lIns="91440" tIns="45720" rIns="91440" bIns="45720" rtlCol="0" anchor="b"/>
+          <a:lstStyle>
+            <a:lvl1pPr algn="l">
+              <a:defRPr sz="1200"/>
+            </a:lvl1pPr>
+          </a:lstStyle>
+          <a:p>
+            <a:endParaRPr lang="en-US"/>
+          </a:p>
+        </p:txBody>
+      </p:sp>
+      <p:sp>
+        <p:nvSpPr>
+          <p:cNvPr id="7" name="Slide Number Placeholder 6"/>
+          <p:cNvSpPr>
+            <a:spLocks noGrp="1"/>
+          </p:cNvSpPr>
+          <p:nvPr>
+            <p:ph type="sldNum" sz="quarter" idx="5"/>
+          </p:nvPr>
+        </p:nvSpPr>
+        <p:spPr>
+          <a:xfrm>
+            <a:off x="3884613" y="8685213"/>
+            <a:ext cx="2971800" cy="458787"/>
+          </a:xfrm>
+          <a:prstGeom prst="rect">
+            <a:avLst/>
+          </a:prstGeom>
+        </p:spPr>
+        <p:txBody>
+          <a:bodyPr vert="horz" lIns="91440" tIns="45720" rIns="91440" bIns="45720" rtlCol="0" anchor="b"/>
+          <a:lstStyle>
+            <a:lvl1pPr algn="r">
+              <a:defRPr sz="1200"/>
+            </a:lvl1pPr>
+          </a:lstStyle>
+          <a:p>
+            <a:fld id="{CA4D1D8D-529E-4C3E-8E19-57477EA95FD2}" type="slidenum">
+              <a:rPr lang="en-US" smtClean="0"/>
+              <a:t>‹#›</a:t>
+            </a:fld>
+            <a:endParaRPr lang="en-US"/>
+          </a:p>
+        </p:txBody>
+      </p:sp>
+    </p:spTree>
+    <p:extLst>
+      <p:ext uri="{BB962C8B-B14F-4D97-AF65-F5344CB8AC3E}">
+        <p14:creationId xmlns:p14="http://schemas.microsoft.com/office/powerpoint/2010/main" val="2571954713"/>
+      </p:ext>
+    </p:extLst>
+  </p:cSld>
+  <p:clrMap bg1="lt1" tx1="dk1" bg2="lt2" tx2="dk2" accent1="accent1" accent2="accent2" accent3="accent3" accent4="accent4" accent5="accent5" accent6="accent6" hlink="hlink" folHlink="folHlink"/>
+  <p:notesStyle>
+    <a:lvl1pPr marL="0" algn="l" defTabSz="914400" rtl="0" eaLnBrk="1" latinLnBrk="0" hangingPunct="1">
+      <a:defRPr sz="1200" kern="1200">
+        <a:solidFill>
+          <a:schemeClr val="tx1"/>
+        </a:solidFill>
+        <a:latin typeface="+mn-lt"/>
+        <a:ea typeface="+mn-ea"/>
+        <a:cs typeface="+mn-cs"/>
+      </a:defRPr>
+    </a:lvl1pPr>
+    <a:lvl2pPr marL="457200" algn="l" defTabSz="914400" rtl="0" eaLnBrk="1" latinLnBrk="0" hangingPunct="1">
+      <a:defRPr sz="1200" kern="1200">
+        <a:solidFill>
+          <a:schemeClr val="tx1"/>
+        </a:solidFill>
+        <a:latin typeface="+mn-lt"/>
+        <a:ea typeface="+mn-ea"/>
+        <a:cs typeface="+mn-cs"/>
+      </a:defRPr>
+    </a:lvl2pPr>
+    <a:lvl3pPr marL="914400" algn="l" defTabSz="914400" rtl="0" eaLnBrk="1" latinLnBrk="0" hangingPunct="1">
+      <a:defRPr sz="1200" kern="1200">
+        <a:solidFill>
+          <a:schemeClr val="tx1"/>
+        </a:solidFill>
+        <a:latin typeface="+mn-lt"/>
+        <a:ea typeface="+mn-ea"/>
+        <a:cs typeface="+mn-cs"/>
+      </a:defRPr>
+    </a:lvl3pPr>
+    <a:lvl4pPr marL="1371600" algn="l" defTabSz="914400" rtl="0" eaLnBrk="1" latinLnBrk="0" hangingPunct="1">
+      <a:defRPr sz="1200" kern="1200">
+        <a:solidFill>
+          <a:schemeClr val="tx1"/>
+        </a:solidFill>
+        <a:latin typeface="+mn-lt"/>
+        <a:ea typeface="+mn-ea"/>
+        <a:cs typeface="+mn-cs"/>
+      </a:defRPr>
+    </a:lvl4pPr>
+    <a:lvl5pPr marL="1828800" algn="l" defTabSz="914400" rtl="0" eaLnBrk="1" latinLnBrk="0" hangingPunct="1">
+      <a:defRPr sz="1200" kern="1200">
+        <a:solidFill>
+          <a:schemeClr val="tx1"/>
+        </a:solidFill>
+        <a:latin typeface="+mn-lt"/>
+        <a:ea typeface="+mn-ea"/>
+        <a:cs typeface="+mn-cs"/>
+      </a:defRPr>
+    </a:lvl5pPr>
+    <a:lvl6pPr marL="2286000" algn="l" defTabSz="914400" rtl="0" eaLnBrk="1" latinLnBrk="0" hangingPunct="1">
+      <a:defRPr sz="1200" kern="1200">
+        <a:solidFill>
+          <a:schemeClr val="tx1"/>
+        </a:solidFill>
+        <a:latin typeface="+mn-lt"/>
+        <a:ea typeface="+mn-ea"/>
+        <a:cs typeface="+mn-cs"/>
+      </a:defRPr>
+    </a:lvl6pPr>
+    <a:lvl7pPr marL="2743200" algn="l" defTabSz="914400" rtl="0" eaLnBrk="1" latinLnBrk="0" hangingPunct="1">
+      <a:defRPr sz="1200" kern="1200">
+        <a:solidFill>
+          <a:schemeClr val="tx1"/>
+        </a:solidFill>
+        <a:latin typeface="+mn-lt"/>
+        <a:ea typeface="+mn-ea"/>
+        <a:cs typeface="+mn-cs"/>
+      </a:defRPr>
+    </a:lvl7pPr>
+    <a:lvl8pPr marL="3200400" algn="l" defTabSz="914400" rtl="0" eaLnBrk="1" latinLnBrk="0" hangingPunct="1">
+      <a:defRPr sz="1200" kern="1200">
+        <a:solidFill>
+          <a:schemeClr val="tx1"/>
+        </a:solidFill>
+        <a:latin typeface="+mn-lt"/>
+        <a:ea typeface="+mn-ea"/>
+        <a:cs typeface="+mn-cs"/>
+      </a:defRPr>
+    </a:lvl8pPr>
+    <a:lvl9pPr marL="3657600" algn="l" defTabSz="914400" rtl="0" eaLnBrk="1" latinLnBrk="0" hangingPunct="1">
+      <a:defRPr sz="1200" kern="1200">
+        <a:solidFill>
+          <a:schemeClr val="tx1"/>
+        </a:solidFill>
+        <a:latin typeface="+mn-lt"/>
+        <a:ea typeface="+mn-ea"/>
+        <a:cs typeface="+mn-cs"/>
+      </a:defRPr>
+    </a:lvl9pPr>
+  </p:notesStyle>
+</p:notesMaster>
+</file>
+
+<file path=ppt/notesSlides/notesSlide1.xml><?xml version="1.0" encoding="utf-8"?>
+<p:notes xmlns:a="http://schemas.openxmlformats.org/drawingml/2006/main" xmlns:r="http://schemas.openxmlformats.org/officeDocument/2006/relationships" xmlns:p="http://schemas.openxmlformats.org/presentationml/2006/main">
+  <p:cSld>
+    <p:spTree>
+      <p:nvGrpSpPr>
+        <p:cNvPr id="1" name=""/>
+        <p:cNvGrpSpPr/>
+        <p:nvPr/>
+      </p:nvGrpSpPr>
+      <p:grpSpPr>
+        <a:xfrm>
+          <a:off x="0" y="0"/>
+          <a:ext cx="0" cy="0"/>
+          <a:chOff x="0" y="0"/>
+          <a:chExt cx="0" cy="0"/>
+        </a:xfrm>
+      </p:grpSpPr>
+      <p:sp>
+        <p:nvSpPr>
+          <p:cNvPr id="2" name="Slide Image Placeholder 1"/>
+          <p:cNvSpPr>
+            <a:spLocks noGrp="1" noRot="1" noChangeAspect="1"/>
+          </p:cNvSpPr>
+          <p:nvPr>
+            <p:ph type="sldImg"/>
+          </p:nvPr>
+        </p:nvSpPr>
+        <p:spPr/>
+      </p:sp>
+      <p:sp>
+        <p:nvSpPr>
+          <p:cNvPr id="3" name="Notes Placeholder 2"/>
+          <p:cNvSpPr>
+            <a:spLocks noGrp="1"/>
+          </p:cNvSpPr>
+          <p:nvPr>
+            <p:ph type="body" idx="1"/>
+          </p:nvPr>
+        </p:nvSpPr>
+        <p:spPr/>
+        <p:txBody>
+          <a:bodyPr/>
+          <a:lstStyle/>
+          <a:p>
+            <a:r>
+              <a:rPr lang="en-US" dirty="0" smtClean="0"/>
+              <a:t>New-Item -Path "C:\HECCMDTBuildLab" -</a:t>
+            </a:r>
+            <a:r>
+              <a:rPr lang="en-US" dirty="0" err="1" smtClean="0"/>
+              <a:t>ItemType</a:t>
+            </a:r>
+            <a:r>
+              <a:rPr lang="en-US" dirty="0" smtClean="0"/>
+              <a:t> directory</a:t>
+            </a:r>
+          </a:p>
+          <a:p>
+            <a:r>
+              <a:rPr lang="en-US" dirty="0" smtClean="0"/>
+              <a:t>New-</a:t>
+            </a:r>
+            <a:r>
+              <a:rPr lang="en-US" dirty="0" err="1" smtClean="0"/>
+              <a:t>SmbShare</a:t>
+            </a:r>
+            <a:r>
+              <a:rPr lang="en-US" dirty="0" smtClean="0"/>
+              <a:t> -Name "</a:t>
+            </a:r>
+            <a:r>
+              <a:rPr lang="en-US" dirty="0" err="1" smtClean="0"/>
+              <a:t>HECCMDTBuildLab</a:t>
+            </a:r>
+            <a:r>
+              <a:rPr lang="en-US" dirty="0" smtClean="0"/>
+              <a:t>$" -Path "C:\HECCMDTBuildLab" -</a:t>
+            </a:r>
+            <a:r>
+              <a:rPr lang="en-US" dirty="0" err="1" smtClean="0"/>
+              <a:t>FullAccess</a:t>
+            </a:r>
+            <a:r>
+              <a:rPr lang="en-US" dirty="0" smtClean="0"/>
+              <a:t> Administrators</a:t>
+            </a:r>
+          </a:p>
+          <a:p>
+            <a:r>
+              <a:rPr lang="en-US" dirty="0" smtClean="0"/>
+              <a:t>Import-Module "C:\Program Files\Microsoft Deployment Toolkit\bin\MicrosoftDeploymentToolkit.psd1"</a:t>
+            </a:r>
+          </a:p>
+          <a:p>
+            <a:r>
+              <a:rPr lang="en-US" dirty="0" smtClean="0"/>
+              <a:t>new-</a:t>
+            </a:r>
+            <a:r>
+              <a:rPr lang="en-US" dirty="0" err="1" smtClean="0"/>
+              <a:t>PSDrive</a:t>
+            </a:r>
+            <a:r>
+              <a:rPr lang="en-US" dirty="0" smtClean="0"/>
+              <a:t> -Name "DS001" -</a:t>
+            </a:r>
+            <a:r>
+              <a:rPr lang="en-US" dirty="0" err="1" smtClean="0"/>
+              <a:t>PSProvider</a:t>
+            </a:r>
+            <a:r>
+              <a:rPr lang="en-US" dirty="0" smtClean="0"/>
+              <a:t> "</a:t>
+            </a:r>
+            <a:r>
+              <a:rPr lang="en-US" dirty="0" err="1" smtClean="0"/>
+              <a:t>MDTProvider</a:t>
+            </a:r>
+            <a:r>
+              <a:rPr lang="en-US" dirty="0" smtClean="0"/>
+              <a:t>" -Root "C:\HECCMDTBuildLab" -Description "HECC Build Lab" -</a:t>
+            </a:r>
+            <a:r>
+              <a:rPr lang="en-US" dirty="0" err="1" smtClean="0"/>
+              <a:t>NetworkPath</a:t>
+            </a:r>
+            <a:r>
+              <a:rPr lang="en-US" dirty="0" smtClean="0"/>
+              <a:t> "\\AS-TEC-PROBK-01\HECCMDTBuildLab$" -Verbose | add-</a:t>
+            </a:r>
+            <a:r>
+              <a:rPr lang="en-US" dirty="0" err="1" smtClean="0"/>
+              <a:t>MDTPersistentDrive</a:t>
+            </a:r>
+            <a:r>
+              <a:rPr lang="en-US" dirty="0" smtClean="0"/>
+              <a:t> -Verbose</a:t>
+            </a:r>
+          </a:p>
+          <a:p>
+            <a:endParaRPr lang="en-US" dirty="0"/>
+          </a:p>
+        </p:txBody>
+      </p:sp>
+      <p:sp>
+        <p:nvSpPr>
+          <p:cNvPr id="4" name="Slide Number Placeholder 3"/>
+          <p:cNvSpPr>
+            <a:spLocks noGrp="1"/>
+          </p:cNvSpPr>
+          <p:nvPr>
+            <p:ph type="sldNum" sz="quarter" idx="10"/>
+          </p:nvPr>
+        </p:nvSpPr>
+        <p:spPr/>
+        <p:txBody>
+          <a:bodyPr/>
+          <a:lstStyle/>
+          <a:p>
+            <a:fld id="{CA4D1D8D-529E-4C3E-8E19-57477EA95FD2}" type="slidenum">
+              <a:rPr lang="en-US" smtClean="0"/>
+              <a:t>7</a:t>
+            </a:fld>
+            <a:endParaRPr lang="en-US"/>
+          </a:p>
+        </p:txBody>
+      </p:sp>
+    </p:spTree>
+    <p:extLst>
+      <p:ext uri="{BB962C8B-B14F-4D97-AF65-F5344CB8AC3E}">
+        <p14:creationId xmlns:p14="http://schemas.microsoft.com/office/powerpoint/2010/main" val="3589718846"/>
+      </p:ext>
+    </p:extLst>
+  </p:cSld>
+  <p:clrMapOvr>
+    <a:masterClrMapping/>
+  </p:clrMapOvr>
+</p:notes>
+</file>
+
 <file path=ppt/slideLayouts/slideLayout1.xml><?xml version="1.0" encoding="utf-8"?>
 <p:sldLayout xmlns:a="http://schemas.openxmlformats.org/drawingml/2006/main" xmlns:r="http://schemas.openxmlformats.org/officeDocument/2006/relationships" xmlns:p="http://schemas.openxmlformats.org/presentationml/2006/main" type="title" preserve="1">
   <p:cSld name="Title Slide">
@@ -245,7 +782,7 @@
           <a:p>
             <a:fld id="{968F8B48-9EEB-4E1A-AB61-E86E4E194647}" type="datetimeFigureOut">
               <a:rPr lang="en-US" smtClean="0"/>
-              <a:t>10/22/2018</a:t>
+              <a:t>10/24/2018</a:t>
             </a:fld>
             <a:endParaRPr lang="en-US"/>
           </a:p>
@@ -415,7 +952,7 @@
           <a:p>
             <a:fld id="{968F8B48-9EEB-4E1A-AB61-E86E4E194647}" type="datetimeFigureOut">
               <a:rPr lang="en-US" smtClean="0"/>
-              <a:t>10/22/2018</a:t>
+              <a:t>10/24/2018</a:t>
             </a:fld>
             <a:endParaRPr lang="en-US"/>
           </a:p>
@@ -595,7 +1132,7 @@
           <a:p>
             <a:fld id="{968F8B48-9EEB-4E1A-AB61-E86E4E194647}" type="datetimeFigureOut">
               <a:rPr lang="en-US" smtClean="0"/>
-              <a:t>10/22/2018</a:t>
+              <a:t>10/24/2018</a:t>
             </a:fld>
             <a:endParaRPr lang="en-US"/>
           </a:p>
@@ -765,7 +1302,7 @@
           <a:p>
             <a:fld id="{968F8B48-9EEB-4E1A-AB61-E86E4E194647}" type="datetimeFigureOut">
               <a:rPr lang="en-US" smtClean="0"/>
-              <a:t>10/22/2018</a:t>
+              <a:t>10/24/2018</a:t>
             </a:fld>
             <a:endParaRPr lang="en-US"/>
           </a:p>
@@ -1011,7 +1548,7 @@
           <a:p>
             <a:fld id="{968F8B48-9EEB-4E1A-AB61-E86E4E194647}" type="datetimeFigureOut">
               <a:rPr lang="en-US" smtClean="0"/>
-              <a:t>10/22/2018</a:t>
+              <a:t>10/24/2018</a:t>
             </a:fld>
             <a:endParaRPr lang="en-US"/>
           </a:p>
@@ -1243,7 +1780,7 @@
           <a:p>
             <a:fld id="{968F8B48-9EEB-4E1A-AB61-E86E4E194647}" type="datetimeFigureOut">
               <a:rPr lang="en-US" smtClean="0"/>
-              <a:t>10/22/2018</a:t>
+              <a:t>10/24/2018</a:t>
             </a:fld>
             <a:endParaRPr lang="en-US"/>
           </a:p>
@@ -1610,7 +2147,7 @@
           <a:p>
             <a:fld id="{968F8B48-9EEB-4E1A-AB61-E86E4E194647}" type="datetimeFigureOut">
               <a:rPr lang="en-US" smtClean="0"/>
-              <a:t>10/22/2018</a:t>
+              <a:t>10/24/2018</a:t>
             </a:fld>
             <a:endParaRPr lang="en-US"/>
           </a:p>
@@ -1728,7 +2265,7 @@
           <a:p>
             <a:fld id="{968F8B48-9EEB-4E1A-AB61-E86E4E194647}" type="datetimeFigureOut">
               <a:rPr lang="en-US" smtClean="0"/>
-              <a:t>10/22/2018</a:t>
+              <a:t>10/24/2018</a:t>
             </a:fld>
             <a:endParaRPr lang="en-US"/>
           </a:p>
@@ -1823,7 +2360,7 @@
           <a:p>
             <a:fld id="{968F8B48-9EEB-4E1A-AB61-E86E4E194647}" type="datetimeFigureOut">
               <a:rPr lang="en-US" smtClean="0"/>
-              <a:t>10/22/2018</a:t>
+              <a:t>10/24/2018</a:t>
             </a:fld>
             <a:endParaRPr lang="en-US"/>
           </a:p>
@@ -2100,7 +2637,7 @@
           <a:p>
             <a:fld id="{968F8B48-9EEB-4E1A-AB61-E86E4E194647}" type="datetimeFigureOut">
               <a:rPr lang="en-US" smtClean="0"/>
-              <a:t>10/22/2018</a:t>
+              <a:t>10/24/2018</a:t>
             </a:fld>
             <a:endParaRPr lang="en-US"/>
           </a:p>
@@ -2353,7 +2890,7 @@
           <a:p>
             <a:fld id="{968F8B48-9EEB-4E1A-AB61-E86E4E194647}" type="datetimeFigureOut">
               <a:rPr lang="en-US" smtClean="0"/>
-              <a:t>10/22/2018</a:t>
+              <a:t>10/24/2018</a:t>
             </a:fld>
             <a:endParaRPr lang="en-US"/>
           </a:p>
@@ -2566,7 +3103,7 @@
           <a:p>
             <a:fld id="{968F8B48-9EEB-4E1A-AB61-E86E4E194647}" type="datetimeFigureOut">
               <a:rPr lang="en-US" smtClean="0"/>
-              <a:t>10/22/2018</a:t>
+              <a:t>10/24/2018</a:t>
             </a:fld>
             <a:endParaRPr lang="en-US"/>
           </a:p>
@@ -3299,6 +3836,455 @@
 </p:sld>
 </file>
 
+<file path=ppt/slides/slide4.xml><?xml version="1.0" encoding="utf-8"?>
+<p:sld xmlns:a="http://schemas.openxmlformats.org/drawingml/2006/main" xmlns:r="http://schemas.openxmlformats.org/officeDocument/2006/relationships" xmlns:p="http://schemas.openxmlformats.org/presentationml/2006/main">
+  <p:cSld>
+    <p:spTree>
+      <p:nvGrpSpPr>
+        <p:cNvPr id="1" name=""/>
+        <p:cNvGrpSpPr/>
+        <p:nvPr/>
+      </p:nvGrpSpPr>
+      <p:grpSpPr>
+        <a:xfrm>
+          <a:off x="0" y="0"/>
+          <a:ext cx="0" cy="0"/>
+          <a:chOff x="0" y="0"/>
+          <a:chExt cx="0" cy="0"/>
+        </a:xfrm>
+      </p:grpSpPr>
+      <p:sp>
+        <p:nvSpPr>
+          <p:cNvPr id="2" name="Title 1"/>
+          <p:cNvSpPr>
+            <a:spLocks noGrp="1"/>
+          </p:cNvSpPr>
+          <p:nvPr>
+            <p:ph type="title"/>
+          </p:nvPr>
+        </p:nvSpPr>
+        <p:spPr/>
+        <p:txBody>
+          <a:bodyPr/>
+          <a:lstStyle/>
+          <a:p>
+            <a:r>
+              <a:rPr lang="en-US" dirty="0" smtClean="0"/>
+              <a:t>Windows ADK Install</a:t>
+            </a:r>
+            <a:endParaRPr lang="en-US" dirty="0"/>
+          </a:p>
+        </p:txBody>
+      </p:sp>
+      <p:sp>
+        <p:nvSpPr>
+          <p:cNvPr id="3" name="Content Placeholder 2"/>
+          <p:cNvSpPr>
+            <a:spLocks noGrp="1"/>
+          </p:cNvSpPr>
+          <p:nvPr>
+            <p:ph idx="1"/>
+          </p:nvPr>
+        </p:nvSpPr>
+        <p:spPr>
+          <a:xfrm>
+            <a:off x="838200" y="1825625"/>
+            <a:ext cx="4429835" cy="4351338"/>
+          </a:xfrm>
+        </p:spPr>
+        <p:txBody>
+          <a:bodyPr/>
+          <a:lstStyle/>
+          <a:p>
+            <a:r>
+              <a:rPr lang="en-US" dirty="0" smtClean="0"/>
+              <a:t>You don’t need all options. </a:t>
+            </a:r>
+          </a:p>
+          <a:p>
+            <a:r>
+              <a:rPr lang="en-US" dirty="0" smtClean="0"/>
+              <a:t>Only need</a:t>
+            </a:r>
+          </a:p>
+          <a:p>
+            <a:pPr lvl="1"/>
+            <a:r>
+              <a:rPr lang="en-US" dirty="0" smtClean="0"/>
+              <a:t>Deployment Tools</a:t>
+            </a:r>
+          </a:p>
+          <a:p>
+            <a:pPr lvl="1"/>
+            <a:r>
+              <a:rPr lang="en-US" dirty="0" smtClean="0"/>
+              <a:t>Imaging and Configuration Designer (ICD)</a:t>
+            </a:r>
+          </a:p>
+          <a:p>
+            <a:pPr lvl="1"/>
+            <a:r>
+              <a:rPr lang="en-US" dirty="0" smtClean="0"/>
+              <a:t>Configuration Designer</a:t>
+            </a:r>
+          </a:p>
+          <a:p>
+            <a:pPr lvl="1"/>
+            <a:r>
+              <a:rPr lang="en-US" dirty="0" smtClean="0"/>
+              <a:t>User State Migration Tool</a:t>
+            </a:r>
+          </a:p>
+          <a:p>
+            <a:pPr lvl="1"/>
+            <a:endParaRPr lang="en-US" dirty="0"/>
+          </a:p>
+        </p:txBody>
+      </p:sp>
+      <p:pic>
+        <p:nvPicPr>
+          <p:cNvPr id="4" name="Picture 3"/>
+          <p:cNvPicPr>
+            <a:picLocks noChangeAspect="1"/>
+          </p:cNvPicPr>
+          <p:nvPr/>
+        </p:nvPicPr>
+        <p:blipFill>
+          <a:blip r:embed="rId2"/>
+          <a:stretch>
+            <a:fillRect/>
+          </a:stretch>
+        </p:blipFill>
+        <p:spPr>
+          <a:xfrm>
+            <a:off x="5416351" y="1690688"/>
+            <a:ext cx="6192546" cy="4546742"/>
+          </a:xfrm>
+          <a:prstGeom prst="rect">
+            <a:avLst/>
+          </a:prstGeom>
+          <a:effectLst>
+            <a:outerShdw blurRad="50800" dist="38100" dir="2700000" algn="tl" rotWithShape="0">
+              <a:prstClr val="black">
+                <a:alpha val="40000"/>
+              </a:prstClr>
+            </a:outerShdw>
+          </a:effectLst>
+        </p:spPr>
+      </p:pic>
+    </p:spTree>
+    <p:extLst>
+      <p:ext uri="{BB962C8B-B14F-4D97-AF65-F5344CB8AC3E}">
+        <p14:creationId xmlns:p14="http://schemas.microsoft.com/office/powerpoint/2010/main" val="3362107806"/>
+      </p:ext>
+    </p:extLst>
+  </p:cSld>
+  <p:clrMapOvr>
+    <a:masterClrMapping/>
+  </p:clrMapOvr>
+</p:sld>
+</file>
+
+<file path=ppt/slides/slide5.xml><?xml version="1.0" encoding="utf-8"?>
+<p:sld xmlns:a="http://schemas.openxmlformats.org/drawingml/2006/main" xmlns:r="http://schemas.openxmlformats.org/officeDocument/2006/relationships" xmlns:p="http://schemas.openxmlformats.org/presentationml/2006/main">
+  <p:cSld>
+    <p:spTree>
+      <p:nvGrpSpPr>
+        <p:cNvPr id="1" name=""/>
+        <p:cNvGrpSpPr/>
+        <p:nvPr/>
+      </p:nvGrpSpPr>
+      <p:grpSpPr>
+        <a:xfrm>
+          <a:off x="0" y="0"/>
+          <a:ext cx="0" cy="0"/>
+          <a:chOff x="0" y="0"/>
+          <a:chExt cx="0" cy="0"/>
+        </a:xfrm>
+      </p:grpSpPr>
+      <p:sp>
+        <p:nvSpPr>
+          <p:cNvPr id="2" name="Title 1"/>
+          <p:cNvSpPr>
+            <a:spLocks noGrp="1"/>
+          </p:cNvSpPr>
+          <p:nvPr>
+            <p:ph type="title"/>
+          </p:nvPr>
+        </p:nvSpPr>
+        <p:spPr/>
+        <p:txBody>
+          <a:bodyPr/>
+          <a:lstStyle/>
+          <a:p>
+            <a:r>
+              <a:rPr lang="en-US" dirty="0" smtClean="0"/>
+              <a:t>Windows ADK WinPE</a:t>
+            </a:r>
+            <a:endParaRPr lang="en-US" dirty="0"/>
+          </a:p>
+        </p:txBody>
+      </p:sp>
+      <p:sp>
+        <p:nvSpPr>
+          <p:cNvPr id="3" name="Content Placeholder 2"/>
+          <p:cNvSpPr>
+            <a:spLocks noGrp="1"/>
+          </p:cNvSpPr>
+          <p:nvPr>
+            <p:ph idx="1"/>
+          </p:nvPr>
+        </p:nvSpPr>
+        <p:spPr>
+          <a:xfrm>
+            <a:off x="838200" y="1825625"/>
+            <a:ext cx="4521591" cy="4351338"/>
+          </a:xfrm>
+        </p:spPr>
+        <p:txBody>
+          <a:bodyPr/>
+          <a:lstStyle/>
+          <a:p>
+            <a:r>
+              <a:rPr lang="en-US" dirty="0" smtClean="0"/>
+              <a:t>No Options on this one</a:t>
+            </a:r>
+          </a:p>
+          <a:p>
+            <a:r>
+              <a:rPr lang="en-US" dirty="0" smtClean="0"/>
+              <a:t>Just Next, Next, Next, Install</a:t>
+            </a:r>
+            <a:endParaRPr lang="en-US" dirty="0"/>
+          </a:p>
+        </p:txBody>
+      </p:sp>
+      <p:pic>
+        <p:nvPicPr>
+          <p:cNvPr id="4" name="Picture 3"/>
+          <p:cNvPicPr>
+            <a:picLocks noChangeAspect="1"/>
+          </p:cNvPicPr>
+          <p:nvPr/>
+        </p:nvPicPr>
+        <p:blipFill>
+          <a:blip r:embed="rId2"/>
+          <a:stretch>
+            <a:fillRect/>
+          </a:stretch>
+        </p:blipFill>
+        <p:spPr>
+          <a:xfrm>
+            <a:off x="5570801" y="1690688"/>
+            <a:ext cx="6277887" cy="4611638"/>
+          </a:xfrm>
+          <a:prstGeom prst="rect">
+            <a:avLst/>
+          </a:prstGeom>
+          <a:effectLst>
+            <a:outerShdw blurRad="50800" dist="38100" dir="2700000" algn="tl" rotWithShape="0">
+              <a:prstClr val="black">
+                <a:alpha val="40000"/>
+              </a:prstClr>
+            </a:outerShdw>
+          </a:effectLst>
+        </p:spPr>
+      </p:pic>
+    </p:spTree>
+    <p:extLst>
+      <p:ext uri="{BB962C8B-B14F-4D97-AF65-F5344CB8AC3E}">
+        <p14:creationId xmlns:p14="http://schemas.microsoft.com/office/powerpoint/2010/main" val="1658217099"/>
+      </p:ext>
+    </p:extLst>
+  </p:cSld>
+  <p:clrMapOvr>
+    <a:masterClrMapping/>
+  </p:clrMapOvr>
+</p:sld>
+</file>
+
+<file path=ppt/slides/slide6.xml><?xml version="1.0" encoding="utf-8"?>
+<p:sld xmlns:a="http://schemas.openxmlformats.org/drawingml/2006/main" xmlns:r="http://schemas.openxmlformats.org/officeDocument/2006/relationships" xmlns:p="http://schemas.openxmlformats.org/presentationml/2006/main">
+  <p:cSld>
+    <p:spTree>
+      <p:nvGrpSpPr>
+        <p:cNvPr id="1" name=""/>
+        <p:cNvGrpSpPr/>
+        <p:nvPr/>
+      </p:nvGrpSpPr>
+      <p:grpSpPr>
+        <a:xfrm>
+          <a:off x="0" y="0"/>
+          <a:ext cx="0" cy="0"/>
+          <a:chOff x="0" y="0"/>
+          <a:chExt cx="0" cy="0"/>
+        </a:xfrm>
+      </p:grpSpPr>
+      <p:sp>
+        <p:nvSpPr>
+          <p:cNvPr id="2" name="Title 1"/>
+          <p:cNvSpPr>
+            <a:spLocks noGrp="1"/>
+          </p:cNvSpPr>
+          <p:nvPr>
+            <p:ph type="title"/>
+          </p:nvPr>
+        </p:nvSpPr>
+        <p:spPr/>
+        <p:txBody>
+          <a:bodyPr/>
+          <a:lstStyle/>
+          <a:p>
+            <a:r>
+              <a:rPr lang="en-US" dirty="0" smtClean="0"/>
+              <a:t>MDT 8450</a:t>
+            </a:r>
+            <a:endParaRPr lang="en-US" dirty="0"/>
+          </a:p>
+        </p:txBody>
+      </p:sp>
+      <p:sp>
+        <p:nvSpPr>
+          <p:cNvPr id="3" name="Content Placeholder 2"/>
+          <p:cNvSpPr>
+            <a:spLocks noGrp="1"/>
+          </p:cNvSpPr>
+          <p:nvPr>
+            <p:ph idx="1"/>
+          </p:nvPr>
+        </p:nvSpPr>
+        <p:spPr>
+          <a:xfrm>
+            <a:off x="838200" y="1825625"/>
+            <a:ext cx="4088642" cy="4351338"/>
+          </a:xfrm>
+        </p:spPr>
+        <p:txBody>
+          <a:bodyPr/>
+          <a:lstStyle/>
+          <a:p>
+            <a:r>
+              <a:rPr lang="en-US" dirty="0" smtClean="0"/>
+              <a:t>Take everything</a:t>
+            </a:r>
+          </a:p>
+        </p:txBody>
+      </p:sp>
+      <p:pic>
+        <p:nvPicPr>
+          <p:cNvPr id="4" name="Picture 3"/>
+          <p:cNvPicPr>
+            <a:picLocks noChangeAspect="1"/>
+          </p:cNvPicPr>
+          <p:nvPr/>
+        </p:nvPicPr>
+        <p:blipFill>
+          <a:blip r:embed="rId2"/>
+          <a:stretch>
+            <a:fillRect/>
+          </a:stretch>
+        </p:blipFill>
+        <p:spPr>
+          <a:xfrm>
+            <a:off x="5281053" y="1690687"/>
+            <a:ext cx="5773633" cy="4513931"/>
+          </a:xfrm>
+          <a:prstGeom prst="rect">
+            <a:avLst/>
+          </a:prstGeom>
+        </p:spPr>
+      </p:pic>
+    </p:spTree>
+    <p:extLst>
+      <p:ext uri="{BB962C8B-B14F-4D97-AF65-F5344CB8AC3E}">
+        <p14:creationId xmlns:p14="http://schemas.microsoft.com/office/powerpoint/2010/main" val="3114671381"/>
+      </p:ext>
+    </p:extLst>
+  </p:cSld>
+  <p:clrMapOvr>
+    <a:masterClrMapping/>
+  </p:clrMapOvr>
+</p:sld>
+</file>
+
+<file path=ppt/slides/slide7.xml><?xml version="1.0" encoding="utf-8"?>
+<p:sld xmlns:a="http://schemas.openxmlformats.org/drawingml/2006/main" xmlns:r="http://schemas.openxmlformats.org/officeDocument/2006/relationships" xmlns:p="http://schemas.openxmlformats.org/presentationml/2006/main">
+  <p:cSld>
+    <p:spTree>
+      <p:nvGrpSpPr>
+        <p:cNvPr id="1" name=""/>
+        <p:cNvGrpSpPr/>
+        <p:nvPr/>
+      </p:nvGrpSpPr>
+      <p:grpSpPr>
+        <a:xfrm>
+          <a:off x="0" y="0"/>
+          <a:ext cx="0" cy="0"/>
+          <a:chOff x="0" y="0"/>
+          <a:chExt cx="0" cy="0"/>
+        </a:xfrm>
+      </p:grpSpPr>
+      <p:sp>
+        <p:nvSpPr>
+          <p:cNvPr id="2" name="Title 1"/>
+          <p:cNvSpPr>
+            <a:spLocks noGrp="1"/>
+          </p:cNvSpPr>
+          <p:nvPr>
+            <p:ph type="title"/>
+          </p:nvPr>
+        </p:nvSpPr>
+        <p:spPr/>
+        <p:txBody>
+          <a:bodyPr/>
+          <a:lstStyle/>
+          <a:p>
+            <a:r>
+              <a:rPr lang="en-US" dirty="0" smtClean="0"/>
+              <a:t>Create Deployment Share</a:t>
+            </a:r>
+            <a:endParaRPr lang="en-US" dirty="0"/>
+          </a:p>
+        </p:txBody>
+      </p:sp>
+      <p:sp>
+        <p:nvSpPr>
+          <p:cNvPr id="3" name="Content Placeholder 2"/>
+          <p:cNvSpPr>
+            <a:spLocks noGrp="1"/>
+          </p:cNvSpPr>
+          <p:nvPr>
+            <p:ph idx="1"/>
+          </p:nvPr>
+        </p:nvSpPr>
+        <p:spPr/>
+        <p:txBody>
+          <a:bodyPr/>
+          <a:lstStyle/>
+          <a:p>
+            <a:r>
+              <a:rPr lang="en-US" dirty="0" smtClean="0"/>
+              <a:t>Open Deployment Workbench</a:t>
+            </a:r>
+          </a:p>
+          <a:p>
+            <a:endParaRPr lang="en-US" dirty="0"/>
+          </a:p>
+        </p:txBody>
+      </p:sp>
+    </p:spTree>
+    <p:extLst>
+      <p:ext uri="{BB962C8B-B14F-4D97-AF65-F5344CB8AC3E}">
+        <p14:creationId xmlns:p14="http://schemas.microsoft.com/office/powerpoint/2010/main" val="2177247391"/>
+      </p:ext>
+    </p:extLst>
+  </p:cSld>
+  <p:clrMapOvr>
+    <a:masterClrMapping/>
+  </p:clrMapOvr>
+</p:sld>
+</file>
+
 <file path=ppt/theme/theme1.xml><?xml version="1.0" encoding="utf-8"?>
 <a:theme xmlns:a="http://schemas.openxmlformats.org/drawingml/2006/main" name="Office Theme">
   <a:themeElements>
@@ -3558,4 +4544,265 @@
     </a:ext>
   </a:extLst>
 </a:theme>
+</file>
+
+<file path=ppt/theme/theme2.xml><?xml version="1.0" encoding="utf-8"?>
+<a:theme xmlns:a="http://schemas.openxmlformats.org/drawingml/2006/main" name="Office Theme">
+  <a:themeElements>
+    <a:clrScheme name="Office">
+      <a:dk1>
+        <a:sysClr val="windowText" lastClr="000000"/>
+      </a:dk1>
+      <a:lt1>
+        <a:sysClr val="window" lastClr="FFFFFF"/>
+      </a:lt1>
+      <a:dk2>
+        <a:srgbClr val="44546A"/>
+      </a:dk2>
+      <a:lt2>
+        <a:srgbClr val="E7E6E6"/>
+      </a:lt2>
+      <a:accent1>
+        <a:srgbClr val="5B9BD5"/>
+      </a:accent1>
+      <a:accent2>
+        <a:srgbClr val="ED7D31"/>
+      </a:accent2>
+      <a:accent3>
+        <a:srgbClr val="A5A5A5"/>
+      </a:accent3>
+      <a:accent4>
+        <a:srgbClr val="FFC000"/>
+      </a:accent4>
+      <a:accent5>
+        <a:srgbClr val="4472C4"/>
+      </a:accent5>
+      <a:accent6>
+        <a:srgbClr val="70AD47"/>
+      </a:accent6>
+      <a:hlink>
+        <a:srgbClr val="0563C1"/>
+      </a:hlink>
+      <a:folHlink>
+        <a:srgbClr val="954F72"/>
+      </a:folHlink>
+    </a:clrScheme>
+    <a:fontScheme name="Office">
+      <a:majorFont>
+        <a:latin typeface="Calibri Light" panose="020F0302020204030204"/>
+        <a:ea typeface=""/>
+        <a:cs typeface=""/>
+        <a:font script="Jpan" typeface="游ゴシック Light"/>
+        <a:font script="Hang" typeface="맑은 고딕"/>
+        <a:font script="Hans" typeface="等线 Light"/>
+        <a:font script="Hant" typeface="新細明體"/>
+        <a:font script="Arab" typeface="Times New Roman"/>
+        <a:font script="Hebr" typeface="Times New Roman"/>
+        <a:font script="Thai" typeface="Angsana New"/>
+        <a:font script="Ethi" typeface="Nyala"/>
+        <a:font script="Beng" typeface="Vrinda"/>
+        <a:font script="Gujr" typeface="Shruti"/>
+        <a:font script="Khmr" typeface="MoolBoran"/>
+        <a:font script="Knda" typeface="Tunga"/>
+        <a:font script="Guru" typeface="Raavi"/>
+        <a:font script="Cans" typeface="Euphemia"/>
+        <a:font script="Cher" typeface="Plantagenet Cherokee"/>
+        <a:font script="Yiii" typeface="Microsoft Yi Baiti"/>
+        <a:font script="Tibt" typeface="Microsoft Himalaya"/>
+        <a:font script="Thaa" typeface="MV Boli"/>
+        <a:font script="Deva" typeface="Mangal"/>
+        <a:font script="Telu" typeface="Gautami"/>
+        <a:font script="Taml" typeface="Latha"/>
+        <a:font script="Syrc" typeface="Estrangelo Edessa"/>
+        <a:font script="Orya" typeface="Kalinga"/>
+        <a:font script="Mlym" typeface="Kartika"/>
+        <a:font script="Laoo" typeface="DokChampa"/>
+        <a:font script="Sinh" typeface="Iskoola Pota"/>
+        <a:font script="Mong" typeface="Mongolian Baiti"/>
+        <a:font script="Viet" typeface="Times New Roman"/>
+        <a:font script="Uigh" typeface="Microsoft Uighur"/>
+        <a:font script="Geor" typeface="Sylfaen"/>
+      </a:majorFont>
+      <a:minorFont>
+        <a:latin typeface="Calibri" panose="020F0502020204030204"/>
+        <a:ea typeface=""/>
+        <a:cs typeface=""/>
+        <a:font script="Jpan" typeface="游ゴシック"/>
+        <a:font script="Hang" typeface="맑은 고딕"/>
+        <a:font script="Hans" typeface="等线"/>
+        <a:font script="Hant" typeface="新細明體"/>
+        <a:font script="Arab" typeface="Arial"/>
+        <a:font script="Hebr" typeface="Arial"/>
+        <a:font script="Thai" typeface="Cordia New"/>
+        <a:font script="Ethi" typeface="Nyala"/>
+        <a:font script="Beng" typeface="Vrinda"/>
+        <a:font script="Gujr" typeface="Shruti"/>
+        <a:font script="Khmr" typeface="DaunPenh"/>
+        <a:font script="Knda" typeface="Tunga"/>
+        <a:font script="Guru" typeface="Raavi"/>
+        <a:font script="Cans" typeface="Euphemia"/>
+        <a:font script="Cher" typeface="Plantagenet Cherokee"/>
+        <a:font script="Yiii" typeface="Microsoft Yi Baiti"/>
+        <a:font script="Tibt" typeface="Microsoft Himalaya"/>
+        <a:font script="Thaa" typeface="MV Boli"/>
+        <a:font script="Deva" typeface="Mangal"/>
+        <a:font script="Telu" typeface="Gautami"/>
+        <a:font script="Taml" typeface="Latha"/>
+        <a:font script="Syrc" typeface="Estrangelo Edessa"/>
+        <a:font script="Orya" typeface="Kalinga"/>
+        <a:font script="Mlym" typeface="Kartika"/>
+        <a:font script="Laoo" typeface="DokChampa"/>
+        <a:font script="Sinh" typeface="Iskoola Pota"/>
+        <a:font script="Mong" typeface="Mongolian Baiti"/>
+        <a:font script="Viet" typeface="Arial"/>
+        <a:font script="Uigh" typeface="Microsoft Uighur"/>
+        <a:font script="Geor" typeface="Sylfaen"/>
+      </a:minorFont>
+    </a:fontScheme>
+    <a:fmtScheme name="Office">
+      <a:fillStyleLst>
+        <a:solidFill>
+          <a:schemeClr val="phClr"/>
+        </a:solidFill>
+        <a:gradFill rotWithShape="1">
+          <a:gsLst>
+            <a:gs pos="0">
+              <a:schemeClr val="phClr">
+                <a:lumMod val="110000"/>
+                <a:satMod val="105000"/>
+                <a:tint val="67000"/>
+              </a:schemeClr>
+            </a:gs>
+            <a:gs pos="50000">
+              <a:schemeClr val="phClr">
+                <a:lumMod val="105000"/>
+                <a:satMod val="103000"/>
+                <a:tint val="73000"/>
+              </a:schemeClr>
+            </a:gs>
+            <a:gs pos="100000">
+              <a:schemeClr val="phClr">
+                <a:lumMod val="105000"/>
+                <a:satMod val="109000"/>
+                <a:tint val="81000"/>
+              </a:schemeClr>
+            </a:gs>
+          </a:gsLst>
+          <a:lin ang="5400000" scaled="0"/>
+        </a:gradFill>
+        <a:gradFill rotWithShape="1">
+          <a:gsLst>
+            <a:gs pos="0">
+              <a:schemeClr val="phClr">
+                <a:satMod val="103000"/>
+                <a:lumMod val="102000"/>
+                <a:tint val="94000"/>
+              </a:schemeClr>
+            </a:gs>
+            <a:gs pos="50000">
+              <a:schemeClr val="phClr">
+                <a:satMod val="110000"/>
+                <a:lumMod val="100000"/>
+                <a:shade val="100000"/>
+              </a:schemeClr>
+            </a:gs>
+            <a:gs pos="100000">
+              <a:schemeClr val="phClr">
+                <a:lumMod val="99000"/>
+                <a:satMod val="120000"/>
+                <a:shade val="78000"/>
+              </a:schemeClr>
+            </a:gs>
+          </a:gsLst>
+          <a:lin ang="5400000" scaled="0"/>
+        </a:gradFill>
+      </a:fillStyleLst>
+      <a:lnStyleLst>
+        <a:ln w="6350" cap="flat" cmpd="sng" algn="ctr">
+          <a:solidFill>
+            <a:schemeClr val="phClr"/>
+          </a:solidFill>
+          <a:prstDash val="solid"/>
+          <a:miter lim="800000"/>
+        </a:ln>
+        <a:ln w="12700" cap="flat" cmpd="sng" algn="ctr">
+          <a:solidFill>
+            <a:schemeClr val="phClr"/>
+          </a:solidFill>
+          <a:prstDash val="solid"/>
+          <a:miter lim="800000"/>
+        </a:ln>
+        <a:ln w="19050" cap="flat" cmpd="sng" algn="ctr">
+          <a:solidFill>
+            <a:schemeClr val="phClr"/>
+          </a:solidFill>
+          <a:prstDash val="solid"/>
+          <a:miter lim="800000"/>
+        </a:ln>
+      </a:lnStyleLst>
+      <a:effectStyleLst>
+        <a:effectStyle>
+          <a:effectLst/>
+        </a:effectStyle>
+        <a:effectStyle>
+          <a:effectLst/>
+        </a:effectStyle>
+        <a:effectStyle>
+          <a:effectLst>
+            <a:outerShdw blurRad="57150" dist="19050" dir="5400000" algn="ctr" rotWithShape="0">
+              <a:srgbClr val="000000">
+                <a:alpha val="63000"/>
+              </a:srgbClr>
+            </a:outerShdw>
+          </a:effectLst>
+        </a:effectStyle>
+      </a:effectStyleLst>
+      <a:bgFillStyleLst>
+        <a:solidFill>
+          <a:schemeClr val="phClr"/>
+        </a:solidFill>
+        <a:solidFill>
+          <a:schemeClr val="phClr">
+            <a:tint val="95000"/>
+            <a:satMod val="170000"/>
+          </a:schemeClr>
+        </a:solidFill>
+        <a:gradFill rotWithShape="1">
+          <a:gsLst>
+            <a:gs pos="0">
+              <a:schemeClr val="phClr">
+                <a:tint val="93000"/>
+                <a:satMod val="150000"/>
+                <a:shade val="98000"/>
+                <a:lumMod val="102000"/>
+              </a:schemeClr>
+            </a:gs>
+            <a:gs pos="50000">
+              <a:schemeClr val="phClr">
+                <a:tint val="98000"/>
+                <a:satMod val="130000"/>
+                <a:shade val="90000"/>
+                <a:lumMod val="103000"/>
+              </a:schemeClr>
+            </a:gs>
+            <a:gs pos="100000">
+              <a:schemeClr val="phClr">
+                <a:shade val="63000"/>
+                <a:satMod val="120000"/>
+              </a:schemeClr>
+            </a:gs>
+          </a:gsLst>
+          <a:lin ang="5400000" scaled="0"/>
+        </a:gradFill>
+      </a:bgFillStyleLst>
+    </a:fmtScheme>
+  </a:themeElements>
+  <a:objectDefaults/>
+  <a:extraClrSchemeLst/>
+  <a:extLst>
+    <a:ext uri="{05A4C25C-085E-4340-85A3-A5531E510DB2}">
+      <thm15:themeFamily xmlns:thm15="http://schemas.microsoft.com/office/thememl/2012/main" name="Office Theme" id="{62F939B6-93AF-4DB8-9C6B-D6C7DFDC589F}" vid="{4A3C46E8-61CC-4603-A589-7422A47A8E4A}"/>
+    </a:ext>
+  </a:extLst>
+</a:theme>
 </file>
--- a/Part_01/Section01.pptx
+++ b/Part_01/Section01.pptx
@@ -5,7 +5,7 @@
     <p:sldMasterId id="2147483648" r:id="rId1"/>
   </p:sldMasterIdLst>
   <p:notesMasterIdLst>
-    <p:notesMasterId r:id="rId9"/>
+    <p:notesMasterId r:id="rId11"/>
   </p:notesMasterIdLst>
   <p:sldIdLst>
     <p:sldId id="256" r:id="rId2"/>
@@ -15,6 +15,8 @@
     <p:sldId id="260" r:id="rId6"/>
     <p:sldId id="261" r:id="rId7"/>
     <p:sldId id="262" r:id="rId8"/>
+    <p:sldId id="263" r:id="rId9"/>
+    <p:sldId id="264" r:id="rId10"/>
   </p:sldIdLst>
   <p:sldSz cx="12192000" cy="6858000"/>
   <p:notesSz cx="6858000" cy="9144000"/>
@@ -515,102 +517,6 @@
           <a:bodyPr/>
           <a:lstStyle/>
           <a:p>
-            <a:r>
-              <a:rPr lang="en-US" dirty="0" smtClean="0"/>
-              <a:t>New-Item -Path "C:\HECCMDTBuildLab" -</a:t>
-            </a:r>
-            <a:r>
-              <a:rPr lang="en-US" dirty="0" err="1" smtClean="0"/>
-              <a:t>ItemType</a:t>
-            </a:r>
-            <a:r>
-              <a:rPr lang="en-US" dirty="0" smtClean="0"/>
-              <a:t> directory</a:t>
-            </a:r>
-          </a:p>
-          <a:p>
-            <a:r>
-              <a:rPr lang="en-US" dirty="0" smtClean="0"/>
-              <a:t>New-</a:t>
-            </a:r>
-            <a:r>
-              <a:rPr lang="en-US" dirty="0" err="1" smtClean="0"/>
-              <a:t>SmbShare</a:t>
-            </a:r>
-            <a:r>
-              <a:rPr lang="en-US" dirty="0" smtClean="0"/>
-              <a:t> -Name "</a:t>
-            </a:r>
-            <a:r>
-              <a:rPr lang="en-US" dirty="0" err="1" smtClean="0"/>
-              <a:t>HECCMDTBuildLab</a:t>
-            </a:r>
-            <a:r>
-              <a:rPr lang="en-US" dirty="0" smtClean="0"/>
-              <a:t>$" -Path "C:\HECCMDTBuildLab" -</a:t>
-            </a:r>
-            <a:r>
-              <a:rPr lang="en-US" dirty="0" err="1" smtClean="0"/>
-              <a:t>FullAccess</a:t>
-            </a:r>
-            <a:r>
-              <a:rPr lang="en-US" dirty="0" smtClean="0"/>
-              <a:t> Administrators</a:t>
-            </a:r>
-          </a:p>
-          <a:p>
-            <a:r>
-              <a:rPr lang="en-US" dirty="0" smtClean="0"/>
-              <a:t>Import-Module "C:\Program Files\Microsoft Deployment Toolkit\bin\MicrosoftDeploymentToolkit.psd1"</a:t>
-            </a:r>
-          </a:p>
-          <a:p>
-            <a:r>
-              <a:rPr lang="en-US" dirty="0" smtClean="0"/>
-              <a:t>new-</a:t>
-            </a:r>
-            <a:r>
-              <a:rPr lang="en-US" dirty="0" err="1" smtClean="0"/>
-              <a:t>PSDrive</a:t>
-            </a:r>
-            <a:r>
-              <a:rPr lang="en-US" dirty="0" smtClean="0"/>
-              <a:t> -Name "DS001" -</a:t>
-            </a:r>
-            <a:r>
-              <a:rPr lang="en-US" dirty="0" err="1" smtClean="0"/>
-              <a:t>PSProvider</a:t>
-            </a:r>
-            <a:r>
-              <a:rPr lang="en-US" dirty="0" smtClean="0"/>
-              <a:t> "</a:t>
-            </a:r>
-            <a:r>
-              <a:rPr lang="en-US" dirty="0" err="1" smtClean="0"/>
-              <a:t>MDTProvider</a:t>
-            </a:r>
-            <a:r>
-              <a:rPr lang="en-US" dirty="0" smtClean="0"/>
-              <a:t>" -Root "C:\HECCMDTBuildLab" -Description "HECC Build Lab" -</a:t>
-            </a:r>
-            <a:r>
-              <a:rPr lang="en-US" dirty="0" err="1" smtClean="0"/>
-              <a:t>NetworkPath</a:t>
-            </a:r>
-            <a:r>
-              <a:rPr lang="en-US" dirty="0" smtClean="0"/>
-              <a:t> "\\AS-TEC-PROBK-01\HECCMDTBuildLab$" -Verbose | add-</a:t>
-            </a:r>
-            <a:r>
-              <a:rPr lang="en-US" dirty="0" err="1" smtClean="0"/>
-              <a:t>MDTPersistentDrive</a:t>
-            </a:r>
-            <a:r>
-              <a:rPr lang="en-US" dirty="0" smtClean="0"/>
-              <a:t> -Verbose</a:t>
-            </a:r>
-          </a:p>
-          <a:p>
             <a:endParaRPr lang="en-US" dirty="0"/>
           </a:p>
         </p:txBody>
@@ -642,6 +548,186 @@
     <p:extLst>
       <p:ext uri="{BB962C8B-B14F-4D97-AF65-F5344CB8AC3E}">
         <p14:creationId xmlns:p14="http://schemas.microsoft.com/office/powerpoint/2010/main" val="3589718846"/>
+      </p:ext>
+    </p:extLst>
+  </p:cSld>
+  <p:clrMapOvr>
+    <a:masterClrMapping/>
+  </p:clrMapOvr>
+</p:notes>
+</file>
+
+<file path=ppt/notesSlides/notesSlide2.xml><?xml version="1.0" encoding="utf-8"?>
+<p:notes xmlns:a="http://schemas.openxmlformats.org/drawingml/2006/main" xmlns:r="http://schemas.openxmlformats.org/officeDocument/2006/relationships" xmlns:p="http://schemas.openxmlformats.org/presentationml/2006/main">
+  <p:cSld>
+    <p:spTree>
+      <p:nvGrpSpPr>
+        <p:cNvPr id="1" name=""/>
+        <p:cNvGrpSpPr/>
+        <p:nvPr/>
+      </p:nvGrpSpPr>
+      <p:grpSpPr>
+        <a:xfrm>
+          <a:off x="0" y="0"/>
+          <a:ext cx="0" cy="0"/>
+          <a:chOff x="0" y="0"/>
+          <a:chExt cx="0" cy="0"/>
+        </a:xfrm>
+      </p:grpSpPr>
+      <p:sp>
+        <p:nvSpPr>
+          <p:cNvPr id="2" name="Slide Image Placeholder 1"/>
+          <p:cNvSpPr>
+            <a:spLocks noGrp="1" noRot="1" noChangeAspect="1"/>
+          </p:cNvSpPr>
+          <p:nvPr>
+            <p:ph type="sldImg"/>
+          </p:nvPr>
+        </p:nvSpPr>
+        <p:spPr/>
+      </p:sp>
+      <p:sp>
+        <p:nvSpPr>
+          <p:cNvPr id="3" name="Notes Placeholder 2"/>
+          <p:cNvSpPr>
+            <a:spLocks noGrp="1"/>
+          </p:cNvSpPr>
+          <p:nvPr>
+            <p:ph type="body" idx="1"/>
+          </p:nvPr>
+        </p:nvSpPr>
+        <p:spPr/>
+        <p:txBody>
+          <a:bodyPr/>
+          <a:lstStyle/>
+          <a:p>
+            <a:r>
+              <a:rPr lang="en-US" dirty="0" smtClean="0"/>
+              <a:t>New-Item -Path "C:\HECCMDTBuildLab" -</a:t>
+            </a:r>
+            <a:r>
+              <a:rPr lang="en-US" dirty="0" err="1" smtClean="0"/>
+              <a:t>ItemType</a:t>
+            </a:r>
+            <a:r>
+              <a:rPr lang="en-US" dirty="0" smtClean="0"/>
+              <a:t> directory</a:t>
+            </a:r>
+          </a:p>
+          <a:p>
+            <a:r>
+              <a:rPr lang="en-US" dirty="0" smtClean="0"/>
+              <a:t>New-</a:t>
+            </a:r>
+            <a:r>
+              <a:rPr lang="en-US" dirty="0" err="1" smtClean="0"/>
+              <a:t>SmbShare</a:t>
+            </a:r>
+            <a:r>
+              <a:rPr lang="en-US" dirty="0" smtClean="0"/>
+              <a:t> -Name "</a:t>
+            </a:r>
+            <a:r>
+              <a:rPr lang="en-US" dirty="0" err="1" smtClean="0"/>
+              <a:t>HECCMDTBuildLab</a:t>
+            </a:r>
+            <a:r>
+              <a:rPr lang="en-US" dirty="0" smtClean="0"/>
+              <a:t>$" -Path "C:\HECCMDTBuildLab" -</a:t>
+            </a:r>
+            <a:r>
+              <a:rPr lang="en-US" dirty="0" err="1" smtClean="0"/>
+              <a:t>FullAccess</a:t>
+            </a:r>
+            <a:r>
+              <a:rPr lang="en-US" dirty="0" smtClean="0"/>
+              <a:t> Administrators</a:t>
+            </a:r>
+          </a:p>
+          <a:p>
+            <a:r>
+              <a:rPr lang="en-US" dirty="0" smtClean="0"/>
+              <a:t>Import-Module "C:\Program Files\Microsoft Deployment Toolkit\bin\MicrosoftDeploymentToolkit.psd1"</a:t>
+            </a:r>
+          </a:p>
+          <a:p>
+            <a:r>
+              <a:rPr lang="en-US" dirty="0" smtClean="0"/>
+              <a:t>new-</a:t>
+            </a:r>
+            <a:r>
+              <a:rPr lang="en-US" dirty="0" err="1" smtClean="0"/>
+              <a:t>PSDrive</a:t>
+            </a:r>
+            <a:r>
+              <a:rPr lang="en-US" dirty="0" smtClean="0"/>
+              <a:t> -Name "DS001" -</a:t>
+            </a:r>
+            <a:r>
+              <a:rPr lang="en-US" dirty="0" err="1" smtClean="0"/>
+              <a:t>PSProvider</a:t>
+            </a:r>
+            <a:r>
+              <a:rPr lang="en-US" dirty="0" smtClean="0"/>
+              <a:t> "</a:t>
+            </a:r>
+            <a:r>
+              <a:rPr lang="en-US" dirty="0" err="1" smtClean="0"/>
+              <a:t>MDTProvider</a:t>
+            </a:r>
+            <a:r>
+              <a:rPr lang="en-US" dirty="0" smtClean="0"/>
+              <a:t>" -Root "C:\HECCMDTBuildLab" -Description "HECC Build Lab" -</a:t>
+            </a:r>
+            <a:r>
+              <a:rPr lang="en-US" dirty="0" err="1" smtClean="0"/>
+              <a:t>NetworkPath</a:t>
+            </a:r>
+            <a:r>
+              <a:rPr lang="en-US" dirty="0" smtClean="0"/>
+              <a:t> "\\AS-TEC-PROBK-01\HECCMDTBuildLab$" -Verbose | add-</a:t>
+            </a:r>
+            <a:r>
+              <a:rPr lang="en-US" dirty="0" err="1" smtClean="0"/>
+              <a:t>MDTPersistentDrive</a:t>
+            </a:r>
+            <a:r>
+              <a:rPr lang="en-US" dirty="0" smtClean="0"/>
+              <a:t> -Verbose</a:t>
+            </a:r>
+          </a:p>
+          <a:p>
+            <a:endParaRPr lang="en-US" dirty="0"/>
+          </a:p>
+        </p:txBody>
+      </p:sp>
+      <p:sp>
+        <p:nvSpPr>
+          <p:cNvPr id="4" name="Slide Number Placeholder 3"/>
+          <p:cNvSpPr>
+            <a:spLocks noGrp="1"/>
+          </p:cNvSpPr>
+          <p:nvPr>
+            <p:ph type="sldNum" sz="quarter" idx="10"/>
+          </p:nvPr>
+        </p:nvSpPr>
+        <p:spPr/>
+        <p:txBody>
+          <a:bodyPr/>
+          <a:lstStyle/>
+          <a:p>
+            <a:fld id="{CA4D1D8D-529E-4C3E-8E19-57477EA95FD2}" type="slidenum">
+              <a:rPr lang="en-US" smtClean="0"/>
+              <a:t>8</a:t>
+            </a:fld>
+            <a:endParaRPr lang="en-US"/>
+          </a:p>
+        </p:txBody>
+      </p:sp>
+    </p:spTree>
+    <p:extLst>
+      <p:ext uri="{BB962C8B-B14F-4D97-AF65-F5344CB8AC3E}">
+        <p14:creationId xmlns:p14="http://schemas.microsoft.com/office/powerpoint/2010/main" val="3058909960"/>
       </p:ext>
     </p:extLst>
   </p:cSld>
@@ -4268,14 +4354,412 @@
             </a:r>
           </a:p>
           <a:p>
+            <a:r>
+              <a:rPr lang="en-US" dirty="0" smtClean="0"/>
+              <a:t>Right Click on Deployment Share and select New Deployment Share</a:t>
+            </a:r>
+          </a:p>
+          <a:p>
+            <a:r>
+              <a:rPr lang="en-US" dirty="0" smtClean="0"/>
+              <a:t>For Lab Continuity use these settings…</a:t>
+            </a:r>
+          </a:p>
+          <a:p>
+            <a:pPr lvl="1"/>
+            <a:r>
+              <a:rPr lang="en-US" dirty="0" smtClean="0"/>
+              <a:t>Deployment share </a:t>
+            </a:r>
+            <a:r>
+              <a:rPr lang="en-US" dirty="0" smtClean="0"/>
+              <a:t>path </a:t>
+            </a:r>
+            <a:r>
+              <a:rPr lang="en-US" dirty="0"/>
+              <a:t>C:\</a:t>
+            </a:r>
+            <a:r>
+              <a:rPr lang="en-US" dirty="0" smtClean="0"/>
+              <a:t>HECCMDTBuildLab</a:t>
+            </a:r>
+          </a:p>
+          <a:p>
+            <a:pPr lvl="1"/>
+            <a:r>
+              <a:rPr lang="en-US" dirty="0"/>
+              <a:t>Share name </a:t>
+            </a:r>
+            <a:r>
+              <a:rPr lang="en-US" dirty="0" err="1"/>
+              <a:t>HECCMDTBuildLab</a:t>
+            </a:r>
+            <a:r>
+              <a:rPr lang="en-US" dirty="0" smtClean="0"/>
+              <a:t>$</a:t>
+            </a:r>
+          </a:p>
+          <a:p>
+            <a:pPr lvl="1"/>
+            <a:r>
+              <a:rPr lang="en-US" dirty="0" smtClean="0"/>
+              <a:t>Except all other prompts</a:t>
+            </a:r>
             <a:endParaRPr lang="en-US" dirty="0"/>
           </a:p>
         </p:txBody>
       </p:sp>
+      <p:pic>
+        <p:nvPicPr>
+          <p:cNvPr id="4" name="Picture 3"/>
+          <p:cNvPicPr>
+            <a:picLocks noChangeAspect="1"/>
+          </p:cNvPicPr>
+          <p:nvPr/>
+        </p:nvPicPr>
+        <p:blipFill>
+          <a:blip r:embed="rId3"/>
+          <a:stretch>
+            <a:fillRect/>
+          </a:stretch>
+        </p:blipFill>
+        <p:spPr>
+          <a:xfrm>
+            <a:off x="7423255" y="3030772"/>
+            <a:ext cx="4428461" cy="3146191"/>
+          </a:xfrm>
+          <a:prstGeom prst="rect">
+            <a:avLst/>
+          </a:prstGeom>
+          <a:effectLst>
+            <a:outerShdw blurRad="50800" dist="38100" dir="2700000" algn="tl" rotWithShape="0">
+              <a:prstClr val="black">
+                <a:alpha val="40000"/>
+              </a:prstClr>
+            </a:outerShdw>
+          </a:effectLst>
+        </p:spPr>
+      </p:pic>
     </p:spTree>
     <p:extLst>
       <p:ext uri="{BB962C8B-B14F-4D97-AF65-F5344CB8AC3E}">
         <p14:creationId xmlns:p14="http://schemas.microsoft.com/office/powerpoint/2010/main" val="2177247391"/>
+      </p:ext>
+    </p:extLst>
+  </p:cSld>
+  <p:clrMapOvr>
+    <a:masterClrMapping/>
+  </p:clrMapOvr>
+</p:sld>
+</file>
+
+<file path=ppt/slides/slide8.xml><?xml version="1.0" encoding="utf-8"?>
+<p:sld xmlns:a="http://schemas.openxmlformats.org/drawingml/2006/main" xmlns:r="http://schemas.openxmlformats.org/officeDocument/2006/relationships" xmlns:p="http://schemas.openxmlformats.org/presentationml/2006/main">
+  <p:cSld>
+    <p:spTree>
+      <p:nvGrpSpPr>
+        <p:cNvPr id="1" name=""/>
+        <p:cNvGrpSpPr/>
+        <p:nvPr/>
+      </p:nvGrpSpPr>
+      <p:grpSpPr>
+        <a:xfrm>
+          <a:off x="0" y="0"/>
+          <a:ext cx="0" cy="0"/>
+          <a:chOff x="0" y="0"/>
+          <a:chExt cx="0" cy="0"/>
+        </a:xfrm>
+      </p:grpSpPr>
+      <p:sp>
+        <p:nvSpPr>
+          <p:cNvPr id="2" name="Title 1"/>
+          <p:cNvSpPr>
+            <a:spLocks noGrp="1"/>
+          </p:cNvSpPr>
+          <p:nvPr>
+            <p:ph type="title"/>
+          </p:nvPr>
+        </p:nvSpPr>
+        <p:spPr/>
+        <p:txBody>
+          <a:bodyPr/>
+          <a:lstStyle/>
+          <a:p>
+            <a:r>
+              <a:rPr lang="en-US" dirty="0"/>
+              <a:t>Create Deployment </a:t>
+            </a:r>
+            <a:r>
+              <a:rPr lang="en-US" dirty="0" smtClean="0"/>
+              <a:t>Share … Easy way</a:t>
+            </a:r>
+            <a:endParaRPr lang="en-US" dirty="0"/>
+          </a:p>
+        </p:txBody>
+      </p:sp>
+      <p:sp>
+        <p:nvSpPr>
+          <p:cNvPr id="3" name="Content Placeholder 2"/>
+          <p:cNvSpPr>
+            <a:spLocks noGrp="1"/>
+          </p:cNvSpPr>
+          <p:nvPr>
+            <p:ph idx="1"/>
+          </p:nvPr>
+        </p:nvSpPr>
+        <p:spPr>
+          <a:xfrm>
+            <a:off x="838200" y="1825625"/>
+            <a:ext cx="10515600" cy="594846"/>
+          </a:xfrm>
+        </p:spPr>
+        <p:txBody>
+          <a:bodyPr>
+            <a:normAutofit/>
+          </a:bodyPr>
+          <a:lstStyle/>
+          <a:p>
+            <a:r>
+              <a:rPr lang="en-US" dirty="0" smtClean="0"/>
+              <a:t>Run PowerShell script to do all above</a:t>
+            </a:r>
+          </a:p>
+        </p:txBody>
+      </p:sp>
+      <p:sp>
+        <p:nvSpPr>
+          <p:cNvPr id="4" name="TextBox 3"/>
+          <p:cNvSpPr txBox="1"/>
+          <p:nvPr/>
+        </p:nvSpPr>
+        <p:spPr>
+          <a:xfrm>
+            <a:off x="788899" y="2510128"/>
+            <a:ext cx="10811435" cy="1661993"/>
+          </a:xfrm>
+          <a:prstGeom prst="rect">
+            <a:avLst/>
+          </a:prstGeom>
+          <a:noFill/>
+          <a:effectLst/>
+        </p:spPr>
+        <p:txBody>
+          <a:bodyPr wrap="square" rtlCol="0">
+            <a:spAutoFit/>
+          </a:bodyPr>
+          <a:lstStyle/>
+          <a:p>
+            <a:r>
+              <a:rPr lang="en-US" dirty="0"/>
+              <a:t>New-Item -Path "C:\HECCMDTBuildLab" -</a:t>
+            </a:r>
+            <a:r>
+              <a:rPr lang="en-US" dirty="0" err="1"/>
+              <a:t>ItemType</a:t>
+            </a:r>
+            <a:r>
+              <a:rPr lang="en-US" dirty="0"/>
+              <a:t> directory</a:t>
+            </a:r>
+          </a:p>
+          <a:p>
+            <a:r>
+              <a:rPr lang="en-US" dirty="0"/>
+              <a:t>New-</a:t>
+            </a:r>
+            <a:r>
+              <a:rPr lang="en-US" dirty="0" err="1"/>
+              <a:t>SmbShare</a:t>
+            </a:r>
+            <a:r>
+              <a:rPr lang="en-US" dirty="0"/>
+              <a:t> -Name "</a:t>
+            </a:r>
+            <a:r>
+              <a:rPr lang="en-US" dirty="0" err="1"/>
+              <a:t>HECCMDTBuildLab</a:t>
+            </a:r>
+            <a:r>
+              <a:rPr lang="en-US" dirty="0"/>
+              <a:t>$" -Path "C:\HECCMDTBuildLab" -</a:t>
+            </a:r>
+            <a:r>
+              <a:rPr lang="en-US" dirty="0" err="1"/>
+              <a:t>FullAccess</a:t>
+            </a:r>
+            <a:r>
+              <a:rPr lang="en-US" dirty="0"/>
+              <a:t> Administrators</a:t>
+            </a:r>
+          </a:p>
+          <a:p>
+            <a:r>
+              <a:rPr lang="en-US" dirty="0"/>
+              <a:t>Import-Module "C:\Program Files\Microsoft Deployment Toolkit\bin\MicrosoftDeploymentToolkit.psd1"</a:t>
+            </a:r>
+          </a:p>
+          <a:p>
+            <a:r>
+              <a:rPr lang="en-US" dirty="0"/>
+              <a:t>new-</a:t>
+            </a:r>
+            <a:r>
+              <a:rPr lang="en-US" dirty="0" err="1"/>
+              <a:t>PSDrive</a:t>
+            </a:r>
+            <a:r>
+              <a:rPr lang="en-US" dirty="0"/>
+              <a:t> -Name "DS001" -</a:t>
+            </a:r>
+            <a:r>
+              <a:rPr lang="en-US" dirty="0" err="1"/>
+              <a:t>PSProvider</a:t>
+            </a:r>
+            <a:r>
+              <a:rPr lang="en-US" dirty="0"/>
+              <a:t> "</a:t>
+            </a:r>
+            <a:r>
+              <a:rPr lang="en-US" dirty="0" err="1"/>
+              <a:t>MDTProvider</a:t>
+            </a:r>
+            <a:r>
+              <a:rPr lang="en-US" dirty="0"/>
+              <a:t>" -Root "C:\HECCMDTBuildLab" -Description "HECC Build Lab" -</a:t>
+            </a:r>
+            <a:r>
+              <a:rPr lang="en-US" dirty="0" err="1"/>
+              <a:t>NetworkPath</a:t>
+            </a:r>
+            <a:r>
+              <a:rPr lang="en-US" dirty="0"/>
+              <a:t> </a:t>
+            </a:r>
+            <a:r>
+              <a:rPr lang="en-US" dirty="0" smtClean="0"/>
+              <a:t>"\\MDT01\HECCMDTBuildLab</a:t>
+            </a:r>
+            <a:r>
+              <a:rPr lang="en-US" dirty="0"/>
+              <a:t>$" -Verbose | add-</a:t>
+            </a:r>
+            <a:r>
+              <a:rPr lang="en-US" dirty="0" err="1"/>
+              <a:t>MDTPersistentDrive</a:t>
+            </a:r>
+            <a:r>
+              <a:rPr lang="en-US" dirty="0"/>
+              <a:t> -Verbose</a:t>
+            </a:r>
+          </a:p>
+          <a:p>
+            <a:endParaRPr lang="en-US" sz="1200" dirty="0">
+              <a:latin typeface="Consolas" panose="020B0609020204030204" pitchFamily="49" charset="0"/>
+            </a:endParaRPr>
+          </a:p>
+        </p:txBody>
+      </p:sp>
+    </p:spTree>
+    <p:extLst>
+      <p:ext uri="{BB962C8B-B14F-4D97-AF65-F5344CB8AC3E}">
+        <p14:creationId xmlns:p14="http://schemas.microsoft.com/office/powerpoint/2010/main" val="535522776"/>
+      </p:ext>
+    </p:extLst>
+  </p:cSld>
+  <p:clrMapOvr>
+    <a:masterClrMapping/>
+  </p:clrMapOvr>
+</p:sld>
+</file>
+
+<file path=ppt/slides/slide9.xml><?xml version="1.0" encoding="utf-8"?>
+<p:sld xmlns:a="http://schemas.openxmlformats.org/drawingml/2006/main" xmlns:r="http://schemas.openxmlformats.org/officeDocument/2006/relationships" xmlns:p="http://schemas.openxmlformats.org/presentationml/2006/main">
+  <p:cSld>
+    <p:spTree>
+      <p:nvGrpSpPr>
+        <p:cNvPr id="1" name=""/>
+        <p:cNvGrpSpPr/>
+        <p:nvPr/>
+      </p:nvGrpSpPr>
+      <p:grpSpPr>
+        <a:xfrm>
+          <a:off x="0" y="0"/>
+          <a:ext cx="0" cy="0"/>
+          <a:chOff x="0" y="0"/>
+          <a:chExt cx="0" cy="0"/>
+        </a:xfrm>
+      </p:grpSpPr>
+      <p:sp>
+        <p:nvSpPr>
+          <p:cNvPr id="2" name="Title 1"/>
+          <p:cNvSpPr>
+            <a:spLocks noGrp="1"/>
+          </p:cNvSpPr>
+          <p:nvPr>
+            <p:ph type="title"/>
+          </p:nvPr>
+        </p:nvSpPr>
+        <p:spPr/>
+        <p:txBody>
+          <a:bodyPr/>
+          <a:lstStyle/>
+          <a:p>
+            <a:r>
+              <a:rPr lang="en-US" dirty="0" smtClean="0"/>
+              <a:t>Configuring Deployment Share</a:t>
+            </a:r>
+            <a:endParaRPr lang="en-US" dirty="0"/>
+          </a:p>
+        </p:txBody>
+      </p:sp>
+      <p:sp>
+        <p:nvSpPr>
+          <p:cNvPr id="3" name="Content Placeholder 2"/>
+          <p:cNvSpPr>
+            <a:spLocks noGrp="1"/>
+          </p:cNvSpPr>
+          <p:nvPr>
+            <p:ph idx="1"/>
+          </p:nvPr>
+        </p:nvSpPr>
+        <p:spPr/>
+        <p:txBody>
+          <a:bodyPr/>
+          <a:lstStyle/>
+          <a:p>
+            <a:r>
+              <a:rPr lang="en-US" dirty="0" smtClean="0"/>
+              <a:t>What is the point of the configurations</a:t>
+            </a:r>
+          </a:p>
+          <a:p>
+            <a:pPr lvl="1"/>
+            <a:r>
+              <a:rPr lang="en-US" dirty="0" smtClean="0"/>
+              <a:t>Simplify image creation process</a:t>
+            </a:r>
+          </a:p>
+          <a:p>
+            <a:pPr lvl="1"/>
+            <a:r>
+              <a:rPr lang="en-US" dirty="0" smtClean="0"/>
+              <a:t>Ultimately make image creation process scriptable or lite touch</a:t>
+            </a:r>
+          </a:p>
+          <a:p>
+            <a:pPr lvl="1"/>
+            <a:r>
+              <a:rPr lang="en-US" dirty="0" smtClean="0"/>
+              <a:t>Cleanup unneeded screens</a:t>
+            </a:r>
+            <a:endParaRPr lang="en-US" dirty="0"/>
+          </a:p>
+        </p:txBody>
+      </p:sp>
+    </p:spTree>
+    <p:extLst>
+      <p:ext uri="{BB962C8B-B14F-4D97-AF65-F5344CB8AC3E}">
+        <p14:creationId xmlns:p14="http://schemas.microsoft.com/office/powerpoint/2010/main" val="866349938"/>
       </p:ext>
     </p:extLst>
   </p:cSld>

--- a/Part_01/Section01.pptx
+++ b/Part_01/Section01.pptx
@@ -5,7 +5,7 @@
     <p:sldMasterId id="2147483648" r:id="rId1"/>
   </p:sldMasterIdLst>
   <p:notesMasterIdLst>
-    <p:notesMasterId r:id="rId11"/>
+    <p:notesMasterId r:id="rId12"/>
   </p:notesMasterIdLst>
   <p:sldIdLst>
     <p:sldId id="256" r:id="rId2"/>
@@ -17,6 +17,7 @@
     <p:sldId id="262" r:id="rId8"/>
     <p:sldId id="263" r:id="rId9"/>
     <p:sldId id="264" r:id="rId10"/>
+    <p:sldId id="265" r:id="rId11"/>
   </p:sldIdLst>
   <p:sldSz cx="12192000" cy="6858000"/>
   <p:notesSz cx="6858000" cy="9144000"/>
@@ -172,7 +173,7 @@
             </a:lvl1pPr>
           </a:lstStyle>
           <a:p>
-            <a:endParaRPr lang="en-US"/>
+            <a:endParaRPr lang="en-US" dirty="0"/>
           </a:p>
         </p:txBody>
       </p:sp>
@@ -205,9 +206,9 @@
           <a:p>
             <a:fld id="{75EEFB58-FC8A-462A-900E-E48AB904531D}" type="datetimeFigureOut">
               <a:rPr lang="en-US" smtClean="0"/>
-              <a:t>10/24/2018</a:t>
+              <a:t>10/26/2018</a:t>
             </a:fld>
-            <a:endParaRPr lang="en-US"/>
+            <a:endParaRPr lang="en-US" dirty="0"/>
           </a:p>
         </p:txBody>
       </p:sp>
@@ -240,7 +241,7 @@
           <a:bodyPr vert="horz" lIns="91440" tIns="45720" rIns="91440" bIns="45720" rtlCol="0" anchor="ctr"/>
           <a:lstStyle/>
           <a:p>
-            <a:endParaRPr lang="en-US"/>
+            <a:endParaRPr lang="en-US" dirty="0"/>
           </a:p>
         </p:txBody>
       </p:sp>
@@ -331,7 +332,7 @@
             </a:lvl1pPr>
           </a:lstStyle>
           <a:p>
-            <a:endParaRPr lang="en-US"/>
+            <a:endParaRPr lang="en-US" dirty="0"/>
           </a:p>
         </p:txBody>
       </p:sp>
@@ -366,7 +367,7 @@
               <a:rPr lang="en-US" smtClean="0"/>
               <a:t>‹#›</a:t>
             </a:fld>
-            <a:endParaRPr lang="en-US"/>
+            <a:endParaRPr lang="en-US" dirty="0"/>
           </a:p>
         </p:txBody>
       </p:sp>
@@ -540,7 +541,7 @@
               <a:rPr lang="en-US" smtClean="0"/>
               <a:t>7</a:t>
             </a:fld>
-            <a:endParaRPr lang="en-US"/>
+            <a:endParaRPr lang="en-US" dirty="0"/>
           </a:p>
         </p:txBody>
       </p:sp>
@@ -603,45 +604,13 @@
           <a:p>
             <a:r>
               <a:rPr lang="en-US" dirty="0" smtClean="0"/>
-              <a:t>New-Item -Path "C:\HECCMDTBuildLab" -</a:t>
-            </a:r>
-            <a:r>
-              <a:rPr lang="en-US" dirty="0" err="1" smtClean="0"/>
-              <a:t>ItemType</a:t>
-            </a:r>
-            <a:r>
-              <a:rPr lang="en-US" dirty="0" smtClean="0"/>
-              <a:t> directory</a:t>
-            </a:r>
-          </a:p>
-          <a:p>
-            <a:r>
-              <a:rPr lang="en-US" dirty="0" smtClean="0"/>
-              <a:t>New-</a:t>
-            </a:r>
-            <a:r>
-              <a:rPr lang="en-US" dirty="0" err="1" smtClean="0"/>
-              <a:t>SmbShare</a:t>
-            </a:r>
-            <a:r>
-              <a:rPr lang="en-US" dirty="0" smtClean="0"/>
-              <a:t> -Name "</a:t>
-            </a:r>
-            <a:r>
-              <a:rPr lang="en-US" dirty="0" err="1" smtClean="0"/>
-              <a:t>HECCMDTBuildLab</a:t>
-            </a:r>
-            <a:r>
-              <a:rPr lang="en-US" dirty="0" smtClean="0"/>
-              <a:t>$" -Path "C:\HECCMDTBuildLab" -</a:t>
-            </a:r>
-            <a:r>
-              <a:rPr lang="en-US" dirty="0" err="1" smtClean="0"/>
-              <a:t>FullAccess</a:t>
-            </a:r>
-            <a:r>
-              <a:rPr lang="en-US" dirty="0" smtClean="0"/>
-              <a:t> Administrators</a:t>
+              <a:t>New-Item -Path "C:\HECCMDTBuildLab" -ItemType directory</a:t>
+            </a:r>
+          </a:p>
+          <a:p>
+            <a:r>
+              <a:rPr lang="en-US" dirty="0" smtClean="0"/>
+              <a:t>New-SmbShare -Name "HECCMDTBuildLab$" -Path "C:\HECCMDTBuildLab" -FullAccess Administrators</a:t>
             </a:r>
           </a:p>
           <a:p>
@@ -653,47 +622,7 @@
           <a:p>
             <a:r>
               <a:rPr lang="en-US" dirty="0" smtClean="0"/>
-              <a:t>new-</a:t>
-            </a:r>
-            <a:r>
-              <a:rPr lang="en-US" dirty="0" err="1" smtClean="0"/>
-              <a:t>PSDrive</a:t>
-            </a:r>
-            <a:r>
-              <a:rPr lang="en-US" dirty="0" smtClean="0"/>
-              <a:t> -Name "DS001" -</a:t>
-            </a:r>
-            <a:r>
-              <a:rPr lang="en-US" dirty="0" err="1" smtClean="0"/>
-              <a:t>PSProvider</a:t>
-            </a:r>
-            <a:r>
-              <a:rPr lang="en-US" dirty="0" smtClean="0"/>
-              <a:t> "</a:t>
-            </a:r>
-            <a:r>
-              <a:rPr lang="en-US" dirty="0" err="1" smtClean="0"/>
-              <a:t>MDTProvider</a:t>
-            </a:r>
-            <a:r>
-              <a:rPr lang="en-US" dirty="0" smtClean="0"/>
-              <a:t>" -Root "C:\HECCMDTBuildLab" -Description "HECC Build Lab" -</a:t>
-            </a:r>
-            <a:r>
-              <a:rPr lang="en-US" dirty="0" err="1" smtClean="0"/>
-              <a:t>NetworkPath</a:t>
-            </a:r>
-            <a:r>
-              <a:rPr lang="en-US" dirty="0" smtClean="0"/>
-              <a:t> "\\AS-TEC-PROBK-01\HECCMDTBuildLab$" -Verbose | add-</a:t>
-            </a:r>
-            <a:r>
-              <a:rPr lang="en-US" dirty="0" err="1" smtClean="0"/>
-              <a:t>MDTPersistentDrive</a:t>
-            </a:r>
-            <a:r>
-              <a:rPr lang="en-US" dirty="0" smtClean="0"/>
-              <a:t> -Verbose</a:t>
+              <a:t>new-PSDrive -Name "DS001" -PSProvider "MDTProvider" -Root "C:\HECCMDTBuildLab" -Description "HECC Build Lab" -NetworkPath "\\AS-TEC-PROBK-01\HECCMDTBuildLab$" -Verbose | add-MDTPersistentDrive -Verbose</a:t>
             </a:r>
           </a:p>
           <a:p>
@@ -720,7 +649,7 @@
               <a:rPr lang="en-US" smtClean="0"/>
               <a:t>8</a:t>
             </a:fld>
-            <a:endParaRPr lang="en-US"/>
+            <a:endParaRPr lang="en-US" dirty="0"/>
           </a:p>
         </p:txBody>
       </p:sp>
@@ -728,6 +657,90 @@
     <p:extLst>
       <p:ext uri="{BB962C8B-B14F-4D97-AF65-F5344CB8AC3E}">
         <p14:creationId xmlns:p14="http://schemas.microsoft.com/office/powerpoint/2010/main" val="3058909960"/>
+      </p:ext>
+    </p:extLst>
+  </p:cSld>
+  <p:clrMapOvr>
+    <a:masterClrMapping/>
+  </p:clrMapOvr>
+</p:notes>
+</file>
+
+<file path=ppt/notesSlides/notesSlide3.xml><?xml version="1.0" encoding="utf-8"?>
+<p:notes xmlns:a="http://schemas.openxmlformats.org/drawingml/2006/main" xmlns:r="http://schemas.openxmlformats.org/officeDocument/2006/relationships" xmlns:p="http://schemas.openxmlformats.org/presentationml/2006/main">
+  <p:cSld>
+    <p:spTree>
+      <p:nvGrpSpPr>
+        <p:cNvPr id="1" name=""/>
+        <p:cNvGrpSpPr/>
+        <p:nvPr/>
+      </p:nvGrpSpPr>
+      <p:grpSpPr>
+        <a:xfrm>
+          <a:off x="0" y="0"/>
+          <a:ext cx="0" cy="0"/>
+          <a:chOff x="0" y="0"/>
+          <a:chExt cx="0" cy="0"/>
+        </a:xfrm>
+      </p:grpSpPr>
+      <p:sp>
+        <p:nvSpPr>
+          <p:cNvPr id="2" name="Slide Image Placeholder 1"/>
+          <p:cNvSpPr>
+            <a:spLocks noGrp="1" noRot="1" noChangeAspect="1"/>
+          </p:cNvSpPr>
+          <p:nvPr>
+            <p:ph type="sldImg"/>
+          </p:nvPr>
+        </p:nvSpPr>
+        <p:spPr/>
+      </p:sp>
+      <p:sp>
+        <p:nvSpPr>
+          <p:cNvPr id="3" name="Notes Placeholder 2"/>
+          <p:cNvSpPr>
+            <a:spLocks noGrp="1"/>
+          </p:cNvSpPr>
+          <p:nvPr>
+            <p:ph type="body" idx="1"/>
+          </p:nvPr>
+        </p:nvSpPr>
+        <p:spPr/>
+        <p:txBody>
+          <a:bodyPr/>
+          <a:lstStyle/>
+          <a:p>
+            <a:endParaRPr lang="en-US" dirty="0"/>
+          </a:p>
+        </p:txBody>
+      </p:sp>
+      <p:sp>
+        <p:nvSpPr>
+          <p:cNvPr id="4" name="Slide Number Placeholder 3"/>
+          <p:cNvSpPr>
+            <a:spLocks noGrp="1"/>
+          </p:cNvSpPr>
+          <p:nvPr>
+            <p:ph type="sldNum" sz="quarter" idx="10"/>
+          </p:nvPr>
+        </p:nvSpPr>
+        <p:spPr/>
+        <p:txBody>
+          <a:bodyPr/>
+          <a:lstStyle/>
+          <a:p>
+            <a:fld id="{CA4D1D8D-529E-4C3E-8E19-57477EA95FD2}" type="slidenum">
+              <a:rPr lang="en-US" smtClean="0"/>
+              <a:t>9</a:t>
+            </a:fld>
+            <a:endParaRPr lang="en-US" dirty="0"/>
+          </a:p>
+        </p:txBody>
+      </p:sp>
+    </p:spTree>
+    <p:extLst>
+      <p:ext uri="{BB962C8B-B14F-4D97-AF65-F5344CB8AC3E}">
+        <p14:creationId xmlns:p14="http://schemas.microsoft.com/office/powerpoint/2010/main" val="2638970746"/>
       </p:ext>
     </p:extLst>
   </p:cSld>
@@ -868,9 +881,9 @@
           <a:p>
             <a:fld id="{968F8B48-9EEB-4E1A-AB61-E86E4E194647}" type="datetimeFigureOut">
               <a:rPr lang="en-US" smtClean="0"/>
-              <a:t>10/24/2018</a:t>
+              <a:t>10/26/2018</a:t>
             </a:fld>
-            <a:endParaRPr lang="en-US"/>
+            <a:endParaRPr lang="en-US" dirty="0"/>
           </a:p>
         </p:txBody>
       </p:sp>
@@ -889,7 +902,7 @@
           <a:bodyPr/>
           <a:lstStyle/>
           <a:p>
-            <a:endParaRPr lang="en-US"/>
+            <a:endParaRPr lang="en-US" dirty="0"/>
           </a:p>
         </p:txBody>
       </p:sp>
@@ -912,7 +925,7 @@
               <a:rPr lang="en-US" smtClean="0"/>
               <a:t>‹#›</a:t>
             </a:fld>
-            <a:endParaRPr lang="en-US"/>
+            <a:endParaRPr lang="en-US" dirty="0"/>
           </a:p>
         </p:txBody>
       </p:sp>
@@ -1038,9 +1051,9 @@
           <a:p>
             <a:fld id="{968F8B48-9EEB-4E1A-AB61-E86E4E194647}" type="datetimeFigureOut">
               <a:rPr lang="en-US" smtClean="0"/>
-              <a:t>10/24/2018</a:t>
+              <a:t>10/26/2018</a:t>
             </a:fld>
-            <a:endParaRPr lang="en-US"/>
+            <a:endParaRPr lang="en-US" dirty="0"/>
           </a:p>
         </p:txBody>
       </p:sp>
@@ -1059,7 +1072,7 @@
           <a:bodyPr/>
           <a:lstStyle/>
           <a:p>
-            <a:endParaRPr lang="en-US"/>
+            <a:endParaRPr lang="en-US" dirty="0"/>
           </a:p>
         </p:txBody>
       </p:sp>
@@ -1082,7 +1095,7 @@
               <a:rPr lang="en-US" smtClean="0"/>
               <a:t>‹#›</a:t>
             </a:fld>
-            <a:endParaRPr lang="en-US"/>
+            <a:endParaRPr lang="en-US" dirty="0"/>
           </a:p>
         </p:txBody>
       </p:sp>
@@ -1218,9 +1231,9 @@
           <a:p>
             <a:fld id="{968F8B48-9EEB-4E1A-AB61-E86E4E194647}" type="datetimeFigureOut">
               <a:rPr lang="en-US" smtClean="0"/>
-              <a:t>10/24/2018</a:t>
+              <a:t>10/26/2018</a:t>
             </a:fld>
-            <a:endParaRPr lang="en-US"/>
+            <a:endParaRPr lang="en-US" dirty="0"/>
           </a:p>
         </p:txBody>
       </p:sp>
@@ -1239,7 +1252,7 @@
           <a:bodyPr/>
           <a:lstStyle/>
           <a:p>
-            <a:endParaRPr lang="en-US"/>
+            <a:endParaRPr lang="en-US" dirty="0"/>
           </a:p>
         </p:txBody>
       </p:sp>
@@ -1262,7 +1275,7 @@
               <a:rPr lang="en-US" smtClean="0"/>
               <a:t>‹#›</a:t>
             </a:fld>
-            <a:endParaRPr lang="en-US"/>
+            <a:endParaRPr lang="en-US" dirty="0"/>
           </a:p>
         </p:txBody>
       </p:sp>
@@ -1388,9 +1401,9 @@
           <a:p>
             <a:fld id="{968F8B48-9EEB-4E1A-AB61-E86E4E194647}" type="datetimeFigureOut">
               <a:rPr lang="en-US" smtClean="0"/>
-              <a:t>10/24/2018</a:t>
+              <a:t>10/26/2018</a:t>
             </a:fld>
-            <a:endParaRPr lang="en-US"/>
+            <a:endParaRPr lang="en-US" dirty="0"/>
           </a:p>
         </p:txBody>
       </p:sp>
@@ -1409,7 +1422,7 @@
           <a:bodyPr/>
           <a:lstStyle/>
           <a:p>
-            <a:endParaRPr lang="en-US"/>
+            <a:endParaRPr lang="en-US" dirty="0"/>
           </a:p>
         </p:txBody>
       </p:sp>
@@ -1432,7 +1445,7 @@
               <a:rPr lang="en-US" smtClean="0"/>
               <a:t>‹#›</a:t>
             </a:fld>
-            <a:endParaRPr lang="en-US"/>
+            <a:endParaRPr lang="en-US" dirty="0"/>
           </a:p>
         </p:txBody>
       </p:sp>
@@ -1634,9 +1647,9 @@
           <a:p>
             <a:fld id="{968F8B48-9EEB-4E1A-AB61-E86E4E194647}" type="datetimeFigureOut">
               <a:rPr lang="en-US" smtClean="0"/>
-              <a:t>10/24/2018</a:t>
+              <a:t>10/26/2018</a:t>
             </a:fld>
-            <a:endParaRPr lang="en-US"/>
+            <a:endParaRPr lang="en-US" dirty="0"/>
           </a:p>
         </p:txBody>
       </p:sp>
@@ -1655,7 +1668,7 @@
           <a:bodyPr/>
           <a:lstStyle/>
           <a:p>
-            <a:endParaRPr lang="en-US"/>
+            <a:endParaRPr lang="en-US" dirty="0"/>
           </a:p>
         </p:txBody>
       </p:sp>
@@ -1678,7 +1691,7 @@
               <a:rPr lang="en-US" smtClean="0"/>
               <a:t>‹#›</a:t>
             </a:fld>
-            <a:endParaRPr lang="en-US"/>
+            <a:endParaRPr lang="en-US" dirty="0"/>
           </a:p>
         </p:txBody>
       </p:sp>
@@ -1866,9 +1879,9 @@
           <a:p>
             <a:fld id="{968F8B48-9EEB-4E1A-AB61-E86E4E194647}" type="datetimeFigureOut">
               <a:rPr lang="en-US" smtClean="0"/>
-              <a:t>10/24/2018</a:t>
+              <a:t>10/26/2018</a:t>
             </a:fld>
-            <a:endParaRPr lang="en-US"/>
+            <a:endParaRPr lang="en-US" dirty="0"/>
           </a:p>
         </p:txBody>
       </p:sp>
@@ -1887,7 +1900,7 @@
           <a:bodyPr/>
           <a:lstStyle/>
           <a:p>
-            <a:endParaRPr lang="en-US"/>
+            <a:endParaRPr lang="en-US" dirty="0"/>
           </a:p>
         </p:txBody>
       </p:sp>
@@ -1910,7 +1923,7 @@
               <a:rPr lang="en-US" smtClean="0"/>
               <a:t>‹#›</a:t>
             </a:fld>
-            <a:endParaRPr lang="en-US"/>
+            <a:endParaRPr lang="en-US" dirty="0"/>
           </a:p>
         </p:txBody>
       </p:sp>
@@ -2233,9 +2246,9 @@
           <a:p>
             <a:fld id="{968F8B48-9EEB-4E1A-AB61-E86E4E194647}" type="datetimeFigureOut">
               <a:rPr lang="en-US" smtClean="0"/>
-              <a:t>10/24/2018</a:t>
+              <a:t>10/26/2018</a:t>
             </a:fld>
-            <a:endParaRPr lang="en-US"/>
+            <a:endParaRPr lang="en-US" dirty="0"/>
           </a:p>
         </p:txBody>
       </p:sp>
@@ -2254,7 +2267,7 @@
           <a:bodyPr/>
           <a:lstStyle/>
           <a:p>
-            <a:endParaRPr lang="en-US"/>
+            <a:endParaRPr lang="en-US" dirty="0"/>
           </a:p>
         </p:txBody>
       </p:sp>
@@ -2277,7 +2290,7 @@
               <a:rPr lang="en-US" smtClean="0"/>
               <a:t>‹#›</a:t>
             </a:fld>
-            <a:endParaRPr lang="en-US"/>
+            <a:endParaRPr lang="en-US" dirty="0"/>
           </a:p>
         </p:txBody>
       </p:sp>
@@ -2351,9 +2364,9 @@
           <a:p>
             <a:fld id="{968F8B48-9EEB-4E1A-AB61-E86E4E194647}" type="datetimeFigureOut">
               <a:rPr lang="en-US" smtClean="0"/>
-              <a:t>10/24/2018</a:t>
+              <a:t>10/26/2018</a:t>
             </a:fld>
-            <a:endParaRPr lang="en-US"/>
+            <a:endParaRPr lang="en-US" dirty="0"/>
           </a:p>
         </p:txBody>
       </p:sp>
@@ -2372,7 +2385,7 @@
           <a:bodyPr/>
           <a:lstStyle/>
           <a:p>
-            <a:endParaRPr lang="en-US"/>
+            <a:endParaRPr lang="en-US" dirty="0"/>
           </a:p>
         </p:txBody>
       </p:sp>
@@ -2395,7 +2408,7 @@
               <a:rPr lang="en-US" smtClean="0"/>
               <a:t>‹#›</a:t>
             </a:fld>
-            <a:endParaRPr lang="en-US"/>
+            <a:endParaRPr lang="en-US" dirty="0"/>
           </a:p>
         </p:txBody>
       </p:sp>
@@ -2446,9 +2459,9 @@
           <a:p>
             <a:fld id="{968F8B48-9EEB-4E1A-AB61-E86E4E194647}" type="datetimeFigureOut">
               <a:rPr lang="en-US" smtClean="0"/>
-              <a:t>10/24/2018</a:t>
+              <a:t>10/26/2018</a:t>
             </a:fld>
-            <a:endParaRPr lang="en-US"/>
+            <a:endParaRPr lang="en-US" dirty="0"/>
           </a:p>
         </p:txBody>
       </p:sp>
@@ -2467,7 +2480,7 @@
           <a:bodyPr/>
           <a:lstStyle/>
           <a:p>
-            <a:endParaRPr lang="en-US"/>
+            <a:endParaRPr lang="en-US" dirty="0"/>
           </a:p>
         </p:txBody>
       </p:sp>
@@ -2490,7 +2503,7 @@
               <a:rPr lang="en-US" smtClean="0"/>
               <a:t>‹#›</a:t>
             </a:fld>
-            <a:endParaRPr lang="en-US"/>
+            <a:endParaRPr lang="en-US" dirty="0"/>
           </a:p>
         </p:txBody>
       </p:sp>
@@ -2723,9 +2736,9 @@
           <a:p>
             <a:fld id="{968F8B48-9EEB-4E1A-AB61-E86E4E194647}" type="datetimeFigureOut">
               <a:rPr lang="en-US" smtClean="0"/>
-              <a:t>10/24/2018</a:t>
+              <a:t>10/26/2018</a:t>
             </a:fld>
-            <a:endParaRPr lang="en-US"/>
+            <a:endParaRPr lang="en-US" dirty="0"/>
           </a:p>
         </p:txBody>
       </p:sp>
@@ -2744,7 +2757,7 @@
           <a:bodyPr/>
           <a:lstStyle/>
           <a:p>
-            <a:endParaRPr lang="en-US"/>
+            <a:endParaRPr lang="en-US" dirty="0"/>
           </a:p>
         </p:txBody>
       </p:sp>
@@ -2767,7 +2780,7 @@
               <a:rPr lang="en-US" smtClean="0"/>
               <a:t>‹#›</a:t>
             </a:fld>
-            <a:endParaRPr lang="en-US"/>
+            <a:endParaRPr lang="en-US" dirty="0"/>
           </a:p>
         </p:txBody>
       </p:sp>
@@ -2890,7 +2903,7 @@
             </a:lvl9pPr>
           </a:lstStyle>
           <a:p>
-            <a:endParaRPr lang="en-US"/>
+            <a:endParaRPr lang="en-US" dirty="0"/>
           </a:p>
         </p:txBody>
       </p:sp>
@@ -2976,9 +2989,9 @@
           <a:p>
             <a:fld id="{968F8B48-9EEB-4E1A-AB61-E86E4E194647}" type="datetimeFigureOut">
               <a:rPr lang="en-US" smtClean="0"/>
-              <a:t>10/24/2018</a:t>
+              <a:t>10/26/2018</a:t>
             </a:fld>
-            <a:endParaRPr lang="en-US"/>
+            <a:endParaRPr lang="en-US" dirty="0"/>
           </a:p>
         </p:txBody>
       </p:sp>
@@ -2997,7 +3010,7 @@
           <a:bodyPr/>
           <a:lstStyle/>
           <a:p>
-            <a:endParaRPr lang="en-US"/>
+            <a:endParaRPr lang="en-US" dirty="0"/>
           </a:p>
         </p:txBody>
       </p:sp>
@@ -3020,7 +3033,7 @@
               <a:rPr lang="en-US" smtClean="0"/>
               <a:t>‹#›</a:t>
             </a:fld>
-            <a:endParaRPr lang="en-US"/>
+            <a:endParaRPr lang="en-US" dirty="0"/>
           </a:p>
         </p:txBody>
       </p:sp>
@@ -3189,9 +3202,9 @@
           <a:p>
             <a:fld id="{968F8B48-9EEB-4E1A-AB61-E86E4E194647}" type="datetimeFigureOut">
               <a:rPr lang="en-US" smtClean="0"/>
-              <a:t>10/24/2018</a:t>
+              <a:t>10/26/2018</a:t>
             </a:fld>
-            <a:endParaRPr lang="en-US"/>
+            <a:endParaRPr lang="en-US" dirty="0"/>
           </a:p>
         </p:txBody>
       </p:sp>
@@ -3228,7 +3241,7 @@
             </a:lvl1pPr>
           </a:lstStyle>
           <a:p>
-            <a:endParaRPr lang="en-US"/>
+            <a:endParaRPr lang="en-US" dirty="0"/>
           </a:p>
         </p:txBody>
       </p:sp>
@@ -3269,7 +3282,7 @@
               <a:rPr lang="en-US" smtClean="0"/>
               <a:t>‹#›</a:t>
             </a:fld>
-            <a:endParaRPr lang="en-US"/>
+            <a:endParaRPr lang="en-US" dirty="0"/>
           </a:p>
         </p:txBody>
       </p:sp>
@@ -3657,6 +3670,81 @@
 </p:sld>
 </file>
 
+<file path=ppt/slides/slide10.xml><?xml version="1.0" encoding="utf-8"?>
+<p:sld xmlns:a="http://schemas.openxmlformats.org/drawingml/2006/main" xmlns:r="http://schemas.openxmlformats.org/officeDocument/2006/relationships" xmlns:p="http://schemas.openxmlformats.org/presentationml/2006/main">
+  <p:cSld>
+    <p:spTree>
+      <p:nvGrpSpPr>
+        <p:cNvPr id="1" name=""/>
+        <p:cNvGrpSpPr/>
+        <p:nvPr/>
+      </p:nvGrpSpPr>
+      <p:grpSpPr>
+        <a:xfrm>
+          <a:off x="0" y="0"/>
+          <a:ext cx="0" cy="0"/>
+          <a:chOff x="0" y="0"/>
+          <a:chExt cx="0" cy="0"/>
+        </a:xfrm>
+      </p:grpSpPr>
+      <p:sp>
+        <p:nvSpPr>
+          <p:cNvPr id="2" name="Title 1"/>
+          <p:cNvSpPr>
+            <a:spLocks noGrp="1"/>
+          </p:cNvSpPr>
+          <p:nvPr>
+            <p:ph type="title"/>
+          </p:nvPr>
+        </p:nvSpPr>
+        <p:spPr/>
+        <p:txBody>
+          <a:bodyPr/>
+          <a:lstStyle/>
+          <a:p>
+            <a:r>
+              <a:rPr lang="en-US" dirty="0" smtClean="0"/>
+              <a:t>Main files to configure</a:t>
+            </a:r>
+            <a:endParaRPr lang="en-US" dirty="0"/>
+          </a:p>
+        </p:txBody>
+      </p:sp>
+      <p:sp>
+        <p:nvSpPr>
+          <p:cNvPr id="3" name="Content Placeholder 2"/>
+          <p:cNvSpPr>
+            <a:spLocks noGrp="1"/>
+          </p:cNvSpPr>
+          <p:nvPr>
+            <p:ph idx="1"/>
+          </p:nvPr>
+        </p:nvSpPr>
+        <p:spPr/>
+        <p:txBody>
+          <a:bodyPr/>
+          <a:lstStyle/>
+          <a:p>
+            <a:r>
+              <a:rPr lang="en-US" dirty="0"/>
+              <a:t>Bootstrap.ini</a:t>
+            </a:r>
+          </a:p>
+        </p:txBody>
+      </p:sp>
+    </p:spTree>
+    <p:extLst>
+      <p:ext uri="{BB962C8B-B14F-4D97-AF65-F5344CB8AC3E}">
+        <p14:creationId xmlns:p14="http://schemas.microsoft.com/office/powerpoint/2010/main" val="3590131610"/>
+      </p:ext>
+    </p:extLst>
+  </p:cSld>
+  <p:clrMapOvr>
+    <a:masterClrMapping/>
+  </p:clrMapOvr>
+</p:sld>
+</file>
+
 <file path=ppt/slides/slide2.xml><?xml version="1.0" encoding="utf-8"?>
 <p:sld xmlns:a="http://schemas.openxmlformats.org/drawingml/2006/main" xmlns:r="http://schemas.openxmlformats.org/officeDocument/2006/relationships" xmlns:p="http://schemas.openxmlformats.org/presentationml/2006/main">
   <p:cSld>
@@ -3859,7 +3947,7 @@
               <a:t>Windows 10 Education </a:t>
             </a:r>
             <a:r>
-              <a:rPr lang="en-US" dirty="0" err="1" smtClean="0"/>
+              <a:rPr lang="en-US" dirty="0" smtClean="0"/>
               <a:t>iso</a:t>
             </a:r>
             <a:r>
@@ -3887,7 +3975,7 @@
               <a:t>WinPE </a:t>
             </a:r>
             <a:r>
-              <a:rPr lang="en-US" dirty="0" err="1" smtClean="0"/>
+              <a:rPr lang="en-US" dirty="0" smtClean="0"/>
               <a:t>addon</a:t>
             </a:r>
             <a:r>
@@ -4369,11 +4457,7 @@
             <a:pPr lvl="1"/>
             <a:r>
               <a:rPr lang="en-US" dirty="0" smtClean="0"/>
-              <a:t>Deployment share </a:t>
-            </a:r>
-            <a:r>
-              <a:rPr lang="en-US" dirty="0" smtClean="0"/>
-              <a:t>path </a:t>
+              <a:t>Deployment share path </a:t>
             </a:r>
             <a:r>
               <a:rPr lang="en-US" dirty="0"/>
@@ -4391,7 +4475,7 @@
               <a:t>Share name </a:t>
             </a:r>
             <a:r>
-              <a:rPr lang="en-US" dirty="0" err="1"/>
+              <a:rPr lang="en-US" dirty="0"/>
               <a:t>HECCMDTBuildLab</a:t>
             </a:r>
             <a:r>
@@ -4554,7 +4638,7 @@
               <a:t>New-Item -Path "C:\HECCMDTBuildLab" -</a:t>
             </a:r>
             <a:r>
-              <a:rPr lang="en-US" dirty="0" err="1"/>
+              <a:rPr lang="en-US" dirty="0"/>
               <a:t>ItemType</a:t>
             </a:r>
             <a:r>
@@ -4568,7 +4652,7 @@
               <a:t>New-</a:t>
             </a:r>
             <a:r>
-              <a:rPr lang="en-US" dirty="0" err="1"/>
+              <a:rPr lang="en-US" dirty="0"/>
               <a:t>SmbShare</a:t>
             </a:r>
             <a:r>
@@ -4576,7 +4660,7 @@
               <a:t> -Name "</a:t>
             </a:r>
             <a:r>
-              <a:rPr lang="en-US" dirty="0" err="1"/>
+              <a:rPr lang="en-US" dirty="0"/>
               <a:t>HECCMDTBuildLab</a:t>
             </a:r>
             <a:r>
@@ -4584,7 +4668,7 @@
               <a:t>$" -Path "C:\HECCMDTBuildLab" -</a:t>
             </a:r>
             <a:r>
-              <a:rPr lang="en-US" dirty="0" err="1"/>
+              <a:rPr lang="en-US" dirty="0"/>
               <a:t>FullAccess</a:t>
             </a:r>
             <a:r>
@@ -4604,7 +4688,7 @@
               <a:t>new-</a:t>
             </a:r>
             <a:r>
-              <a:rPr lang="en-US" dirty="0" err="1"/>
+              <a:rPr lang="en-US" dirty="0"/>
               <a:t>PSDrive</a:t>
             </a:r>
             <a:r>
@@ -4612,7 +4696,7 @@
               <a:t> -Name "DS001" -</a:t>
             </a:r>
             <a:r>
-              <a:rPr lang="en-US" dirty="0" err="1"/>
+              <a:rPr lang="en-US" dirty="0"/>
               <a:t>PSProvider</a:t>
             </a:r>
             <a:r>
@@ -4620,7 +4704,7 @@
               <a:t> "</a:t>
             </a:r>
             <a:r>
-              <a:rPr lang="en-US" dirty="0" err="1"/>
+              <a:rPr lang="en-US" dirty="0"/>
               <a:t>MDTProvider</a:t>
             </a:r>
             <a:r>
@@ -4628,7 +4712,7 @@
               <a:t>" -Root "C:\HECCMDTBuildLab" -Description "HECC Build Lab" -</a:t>
             </a:r>
             <a:r>
-              <a:rPr lang="en-US" dirty="0" err="1"/>
+              <a:rPr lang="en-US" dirty="0"/>
               <a:t>NetworkPath</a:t>
             </a:r>
             <a:r>
@@ -4644,7 +4728,7 @@
               <a:t>$" -Verbose | add-</a:t>
             </a:r>
             <a:r>
-              <a:rPr lang="en-US" dirty="0" err="1"/>
+              <a:rPr lang="en-US" dirty="0"/>
               <a:t>MDTPersistentDrive</a:t>
             </a:r>
             <a:r>

--- a/Part_01/Section01.pptx
+++ b/Part_01/Section01.pptx
@@ -5,7 +5,7 @@
     <p:sldMasterId id="2147483648" r:id="rId1"/>
   </p:sldMasterIdLst>
   <p:notesMasterIdLst>
-    <p:notesMasterId r:id="rId12"/>
+    <p:notesMasterId r:id="rId14"/>
   </p:notesMasterIdLst>
   <p:sldIdLst>
     <p:sldId id="256" r:id="rId2"/>
@@ -18,6 +18,8 @@
     <p:sldId id="263" r:id="rId9"/>
     <p:sldId id="264" r:id="rId10"/>
     <p:sldId id="265" r:id="rId11"/>
+    <p:sldId id="266" r:id="rId12"/>
+    <p:sldId id="267" r:id="rId13"/>
   </p:sldIdLst>
   <p:sldSz cx="12192000" cy="6858000"/>
   <p:notesSz cx="6858000" cy="9144000"/>
@@ -206,7 +208,7 @@
           <a:p>
             <a:fld id="{75EEFB58-FC8A-462A-900E-E48AB904531D}" type="datetimeFigureOut">
               <a:rPr lang="en-US" smtClean="0"/>
-              <a:t>10/26/2018</a:t>
+              <a:t>10/28/2018</a:t>
             </a:fld>
             <a:endParaRPr lang="en-US" dirty="0"/>
           </a:p>
@@ -750,6 +752,90 @@
 </p:notes>
 </file>
 
+<file path=ppt/notesSlides/notesSlide4.xml><?xml version="1.0" encoding="utf-8"?>
+<p:notes xmlns:a="http://schemas.openxmlformats.org/drawingml/2006/main" xmlns:r="http://schemas.openxmlformats.org/officeDocument/2006/relationships" xmlns:p="http://schemas.openxmlformats.org/presentationml/2006/main">
+  <p:cSld>
+    <p:spTree>
+      <p:nvGrpSpPr>
+        <p:cNvPr id="1" name=""/>
+        <p:cNvGrpSpPr/>
+        <p:nvPr/>
+      </p:nvGrpSpPr>
+      <p:grpSpPr>
+        <a:xfrm>
+          <a:off x="0" y="0"/>
+          <a:ext cx="0" cy="0"/>
+          <a:chOff x="0" y="0"/>
+          <a:chExt cx="0" cy="0"/>
+        </a:xfrm>
+      </p:grpSpPr>
+      <p:sp>
+        <p:nvSpPr>
+          <p:cNvPr id="2" name="Slide Image Placeholder 1"/>
+          <p:cNvSpPr>
+            <a:spLocks noGrp="1" noRot="1" noChangeAspect="1"/>
+          </p:cNvSpPr>
+          <p:nvPr>
+            <p:ph type="sldImg"/>
+          </p:nvPr>
+        </p:nvSpPr>
+        <p:spPr/>
+      </p:sp>
+      <p:sp>
+        <p:nvSpPr>
+          <p:cNvPr id="3" name="Notes Placeholder 2"/>
+          <p:cNvSpPr>
+            <a:spLocks noGrp="1"/>
+          </p:cNvSpPr>
+          <p:nvPr>
+            <p:ph type="body" idx="1"/>
+          </p:nvPr>
+        </p:nvSpPr>
+        <p:spPr/>
+        <p:txBody>
+          <a:bodyPr/>
+          <a:lstStyle/>
+          <a:p>
+            <a:endParaRPr lang="en-US" dirty="0"/>
+          </a:p>
+        </p:txBody>
+      </p:sp>
+      <p:sp>
+        <p:nvSpPr>
+          <p:cNvPr id="4" name="Slide Number Placeholder 3"/>
+          <p:cNvSpPr>
+            <a:spLocks noGrp="1"/>
+          </p:cNvSpPr>
+          <p:nvPr>
+            <p:ph type="sldNum" sz="quarter" idx="10"/>
+          </p:nvPr>
+        </p:nvSpPr>
+        <p:spPr/>
+        <p:txBody>
+          <a:bodyPr/>
+          <a:lstStyle/>
+          <a:p>
+            <a:fld id="{CA4D1D8D-529E-4C3E-8E19-57477EA95FD2}" type="slidenum">
+              <a:rPr lang="en-US" smtClean="0"/>
+              <a:t>11</a:t>
+            </a:fld>
+            <a:endParaRPr lang="en-US" dirty="0"/>
+          </a:p>
+        </p:txBody>
+      </p:sp>
+    </p:spTree>
+    <p:extLst>
+      <p:ext uri="{BB962C8B-B14F-4D97-AF65-F5344CB8AC3E}">
+        <p14:creationId xmlns:p14="http://schemas.microsoft.com/office/powerpoint/2010/main" val="3228934933"/>
+      </p:ext>
+    </p:extLst>
+  </p:cSld>
+  <p:clrMapOvr>
+    <a:masterClrMapping/>
+  </p:clrMapOvr>
+</p:notes>
+</file>
+
 <file path=ppt/slideLayouts/slideLayout1.xml><?xml version="1.0" encoding="utf-8"?>
 <p:sldLayout xmlns:a="http://schemas.openxmlformats.org/drawingml/2006/main" xmlns:r="http://schemas.openxmlformats.org/officeDocument/2006/relationships" xmlns:p="http://schemas.openxmlformats.org/presentationml/2006/main" type="title" preserve="1">
   <p:cSld name="Title Slide">
@@ -881,7 +967,7 @@
           <a:p>
             <a:fld id="{968F8B48-9EEB-4E1A-AB61-E86E4E194647}" type="datetimeFigureOut">
               <a:rPr lang="en-US" smtClean="0"/>
-              <a:t>10/26/2018</a:t>
+              <a:t>10/28/2018</a:t>
             </a:fld>
             <a:endParaRPr lang="en-US" dirty="0"/>
           </a:p>
@@ -1051,7 +1137,7 @@
           <a:p>
             <a:fld id="{968F8B48-9EEB-4E1A-AB61-E86E4E194647}" type="datetimeFigureOut">
               <a:rPr lang="en-US" smtClean="0"/>
-              <a:t>10/26/2018</a:t>
+              <a:t>10/28/2018</a:t>
             </a:fld>
             <a:endParaRPr lang="en-US" dirty="0"/>
           </a:p>
@@ -1231,7 +1317,7 @@
           <a:p>
             <a:fld id="{968F8B48-9EEB-4E1A-AB61-E86E4E194647}" type="datetimeFigureOut">
               <a:rPr lang="en-US" smtClean="0"/>
-              <a:t>10/26/2018</a:t>
+              <a:t>10/28/2018</a:t>
             </a:fld>
             <a:endParaRPr lang="en-US" dirty="0"/>
           </a:p>
@@ -1401,7 +1487,7 @@
           <a:p>
             <a:fld id="{968F8B48-9EEB-4E1A-AB61-E86E4E194647}" type="datetimeFigureOut">
               <a:rPr lang="en-US" smtClean="0"/>
-              <a:t>10/26/2018</a:t>
+              <a:t>10/28/2018</a:t>
             </a:fld>
             <a:endParaRPr lang="en-US" dirty="0"/>
           </a:p>
@@ -1647,7 +1733,7 @@
           <a:p>
             <a:fld id="{968F8B48-9EEB-4E1A-AB61-E86E4E194647}" type="datetimeFigureOut">
               <a:rPr lang="en-US" smtClean="0"/>
-              <a:t>10/26/2018</a:t>
+              <a:t>10/28/2018</a:t>
             </a:fld>
             <a:endParaRPr lang="en-US" dirty="0"/>
           </a:p>
@@ -1879,7 +1965,7 @@
           <a:p>
             <a:fld id="{968F8B48-9EEB-4E1A-AB61-E86E4E194647}" type="datetimeFigureOut">
               <a:rPr lang="en-US" smtClean="0"/>
-              <a:t>10/26/2018</a:t>
+              <a:t>10/28/2018</a:t>
             </a:fld>
             <a:endParaRPr lang="en-US" dirty="0"/>
           </a:p>
@@ -2246,7 +2332,7 @@
           <a:p>
             <a:fld id="{968F8B48-9EEB-4E1A-AB61-E86E4E194647}" type="datetimeFigureOut">
               <a:rPr lang="en-US" smtClean="0"/>
-              <a:t>10/26/2018</a:t>
+              <a:t>10/28/2018</a:t>
             </a:fld>
             <a:endParaRPr lang="en-US" dirty="0"/>
           </a:p>
@@ -2364,7 +2450,7 @@
           <a:p>
             <a:fld id="{968F8B48-9EEB-4E1A-AB61-E86E4E194647}" type="datetimeFigureOut">
               <a:rPr lang="en-US" smtClean="0"/>
-              <a:t>10/26/2018</a:t>
+              <a:t>10/28/2018</a:t>
             </a:fld>
             <a:endParaRPr lang="en-US" dirty="0"/>
           </a:p>
@@ -2459,7 +2545,7 @@
           <a:p>
             <a:fld id="{968F8B48-9EEB-4E1A-AB61-E86E4E194647}" type="datetimeFigureOut">
               <a:rPr lang="en-US" smtClean="0"/>
-              <a:t>10/26/2018</a:t>
+              <a:t>10/28/2018</a:t>
             </a:fld>
             <a:endParaRPr lang="en-US" dirty="0"/>
           </a:p>
@@ -2736,7 +2822,7 @@
           <a:p>
             <a:fld id="{968F8B48-9EEB-4E1A-AB61-E86E4E194647}" type="datetimeFigureOut">
               <a:rPr lang="en-US" smtClean="0"/>
-              <a:t>10/26/2018</a:t>
+              <a:t>10/28/2018</a:t>
             </a:fld>
             <a:endParaRPr lang="en-US" dirty="0"/>
           </a:p>
@@ -2989,7 +3075,7 @@
           <a:p>
             <a:fld id="{968F8B48-9EEB-4E1A-AB61-E86E4E194647}" type="datetimeFigureOut">
               <a:rPr lang="en-US" smtClean="0"/>
-              <a:t>10/26/2018</a:t>
+              <a:t>10/28/2018</a:t>
             </a:fld>
             <a:endParaRPr lang="en-US" dirty="0"/>
           </a:p>
@@ -3202,7 +3288,7 @@
           <a:p>
             <a:fld id="{968F8B48-9EEB-4E1A-AB61-E86E4E194647}" type="datetimeFigureOut">
               <a:rPr lang="en-US" smtClean="0"/>
-              <a:t>10/26/2018</a:t>
+              <a:t>10/28/2018</a:t>
             </a:fld>
             <a:endParaRPr lang="en-US" dirty="0"/>
           </a:p>
@@ -3726,9 +3812,96 @@
           <a:lstStyle/>
           <a:p>
             <a:r>
+              <a:rPr lang="en-US" dirty="0" smtClean="0"/>
+              <a:t>Bootstrap.ini</a:t>
+            </a:r>
+          </a:p>
+          <a:p>
+            <a:pPr lvl="1"/>
+            <a:r>
+              <a:rPr lang="en-US" dirty="0" smtClean="0"/>
+              <a:t>File is processed first</a:t>
+            </a:r>
+          </a:p>
+          <a:p>
+            <a:pPr lvl="1"/>
+            <a:r>
+              <a:rPr lang="en-US" dirty="0" smtClean="0"/>
+              <a:t>Only processed once</a:t>
+            </a:r>
+          </a:p>
+          <a:p>
+            <a:pPr lvl="1"/>
+            <a:r>
+              <a:rPr lang="en-US" dirty="0" smtClean="0"/>
+              <a:t>Located in %</a:t>
+            </a:r>
+            <a:r>
+              <a:rPr lang="en-US" dirty="0" err="1" smtClean="0"/>
+              <a:t>DeploymentShare</a:t>
+            </a:r>
+            <a:r>
+              <a:rPr lang="en-US" dirty="0" smtClean="0"/>
+              <a:t>%\Control\</a:t>
+            </a:r>
+            <a:endParaRPr lang="en-US" dirty="0" smtClean="0"/>
+          </a:p>
+          <a:p>
+            <a:pPr lvl="1"/>
+            <a:endParaRPr lang="en-US" dirty="0"/>
+          </a:p>
+          <a:p>
+            <a:r>
+              <a:rPr lang="en-US" dirty="0" smtClean="0"/>
+              <a:t>CustomSettings.ini</a:t>
+            </a:r>
+          </a:p>
+          <a:p>
+            <a:pPr lvl="1"/>
+            <a:r>
+              <a:rPr lang="en-US" dirty="0" smtClean="0"/>
+              <a:t>Processed after Bootstrap.ini</a:t>
+            </a:r>
+          </a:p>
+          <a:p>
+            <a:pPr lvl="1"/>
+            <a:r>
+              <a:rPr lang="en-US" dirty="0" smtClean="0"/>
+              <a:t>Is the rules </a:t>
+            </a:r>
+            <a:r>
               <a:rPr lang="en-US" dirty="0"/>
-              <a:t>Bootstrap.ini</a:t>
-            </a:r>
+              <a:t>file processed by </a:t>
+            </a:r>
+            <a:r>
+              <a:rPr lang="en-US" dirty="0" smtClean="0"/>
+              <a:t>ZTIGather.wsf</a:t>
+            </a:r>
+          </a:p>
+          <a:p>
+            <a:pPr lvl="1"/>
+            <a:r>
+              <a:rPr lang="en-US" dirty="0"/>
+              <a:t>Located in %</a:t>
+            </a:r>
+            <a:r>
+              <a:rPr lang="en-US" dirty="0" err="1"/>
+              <a:t>DeploymentShare</a:t>
+            </a:r>
+            <a:r>
+              <a:rPr lang="en-US" dirty="0"/>
+              <a:t>%\Control\</a:t>
+            </a:r>
+          </a:p>
+          <a:p>
+            <a:pPr marL="457200" lvl="1" indent="0">
+              <a:buNone/>
+            </a:pPr>
+            <a:endParaRPr lang="en-US" dirty="0" smtClean="0"/>
+          </a:p>
+          <a:p>
+            <a:pPr lvl="1"/>
+            <a:endParaRPr lang="en-US" dirty="0"/>
           </a:p>
         </p:txBody>
       </p:sp>
@@ -3742,6 +3915,263 @@
   <p:clrMapOvr>
     <a:masterClrMapping/>
   </p:clrMapOvr>
+  <p:timing>
+    <p:tnLst>
+      <p:par>
+        <p:cTn id="1" dur="indefinite" restart="never" nodeType="tmRoot"/>
+      </p:par>
+    </p:tnLst>
+  </p:timing>
+</p:sld>
+</file>
+
+<file path=ppt/slides/slide11.xml><?xml version="1.0" encoding="utf-8"?>
+<p:sld xmlns:a="http://schemas.openxmlformats.org/drawingml/2006/main" xmlns:r="http://schemas.openxmlformats.org/officeDocument/2006/relationships" xmlns:p="http://schemas.openxmlformats.org/presentationml/2006/main">
+  <p:cSld>
+    <p:spTree>
+      <p:nvGrpSpPr>
+        <p:cNvPr id="1" name=""/>
+        <p:cNvGrpSpPr/>
+        <p:nvPr/>
+      </p:nvGrpSpPr>
+      <p:grpSpPr>
+        <a:xfrm>
+          <a:off x="0" y="0"/>
+          <a:ext cx="0" cy="0"/>
+          <a:chOff x="0" y="0"/>
+          <a:chExt cx="0" cy="0"/>
+        </a:xfrm>
+      </p:grpSpPr>
+      <p:sp>
+        <p:nvSpPr>
+          <p:cNvPr id="2" name="Title 1"/>
+          <p:cNvSpPr>
+            <a:spLocks noGrp="1"/>
+          </p:cNvSpPr>
+          <p:nvPr>
+            <p:ph type="title"/>
+          </p:nvPr>
+        </p:nvSpPr>
+        <p:spPr/>
+        <p:txBody>
+          <a:bodyPr/>
+          <a:lstStyle/>
+          <a:p>
+            <a:r>
+              <a:rPr lang="en-US" dirty="0" smtClean="0"/>
+              <a:t>Bootstrap.ini</a:t>
+            </a:r>
+            <a:endParaRPr lang="en-US" dirty="0"/>
+          </a:p>
+        </p:txBody>
+      </p:sp>
+      <p:sp>
+        <p:nvSpPr>
+          <p:cNvPr id="3" name="Content Placeholder 2"/>
+          <p:cNvSpPr>
+            <a:spLocks noGrp="1"/>
+          </p:cNvSpPr>
+          <p:nvPr>
+            <p:ph idx="1"/>
+          </p:nvPr>
+        </p:nvSpPr>
+        <p:spPr>
+          <a:xfrm>
+            <a:off x="838200" y="1825625"/>
+            <a:ext cx="10515600" cy="666563"/>
+          </a:xfrm>
+        </p:spPr>
+        <p:txBody>
+          <a:bodyPr/>
+          <a:lstStyle/>
+          <a:p>
+            <a:r>
+              <a:rPr lang="en-US" dirty="0" smtClean="0"/>
+              <a:t>For golden image we need the following changes made</a:t>
+            </a:r>
+          </a:p>
+          <a:p>
+            <a:endParaRPr lang="en-US" dirty="0"/>
+          </a:p>
+        </p:txBody>
+      </p:sp>
+      <p:pic>
+        <p:nvPicPr>
+          <p:cNvPr id="4" name="Picture 3"/>
+          <p:cNvPicPr>
+            <a:picLocks noChangeAspect="1"/>
+          </p:cNvPicPr>
+          <p:nvPr/>
+        </p:nvPicPr>
+        <p:blipFill>
+          <a:blip r:embed="rId3"/>
+          <a:stretch>
+            <a:fillRect/>
+          </a:stretch>
+        </p:blipFill>
+        <p:spPr>
+          <a:xfrm>
+            <a:off x="3507261" y="2456330"/>
+            <a:ext cx="5177478" cy="4135855"/>
+          </a:xfrm>
+          <a:prstGeom prst="rect">
+            <a:avLst/>
+          </a:prstGeom>
+        </p:spPr>
+      </p:pic>
+    </p:spTree>
+    <p:extLst>
+      <p:ext uri="{BB962C8B-B14F-4D97-AF65-F5344CB8AC3E}">
+        <p14:creationId xmlns:p14="http://schemas.microsoft.com/office/powerpoint/2010/main" val="236022564"/>
+      </p:ext>
+    </p:extLst>
+  </p:cSld>
+  <p:clrMapOvr>
+    <a:masterClrMapping/>
+  </p:clrMapOvr>
+  <p:timing>
+    <p:tnLst>
+      <p:par>
+        <p:cTn id="1" dur="indefinite" restart="never" nodeType="tmRoot"/>
+      </p:par>
+    </p:tnLst>
+  </p:timing>
+</p:sld>
+</file>
+
+<file path=ppt/slides/slide12.xml><?xml version="1.0" encoding="utf-8"?>
+<p:sld xmlns:a="http://schemas.openxmlformats.org/drawingml/2006/main" xmlns:r="http://schemas.openxmlformats.org/officeDocument/2006/relationships" xmlns:p="http://schemas.openxmlformats.org/presentationml/2006/main">
+  <p:cSld>
+    <p:spTree>
+      <p:nvGrpSpPr>
+        <p:cNvPr id="1" name=""/>
+        <p:cNvGrpSpPr/>
+        <p:nvPr/>
+      </p:nvGrpSpPr>
+      <p:grpSpPr>
+        <a:xfrm>
+          <a:off x="0" y="0"/>
+          <a:ext cx="0" cy="0"/>
+          <a:chOff x="0" y="0"/>
+          <a:chExt cx="0" cy="0"/>
+        </a:xfrm>
+      </p:grpSpPr>
+      <p:sp>
+        <p:nvSpPr>
+          <p:cNvPr id="2" name="Title 1"/>
+          <p:cNvSpPr>
+            <a:spLocks noGrp="1"/>
+          </p:cNvSpPr>
+          <p:nvPr>
+            <p:ph type="title"/>
+          </p:nvPr>
+        </p:nvSpPr>
+        <p:spPr/>
+        <p:txBody>
+          <a:bodyPr/>
+          <a:lstStyle/>
+          <a:p>
+            <a:r>
+              <a:rPr lang="en-US" dirty="0" smtClean="0"/>
+              <a:t>CustomSettings.ini</a:t>
+            </a:r>
+            <a:endParaRPr lang="en-US" dirty="0"/>
+          </a:p>
+        </p:txBody>
+      </p:sp>
+      <p:sp>
+        <p:nvSpPr>
+          <p:cNvPr id="3" name="Content Placeholder 2"/>
+          <p:cNvSpPr>
+            <a:spLocks noGrp="1"/>
+          </p:cNvSpPr>
+          <p:nvPr>
+            <p:ph idx="1"/>
+          </p:nvPr>
+        </p:nvSpPr>
+        <p:spPr/>
+        <p:txBody>
+          <a:bodyPr/>
+          <a:lstStyle/>
+          <a:p>
+            <a:r>
+              <a:rPr lang="en-US" dirty="0" smtClean="0"/>
+              <a:t>These are the settings I use.  You may not need all of them and you may need to adjust some to your environment.</a:t>
+            </a:r>
+          </a:p>
+          <a:p>
+            <a:pPr marL="0" indent="0">
+              <a:buNone/>
+            </a:pPr>
+            <a:endParaRPr lang="en-US" dirty="0"/>
+          </a:p>
+        </p:txBody>
+      </p:sp>
+      <p:pic>
+        <p:nvPicPr>
+          <p:cNvPr id="4" name="Picture 3"/>
+          <p:cNvPicPr>
+            <a:picLocks noChangeAspect="1"/>
+          </p:cNvPicPr>
+          <p:nvPr/>
+        </p:nvPicPr>
+        <p:blipFill>
+          <a:blip r:embed="rId2"/>
+          <a:stretch>
+            <a:fillRect/>
+          </a:stretch>
+        </p:blipFill>
+        <p:spPr>
+          <a:xfrm>
+            <a:off x="802342" y="2699964"/>
+            <a:ext cx="4858846" cy="3826341"/>
+          </a:xfrm>
+          <a:prstGeom prst="rect">
+            <a:avLst/>
+          </a:prstGeom>
+        </p:spPr>
+      </p:pic>
+      <p:pic>
+        <p:nvPicPr>
+          <p:cNvPr id="5" name="Picture 4"/>
+          <p:cNvPicPr>
+            <a:picLocks noChangeAspect="1"/>
+          </p:cNvPicPr>
+          <p:nvPr/>
+        </p:nvPicPr>
+        <p:blipFill>
+          <a:blip r:embed="rId3"/>
+          <a:stretch>
+            <a:fillRect/>
+          </a:stretch>
+        </p:blipFill>
+        <p:spPr>
+          <a:xfrm>
+            <a:off x="5697046" y="2699964"/>
+            <a:ext cx="6169936" cy="3611936"/>
+          </a:xfrm>
+          <a:prstGeom prst="rect">
+            <a:avLst/>
+          </a:prstGeom>
+        </p:spPr>
+      </p:pic>
+    </p:spTree>
+    <p:extLst>
+      <p:ext uri="{BB962C8B-B14F-4D97-AF65-F5344CB8AC3E}">
+        <p14:creationId xmlns:p14="http://schemas.microsoft.com/office/powerpoint/2010/main" val="1545384201"/>
+      </p:ext>
+    </p:extLst>
+  </p:cSld>
+  <p:clrMapOvr>
+    <a:masterClrMapping/>
+  </p:clrMapOvr>
+  <p:timing>
+    <p:tnLst>
+      <p:par>
+        <p:cTn id="1" dur="indefinite" restart="never" nodeType="tmRoot"/>
+      </p:par>
+    </p:tnLst>
+  </p:timing>
 </p:sld>
 </file>
 
@@ -3878,6 +4308,13 @@
   <p:clrMapOvr>
     <a:masterClrMapping/>
   </p:clrMapOvr>
+  <p:timing>
+    <p:tnLst>
+      <p:par>
+        <p:cTn id="1" dur="indefinite" restart="never" nodeType="tmRoot"/>
+      </p:par>
+    </p:tnLst>
+  </p:timing>
 </p:sld>
 </file>
 
@@ -3944,15 +4381,7 @@
           <a:p>
             <a:r>
               <a:rPr lang="en-US" dirty="0" smtClean="0"/>
-              <a:t>Windows 10 Education </a:t>
-            </a:r>
-            <a:r>
-              <a:rPr lang="en-US" dirty="0" smtClean="0"/>
-              <a:t>iso</a:t>
-            </a:r>
-            <a:r>
-              <a:rPr lang="en-US" dirty="0" smtClean="0"/>
-              <a:t> (</a:t>
+              <a:t>Windows 10 Education iso (</a:t>
             </a:r>
             <a:r>
               <a:rPr lang="en-US" b="1" dirty="0" smtClean="0"/>
@@ -3972,15 +4401,7 @@
           <a:p>
             <a:r>
               <a:rPr lang="en-US" dirty="0" smtClean="0"/>
-              <a:t>WinPE </a:t>
-            </a:r>
-            <a:r>
-              <a:rPr lang="en-US" dirty="0" smtClean="0"/>
-              <a:t>addon</a:t>
-            </a:r>
-            <a:r>
-              <a:rPr lang="en-US" dirty="0" smtClean="0"/>
-              <a:t> for Windows 10 ADK v1809</a:t>
+              <a:t>WinPE addon for Windows 10 ADK v1809</a:t>
             </a:r>
           </a:p>
           <a:p>
@@ -4472,11 +4893,7 @@
             <a:pPr lvl="1"/>
             <a:r>
               <a:rPr lang="en-US" dirty="0"/>
-              <a:t>Share name </a:t>
-            </a:r>
-            <a:r>
-              <a:rPr lang="en-US" dirty="0"/>
-              <a:t>HECCMDTBuildLab</a:t>
+              <a:t>Share name HECCMDTBuildLab</a:t>
             </a:r>
             <a:r>
               <a:rPr lang="en-US" dirty="0" smtClean="0"/>
@@ -4635,45 +5052,13 @@
           <a:p>
             <a:r>
               <a:rPr lang="en-US" dirty="0"/>
-              <a:t>New-Item -Path "C:\HECCMDTBuildLab" -</a:t>
-            </a:r>
+              <a:t>New-Item -Path "C:\HECCMDTBuildLab" -ItemType directory</a:t>
+            </a:r>
+          </a:p>
+          <a:p>
             <a:r>
               <a:rPr lang="en-US" dirty="0"/>
-              <a:t>ItemType</a:t>
-            </a:r>
-            <a:r>
-              <a:rPr lang="en-US" dirty="0"/>
-              <a:t> directory</a:t>
-            </a:r>
-          </a:p>
-          <a:p>
-            <a:r>
-              <a:rPr lang="en-US" dirty="0"/>
-              <a:t>New-</a:t>
-            </a:r>
-            <a:r>
-              <a:rPr lang="en-US" dirty="0"/>
-              <a:t>SmbShare</a:t>
-            </a:r>
-            <a:r>
-              <a:rPr lang="en-US" dirty="0"/>
-              <a:t> -Name "</a:t>
-            </a:r>
-            <a:r>
-              <a:rPr lang="en-US" dirty="0"/>
-              <a:t>HECCMDTBuildLab</a:t>
-            </a:r>
-            <a:r>
-              <a:rPr lang="en-US" dirty="0"/>
-              <a:t>$" -Path "C:\HECCMDTBuildLab" -</a:t>
-            </a:r>
-            <a:r>
-              <a:rPr lang="en-US" dirty="0"/>
-              <a:t>FullAccess</a:t>
-            </a:r>
-            <a:r>
-              <a:rPr lang="en-US" dirty="0"/>
-              <a:t> Administrators</a:t>
+              <a:t>New-SmbShare -Name "HECCMDTBuildLab$" -Path "C:\HECCMDTBuildLab" -FullAccess Administrators</a:t>
             </a:r>
           </a:p>
           <a:p>
@@ -4685,55 +5070,15 @@
           <a:p>
             <a:r>
               <a:rPr lang="en-US" dirty="0"/>
-              <a:t>new-</a:t>
+              <a:t>new-PSDrive -Name "DS001" -PSProvider "MDTProvider" -Root "C:\HECCMDTBuildLab" -Description "HECC Build Lab" -NetworkPath </a:t>
+            </a:r>
+            <a:r>
+              <a:rPr lang="en-US" dirty="0" smtClean="0"/>
+              <a:t>"\\MDT01\HECCMDTBuildLab</a:t>
             </a:r>
             <a:r>
               <a:rPr lang="en-US" dirty="0"/>
-              <a:t>PSDrive</a:t>
-            </a:r>
-            <a:r>
-              <a:rPr lang="en-US" dirty="0"/>
-              <a:t> -Name "DS001" -</a:t>
-            </a:r>
-            <a:r>
-              <a:rPr lang="en-US" dirty="0"/>
-              <a:t>PSProvider</a:t>
-            </a:r>
-            <a:r>
-              <a:rPr lang="en-US" dirty="0"/>
-              <a:t> "</a:t>
-            </a:r>
-            <a:r>
-              <a:rPr lang="en-US" dirty="0"/>
-              <a:t>MDTProvider</a:t>
-            </a:r>
-            <a:r>
-              <a:rPr lang="en-US" dirty="0"/>
-              <a:t>" -Root "C:\HECCMDTBuildLab" -Description "HECC Build Lab" -</a:t>
-            </a:r>
-            <a:r>
-              <a:rPr lang="en-US" dirty="0"/>
-              <a:t>NetworkPath</a:t>
-            </a:r>
-            <a:r>
-              <a:rPr lang="en-US" dirty="0"/>
-              <a:t> </a:t>
-            </a:r>
-            <a:r>
-              <a:rPr lang="en-US" dirty="0" smtClean="0"/>
-              <a:t>"\\MDT01\HECCMDTBuildLab</a:t>
-            </a:r>
-            <a:r>
-              <a:rPr lang="en-US" dirty="0"/>
-              <a:t>$" -Verbose | add-</a:t>
-            </a:r>
-            <a:r>
-              <a:rPr lang="en-US" dirty="0"/>
-              <a:t>MDTPersistentDrive</a:t>
-            </a:r>
-            <a:r>
-              <a:rPr lang="en-US" dirty="0"/>
-              <a:t> -Verbose</a:t>
+              <a:t>$" -Verbose | add-MDTPersistentDrive -Verbose</a:t>
             </a:r>
           </a:p>
           <a:p>

--- a/Part_01/Section01.pptx
+++ b/Part_01/Section01.pptx
@@ -5,7 +5,7 @@
     <p:sldMasterId id="2147483648" r:id="rId1"/>
   </p:sldMasterIdLst>
   <p:notesMasterIdLst>
-    <p:notesMasterId r:id="rId14"/>
+    <p:notesMasterId r:id="rId17"/>
   </p:notesMasterIdLst>
   <p:sldIdLst>
     <p:sldId id="256" r:id="rId2"/>
@@ -20,6 +20,9 @@
     <p:sldId id="265" r:id="rId11"/>
     <p:sldId id="266" r:id="rId12"/>
     <p:sldId id="267" r:id="rId13"/>
+    <p:sldId id="268" r:id="rId14"/>
+    <p:sldId id="269" r:id="rId15"/>
+    <p:sldId id="270" r:id="rId16"/>
   </p:sldIdLst>
   <p:sldSz cx="12192000" cy="6858000"/>
   <p:notesSz cx="6858000" cy="9144000"/>
@@ -208,7 +211,7 @@
           <a:p>
             <a:fld id="{75EEFB58-FC8A-462A-900E-E48AB904531D}" type="datetimeFigureOut">
               <a:rPr lang="en-US" smtClean="0"/>
-              <a:t>10/28/2018</a:t>
+              <a:t>10/29/2018</a:t>
             </a:fld>
             <a:endParaRPr lang="en-US" dirty="0"/>
           </a:p>
@@ -967,7 +970,7 @@
           <a:p>
             <a:fld id="{968F8B48-9EEB-4E1A-AB61-E86E4E194647}" type="datetimeFigureOut">
               <a:rPr lang="en-US" smtClean="0"/>
-              <a:t>10/28/2018</a:t>
+              <a:t>10/29/2018</a:t>
             </a:fld>
             <a:endParaRPr lang="en-US" dirty="0"/>
           </a:p>
@@ -1137,7 +1140,7 @@
           <a:p>
             <a:fld id="{968F8B48-9EEB-4E1A-AB61-E86E4E194647}" type="datetimeFigureOut">
               <a:rPr lang="en-US" smtClean="0"/>
-              <a:t>10/28/2018</a:t>
+              <a:t>10/29/2018</a:t>
             </a:fld>
             <a:endParaRPr lang="en-US" dirty="0"/>
           </a:p>
@@ -1317,7 +1320,7 @@
           <a:p>
             <a:fld id="{968F8B48-9EEB-4E1A-AB61-E86E4E194647}" type="datetimeFigureOut">
               <a:rPr lang="en-US" smtClean="0"/>
-              <a:t>10/28/2018</a:t>
+              <a:t>10/29/2018</a:t>
             </a:fld>
             <a:endParaRPr lang="en-US" dirty="0"/>
           </a:p>
@@ -1487,7 +1490,7 @@
           <a:p>
             <a:fld id="{968F8B48-9EEB-4E1A-AB61-E86E4E194647}" type="datetimeFigureOut">
               <a:rPr lang="en-US" smtClean="0"/>
-              <a:t>10/28/2018</a:t>
+              <a:t>10/29/2018</a:t>
             </a:fld>
             <a:endParaRPr lang="en-US" dirty="0"/>
           </a:p>
@@ -1733,7 +1736,7 @@
           <a:p>
             <a:fld id="{968F8B48-9EEB-4E1A-AB61-E86E4E194647}" type="datetimeFigureOut">
               <a:rPr lang="en-US" smtClean="0"/>
-              <a:t>10/28/2018</a:t>
+              <a:t>10/29/2018</a:t>
             </a:fld>
             <a:endParaRPr lang="en-US" dirty="0"/>
           </a:p>
@@ -1965,7 +1968,7 @@
           <a:p>
             <a:fld id="{968F8B48-9EEB-4E1A-AB61-E86E4E194647}" type="datetimeFigureOut">
               <a:rPr lang="en-US" smtClean="0"/>
-              <a:t>10/28/2018</a:t>
+              <a:t>10/29/2018</a:t>
             </a:fld>
             <a:endParaRPr lang="en-US" dirty="0"/>
           </a:p>
@@ -2332,7 +2335,7 @@
           <a:p>
             <a:fld id="{968F8B48-9EEB-4E1A-AB61-E86E4E194647}" type="datetimeFigureOut">
               <a:rPr lang="en-US" smtClean="0"/>
-              <a:t>10/28/2018</a:t>
+              <a:t>10/29/2018</a:t>
             </a:fld>
             <a:endParaRPr lang="en-US" dirty="0"/>
           </a:p>
@@ -2450,7 +2453,7 @@
           <a:p>
             <a:fld id="{968F8B48-9EEB-4E1A-AB61-E86E4E194647}" type="datetimeFigureOut">
               <a:rPr lang="en-US" smtClean="0"/>
-              <a:t>10/28/2018</a:t>
+              <a:t>10/29/2018</a:t>
             </a:fld>
             <a:endParaRPr lang="en-US" dirty="0"/>
           </a:p>
@@ -2545,7 +2548,7 @@
           <a:p>
             <a:fld id="{968F8B48-9EEB-4E1A-AB61-E86E4E194647}" type="datetimeFigureOut">
               <a:rPr lang="en-US" smtClean="0"/>
-              <a:t>10/28/2018</a:t>
+              <a:t>10/29/2018</a:t>
             </a:fld>
             <a:endParaRPr lang="en-US" dirty="0"/>
           </a:p>
@@ -2822,7 +2825,7 @@
           <a:p>
             <a:fld id="{968F8B48-9EEB-4E1A-AB61-E86E4E194647}" type="datetimeFigureOut">
               <a:rPr lang="en-US" smtClean="0"/>
-              <a:t>10/28/2018</a:t>
+              <a:t>10/29/2018</a:t>
             </a:fld>
             <a:endParaRPr lang="en-US" dirty="0"/>
           </a:p>
@@ -3075,7 +3078,7 @@
           <a:p>
             <a:fld id="{968F8B48-9EEB-4E1A-AB61-E86E4E194647}" type="datetimeFigureOut">
               <a:rPr lang="en-US" smtClean="0"/>
-              <a:t>10/28/2018</a:t>
+              <a:t>10/29/2018</a:t>
             </a:fld>
             <a:endParaRPr lang="en-US" dirty="0"/>
           </a:p>
@@ -3288,7 +3291,7 @@
           <a:p>
             <a:fld id="{968F8B48-9EEB-4E1A-AB61-E86E4E194647}" type="datetimeFigureOut">
               <a:rPr lang="en-US" smtClean="0"/>
-              <a:t>10/28/2018</a:t>
+              <a:t>10/29/2018</a:t>
             </a:fld>
             <a:endParaRPr lang="en-US" dirty="0"/>
           </a:p>
@@ -3739,7 +3742,13 @@
               <a:rPr lang="en-US" dirty="0" smtClean="0"/>
               <a:t>)</a:t>
             </a:r>
-            <a:endParaRPr lang="en-US" dirty="0"/>
+          </a:p>
+          <a:p>
+            <a:r>
+              <a:rPr lang="en-US" sz="2000" dirty="0" smtClean="0"/>
+              <a:t>Section 1</a:t>
+            </a:r>
+            <a:endParaRPr lang="en-US" sz="2000" dirty="0"/>
           </a:p>
         </p:txBody>
       </p:sp>
@@ -3844,7 +3853,6 @@
               <a:rPr lang="en-US" dirty="0" smtClean="0"/>
               <a:t>%\Control\</a:t>
             </a:r>
-            <a:endParaRPr lang="en-US" dirty="0" smtClean="0"/>
           </a:p>
           <a:p>
             <a:pPr lvl="1"/>
@@ -4175,6 +4183,194 @@
 </p:sld>
 </file>
 
+<file path=ppt/slides/slide13.xml><?xml version="1.0" encoding="utf-8"?>
+<p:sld xmlns:a="http://schemas.openxmlformats.org/drawingml/2006/main" xmlns:r="http://schemas.openxmlformats.org/officeDocument/2006/relationships" xmlns:p="http://schemas.openxmlformats.org/presentationml/2006/main">
+  <p:cSld>
+    <p:spTree>
+      <p:nvGrpSpPr>
+        <p:cNvPr id="1" name=""/>
+        <p:cNvGrpSpPr/>
+        <p:nvPr/>
+      </p:nvGrpSpPr>
+      <p:grpSpPr>
+        <a:xfrm>
+          <a:off x="0" y="0"/>
+          <a:ext cx="0" cy="0"/>
+          <a:chOff x="0" y="0"/>
+          <a:chExt cx="0" cy="0"/>
+        </a:xfrm>
+      </p:grpSpPr>
+      <p:sp>
+        <p:nvSpPr>
+          <p:cNvPr id="2" name="Title 1"/>
+          <p:cNvSpPr>
+            <a:spLocks noGrp="1"/>
+          </p:cNvSpPr>
+          <p:nvPr>
+            <p:ph type="title"/>
+          </p:nvPr>
+        </p:nvSpPr>
+        <p:spPr>
+          <a:xfrm>
+            <a:off x="838200" y="365125"/>
+            <a:ext cx="10515600" cy="5461934"/>
+          </a:xfrm>
+        </p:spPr>
+        <p:txBody>
+          <a:bodyPr>
+            <a:normAutofit/>
+          </a:bodyPr>
+          <a:lstStyle/>
+          <a:p>
+            <a:pPr algn="ctr"/>
+            <a:r>
+              <a:rPr lang="en-US" sz="16600" dirty="0" smtClean="0"/>
+              <a:t>Demo</a:t>
+            </a:r>
+            <a:endParaRPr lang="en-US" sz="16600" dirty="0"/>
+          </a:p>
+        </p:txBody>
+      </p:sp>
+    </p:spTree>
+    <p:extLst>
+      <p:ext uri="{BB962C8B-B14F-4D97-AF65-F5344CB8AC3E}">
+        <p14:creationId xmlns:p14="http://schemas.microsoft.com/office/powerpoint/2010/main" val="583389733"/>
+      </p:ext>
+    </p:extLst>
+  </p:cSld>
+  <p:clrMapOvr>
+    <a:masterClrMapping/>
+  </p:clrMapOvr>
+</p:sld>
+</file>
+
+<file path=ppt/slides/slide14.xml><?xml version="1.0" encoding="utf-8"?>
+<p:sld xmlns:a="http://schemas.openxmlformats.org/drawingml/2006/main" xmlns:r="http://schemas.openxmlformats.org/officeDocument/2006/relationships" xmlns:p="http://schemas.openxmlformats.org/presentationml/2006/main">
+  <p:cSld>
+    <p:spTree>
+      <p:nvGrpSpPr>
+        <p:cNvPr id="1" name=""/>
+        <p:cNvGrpSpPr/>
+        <p:nvPr/>
+      </p:nvGrpSpPr>
+      <p:grpSpPr>
+        <a:xfrm>
+          <a:off x="0" y="0"/>
+          <a:ext cx="0" cy="0"/>
+          <a:chOff x="0" y="0"/>
+          <a:chExt cx="0" cy="0"/>
+        </a:xfrm>
+      </p:grpSpPr>
+      <p:sp>
+        <p:nvSpPr>
+          <p:cNvPr id="2" name="Title 1"/>
+          <p:cNvSpPr>
+            <a:spLocks noGrp="1"/>
+          </p:cNvSpPr>
+          <p:nvPr>
+            <p:ph type="title"/>
+          </p:nvPr>
+        </p:nvSpPr>
+        <p:spPr>
+          <a:xfrm>
+            <a:off x="838200" y="365125"/>
+            <a:ext cx="10515600" cy="5641228"/>
+          </a:xfrm>
+        </p:spPr>
+        <p:txBody>
+          <a:bodyPr>
+            <a:normAutofit/>
+          </a:bodyPr>
+          <a:lstStyle/>
+          <a:p>
+            <a:pPr algn="ctr"/>
+            <a:r>
+              <a:rPr lang="en-US" sz="13800" dirty="0" smtClean="0"/>
+              <a:t>Questions</a:t>
+            </a:r>
+            <a:endParaRPr lang="en-US" sz="13800" dirty="0"/>
+          </a:p>
+        </p:txBody>
+      </p:sp>
+    </p:spTree>
+    <p:extLst>
+      <p:ext uri="{BB962C8B-B14F-4D97-AF65-F5344CB8AC3E}">
+        <p14:creationId xmlns:p14="http://schemas.microsoft.com/office/powerpoint/2010/main" val="1659757434"/>
+      </p:ext>
+    </p:extLst>
+  </p:cSld>
+  <p:clrMapOvr>
+    <a:masterClrMapping/>
+  </p:clrMapOvr>
+</p:sld>
+</file>
+
+<file path=ppt/slides/slide15.xml><?xml version="1.0" encoding="utf-8"?>
+<p:sld xmlns:a="http://schemas.openxmlformats.org/drawingml/2006/main" xmlns:r="http://schemas.openxmlformats.org/officeDocument/2006/relationships" xmlns:p="http://schemas.openxmlformats.org/presentationml/2006/main">
+  <p:cSld>
+    <p:spTree>
+      <p:nvGrpSpPr>
+        <p:cNvPr id="1" name=""/>
+        <p:cNvGrpSpPr/>
+        <p:nvPr/>
+      </p:nvGrpSpPr>
+      <p:grpSpPr>
+        <a:xfrm>
+          <a:off x="0" y="0"/>
+          <a:ext cx="0" cy="0"/>
+          <a:chOff x="0" y="0"/>
+          <a:chExt cx="0" cy="0"/>
+        </a:xfrm>
+      </p:grpSpPr>
+      <p:sp>
+        <p:nvSpPr>
+          <p:cNvPr id="2" name="Title 1"/>
+          <p:cNvSpPr>
+            <a:spLocks noGrp="1"/>
+          </p:cNvSpPr>
+          <p:nvPr>
+            <p:ph type="title"/>
+          </p:nvPr>
+        </p:nvSpPr>
+        <p:spPr>
+          <a:xfrm>
+            <a:off x="838200" y="365125"/>
+            <a:ext cx="10515600" cy="5730875"/>
+          </a:xfrm>
+        </p:spPr>
+        <p:txBody>
+          <a:bodyPr/>
+          <a:lstStyle/>
+          <a:p>
+            <a:pPr algn="ctr"/>
+            <a:r>
+              <a:rPr lang="en-US" sz="13800" dirty="0" smtClean="0"/>
+              <a:t>Break</a:t>
+            </a:r>
+            <a:br>
+              <a:rPr lang="en-US" sz="13800" dirty="0" smtClean="0"/>
+            </a:br>
+            <a:r>
+              <a:rPr lang="en-US" sz="3200" dirty="0" smtClean="0"/>
+              <a:t>10 Minutes</a:t>
+            </a:r>
+            <a:endParaRPr lang="en-US" dirty="0"/>
+          </a:p>
+        </p:txBody>
+      </p:sp>
+    </p:spTree>
+    <p:extLst>
+      <p:ext uri="{BB962C8B-B14F-4D97-AF65-F5344CB8AC3E}">
+        <p14:creationId xmlns:p14="http://schemas.microsoft.com/office/powerpoint/2010/main" val="312807362"/>
+      </p:ext>
+    </p:extLst>
+  </p:cSld>
+  <p:clrMapOvr>
+    <a:masterClrMapping/>
+  </p:clrMapOvr>
+</p:sld>
+</file>
+
 <file path=ppt/slides/slide2.xml><?xml version="1.0" encoding="utf-8"?>
 <p:sld xmlns:a="http://schemas.openxmlformats.org/drawingml/2006/main" xmlns:r="http://schemas.openxmlformats.org/officeDocument/2006/relationships" xmlns:p="http://schemas.openxmlformats.org/presentationml/2006/main">
   <p:cSld>
@@ -4293,8 +4489,44 @@
             </a:r>
             <a:r>
               <a:rPr lang="en-US" dirty="0"/>
-              <a:t>Build Share</a:t>
-            </a:r>
+              <a:t>Build </a:t>
+            </a:r>
+            <a:r>
+              <a:rPr lang="en-US" dirty="0" smtClean="0"/>
+              <a:t>Share	</a:t>
+            </a:r>
+          </a:p>
+          <a:p>
+            <a:pPr lvl="3"/>
+            <a:r>
+              <a:rPr lang="en-US" dirty="0" smtClean="0"/>
+              <a:t>Bootstrap.ini</a:t>
+            </a:r>
+          </a:p>
+          <a:p>
+            <a:pPr lvl="3"/>
+            <a:r>
+              <a:rPr lang="en-US" dirty="0" smtClean="0"/>
+              <a:t>CustomSettings.ini</a:t>
+            </a:r>
+          </a:p>
+          <a:p>
+            <a:pPr lvl="2"/>
+            <a:r>
+              <a:rPr lang="en-US" dirty="0" smtClean="0"/>
+              <a:t>Demo</a:t>
+            </a:r>
+          </a:p>
+          <a:p>
+            <a:pPr lvl="2"/>
+            <a:r>
+              <a:rPr lang="en-US" dirty="0" smtClean="0"/>
+              <a:t>Questions</a:t>
+            </a:r>
+          </a:p>
+          <a:p>
+            <a:pPr lvl="3"/>
+            <a:endParaRPr lang="en-US" dirty="0"/>
           </a:p>
         </p:txBody>
       </p:sp>

--- a/Part_01/Section01.pptx
+++ b/Part_01/Section01.pptx
@@ -211,7 +211,7 @@
           <a:p>
             <a:fld id="{75EEFB58-FC8A-462A-900E-E48AB904531D}" type="datetimeFigureOut">
               <a:rPr lang="en-US" smtClean="0"/>
-              <a:t>10/29/2018</a:t>
+              <a:t>11/4/2018</a:t>
             </a:fld>
             <a:endParaRPr lang="en-US" dirty="0"/>
           </a:p>
@@ -799,6 +799,129 @@
           <a:bodyPr/>
           <a:lstStyle/>
           <a:p>
+            <a:r>
+              <a:rPr lang="en-US" dirty="0" smtClean="0"/>
+              <a:t>Bootstap.ini</a:t>
+            </a:r>
+          </a:p>
+          <a:p>
+            <a:r>
+              <a:rPr lang="en-US" dirty="0" smtClean="0"/>
+              <a:t>https://itinlegal.wordpress.com/2017/10/17/mdt-tutorial-part-5/</a:t>
+            </a:r>
+          </a:p>
+          <a:p>
+            <a:endParaRPr lang="en-US" dirty="0" smtClean="0"/>
+          </a:p>
+          <a:p>
+            <a:r>
+              <a:rPr lang="en-US" dirty="0" smtClean="0"/>
+              <a:t>CustomSettings.ini</a:t>
+            </a:r>
+          </a:p>
+          <a:p>
+            <a:r>
+              <a:rPr lang="en-US" dirty="0" smtClean="0"/>
+              <a:t>https://itinlegal.wordpress.com/2017/10/15/mdt-tutorial-part-4/</a:t>
+            </a:r>
+          </a:p>
+          <a:p>
+            <a:r>
+              <a:rPr lang="en-US" dirty="0" smtClean="0"/>
+              <a:t>https://deploymentbunny.com/2012/04/21/back-to-basic-customsettings-ini-explained/</a:t>
+            </a:r>
+          </a:p>
+          <a:p>
+            <a:r>
+              <a:rPr lang="en-US" dirty="0" smtClean="0"/>
+              <a:t>https://deploymentbunny.com/2015/05/22/back-to-basic-customsettings-ini-converting-desktop-and-laptop-computer-types-into-roles/</a:t>
+            </a:r>
+          </a:p>
+          <a:p>
+            <a:endParaRPr lang="en-US" dirty="0"/>
+          </a:p>
+        </p:txBody>
+      </p:sp>
+      <p:sp>
+        <p:nvSpPr>
+          <p:cNvPr id="4" name="Slide Number Placeholder 3"/>
+          <p:cNvSpPr>
+            <a:spLocks noGrp="1"/>
+          </p:cNvSpPr>
+          <p:nvPr>
+            <p:ph type="sldNum" sz="quarter" idx="10"/>
+          </p:nvPr>
+        </p:nvSpPr>
+        <p:spPr/>
+        <p:txBody>
+          <a:bodyPr/>
+          <a:lstStyle/>
+          <a:p>
+            <a:fld id="{CA4D1D8D-529E-4C3E-8E19-57477EA95FD2}" type="slidenum">
+              <a:rPr lang="en-US" smtClean="0"/>
+              <a:t>10</a:t>
+            </a:fld>
+            <a:endParaRPr lang="en-US" dirty="0"/>
+          </a:p>
+        </p:txBody>
+      </p:sp>
+    </p:spTree>
+    <p:extLst>
+      <p:ext uri="{BB962C8B-B14F-4D97-AF65-F5344CB8AC3E}">
+        <p14:creationId xmlns:p14="http://schemas.microsoft.com/office/powerpoint/2010/main" val="893692362"/>
+      </p:ext>
+    </p:extLst>
+  </p:cSld>
+  <p:clrMapOvr>
+    <a:masterClrMapping/>
+  </p:clrMapOvr>
+</p:notes>
+</file>
+
+<file path=ppt/notesSlides/notesSlide5.xml><?xml version="1.0" encoding="utf-8"?>
+<p:notes xmlns:a="http://schemas.openxmlformats.org/drawingml/2006/main" xmlns:r="http://schemas.openxmlformats.org/officeDocument/2006/relationships" xmlns:p="http://schemas.openxmlformats.org/presentationml/2006/main">
+  <p:cSld>
+    <p:spTree>
+      <p:nvGrpSpPr>
+        <p:cNvPr id="1" name=""/>
+        <p:cNvGrpSpPr/>
+        <p:nvPr/>
+      </p:nvGrpSpPr>
+      <p:grpSpPr>
+        <a:xfrm>
+          <a:off x="0" y="0"/>
+          <a:ext cx="0" cy="0"/>
+          <a:chOff x="0" y="0"/>
+          <a:chExt cx="0" cy="0"/>
+        </a:xfrm>
+      </p:grpSpPr>
+      <p:sp>
+        <p:nvSpPr>
+          <p:cNvPr id="2" name="Slide Image Placeholder 1"/>
+          <p:cNvSpPr>
+            <a:spLocks noGrp="1" noRot="1" noChangeAspect="1"/>
+          </p:cNvSpPr>
+          <p:nvPr>
+            <p:ph type="sldImg"/>
+          </p:nvPr>
+        </p:nvSpPr>
+        <p:spPr/>
+      </p:sp>
+      <p:sp>
+        <p:nvSpPr>
+          <p:cNvPr id="3" name="Notes Placeholder 2"/>
+          <p:cNvSpPr>
+            <a:spLocks noGrp="1"/>
+          </p:cNvSpPr>
+          <p:nvPr>
+            <p:ph type="body" idx="1"/>
+          </p:nvPr>
+        </p:nvSpPr>
+        <p:spPr/>
+        <p:txBody>
+          <a:bodyPr/>
+          <a:lstStyle/>
+          <a:p>
             <a:endParaRPr lang="en-US" dirty="0"/>
           </a:p>
         </p:txBody>
@@ -970,7 +1093,7 @@
           <a:p>
             <a:fld id="{968F8B48-9EEB-4E1A-AB61-E86E4E194647}" type="datetimeFigureOut">
               <a:rPr lang="en-US" smtClean="0"/>
-              <a:t>10/29/2018</a:t>
+              <a:t>11/4/2018</a:t>
             </a:fld>
             <a:endParaRPr lang="en-US" dirty="0"/>
           </a:p>
@@ -1140,7 +1263,7 @@
           <a:p>
             <a:fld id="{968F8B48-9EEB-4E1A-AB61-E86E4E194647}" type="datetimeFigureOut">
               <a:rPr lang="en-US" smtClean="0"/>
-              <a:t>10/29/2018</a:t>
+              <a:t>11/4/2018</a:t>
             </a:fld>
             <a:endParaRPr lang="en-US" dirty="0"/>
           </a:p>
@@ -1320,7 +1443,7 @@
           <a:p>
             <a:fld id="{968F8B48-9EEB-4E1A-AB61-E86E4E194647}" type="datetimeFigureOut">
               <a:rPr lang="en-US" smtClean="0"/>
-              <a:t>10/29/2018</a:t>
+              <a:t>11/4/2018</a:t>
             </a:fld>
             <a:endParaRPr lang="en-US" dirty="0"/>
           </a:p>
@@ -1490,7 +1613,7 @@
           <a:p>
             <a:fld id="{968F8B48-9EEB-4E1A-AB61-E86E4E194647}" type="datetimeFigureOut">
               <a:rPr lang="en-US" smtClean="0"/>
-              <a:t>10/29/2018</a:t>
+              <a:t>11/4/2018</a:t>
             </a:fld>
             <a:endParaRPr lang="en-US" dirty="0"/>
           </a:p>
@@ -1736,7 +1859,7 @@
           <a:p>
             <a:fld id="{968F8B48-9EEB-4E1A-AB61-E86E4E194647}" type="datetimeFigureOut">
               <a:rPr lang="en-US" smtClean="0"/>
-              <a:t>10/29/2018</a:t>
+              <a:t>11/4/2018</a:t>
             </a:fld>
             <a:endParaRPr lang="en-US" dirty="0"/>
           </a:p>
@@ -1968,7 +2091,7 @@
           <a:p>
             <a:fld id="{968F8B48-9EEB-4E1A-AB61-E86E4E194647}" type="datetimeFigureOut">
               <a:rPr lang="en-US" smtClean="0"/>
-              <a:t>10/29/2018</a:t>
+              <a:t>11/4/2018</a:t>
             </a:fld>
             <a:endParaRPr lang="en-US" dirty="0"/>
           </a:p>
@@ -2335,7 +2458,7 @@
           <a:p>
             <a:fld id="{968F8B48-9EEB-4E1A-AB61-E86E4E194647}" type="datetimeFigureOut">
               <a:rPr lang="en-US" smtClean="0"/>
-              <a:t>10/29/2018</a:t>
+              <a:t>11/4/2018</a:t>
             </a:fld>
             <a:endParaRPr lang="en-US" dirty="0"/>
           </a:p>
@@ -2453,7 +2576,7 @@
           <a:p>
             <a:fld id="{968F8B48-9EEB-4E1A-AB61-E86E4E194647}" type="datetimeFigureOut">
               <a:rPr lang="en-US" smtClean="0"/>
-              <a:t>10/29/2018</a:t>
+              <a:t>11/4/2018</a:t>
             </a:fld>
             <a:endParaRPr lang="en-US" dirty="0"/>
           </a:p>
@@ -2548,7 +2671,7 @@
           <a:p>
             <a:fld id="{968F8B48-9EEB-4E1A-AB61-E86E4E194647}" type="datetimeFigureOut">
               <a:rPr lang="en-US" smtClean="0"/>
-              <a:t>10/29/2018</a:t>
+              <a:t>11/4/2018</a:t>
             </a:fld>
             <a:endParaRPr lang="en-US" dirty="0"/>
           </a:p>
@@ -2825,7 +2948,7 @@
           <a:p>
             <a:fld id="{968F8B48-9EEB-4E1A-AB61-E86E4E194647}" type="datetimeFigureOut">
               <a:rPr lang="en-US" smtClean="0"/>
-              <a:t>10/29/2018</a:t>
+              <a:t>11/4/2018</a:t>
             </a:fld>
             <a:endParaRPr lang="en-US" dirty="0"/>
           </a:p>
@@ -3078,7 +3201,7 @@
           <a:p>
             <a:fld id="{968F8B48-9EEB-4E1A-AB61-E86E4E194647}" type="datetimeFigureOut">
               <a:rPr lang="en-US" smtClean="0"/>
-              <a:t>10/29/2018</a:t>
+              <a:t>11/4/2018</a:t>
             </a:fld>
             <a:endParaRPr lang="en-US" dirty="0"/>
           </a:p>
@@ -3291,7 +3414,7 @@
           <a:p>
             <a:fld id="{968F8B48-9EEB-4E1A-AB61-E86E4E194647}" type="datetimeFigureOut">
               <a:rPr lang="en-US" smtClean="0"/>
-              <a:t>10/29/2018</a:t>
+              <a:t>11/4/2018</a:t>
             </a:fld>
             <a:endParaRPr lang="en-US" dirty="0"/>
           </a:p>

--- a/Part_01/Section01.pptx
+++ b/Part_01/Section01.pptx
@@ -2,7 +2,7 @@
 <file path=ppt/presentation.xml><?xml version="1.0" encoding="utf-8"?>
 <p:presentation xmlns:a="http://schemas.openxmlformats.org/drawingml/2006/main" xmlns:r="http://schemas.openxmlformats.org/officeDocument/2006/relationships" xmlns:p="http://schemas.openxmlformats.org/presentationml/2006/main" saveSubsetFonts="1">
   <p:sldMasterIdLst>
-    <p:sldMasterId id="2147483648" r:id="rId1"/>
+    <p:sldMasterId id="2147483660" r:id="rId1"/>
   </p:sldMasterIdLst>
   <p:notesMasterIdLst>
     <p:notesMasterId r:id="rId17"/>
@@ -30,7 +30,7 @@
     <a:defPPr>
       <a:defRPr lang="en-US"/>
     </a:defPPr>
-    <a:lvl1pPr marL="0" algn="l" defTabSz="914400" rtl="0" eaLnBrk="1" latinLnBrk="0" hangingPunct="1">
+    <a:lvl1pPr marL="0" algn="l" defTabSz="457200" rtl="0" eaLnBrk="1" latinLnBrk="0" hangingPunct="1">
       <a:defRPr sz="1800" kern="1200">
         <a:solidFill>
           <a:schemeClr val="tx1"/>
@@ -40,7 +40,7 @@
         <a:cs typeface="+mn-cs"/>
       </a:defRPr>
     </a:lvl1pPr>
-    <a:lvl2pPr marL="457200" algn="l" defTabSz="914400" rtl="0" eaLnBrk="1" latinLnBrk="0" hangingPunct="1">
+    <a:lvl2pPr marL="457200" algn="l" defTabSz="457200" rtl="0" eaLnBrk="1" latinLnBrk="0" hangingPunct="1">
       <a:defRPr sz="1800" kern="1200">
         <a:solidFill>
           <a:schemeClr val="tx1"/>
@@ -50,7 +50,7 @@
         <a:cs typeface="+mn-cs"/>
       </a:defRPr>
     </a:lvl2pPr>
-    <a:lvl3pPr marL="914400" algn="l" defTabSz="914400" rtl="0" eaLnBrk="1" latinLnBrk="0" hangingPunct="1">
+    <a:lvl3pPr marL="914400" algn="l" defTabSz="457200" rtl="0" eaLnBrk="1" latinLnBrk="0" hangingPunct="1">
       <a:defRPr sz="1800" kern="1200">
         <a:solidFill>
           <a:schemeClr val="tx1"/>
@@ -60,7 +60,7 @@
         <a:cs typeface="+mn-cs"/>
       </a:defRPr>
     </a:lvl3pPr>
-    <a:lvl4pPr marL="1371600" algn="l" defTabSz="914400" rtl="0" eaLnBrk="1" latinLnBrk="0" hangingPunct="1">
+    <a:lvl4pPr marL="1371600" algn="l" defTabSz="457200" rtl="0" eaLnBrk="1" latinLnBrk="0" hangingPunct="1">
       <a:defRPr sz="1800" kern="1200">
         <a:solidFill>
           <a:schemeClr val="tx1"/>
@@ -70,7 +70,7 @@
         <a:cs typeface="+mn-cs"/>
       </a:defRPr>
     </a:lvl4pPr>
-    <a:lvl5pPr marL="1828800" algn="l" defTabSz="914400" rtl="0" eaLnBrk="1" latinLnBrk="0" hangingPunct="1">
+    <a:lvl5pPr marL="1828800" algn="l" defTabSz="457200" rtl="0" eaLnBrk="1" latinLnBrk="0" hangingPunct="1">
       <a:defRPr sz="1800" kern="1200">
         <a:solidFill>
           <a:schemeClr val="tx1"/>
@@ -80,7 +80,7 @@
         <a:cs typeface="+mn-cs"/>
       </a:defRPr>
     </a:lvl5pPr>
-    <a:lvl6pPr marL="2286000" algn="l" defTabSz="914400" rtl="0" eaLnBrk="1" latinLnBrk="0" hangingPunct="1">
+    <a:lvl6pPr marL="2286000" algn="l" defTabSz="457200" rtl="0" eaLnBrk="1" latinLnBrk="0" hangingPunct="1">
       <a:defRPr sz="1800" kern="1200">
         <a:solidFill>
           <a:schemeClr val="tx1"/>
@@ -90,7 +90,7 @@
         <a:cs typeface="+mn-cs"/>
       </a:defRPr>
     </a:lvl6pPr>
-    <a:lvl7pPr marL="2743200" algn="l" defTabSz="914400" rtl="0" eaLnBrk="1" latinLnBrk="0" hangingPunct="1">
+    <a:lvl7pPr marL="2743200" algn="l" defTabSz="457200" rtl="0" eaLnBrk="1" latinLnBrk="0" hangingPunct="1">
       <a:defRPr sz="1800" kern="1200">
         <a:solidFill>
           <a:schemeClr val="tx1"/>
@@ -100,7 +100,7 @@
         <a:cs typeface="+mn-cs"/>
       </a:defRPr>
     </a:lvl7pPr>
-    <a:lvl8pPr marL="3200400" algn="l" defTabSz="914400" rtl="0" eaLnBrk="1" latinLnBrk="0" hangingPunct="1">
+    <a:lvl8pPr marL="3200400" algn="l" defTabSz="457200" rtl="0" eaLnBrk="1" latinLnBrk="0" hangingPunct="1">
       <a:defRPr sz="1800" kern="1200">
         <a:solidFill>
           <a:schemeClr val="tx1"/>
@@ -110,7 +110,7 @@
         <a:cs typeface="+mn-cs"/>
       </a:defRPr>
     </a:lvl8pPr>
-    <a:lvl9pPr marL="3657600" algn="l" defTabSz="914400" rtl="0" eaLnBrk="1" latinLnBrk="0" hangingPunct="1">
+    <a:lvl9pPr marL="3657600" algn="l" defTabSz="457200" rtl="0" eaLnBrk="1" latinLnBrk="0" hangingPunct="1">
       <a:defRPr sz="1800" kern="1200">
         <a:solidFill>
           <a:schemeClr val="tx1"/>
@@ -211,7 +211,7 @@
           <a:p>
             <a:fld id="{75EEFB58-FC8A-462A-900E-E48AB904531D}" type="datetimeFigureOut">
               <a:rPr lang="en-US" smtClean="0"/>
-              <a:t>11/4/2018</a:t>
+              <a:t>11/7/2018</a:t>
             </a:fld>
             <a:endParaRPr lang="en-US" dirty="0"/>
           </a:p>
@@ -275,38 +275,37 @@
           <a:p>
             <a:pPr lvl="0"/>
             <a:r>
-              <a:rPr lang="en-US" smtClean="0"/>
+              <a:rPr lang="en-US"/>
               <a:t>Edit Master text styles</a:t>
             </a:r>
           </a:p>
           <a:p>
             <a:pPr lvl="1"/>
             <a:r>
-              <a:rPr lang="en-US" smtClean="0"/>
+              <a:rPr lang="en-US"/>
               <a:t>Second level</a:t>
             </a:r>
           </a:p>
           <a:p>
             <a:pPr lvl="2"/>
             <a:r>
-              <a:rPr lang="en-US" smtClean="0"/>
+              <a:rPr lang="en-US"/>
               <a:t>Third level</a:t>
             </a:r>
           </a:p>
           <a:p>
             <a:pPr lvl="3"/>
             <a:r>
-              <a:rPr lang="en-US" smtClean="0"/>
+              <a:rPr lang="en-US"/>
               <a:t>Fourth level</a:t>
             </a:r>
           </a:p>
           <a:p>
             <a:pPr lvl="4"/>
             <a:r>
-              <a:rPr lang="en-US" smtClean="0"/>
+              <a:rPr lang="en-US"/>
               <a:t>Fifth level</a:t>
             </a:r>
-            <a:endParaRPr lang="en-US"/>
           </a:p>
         </p:txBody>
       </p:sp>
@@ -608,25 +607,25 @@
           <a:lstStyle/>
           <a:p>
             <a:r>
-              <a:rPr lang="en-US" dirty="0" smtClean="0"/>
+              <a:rPr lang="en-US" dirty="0"/>
               <a:t>New-Item -Path "C:\HECCMDTBuildLab" -ItemType directory</a:t>
             </a:r>
           </a:p>
           <a:p>
             <a:r>
-              <a:rPr lang="en-US" dirty="0" smtClean="0"/>
+              <a:rPr lang="en-US" dirty="0"/>
               <a:t>New-SmbShare -Name "HECCMDTBuildLab$" -Path "C:\HECCMDTBuildLab" -FullAccess Administrators</a:t>
             </a:r>
           </a:p>
           <a:p>
             <a:r>
-              <a:rPr lang="en-US" dirty="0" smtClean="0"/>
+              <a:rPr lang="en-US" dirty="0"/>
               <a:t>Import-Module "C:\Program Files\Microsoft Deployment Toolkit\bin\MicrosoftDeploymentToolkit.psd1"</a:t>
             </a:r>
           </a:p>
           <a:p>
             <a:r>
-              <a:rPr lang="en-US" dirty="0" smtClean="0"/>
+              <a:rPr lang="en-US" dirty="0"/>
               <a:t>new-PSDrive -Name "DS001" -PSProvider "MDTProvider" -Root "C:\HECCMDTBuildLab" -Description "HECC Build Lab" -NetworkPath "\\AS-TEC-PROBK-01\HECCMDTBuildLab$" -Verbose | add-MDTPersistentDrive -Verbose</a:t>
             </a:r>
           </a:p>
@@ -800,40 +799,40 @@
           <a:lstStyle/>
           <a:p>
             <a:r>
-              <a:rPr lang="en-US" dirty="0" smtClean="0"/>
+              <a:rPr lang="en-US" dirty="0"/>
               <a:t>Bootstap.ini</a:t>
             </a:r>
           </a:p>
           <a:p>
             <a:r>
-              <a:rPr lang="en-US" dirty="0" smtClean="0"/>
+              <a:rPr lang="en-US" dirty="0"/>
               <a:t>https://itinlegal.wordpress.com/2017/10/17/mdt-tutorial-part-5/</a:t>
             </a:r>
           </a:p>
           <a:p>
-            <a:endParaRPr lang="en-US" dirty="0" smtClean="0"/>
-          </a:p>
-          <a:p>
-            <a:r>
-              <a:rPr lang="en-US" dirty="0" smtClean="0"/>
+            <a:endParaRPr lang="en-US" dirty="0"/>
+          </a:p>
+          <a:p>
+            <a:r>
+              <a:rPr lang="en-US" dirty="0"/>
               <a:t>CustomSettings.ini</a:t>
             </a:r>
           </a:p>
           <a:p>
             <a:r>
-              <a:rPr lang="en-US" dirty="0" smtClean="0"/>
+              <a:rPr lang="en-US" dirty="0"/>
               <a:t>https://itinlegal.wordpress.com/2017/10/15/mdt-tutorial-part-4/</a:t>
             </a:r>
           </a:p>
           <a:p>
             <a:r>
-              <a:rPr lang="en-US" dirty="0" smtClean="0"/>
+              <a:rPr lang="en-US" dirty="0"/>
               <a:t>https://deploymentbunny.com/2012/04/21/back-to-basic-customsettings-ini-explained/</a:t>
             </a:r>
           </a:p>
           <a:p>
             <a:r>
-              <a:rPr lang="en-US" dirty="0" smtClean="0"/>
+              <a:rPr lang="en-US" dirty="0"/>
               <a:t>https://deploymentbunny.com/2015/05/22/back-to-basic-customsettings-ini-converting-desktop-and-laptop-computer-types-into-roles/</a:t>
             </a:r>
           </a:p>
@@ -991,23 +990,25 @@
         </p:nvSpPr>
         <p:spPr>
           <a:xfrm>
-            <a:off x="1524000" y="1122363"/>
-            <a:ext cx="9144000" cy="2387600"/>
+            <a:off x="1370693" y="1769540"/>
+            <a:ext cx="9440034" cy="1828801"/>
           </a:xfrm>
         </p:spPr>
         <p:txBody>
-          <a:bodyPr anchor="b"/>
+          <a:bodyPr anchor="b">
+            <a:normAutofit/>
+          </a:bodyPr>
           <a:lstStyle>
             <a:lvl1pPr algn="ctr">
-              <a:defRPr sz="6000"/>
+              <a:defRPr sz="5400"/>
             </a:lvl1pPr>
           </a:lstStyle>
           <a:p>
             <a:r>
-              <a:rPr lang="en-US" smtClean="0"/>
+              <a:rPr lang="en-US"/>
               <a:t>Click to edit Master title style</a:t>
             </a:r>
-            <a:endParaRPr lang="en-US"/>
+            <a:endParaRPr lang="en-US" dirty="0"/>
           </a:p>
         </p:txBody>
       </p:sp>
@@ -1023,56 +1024,108 @@
         </p:nvSpPr>
         <p:spPr>
           <a:xfrm>
-            <a:off x="1524000" y="3602038"/>
-            <a:ext cx="9144000" cy="1655762"/>
+            <a:off x="1370693" y="3598339"/>
+            <a:ext cx="9440034" cy="1049867"/>
           </a:xfrm>
         </p:spPr>
         <p:txBody>
-          <a:bodyPr/>
+          <a:bodyPr anchor="t"/>
           <a:lstStyle>
             <a:lvl1pPr marL="0" indent="0" algn="ctr">
               <a:buNone/>
-              <a:defRPr sz="2400"/>
+              <a:defRPr>
+                <a:solidFill>
+                  <a:schemeClr val="tx1"/>
+                </a:solidFill>
+              </a:defRPr>
             </a:lvl1pPr>
             <a:lvl2pPr marL="457200" indent="0" algn="ctr">
               <a:buNone/>
-              <a:defRPr sz="2000"/>
+              <a:defRPr>
+                <a:solidFill>
+                  <a:schemeClr val="tx1">
+                    <a:tint val="75000"/>
+                  </a:schemeClr>
+                </a:solidFill>
+              </a:defRPr>
             </a:lvl2pPr>
             <a:lvl3pPr marL="914400" indent="0" algn="ctr">
               <a:buNone/>
-              <a:defRPr sz="1800"/>
+              <a:defRPr>
+                <a:solidFill>
+                  <a:schemeClr val="tx1">
+                    <a:tint val="75000"/>
+                  </a:schemeClr>
+                </a:solidFill>
+              </a:defRPr>
             </a:lvl3pPr>
             <a:lvl4pPr marL="1371600" indent="0" algn="ctr">
               <a:buNone/>
-              <a:defRPr sz="1600"/>
+              <a:defRPr>
+                <a:solidFill>
+                  <a:schemeClr val="tx1">
+                    <a:tint val="75000"/>
+                  </a:schemeClr>
+                </a:solidFill>
+              </a:defRPr>
             </a:lvl4pPr>
             <a:lvl5pPr marL="1828800" indent="0" algn="ctr">
               <a:buNone/>
-              <a:defRPr sz="1600"/>
+              <a:defRPr>
+                <a:solidFill>
+                  <a:schemeClr val="tx1">
+                    <a:tint val="75000"/>
+                  </a:schemeClr>
+                </a:solidFill>
+              </a:defRPr>
             </a:lvl5pPr>
             <a:lvl6pPr marL="2286000" indent="0" algn="ctr">
               <a:buNone/>
-              <a:defRPr sz="1600"/>
+              <a:defRPr>
+                <a:solidFill>
+                  <a:schemeClr val="tx1">
+                    <a:tint val="75000"/>
+                  </a:schemeClr>
+                </a:solidFill>
+              </a:defRPr>
             </a:lvl6pPr>
             <a:lvl7pPr marL="2743200" indent="0" algn="ctr">
               <a:buNone/>
-              <a:defRPr sz="1600"/>
+              <a:defRPr>
+                <a:solidFill>
+                  <a:schemeClr val="tx1">
+                    <a:tint val="75000"/>
+                  </a:schemeClr>
+                </a:solidFill>
+              </a:defRPr>
             </a:lvl7pPr>
             <a:lvl8pPr marL="3200400" indent="0" algn="ctr">
               <a:buNone/>
-              <a:defRPr sz="1600"/>
+              <a:defRPr>
+                <a:solidFill>
+                  <a:schemeClr val="tx1">
+                    <a:tint val="75000"/>
+                  </a:schemeClr>
+                </a:solidFill>
+              </a:defRPr>
             </a:lvl8pPr>
             <a:lvl9pPr marL="3657600" indent="0" algn="ctr">
               <a:buNone/>
-              <a:defRPr sz="1600"/>
+              <a:defRPr>
+                <a:solidFill>
+                  <a:schemeClr val="tx1">
+                    <a:tint val="75000"/>
+                  </a:schemeClr>
+                </a:solidFill>
+              </a:defRPr>
             </a:lvl9pPr>
           </a:lstStyle>
           <a:p>
             <a:r>
-              <a:rPr lang="en-US" smtClean="0"/>
+              <a:rPr lang="en-US"/>
               <a:t>Click to edit Master subtitle style</a:t>
             </a:r>
-            <a:endParaRPr lang="en-US"/>
+            <a:endParaRPr lang="en-US" dirty="0"/>
           </a:p>
         </p:txBody>
       </p:sp>
@@ -1093,7 +1146,7 @@
           <a:p>
             <a:fld id="{968F8B48-9EEB-4E1A-AB61-E86E4E194647}" type="datetimeFigureOut">
               <a:rPr lang="en-US" smtClean="0"/>
-              <a:t>11/4/2018</a:t>
+              <a:t>11/7/2018</a:t>
             </a:fld>
             <a:endParaRPr lang="en-US" dirty="0"/>
           </a:p>
@@ -1144,7 +1197,7 @@
     </p:spTree>
     <p:extLst>
       <p:ext uri="{BB962C8B-B14F-4D97-AF65-F5344CB8AC3E}">
-        <p14:creationId xmlns:p14="http://schemas.microsoft.com/office/powerpoint/2010/main" val="2265853855"/>
+        <p14:creationId xmlns:p14="http://schemas.microsoft.com/office/powerpoint/2010/main" val="3181221766"/>
       </p:ext>
     </p:extLst>
   </p:cSld>
@@ -1155,6 +1208,2582 @@
 </file>
 
 <file path=ppt/slideLayouts/slideLayout10.xml><?xml version="1.0" encoding="utf-8"?>
+<p:sldLayout xmlns:a="http://schemas.openxmlformats.org/drawingml/2006/main" xmlns:r="http://schemas.openxmlformats.org/officeDocument/2006/relationships" xmlns:p="http://schemas.openxmlformats.org/presentationml/2006/main" preserve="1">
+  <p:cSld name="Panoramic Picture with Caption">
+    <p:spTree>
+      <p:nvGrpSpPr>
+        <p:cNvPr id="1" name=""/>
+        <p:cNvGrpSpPr/>
+        <p:nvPr/>
+      </p:nvGrpSpPr>
+      <p:grpSpPr>
+        <a:xfrm>
+          <a:off x="0" y="0"/>
+          <a:ext cx="0" cy="0"/>
+          <a:chOff x="0" y="0"/>
+          <a:chExt cx="0" cy="0"/>
+        </a:xfrm>
+      </p:grpSpPr>
+      <p:pic>
+        <p:nvPicPr>
+          <p:cNvPr id="16" name="Picture 15" descr="Slate-V2-HD-panoPhotoInset.png"/>
+          <p:cNvPicPr>
+            <a:picLocks noChangeAspect="1"/>
+          </p:cNvPicPr>
+          <p:nvPr/>
+        </p:nvPicPr>
+        <p:blipFill>
+          <a:blip r:embed="rId2">
+            <a:extLst>
+              <a:ext uri="{28A0092B-C50C-407E-A947-70E740481C1C}">
+                <a14:useLocalDpi xmlns:a14="http://schemas.microsoft.com/office/drawing/2010/main" val="0"/>
+              </a:ext>
+            </a:extLst>
+          </a:blip>
+          <a:stretch>
+            <a:fillRect/>
+          </a:stretch>
+        </p:blipFill>
+        <p:spPr>
+          <a:xfrm>
+            <a:off x="1013883" y="547807"/>
+            <a:ext cx="10141799" cy="3816806"/>
+          </a:xfrm>
+          <a:prstGeom prst="rect">
+            <a:avLst/>
+          </a:prstGeom>
+        </p:spPr>
+      </p:pic>
+      <p:sp>
+        <p:nvSpPr>
+          <p:cNvPr id="2" name="Title 1"/>
+          <p:cNvSpPr>
+            <a:spLocks noGrp="1"/>
+          </p:cNvSpPr>
+          <p:nvPr>
+            <p:ph type="title"/>
+          </p:nvPr>
+        </p:nvSpPr>
+        <p:spPr>
+          <a:xfrm>
+            <a:off x="913806" y="4565255"/>
+            <a:ext cx="10355326" cy="543472"/>
+          </a:xfrm>
+        </p:spPr>
+        <p:txBody>
+          <a:bodyPr anchor="b">
+            <a:normAutofit/>
+          </a:bodyPr>
+          <a:lstStyle>
+            <a:lvl1pPr algn="ctr">
+              <a:defRPr sz="2800"/>
+            </a:lvl1pPr>
+          </a:lstStyle>
+          <a:p>
+            <a:r>
+              <a:rPr lang="en-US"/>
+              <a:t>Click to edit Master title style</a:t>
+            </a:r>
+            <a:endParaRPr lang="en-US" dirty="0"/>
+          </a:p>
+        </p:txBody>
+      </p:sp>
+      <p:sp>
+        <p:nvSpPr>
+          <p:cNvPr id="3" name="Picture Placeholder 2"/>
+          <p:cNvSpPr>
+            <a:spLocks noGrp="1" noChangeAspect="1"/>
+          </p:cNvSpPr>
+          <p:nvPr>
+            <p:ph type="pic" idx="1"/>
+          </p:nvPr>
+        </p:nvSpPr>
+        <p:spPr>
+          <a:xfrm>
+            <a:off x="1169349" y="695009"/>
+            <a:ext cx="9845346" cy="3525671"/>
+          </a:xfrm>
+          <a:effectLst>
+            <a:outerShdw blurRad="38100" dist="25400" dir="4440000">
+              <a:srgbClr val="000000">
+                <a:alpha val="36000"/>
+              </a:srgbClr>
+            </a:outerShdw>
+          </a:effectLst>
+        </p:spPr>
+        <p:txBody>
+          <a:bodyPr anchor="t">
+            <a:normAutofit/>
+          </a:bodyPr>
+          <a:lstStyle>
+            <a:lvl1pPr marL="0" indent="0" algn="ctr">
+              <a:buNone/>
+              <a:defRPr sz="2000"/>
+            </a:lvl1pPr>
+            <a:lvl2pPr marL="457200" indent="0">
+              <a:buNone/>
+              <a:defRPr sz="2000"/>
+            </a:lvl2pPr>
+            <a:lvl3pPr marL="914400" indent="0">
+              <a:buNone/>
+              <a:defRPr sz="2000"/>
+            </a:lvl3pPr>
+            <a:lvl4pPr marL="1371600" indent="0">
+              <a:buNone/>
+              <a:defRPr sz="2000"/>
+            </a:lvl4pPr>
+            <a:lvl5pPr marL="1828800" indent="0">
+              <a:buNone/>
+              <a:defRPr sz="2000"/>
+            </a:lvl5pPr>
+            <a:lvl6pPr marL="2286000" indent="0">
+              <a:buNone/>
+              <a:defRPr sz="2000"/>
+            </a:lvl6pPr>
+            <a:lvl7pPr marL="2743200" indent="0">
+              <a:buNone/>
+              <a:defRPr sz="2000"/>
+            </a:lvl7pPr>
+            <a:lvl8pPr marL="3200400" indent="0">
+              <a:buNone/>
+              <a:defRPr sz="2000"/>
+            </a:lvl8pPr>
+            <a:lvl9pPr marL="3657600" indent="0">
+              <a:buNone/>
+              <a:defRPr sz="2000"/>
+            </a:lvl9pPr>
+          </a:lstStyle>
+          <a:p>
+            <a:r>
+              <a:rPr lang="en-US"/>
+              <a:t>Click icon to add picture</a:t>
+            </a:r>
+            <a:endParaRPr lang="en-US" dirty="0"/>
+          </a:p>
+        </p:txBody>
+      </p:sp>
+      <p:sp>
+        <p:nvSpPr>
+          <p:cNvPr id="4" name="Text Placeholder 3"/>
+          <p:cNvSpPr>
+            <a:spLocks noGrp="1"/>
+          </p:cNvSpPr>
+          <p:nvPr>
+            <p:ph type="body" sz="half" idx="2"/>
+          </p:nvPr>
+        </p:nvSpPr>
+        <p:spPr>
+          <a:xfrm>
+            <a:off x="913795" y="5108728"/>
+            <a:ext cx="10353762" cy="682472"/>
+          </a:xfrm>
+        </p:spPr>
+        <p:txBody>
+          <a:bodyPr anchor="t"/>
+          <a:lstStyle>
+            <a:lvl1pPr marL="0" indent="0" algn="ctr">
+              <a:buNone/>
+              <a:defRPr sz="1600"/>
+            </a:lvl1pPr>
+            <a:lvl2pPr marL="457200" indent="0">
+              <a:buNone/>
+              <a:defRPr sz="1400"/>
+            </a:lvl2pPr>
+            <a:lvl3pPr marL="914400" indent="0">
+              <a:buNone/>
+              <a:defRPr sz="1200"/>
+            </a:lvl3pPr>
+            <a:lvl4pPr marL="1371600" indent="0">
+              <a:buNone/>
+              <a:defRPr sz="1000"/>
+            </a:lvl4pPr>
+            <a:lvl5pPr marL="1828800" indent="0">
+              <a:buNone/>
+              <a:defRPr sz="1000"/>
+            </a:lvl5pPr>
+            <a:lvl6pPr marL="2286000" indent="0">
+              <a:buNone/>
+              <a:defRPr sz="1000"/>
+            </a:lvl6pPr>
+            <a:lvl7pPr marL="2743200" indent="0">
+              <a:buNone/>
+              <a:defRPr sz="1000"/>
+            </a:lvl7pPr>
+            <a:lvl8pPr marL="3200400" indent="0">
+              <a:buNone/>
+              <a:defRPr sz="1000"/>
+            </a:lvl8pPr>
+            <a:lvl9pPr marL="3657600" indent="0">
+              <a:buNone/>
+              <a:defRPr sz="1000"/>
+            </a:lvl9pPr>
+          </a:lstStyle>
+          <a:p>
+            <a:pPr lvl="0"/>
+            <a:r>
+              <a:rPr lang="en-US"/>
+              <a:t>Edit Master text styles</a:t>
+            </a:r>
+          </a:p>
+        </p:txBody>
+      </p:sp>
+      <p:sp>
+        <p:nvSpPr>
+          <p:cNvPr id="5" name="Date Placeholder 4"/>
+          <p:cNvSpPr>
+            <a:spLocks noGrp="1"/>
+          </p:cNvSpPr>
+          <p:nvPr>
+            <p:ph type="dt" sz="half" idx="10"/>
+          </p:nvPr>
+        </p:nvSpPr>
+        <p:spPr/>
+        <p:txBody>
+          <a:bodyPr/>
+          <a:lstStyle/>
+          <a:p>
+            <a:fld id="{968F8B48-9EEB-4E1A-AB61-E86E4E194647}" type="datetimeFigureOut">
+              <a:rPr lang="en-US" smtClean="0"/>
+              <a:t>11/7/2018</a:t>
+            </a:fld>
+            <a:endParaRPr lang="en-US" dirty="0"/>
+          </a:p>
+        </p:txBody>
+      </p:sp>
+      <p:sp>
+        <p:nvSpPr>
+          <p:cNvPr id="6" name="Footer Placeholder 5"/>
+          <p:cNvSpPr>
+            <a:spLocks noGrp="1"/>
+          </p:cNvSpPr>
+          <p:nvPr>
+            <p:ph type="ftr" sz="quarter" idx="11"/>
+          </p:nvPr>
+        </p:nvSpPr>
+        <p:spPr/>
+        <p:txBody>
+          <a:bodyPr/>
+          <a:lstStyle/>
+          <a:p>
+            <a:endParaRPr lang="en-US" dirty="0"/>
+          </a:p>
+        </p:txBody>
+      </p:sp>
+      <p:sp>
+        <p:nvSpPr>
+          <p:cNvPr id="7" name="Slide Number Placeholder 6"/>
+          <p:cNvSpPr>
+            <a:spLocks noGrp="1"/>
+          </p:cNvSpPr>
+          <p:nvPr>
+            <p:ph type="sldNum" sz="quarter" idx="12"/>
+          </p:nvPr>
+        </p:nvSpPr>
+        <p:spPr/>
+        <p:txBody>
+          <a:bodyPr/>
+          <a:lstStyle/>
+          <a:p>
+            <a:fld id="{0D9F955C-96BA-498A-86A3-9D6D5D1B37D7}" type="slidenum">
+              <a:rPr lang="en-US" smtClean="0"/>
+              <a:t>‹#›</a:t>
+            </a:fld>
+            <a:endParaRPr lang="en-US" dirty="0"/>
+          </a:p>
+        </p:txBody>
+      </p:sp>
+    </p:spTree>
+    <p:extLst>
+      <p:ext uri="{BB962C8B-B14F-4D97-AF65-F5344CB8AC3E}">
+        <p14:creationId xmlns:p14="http://schemas.microsoft.com/office/powerpoint/2010/main" val="1156239419"/>
+      </p:ext>
+    </p:extLst>
+  </p:cSld>
+  <p:clrMapOvr>
+    <a:masterClrMapping/>
+  </p:clrMapOvr>
+</p:sldLayout>
+</file>
+
+<file path=ppt/slideLayouts/slideLayout11.xml><?xml version="1.0" encoding="utf-8"?>
+<p:sldLayout xmlns:a="http://schemas.openxmlformats.org/drawingml/2006/main" xmlns:r="http://schemas.openxmlformats.org/officeDocument/2006/relationships" xmlns:p="http://schemas.openxmlformats.org/presentationml/2006/main" preserve="1">
+  <p:cSld name="Title and Caption">
+    <p:spTree>
+      <p:nvGrpSpPr>
+        <p:cNvPr id="1" name=""/>
+        <p:cNvGrpSpPr/>
+        <p:nvPr/>
+      </p:nvGrpSpPr>
+      <p:grpSpPr>
+        <a:xfrm>
+          <a:off x="0" y="0"/>
+          <a:ext cx="0" cy="0"/>
+          <a:chOff x="0" y="0"/>
+          <a:chExt cx="0" cy="0"/>
+        </a:xfrm>
+      </p:grpSpPr>
+      <p:sp>
+        <p:nvSpPr>
+          <p:cNvPr id="2" name="Title 1"/>
+          <p:cNvSpPr>
+            <a:spLocks noGrp="1"/>
+          </p:cNvSpPr>
+          <p:nvPr>
+            <p:ph type="title"/>
+          </p:nvPr>
+        </p:nvSpPr>
+        <p:spPr>
+          <a:xfrm>
+            <a:off x="913795" y="608437"/>
+            <a:ext cx="10353762" cy="3534344"/>
+          </a:xfrm>
+        </p:spPr>
+        <p:txBody>
+          <a:bodyPr anchor="ctr"/>
+          <a:lstStyle>
+            <a:lvl1pPr>
+              <a:defRPr sz="3200"/>
+            </a:lvl1pPr>
+          </a:lstStyle>
+          <a:p>
+            <a:r>
+              <a:rPr lang="en-US"/>
+              <a:t>Click to edit Master title style</a:t>
+            </a:r>
+            <a:endParaRPr lang="en-US" dirty="0"/>
+          </a:p>
+        </p:txBody>
+      </p:sp>
+      <p:sp>
+        <p:nvSpPr>
+          <p:cNvPr id="4" name="Text Placeholder 3"/>
+          <p:cNvSpPr>
+            <a:spLocks noGrp="1"/>
+          </p:cNvSpPr>
+          <p:nvPr>
+            <p:ph type="body" sz="half" idx="2"/>
+          </p:nvPr>
+        </p:nvSpPr>
+        <p:spPr>
+          <a:xfrm>
+            <a:off x="913794" y="4295180"/>
+            <a:ext cx="10353763" cy="1501826"/>
+          </a:xfrm>
+        </p:spPr>
+        <p:txBody>
+          <a:bodyPr anchor="ctr"/>
+          <a:lstStyle>
+            <a:lvl1pPr marL="0" indent="0" algn="ctr">
+              <a:buNone/>
+              <a:defRPr sz="1600"/>
+            </a:lvl1pPr>
+            <a:lvl2pPr marL="457200" indent="0">
+              <a:buNone/>
+              <a:defRPr sz="1400"/>
+            </a:lvl2pPr>
+            <a:lvl3pPr marL="914400" indent="0">
+              <a:buNone/>
+              <a:defRPr sz="1200"/>
+            </a:lvl3pPr>
+            <a:lvl4pPr marL="1371600" indent="0">
+              <a:buNone/>
+              <a:defRPr sz="1000"/>
+            </a:lvl4pPr>
+            <a:lvl5pPr marL="1828800" indent="0">
+              <a:buNone/>
+              <a:defRPr sz="1000"/>
+            </a:lvl5pPr>
+            <a:lvl6pPr marL="2286000" indent="0">
+              <a:buNone/>
+              <a:defRPr sz="1000"/>
+            </a:lvl6pPr>
+            <a:lvl7pPr marL="2743200" indent="0">
+              <a:buNone/>
+              <a:defRPr sz="1000"/>
+            </a:lvl7pPr>
+            <a:lvl8pPr marL="3200400" indent="0">
+              <a:buNone/>
+              <a:defRPr sz="1000"/>
+            </a:lvl8pPr>
+            <a:lvl9pPr marL="3657600" indent="0">
+              <a:buNone/>
+              <a:defRPr sz="1000"/>
+            </a:lvl9pPr>
+          </a:lstStyle>
+          <a:p>
+            <a:pPr lvl="0"/>
+            <a:r>
+              <a:rPr lang="en-US"/>
+              <a:t>Edit Master text styles</a:t>
+            </a:r>
+          </a:p>
+        </p:txBody>
+      </p:sp>
+      <p:sp>
+        <p:nvSpPr>
+          <p:cNvPr id="5" name="Date Placeholder 4"/>
+          <p:cNvSpPr>
+            <a:spLocks noGrp="1"/>
+          </p:cNvSpPr>
+          <p:nvPr>
+            <p:ph type="dt" sz="half" idx="10"/>
+          </p:nvPr>
+        </p:nvSpPr>
+        <p:spPr/>
+        <p:txBody>
+          <a:bodyPr/>
+          <a:lstStyle/>
+          <a:p>
+            <a:fld id="{968F8B48-9EEB-4E1A-AB61-E86E4E194647}" type="datetimeFigureOut">
+              <a:rPr lang="en-US" smtClean="0"/>
+              <a:t>11/7/2018</a:t>
+            </a:fld>
+            <a:endParaRPr lang="en-US" dirty="0"/>
+          </a:p>
+        </p:txBody>
+      </p:sp>
+      <p:sp>
+        <p:nvSpPr>
+          <p:cNvPr id="6" name="Footer Placeholder 5"/>
+          <p:cNvSpPr>
+            <a:spLocks noGrp="1"/>
+          </p:cNvSpPr>
+          <p:nvPr>
+            <p:ph type="ftr" sz="quarter" idx="11"/>
+          </p:nvPr>
+        </p:nvSpPr>
+        <p:spPr/>
+        <p:txBody>
+          <a:bodyPr/>
+          <a:lstStyle/>
+          <a:p>
+            <a:endParaRPr lang="en-US" dirty="0"/>
+          </a:p>
+        </p:txBody>
+      </p:sp>
+      <p:sp>
+        <p:nvSpPr>
+          <p:cNvPr id="7" name="Slide Number Placeholder 6"/>
+          <p:cNvSpPr>
+            <a:spLocks noGrp="1"/>
+          </p:cNvSpPr>
+          <p:nvPr>
+            <p:ph type="sldNum" sz="quarter" idx="12"/>
+          </p:nvPr>
+        </p:nvSpPr>
+        <p:spPr/>
+        <p:txBody>
+          <a:bodyPr/>
+          <a:lstStyle/>
+          <a:p>
+            <a:fld id="{0D9F955C-96BA-498A-86A3-9D6D5D1B37D7}" type="slidenum">
+              <a:rPr lang="en-US" smtClean="0"/>
+              <a:t>‹#›</a:t>
+            </a:fld>
+            <a:endParaRPr lang="en-US" dirty="0"/>
+          </a:p>
+        </p:txBody>
+      </p:sp>
+    </p:spTree>
+    <p:extLst>
+      <p:ext uri="{BB962C8B-B14F-4D97-AF65-F5344CB8AC3E}">
+        <p14:creationId xmlns:p14="http://schemas.microsoft.com/office/powerpoint/2010/main" val="1795221723"/>
+      </p:ext>
+    </p:extLst>
+  </p:cSld>
+  <p:clrMapOvr>
+    <a:masterClrMapping/>
+  </p:clrMapOvr>
+</p:sldLayout>
+</file>
+
+<file path=ppt/slideLayouts/slideLayout12.xml><?xml version="1.0" encoding="utf-8"?>
+<p:sldLayout xmlns:a="http://schemas.openxmlformats.org/drawingml/2006/main" xmlns:r="http://schemas.openxmlformats.org/officeDocument/2006/relationships" xmlns:p="http://schemas.openxmlformats.org/presentationml/2006/main" preserve="1">
+  <p:cSld name="Quote with Caption">
+    <p:spTree>
+      <p:nvGrpSpPr>
+        <p:cNvPr id="1" name=""/>
+        <p:cNvGrpSpPr/>
+        <p:nvPr/>
+      </p:nvGrpSpPr>
+      <p:grpSpPr>
+        <a:xfrm>
+          <a:off x="0" y="0"/>
+          <a:ext cx="0" cy="0"/>
+          <a:chOff x="0" y="0"/>
+          <a:chExt cx="0" cy="0"/>
+        </a:xfrm>
+      </p:grpSpPr>
+      <p:sp>
+        <p:nvSpPr>
+          <p:cNvPr id="2" name="Title 1"/>
+          <p:cNvSpPr>
+            <a:spLocks noGrp="1"/>
+          </p:cNvSpPr>
+          <p:nvPr>
+            <p:ph type="title"/>
+          </p:nvPr>
+        </p:nvSpPr>
+        <p:spPr>
+          <a:xfrm>
+            <a:off x="1446212" y="609600"/>
+            <a:ext cx="9302752" cy="2992904"/>
+          </a:xfrm>
+        </p:spPr>
+        <p:txBody>
+          <a:bodyPr anchor="ctr"/>
+          <a:lstStyle>
+            <a:lvl1pPr>
+              <a:defRPr sz="3200"/>
+            </a:lvl1pPr>
+          </a:lstStyle>
+          <a:p>
+            <a:r>
+              <a:rPr lang="en-US"/>
+              <a:t>Click to edit Master title style</a:t>
+            </a:r>
+            <a:endParaRPr lang="en-US" dirty="0"/>
+          </a:p>
+        </p:txBody>
+      </p:sp>
+      <p:sp>
+        <p:nvSpPr>
+          <p:cNvPr id="12" name="Text Placeholder 3"/>
+          <p:cNvSpPr>
+            <a:spLocks noGrp="1"/>
+          </p:cNvSpPr>
+          <p:nvPr>
+            <p:ph type="body" sz="half" idx="13"/>
+          </p:nvPr>
+        </p:nvSpPr>
+        <p:spPr>
+          <a:xfrm>
+            <a:off x="1720644" y="3610032"/>
+            <a:ext cx="8752299" cy="532749"/>
+          </a:xfrm>
+        </p:spPr>
+        <p:txBody>
+          <a:bodyPr anchor="t">
+            <a:normAutofit/>
+          </a:bodyPr>
+          <a:lstStyle>
+            <a:lvl1pPr marL="0" indent="0" algn="r">
+              <a:buNone/>
+              <a:defRPr sz="1400"/>
+            </a:lvl1pPr>
+            <a:lvl2pPr marL="457200" indent="0">
+              <a:buNone/>
+              <a:defRPr sz="1400"/>
+            </a:lvl2pPr>
+            <a:lvl3pPr marL="914400" indent="0">
+              <a:buNone/>
+              <a:defRPr sz="1200"/>
+            </a:lvl3pPr>
+            <a:lvl4pPr marL="1371600" indent="0">
+              <a:buNone/>
+              <a:defRPr sz="1000"/>
+            </a:lvl4pPr>
+            <a:lvl5pPr marL="1828800" indent="0">
+              <a:buNone/>
+              <a:defRPr sz="1000"/>
+            </a:lvl5pPr>
+            <a:lvl6pPr marL="2286000" indent="0">
+              <a:buNone/>
+              <a:defRPr sz="1000"/>
+            </a:lvl6pPr>
+            <a:lvl7pPr marL="2743200" indent="0">
+              <a:buNone/>
+              <a:defRPr sz="1000"/>
+            </a:lvl7pPr>
+            <a:lvl8pPr marL="3200400" indent="0">
+              <a:buNone/>
+              <a:defRPr sz="1000"/>
+            </a:lvl8pPr>
+            <a:lvl9pPr marL="3657600" indent="0">
+              <a:buNone/>
+              <a:defRPr sz="1000"/>
+            </a:lvl9pPr>
+          </a:lstStyle>
+          <a:p>
+            <a:pPr lvl="0"/>
+            <a:r>
+              <a:rPr lang="en-US"/>
+              <a:t>Edit Master text styles</a:t>
+            </a:r>
+          </a:p>
+        </p:txBody>
+      </p:sp>
+      <p:sp>
+        <p:nvSpPr>
+          <p:cNvPr id="4" name="Text Placeholder 3"/>
+          <p:cNvSpPr>
+            <a:spLocks noGrp="1"/>
+          </p:cNvSpPr>
+          <p:nvPr>
+            <p:ph type="body" sz="half" idx="2"/>
+          </p:nvPr>
+        </p:nvSpPr>
+        <p:spPr>
+          <a:xfrm>
+            <a:off x="913794" y="4304353"/>
+            <a:ext cx="10353763" cy="1489496"/>
+          </a:xfrm>
+        </p:spPr>
+        <p:txBody>
+          <a:bodyPr anchor="ctr">
+            <a:normAutofit/>
+          </a:bodyPr>
+          <a:lstStyle>
+            <a:lvl1pPr marL="0" indent="0" algn="ctr">
+              <a:buNone/>
+              <a:defRPr sz="1600"/>
+            </a:lvl1pPr>
+            <a:lvl2pPr marL="457200" indent="0">
+              <a:buNone/>
+              <a:defRPr sz="1400"/>
+            </a:lvl2pPr>
+            <a:lvl3pPr marL="914400" indent="0">
+              <a:buNone/>
+              <a:defRPr sz="1200"/>
+            </a:lvl3pPr>
+            <a:lvl4pPr marL="1371600" indent="0">
+              <a:buNone/>
+              <a:defRPr sz="1000"/>
+            </a:lvl4pPr>
+            <a:lvl5pPr marL="1828800" indent="0">
+              <a:buNone/>
+              <a:defRPr sz="1000"/>
+            </a:lvl5pPr>
+            <a:lvl6pPr marL="2286000" indent="0">
+              <a:buNone/>
+              <a:defRPr sz="1000"/>
+            </a:lvl6pPr>
+            <a:lvl7pPr marL="2743200" indent="0">
+              <a:buNone/>
+              <a:defRPr sz="1000"/>
+            </a:lvl7pPr>
+            <a:lvl8pPr marL="3200400" indent="0">
+              <a:buNone/>
+              <a:defRPr sz="1000"/>
+            </a:lvl8pPr>
+            <a:lvl9pPr marL="3657600" indent="0">
+              <a:buNone/>
+              <a:defRPr sz="1000"/>
+            </a:lvl9pPr>
+          </a:lstStyle>
+          <a:p>
+            <a:pPr lvl="0"/>
+            <a:r>
+              <a:rPr lang="en-US"/>
+              <a:t>Edit Master text styles</a:t>
+            </a:r>
+          </a:p>
+        </p:txBody>
+      </p:sp>
+      <p:sp>
+        <p:nvSpPr>
+          <p:cNvPr id="5" name="Date Placeholder 4"/>
+          <p:cNvSpPr>
+            <a:spLocks noGrp="1"/>
+          </p:cNvSpPr>
+          <p:nvPr>
+            <p:ph type="dt" sz="half" idx="10"/>
+          </p:nvPr>
+        </p:nvSpPr>
+        <p:spPr/>
+        <p:txBody>
+          <a:bodyPr/>
+          <a:lstStyle/>
+          <a:p>
+            <a:fld id="{968F8B48-9EEB-4E1A-AB61-E86E4E194647}" type="datetimeFigureOut">
+              <a:rPr lang="en-US" smtClean="0"/>
+              <a:t>11/7/2018</a:t>
+            </a:fld>
+            <a:endParaRPr lang="en-US" dirty="0"/>
+          </a:p>
+        </p:txBody>
+      </p:sp>
+      <p:sp>
+        <p:nvSpPr>
+          <p:cNvPr id="6" name="Footer Placeholder 5"/>
+          <p:cNvSpPr>
+            <a:spLocks noGrp="1"/>
+          </p:cNvSpPr>
+          <p:nvPr>
+            <p:ph type="ftr" sz="quarter" idx="11"/>
+          </p:nvPr>
+        </p:nvSpPr>
+        <p:spPr/>
+        <p:txBody>
+          <a:bodyPr/>
+          <a:lstStyle/>
+          <a:p>
+            <a:endParaRPr lang="en-US" dirty="0"/>
+          </a:p>
+        </p:txBody>
+      </p:sp>
+      <p:sp>
+        <p:nvSpPr>
+          <p:cNvPr id="7" name="Slide Number Placeholder 6"/>
+          <p:cNvSpPr>
+            <a:spLocks noGrp="1"/>
+          </p:cNvSpPr>
+          <p:nvPr>
+            <p:ph type="sldNum" sz="quarter" idx="12"/>
+          </p:nvPr>
+        </p:nvSpPr>
+        <p:spPr/>
+        <p:txBody>
+          <a:bodyPr/>
+          <a:lstStyle/>
+          <a:p>
+            <a:fld id="{0D9F955C-96BA-498A-86A3-9D6D5D1B37D7}" type="slidenum">
+              <a:rPr lang="en-US" smtClean="0"/>
+              <a:t>‹#›</a:t>
+            </a:fld>
+            <a:endParaRPr lang="en-US" dirty="0"/>
+          </a:p>
+        </p:txBody>
+      </p:sp>
+      <p:sp>
+        <p:nvSpPr>
+          <p:cNvPr id="11" name="TextBox 10"/>
+          <p:cNvSpPr txBox="1"/>
+          <p:nvPr/>
+        </p:nvSpPr>
+        <p:spPr>
+          <a:xfrm>
+            <a:off x="990600" y="884796"/>
+            <a:ext cx="609600" cy="584776"/>
+          </a:xfrm>
+          <a:prstGeom prst="rect">
+            <a:avLst/>
+          </a:prstGeom>
+        </p:spPr>
+        <p:txBody>
+          <a:bodyPr vert="horz" lIns="91440" tIns="45720" rIns="91440" bIns="45720" rtlCol="0" anchor="ctr">
+            <a:noAutofit/>
+          </a:bodyPr>
+          <a:lstStyle>
+            <a:lvl1pPr>
+              <a:spcBef>
+                <a:spcPct val="0"/>
+              </a:spcBef>
+              <a:buNone/>
+              <a:defRPr sz="3200" b="0" cap="all">
+                <a:ln w="3175" cmpd="sng">
+                  <a:noFill/>
+                </a:ln>
+                <a:effectLst>
+                  <a:glow rad="38100">
+                    <a:schemeClr val="bg1">
+                      <a:lumMod val="65000"/>
+                      <a:lumOff val="35000"/>
+                      <a:alpha val="40000"/>
+                    </a:schemeClr>
+                  </a:glow>
+                  <a:outerShdw blurRad="28575" dist="38100" dir="14040000" algn="tl" rotWithShape="0">
+                    <a:srgbClr val="000000">
+                      <a:alpha val="25000"/>
+                    </a:srgbClr>
+                  </a:outerShdw>
+                </a:effectLst>
+              </a:defRPr>
+            </a:lvl1pPr>
+            <a:lvl2pPr>
+              <a:defRPr>
+                <a:solidFill>
+                  <a:schemeClr val="tx2"/>
+                </a:solidFill>
+              </a:defRPr>
+            </a:lvl2pPr>
+            <a:lvl3pPr>
+              <a:defRPr>
+                <a:solidFill>
+                  <a:schemeClr val="tx2"/>
+                </a:solidFill>
+              </a:defRPr>
+            </a:lvl3pPr>
+            <a:lvl4pPr>
+              <a:defRPr>
+                <a:solidFill>
+                  <a:schemeClr val="tx2"/>
+                </a:solidFill>
+              </a:defRPr>
+            </a:lvl4pPr>
+            <a:lvl5pPr>
+              <a:defRPr>
+                <a:solidFill>
+                  <a:schemeClr val="tx2"/>
+                </a:solidFill>
+              </a:defRPr>
+            </a:lvl5pPr>
+            <a:lvl6pPr>
+              <a:defRPr>
+                <a:solidFill>
+                  <a:schemeClr val="tx2"/>
+                </a:solidFill>
+              </a:defRPr>
+            </a:lvl6pPr>
+            <a:lvl7pPr>
+              <a:defRPr>
+                <a:solidFill>
+                  <a:schemeClr val="tx2"/>
+                </a:solidFill>
+              </a:defRPr>
+            </a:lvl7pPr>
+            <a:lvl8pPr>
+              <a:defRPr>
+                <a:solidFill>
+                  <a:schemeClr val="tx2"/>
+                </a:solidFill>
+              </a:defRPr>
+            </a:lvl8pPr>
+            <a:lvl9pPr>
+              <a:defRPr>
+                <a:solidFill>
+                  <a:schemeClr val="tx2"/>
+                </a:solidFill>
+              </a:defRPr>
+            </a:lvl9pPr>
+          </a:lstStyle>
+          <a:p>
+            <a:pPr lvl="0"/>
+            <a:r>
+              <a:rPr lang="en-US" sz="8000" dirty="0">
+                <a:solidFill>
+                  <a:schemeClr val="tx1"/>
+                </a:solidFill>
+                <a:effectLst/>
+              </a:rPr>
+              <a:t>“</a:t>
+            </a:r>
+          </a:p>
+        </p:txBody>
+      </p:sp>
+      <p:sp>
+        <p:nvSpPr>
+          <p:cNvPr id="13" name="TextBox 12"/>
+          <p:cNvSpPr txBox="1"/>
+          <p:nvPr/>
+        </p:nvSpPr>
+        <p:spPr>
+          <a:xfrm>
+            <a:off x="10504716" y="2928258"/>
+            <a:ext cx="609600" cy="584776"/>
+          </a:xfrm>
+          <a:prstGeom prst="rect">
+            <a:avLst/>
+          </a:prstGeom>
+        </p:spPr>
+        <p:txBody>
+          <a:bodyPr vert="horz" lIns="91440" tIns="45720" rIns="91440" bIns="45720" rtlCol="0" anchor="ctr">
+            <a:noAutofit/>
+          </a:bodyPr>
+          <a:lstStyle>
+            <a:lvl1pPr>
+              <a:spcBef>
+                <a:spcPct val="0"/>
+              </a:spcBef>
+              <a:buNone/>
+              <a:defRPr sz="3200" b="0" cap="all">
+                <a:ln w="3175" cmpd="sng">
+                  <a:noFill/>
+                </a:ln>
+                <a:effectLst>
+                  <a:glow rad="38100">
+                    <a:schemeClr val="bg1">
+                      <a:lumMod val="65000"/>
+                      <a:lumOff val="35000"/>
+                      <a:alpha val="40000"/>
+                    </a:schemeClr>
+                  </a:glow>
+                  <a:outerShdw blurRad="28575" dist="38100" dir="14040000" algn="tl" rotWithShape="0">
+                    <a:srgbClr val="000000">
+                      <a:alpha val="25000"/>
+                    </a:srgbClr>
+                  </a:outerShdw>
+                </a:effectLst>
+              </a:defRPr>
+            </a:lvl1pPr>
+            <a:lvl2pPr>
+              <a:defRPr>
+                <a:solidFill>
+                  <a:schemeClr val="tx2"/>
+                </a:solidFill>
+              </a:defRPr>
+            </a:lvl2pPr>
+            <a:lvl3pPr>
+              <a:defRPr>
+                <a:solidFill>
+                  <a:schemeClr val="tx2"/>
+                </a:solidFill>
+              </a:defRPr>
+            </a:lvl3pPr>
+            <a:lvl4pPr>
+              <a:defRPr>
+                <a:solidFill>
+                  <a:schemeClr val="tx2"/>
+                </a:solidFill>
+              </a:defRPr>
+            </a:lvl4pPr>
+            <a:lvl5pPr>
+              <a:defRPr>
+                <a:solidFill>
+                  <a:schemeClr val="tx2"/>
+                </a:solidFill>
+              </a:defRPr>
+            </a:lvl5pPr>
+            <a:lvl6pPr>
+              <a:defRPr>
+                <a:solidFill>
+                  <a:schemeClr val="tx2"/>
+                </a:solidFill>
+              </a:defRPr>
+            </a:lvl6pPr>
+            <a:lvl7pPr>
+              <a:defRPr>
+                <a:solidFill>
+                  <a:schemeClr val="tx2"/>
+                </a:solidFill>
+              </a:defRPr>
+            </a:lvl7pPr>
+            <a:lvl8pPr>
+              <a:defRPr>
+                <a:solidFill>
+                  <a:schemeClr val="tx2"/>
+                </a:solidFill>
+              </a:defRPr>
+            </a:lvl8pPr>
+            <a:lvl9pPr>
+              <a:defRPr>
+                <a:solidFill>
+                  <a:schemeClr val="tx2"/>
+                </a:solidFill>
+              </a:defRPr>
+            </a:lvl9pPr>
+          </a:lstStyle>
+          <a:p>
+            <a:pPr lvl="0" algn="r"/>
+            <a:r>
+              <a:rPr lang="en-US" sz="8000" dirty="0">
+                <a:solidFill>
+                  <a:schemeClr val="tx1"/>
+                </a:solidFill>
+                <a:effectLst/>
+              </a:rPr>
+              <a:t>”</a:t>
+            </a:r>
+          </a:p>
+        </p:txBody>
+      </p:sp>
+    </p:spTree>
+    <p:extLst>
+      <p:ext uri="{BB962C8B-B14F-4D97-AF65-F5344CB8AC3E}">
+        <p14:creationId xmlns:p14="http://schemas.microsoft.com/office/powerpoint/2010/main" val="896165808"/>
+      </p:ext>
+    </p:extLst>
+  </p:cSld>
+  <p:clrMapOvr>
+    <a:masterClrMapping/>
+  </p:clrMapOvr>
+</p:sldLayout>
+</file>
+
+<file path=ppt/slideLayouts/slideLayout13.xml><?xml version="1.0" encoding="utf-8"?>
+<p:sldLayout xmlns:a="http://schemas.openxmlformats.org/drawingml/2006/main" xmlns:r="http://schemas.openxmlformats.org/officeDocument/2006/relationships" xmlns:p="http://schemas.openxmlformats.org/presentationml/2006/main" preserve="1">
+  <p:cSld name="Name Card">
+    <p:spTree>
+      <p:nvGrpSpPr>
+        <p:cNvPr id="1" name=""/>
+        <p:cNvGrpSpPr/>
+        <p:nvPr/>
+      </p:nvGrpSpPr>
+      <p:grpSpPr>
+        <a:xfrm>
+          <a:off x="0" y="0"/>
+          <a:ext cx="0" cy="0"/>
+          <a:chOff x="0" y="0"/>
+          <a:chExt cx="0" cy="0"/>
+        </a:xfrm>
+      </p:grpSpPr>
+      <p:sp>
+        <p:nvSpPr>
+          <p:cNvPr id="2" name="Title 1"/>
+          <p:cNvSpPr>
+            <a:spLocks noGrp="1"/>
+          </p:cNvSpPr>
+          <p:nvPr>
+            <p:ph type="title"/>
+          </p:nvPr>
+        </p:nvSpPr>
+        <p:spPr>
+          <a:xfrm>
+            <a:off x="913794" y="2126942"/>
+            <a:ext cx="10353763" cy="2511835"/>
+          </a:xfrm>
+        </p:spPr>
+        <p:txBody>
+          <a:bodyPr anchor="b"/>
+          <a:lstStyle>
+            <a:lvl1pPr>
+              <a:defRPr sz="3200"/>
+            </a:lvl1pPr>
+          </a:lstStyle>
+          <a:p>
+            <a:r>
+              <a:rPr lang="en-US"/>
+              <a:t>Click to edit Master title style</a:t>
+            </a:r>
+            <a:endParaRPr lang="en-US" dirty="0"/>
+          </a:p>
+        </p:txBody>
+      </p:sp>
+      <p:sp>
+        <p:nvSpPr>
+          <p:cNvPr id="4" name="Text Placeholder 3"/>
+          <p:cNvSpPr>
+            <a:spLocks noGrp="1"/>
+          </p:cNvSpPr>
+          <p:nvPr>
+            <p:ph type="body" sz="half" idx="2"/>
+          </p:nvPr>
+        </p:nvSpPr>
+        <p:spPr>
+          <a:xfrm>
+            <a:off x="913784" y="4650556"/>
+            <a:ext cx="10352199" cy="1140644"/>
+          </a:xfrm>
+        </p:spPr>
+        <p:txBody>
+          <a:bodyPr anchor="t"/>
+          <a:lstStyle>
+            <a:lvl1pPr marL="0" indent="0" algn="ctr">
+              <a:buNone/>
+              <a:defRPr sz="1600"/>
+            </a:lvl1pPr>
+            <a:lvl2pPr marL="457200" indent="0">
+              <a:buNone/>
+              <a:defRPr sz="1400"/>
+            </a:lvl2pPr>
+            <a:lvl3pPr marL="914400" indent="0">
+              <a:buNone/>
+              <a:defRPr sz="1200"/>
+            </a:lvl3pPr>
+            <a:lvl4pPr marL="1371600" indent="0">
+              <a:buNone/>
+              <a:defRPr sz="1000"/>
+            </a:lvl4pPr>
+            <a:lvl5pPr marL="1828800" indent="0">
+              <a:buNone/>
+              <a:defRPr sz="1000"/>
+            </a:lvl5pPr>
+            <a:lvl6pPr marL="2286000" indent="0">
+              <a:buNone/>
+              <a:defRPr sz="1000"/>
+            </a:lvl6pPr>
+            <a:lvl7pPr marL="2743200" indent="0">
+              <a:buNone/>
+              <a:defRPr sz="1000"/>
+            </a:lvl7pPr>
+            <a:lvl8pPr marL="3200400" indent="0">
+              <a:buNone/>
+              <a:defRPr sz="1000"/>
+            </a:lvl8pPr>
+            <a:lvl9pPr marL="3657600" indent="0">
+              <a:buNone/>
+              <a:defRPr sz="1000"/>
+            </a:lvl9pPr>
+          </a:lstStyle>
+          <a:p>
+            <a:pPr lvl="0"/>
+            <a:r>
+              <a:rPr lang="en-US"/>
+              <a:t>Edit Master text styles</a:t>
+            </a:r>
+          </a:p>
+        </p:txBody>
+      </p:sp>
+      <p:sp>
+        <p:nvSpPr>
+          <p:cNvPr id="5" name="Date Placeholder 4"/>
+          <p:cNvSpPr>
+            <a:spLocks noGrp="1"/>
+          </p:cNvSpPr>
+          <p:nvPr>
+            <p:ph type="dt" sz="half" idx="10"/>
+          </p:nvPr>
+        </p:nvSpPr>
+        <p:spPr/>
+        <p:txBody>
+          <a:bodyPr/>
+          <a:lstStyle/>
+          <a:p>
+            <a:fld id="{968F8B48-9EEB-4E1A-AB61-E86E4E194647}" type="datetimeFigureOut">
+              <a:rPr lang="en-US" smtClean="0"/>
+              <a:t>11/7/2018</a:t>
+            </a:fld>
+            <a:endParaRPr lang="en-US" dirty="0"/>
+          </a:p>
+        </p:txBody>
+      </p:sp>
+      <p:sp>
+        <p:nvSpPr>
+          <p:cNvPr id="6" name="Footer Placeholder 5"/>
+          <p:cNvSpPr>
+            <a:spLocks noGrp="1"/>
+          </p:cNvSpPr>
+          <p:nvPr>
+            <p:ph type="ftr" sz="quarter" idx="11"/>
+          </p:nvPr>
+        </p:nvSpPr>
+        <p:spPr/>
+        <p:txBody>
+          <a:bodyPr/>
+          <a:lstStyle/>
+          <a:p>
+            <a:endParaRPr lang="en-US" dirty="0"/>
+          </a:p>
+        </p:txBody>
+      </p:sp>
+      <p:sp>
+        <p:nvSpPr>
+          <p:cNvPr id="7" name="Slide Number Placeholder 6"/>
+          <p:cNvSpPr>
+            <a:spLocks noGrp="1"/>
+          </p:cNvSpPr>
+          <p:nvPr>
+            <p:ph type="sldNum" sz="quarter" idx="12"/>
+          </p:nvPr>
+        </p:nvSpPr>
+        <p:spPr/>
+        <p:txBody>
+          <a:bodyPr/>
+          <a:lstStyle/>
+          <a:p>
+            <a:fld id="{0D9F955C-96BA-498A-86A3-9D6D5D1B37D7}" type="slidenum">
+              <a:rPr lang="en-US" smtClean="0"/>
+              <a:t>‹#›</a:t>
+            </a:fld>
+            <a:endParaRPr lang="en-US" dirty="0"/>
+          </a:p>
+        </p:txBody>
+      </p:sp>
+    </p:spTree>
+    <p:extLst>
+      <p:ext uri="{BB962C8B-B14F-4D97-AF65-F5344CB8AC3E}">
+        <p14:creationId xmlns:p14="http://schemas.microsoft.com/office/powerpoint/2010/main" val="4076394559"/>
+      </p:ext>
+    </p:extLst>
+  </p:cSld>
+  <p:clrMapOvr>
+    <a:masterClrMapping/>
+  </p:clrMapOvr>
+</p:sldLayout>
+</file>
+
+<file path=ppt/slideLayouts/slideLayout14.xml><?xml version="1.0" encoding="utf-8"?>
+<p:sldLayout xmlns:a="http://schemas.openxmlformats.org/drawingml/2006/main" xmlns:r="http://schemas.openxmlformats.org/officeDocument/2006/relationships" xmlns:p="http://schemas.openxmlformats.org/presentationml/2006/main" preserve="1">
+  <p:cSld name="3 Column">
+    <p:spTree>
+      <p:nvGrpSpPr>
+        <p:cNvPr id="1" name=""/>
+        <p:cNvGrpSpPr/>
+        <p:nvPr/>
+      </p:nvGrpSpPr>
+      <p:grpSpPr>
+        <a:xfrm>
+          <a:off x="0" y="0"/>
+          <a:ext cx="0" cy="0"/>
+          <a:chOff x="0" y="0"/>
+          <a:chExt cx="0" cy="0"/>
+        </a:xfrm>
+      </p:grpSpPr>
+      <p:sp>
+        <p:nvSpPr>
+          <p:cNvPr id="15" name="Title 1"/>
+          <p:cNvSpPr>
+            <a:spLocks noGrp="1"/>
+          </p:cNvSpPr>
+          <p:nvPr>
+            <p:ph type="title"/>
+          </p:nvPr>
+        </p:nvSpPr>
+        <p:spPr>
+          <a:xfrm>
+            <a:off x="913795" y="609600"/>
+            <a:ext cx="10353762" cy="970450"/>
+          </a:xfrm>
+        </p:spPr>
+        <p:txBody>
+          <a:bodyPr/>
+          <a:lstStyle/>
+          <a:p>
+            <a:r>
+              <a:rPr lang="en-US"/>
+              <a:t>Click to edit Master title style</a:t>
+            </a:r>
+            <a:endParaRPr lang="en-US" dirty="0"/>
+          </a:p>
+        </p:txBody>
+      </p:sp>
+      <p:sp>
+        <p:nvSpPr>
+          <p:cNvPr id="7" name="Text Placeholder 2"/>
+          <p:cNvSpPr>
+            <a:spLocks noGrp="1"/>
+          </p:cNvSpPr>
+          <p:nvPr>
+            <p:ph type="body" idx="1"/>
+          </p:nvPr>
+        </p:nvSpPr>
+        <p:spPr>
+          <a:xfrm>
+            <a:off x="913795" y="1885950"/>
+            <a:ext cx="3300984" cy="576262"/>
+          </a:xfrm>
+        </p:spPr>
+        <p:txBody>
+          <a:bodyPr anchor="b">
+            <a:noAutofit/>
+          </a:bodyPr>
+          <a:lstStyle>
+            <a:lvl1pPr marL="0" indent="0" algn="ctr">
+              <a:buNone/>
+              <a:defRPr sz="2400" b="0">
+                <a:solidFill>
+                  <a:schemeClr val="tx1"/>
+                </a:solidFill>
+              </a:defRPr>
+            </a:lvl1pPr>
+            <a:lvl2pPr marL="457200" indent="0">
+              <a:buNone/>
+              <a:defRPr sz="2000" b="1"/>
+            </a:lvl2pPr>
+            <a:lvl3pPr marL="914400" indent="0">
+              <a:buNone/>
+              <a:defRPr sz="1800" b="1"/>
+            </a:lvl3pPr>
+            <a:lvl4pPr marL="1371600" indent="0">
+              <a:buNone/>
+              <a:defRPr sz="1600" b="1"/>
+            </a:lvl4pPr>
+            <a:lvl5pPr marL="1828800" indent="0">
+              <a:buNone/>
+              <a:defRPr sz="1600" b="1"/>
+            </a:lvl5pPr>
+            <a:lvl6pPr marL="2286000" indent="0">
+              <a:buNone/>
+              <a:defRPr sz="1600" b="1"/>
+            </a:lvl6pPr>
+            <a:lvl7pPr marL="2743200" indent="0">
+              <a:buNone/>
+              <a:defRPr sz="1600" b="1"/>
+            </a:lvl7pPr>
+            <a:lvl8pPr marL="3200400" indent="0">
+              <a:buNone/>
+              <a:defRPr sz="1600" b="1"/>
+            </a:lvl8pPr>
+            <a:lvl9pPr marL="3657600" indent="0">
+              <a:buNone/>
+              <a:defRPr sz="1600" b="1"/>
+            </a:lvl9pPr>
+          </a:lstStyle>
+          <a:p>
+            <a:pPr lvl="0"/>
+            <a:r>
+              <a:rPr lang="en-US"/>
+              <a:t>Edit Master text styles</a:t>
+            </a:r>
+          </a:p>
+        </p:txBody>
+      </p:sp>
+      <p:sp>
+        <p:nvSpPr>
+          <p:cNvPr id="8" name="Text Placeholder 3"/>
+          <p:cNvSpPr>
+            <a:spLocks noGrp="1"/>
+          </p:cNvSpPr>
+          <p:nvPr>
+            <p:ph type="body" sz="half" idx="15"/>
+          </p:nvPr>
+        </p:nvSpPr>
+        <p:spPr>
+          <a:xfrm>
+            <a:off x="913795" y="2571750"/>
+            <a:ext cx="3300984" cy="3219450"/>
+          </a:xfrm>
+        </p:spPr>
+        <p:txBody>
+          <a:bodyPr anchor="t">
+            <a:normAutofit/>
+          </a:bodyPr>
+          <a:lstStyle>
+            <a:lvl1pPr marL="0" indent="0" algn="ctr">
+              <a:buNone/>
+              <a:defRPr sz="1400"/>
+            </a:lvl1pPr>
+            <a:lvl2pPr marL="457200" indent="0">
+              <a:buNone/>
+              <a:defRPr sz="1200"/>
+            </a:lvl2pPr>
+            <a:lvl3pPr marL="914400" indent="0">
+              <a:buNone/>
+              <a:defRPr sz="1000"/>
+            </a:lvl3pPr>
+            <a:lvl4pPr marL="1371600" indent="0">
+              <a:buNone/>
+              <a:defRPr sz="900"/>
+            </a:lvl4pPr>
+            <a:lvl5pPr marL="1828800" indent="0">
+              <a:buNone/>
+              <a:defRPr sz="900"/>
+            </a:lvl5pPr>
+            <a:lvl6pPr marL="2286000" indent="0">
+              <a:buNone/>
+              <a:defRPr sz="900"/>
+            </a:lvl6pPr>
+            <a:lvl7pPr marL="2743200" indent="0">
+              <a:buNone/>
+              <a:defRPr sz="900"/>
+            </a:lvl7pPr>
+            <a:lvl8pPr marL="3200400" indent="0">
+              <a:buNone/>
+              <a:defRPr sz="900"/>
+            </a:lvl8pPr>
+            <a:lvl9pPr marL="3657600" indent="0">
+              <a:buNone/>
+              <a:defRPr sz="900"/>
+            </a:lvl9pPr>
+          </a:lstStyle>
+          <a:p>
+            <a:pPr lvl="0"/>
+            <a:r>
+              <a:rPr lang="en-US"/>
+              <a:t>Edit Master text styles</a:t>
+            </a:r>
+          </a:p>
+        </p:txBody>
+      </p:sp>
+      <p:sp>
+        <p:nvSpPr>
+          <p:cNvPr id="9" name="Text Placeholder 4"/>
+          <p:cNvSpPr>
+            <a:spLocks noGrp="1"/>
+          </p:cNvSpPr>
+          <p:nvPr>
+            <p:ph type="body" sz="quarter" idx="3"/>
+          </p:nvPr>
+        </p:nvSpPr>
+        <p:spPr>
+          <a:xfrm>
+            <a:off x="4446711" y="1885950"/>
+            <a:ext cx="3300984" cy="576262"/>
+          </a:xfrm>
+        </p:spPr>
+        <p:txBody>
+          <a:bodyPr anchor="b">
+            <a:noAutofit/>
+          </a:bodyPr>
+          <a:lstStyle>
+            <a:lvl1pPr marL="0" indent="0" algn="ctr">
+              <a:buNone/>
+              <a:defRPr sz="2400" b="0">
+                <a:solidFill>
+                  <a:schemeClr val="tx1"/>
+                </a:solidFill>
+              </a:defRPr>
+            </a:lvl1pPr>
+            <a:lvl2pPr marL="457200" indent="0">
+              <a:buNone/>
+              <a:defRPr sz="2000" b="1"/>
+            </a:lvl2pPr>
+            <a:lvl3pPr marL="914400" indent="0">
+              <a:buNone/>
+              <a:defRPr sz="1800" b="1"/>
+            </a:lvl3pPr>
+            <a:lvl4pPr marL="1371600" indent="0">
+              <a:buNone/>
+              <a:defRPr sz="1600" b="1"/>
+            </a:lvl4pPr>
+            <a:lvl5pPr marL="1828800" indent="0">
+              <a:buNone/>
+              <a:defRPr sz="1600" b="1"/>
+            </a:lvl5pPr>
+            <a:lvl6pPr marL="2286000" indent="0">
+              <a:buNone/>
+              <a:defRPr sz="1600" b="1"/>
+            </a:lvl6pPr>
+            <a:lvl7pPr marL="2743200" indent="0">
+              <a:buNone/>
+              <a:defRPr sz="1600" b="1"/>
+            </a:lvl7pPr>
+            <a:lvl8pPr marL="3200400" indent="0">
+              <a:buNone/>
+              <a:defRPr sz="1600" b="1"/>
+            </a:lvl8pPr>
+            <a:lvl9pPr marL="3657600" indent="0">
+              <a:buNone/>
+              <a:defRPr sz="1600" b="1"/>
+            </a:lvl9pPr>
+          </a:lstStyle>
+          <a:p>
+            <a:pPr lvl="0"/>
+            <a:r>
+              <a:rPr lang="en-US"/>
+              <a:t>Edit Master text styles</a:t>
+            </a:r>
+          </a:p>
+        </p:txBody>
+      </p:sp>
+      <p:sp>
+        <p:nvSpPr>
+          <p:cNvPr id="10" name="Text Placeholder 3"/>
+          <p:cNvSpPr>
+            <a:spLocks noGrp="1"/>
+          </p:cNvSpPr>
+          <p:nvPr>
+            <p:ph type="body" sz="half" idx="16"/>
+          </p:nvPr>
+        </p:nvSpPr>
+        <p:spPr>
+          <a:xfrm>
+            <a:off x="4441435" y="2571750"/>
+            <a:ext cx="3300984" cy="3219450"/>
+          </a:xfrm>
+        </p:spPr>
+        <p:txBody>
+          <a:bodyPr anchor="t">
+            <a:normAutofit/>
+          </a:bodyPr>
+          <a:lstStyle>
+            <a:lvl1pPr marL="0" indent="0" algn="ctr">
+              <a:buNone/>
+              <a:defRPr sz="1400"/>
+            </a:lvl1pPr>
+            <a:lvl2pPr marL="457200" indent="0">
+              <a:buNone/>
+              <a:defRPr sz="1200"/>
+            </a:lvl2pPr>
+            <a:lvl3pPr marL="914400" indent="0">
+              <a:buNone/>
+              <a:defRPr sz="1000"/>
+            </a:lvl3pPr>
+            <a:lvl4pPr marL="1371600" indent="0">
+              <a:buNone/>
+              <a:defRPr sz="900"/>
+            </a:lvl4pPr>
+            <a:lvl5pPr marL="1828800" indent="0">
+              <a:buNone/>
+              <a:defRPr sz="900"/>
+            </a:lvl5pPr>
+            <a:lvl6pPr marL="2286000" indent="0">
+              <a:buNone/>
+              <a:defRPr sz="900"/>
+            </a:lvl6pPr>
+            <a:lvl7pPr marL="2743200" indent="0">
+              <a:buNone/>
+              <a:defRPr sz="900"/>
+            </a:lvl7pPr>
+            <a:lvl8pPr marL="3200400" indent="0">
+              <a:buNone/>
+              <a:defRPr sz="900"/>
+            </a:lvl8pPr>
+            <a:lvl9pPr marL="3657600" indent="0">
+              <a:buNone/>
+              <a:defRPr sz="900"/>
+            </a:lvl9pPr>
+          </a:lstStyle>
+          <a:p>
+            <a:pPr lvl="0"/>
+            <a:r>
+              <a:rPr lang="en-US"/>
+              <a:t>Edit Master text styles</a:t>
+            </a:r>
+          </a:p>
+        </p:txBody>
+      </p:sp>
+      <p:sp>
+        <p:nvSpPr>
+          <p:cNvPr id="11" name="Text Placeholder 4"/>
+          <p:cNvSpPr>
+            <a:spLocks noGrp="1"/>
+          </p:cNvSpPr>
+          <p:nvPr>
+            <p:ph type="body" sz="quarter" idx="13"/>
+          </p:nvPr>
+        </p:nvSpPr>
+        <p:spPr>
+          <a:xfrm>
+            <a:off x="7966572" y="1885950"/>
+            <a:ext cx="3300984" cy="576262"/>
+          </a:xfrm>
+        </p:spPr>
+        <p:txBody>
+          <a:bodyPr anchor="b">
+            <a:noAutofit/>
+          </a:bodyPr>
+          <a:lstStyle>
+            <a:lvl1pPr marL="0" indent="0" algn="ctr">
+              <a:buNone/>
+              <a:defRPr sz="2400" b="0">
+                <a:solidFill>
+                  <a:schemeClr val="tx1"/>
+                </a:solidFill>
+              </a:defRPr>
+            </a:lvl1pPr>
+            <a:lvl2pPr marL="457200" indent="0">
+              <a:buNone/>
+              <a:defRPr sz="2000" b="1"/>
+            </a:lvl2pPr>
+            <a:lvl3pPr marL="914400" indent="0">
+              <a:buNone/>
+              <a:defRPr sz="1800" b="1"/>
+            </a:lvl3pPr>
+            <a:lvl4pPr marL="1371600" indent="0">
+              <a:buNone/>
+              <a:defRPr sz="1600" b="1"/>
+            </a:lvl4pPr>
+            <a:lvl5pPr marL="1828800" indent="0">
+              <a:buNone/>
+              <a:defRPr sz="1600" b="1"/>
+            </a:lvl5pPr>
+            <a:lvl6pPr marL="2286000" indent="0">
+              <a:buNone/>
+              <a:defRPr sz="1600" b="1"/>
+            </a:lvl6pPr>
+            <a:lvl7pPr marL="2743200" indent="0">
+              <a:buNone/>
+              <a:defRPr sz="1600" b="1"/>
+            </a:lvl7pPr>
+            <a:lvl8pPr marL="3200400" indent="0">
+              <a:buNone/>
+              <a:defRPr sz="1600" b="1"/>
+            </a:lvl8pPr>
+            <a:lvl9pPr marL="3657600" indent="0">
+              <a:buNone/>
+              <a:defRPr sz="1600" b="1"/>
+            </a:lvl9pPr>
+          </a:lstStyle>
+          <a:p>
+            <a:pPr lvl="0"/>
+            <a:r>
+              <a:rPr lang="en-US"/>
+              <a:t>Edit Master text styles</a:t>
+            </a:r>
+          </a:p>
+        </p:txBody>
+      </p:sp>
+      <p:sp>
+        <p:nvSpPr>
+          <p:cNvPr id="12" name="Text Placeholder 3"/>
+          <p:cNvSpPr>
+            <a:spLocks noGrp="1"/>
+          </p:cNvSpPr>
+          <p:nvPr>
+            <p:ph type="body" sz="half" idx="17"/>
+          </p:nvPr>
+        </p:nvSpPr>
+        <p:spPr>
+          <a:xfrm>
+            <a:off x="7966572" y="2571750"/>
+            <a:ext cx="3300984" cy="3219450"/>
+          </a:xfrm>
+        </p:spPr>
+        <p:txBody>
+          <a:bodyPr anchor="t">
+            <a:normAutofit/>
+          </a:bodyPr>
+          <a:lstStyle>
+            <a:lvl1pPr marL="0" indent="0" algn="ctr">
+              <a:buNone/>
+              <a:defRPr sz="1400"/>
+            </a:lvl1pPr>
+            <a:lvl2pPr marL="457200" indent="0">
+              <a:buNone/>
+              <a:defRPr sz="1200"/>
+            </a:lvl2pPr>
+            <a:lvl3pPr marL="914400" indent="0">
+              <a:buNone/>
+              <a:defRPr sz="1000"/>
+            </a:lvl3pPr>
+            <a:lvl4pPr marL="1371600" indent="0">
+              <a:buNone/>
+              <a:defRPr sz="900"/>
+            </a:lvl4pPr>
+            <a:lvl5pPr marL="1828800" indent="0">
+              <a:buNone/>
+              <a:defRPr sz="900"/>
+            </a:lvl5pPr>
+            <a:lvl6pPr marL="2286000" indent="0">
+              <a:buNone/>
+              <a:defRPr sz="900"/>
+            </a:lvl6pPr>
+            <a:lvl7pPr marL="2743200" indent="0">
+              <a:buNone/>
+              <a:defRPr sz="900"/>
+            </a:lvl7pPr>
+            <a:lvl8pPr marL="3200400" indent="0">
+              <a:buNone/>
+              <a:defRPr sz="900"/>
+            </a:lvl8pPr>
+            <a:lvl9pPr marL="3657600" indent="0">
+              <a:buNone/>
+              <a:defRPr sz="900"/>
+            </a:lvl9pPr>
+          </a:lstStyle>
+          <a:p>
+            <a:pPr lvl="0"/>
+            <a:r>
+              <a:rPr lang="en-US"/>
+              <a:t>Edit Master text styles</a:t>
+            </a:r>
+          </a:p>
+        </p:txBody>
+      </p:sp>
+      <p:sp>
+        <p:nvSpPr>
+          <p:cNvPr id="3" name="Date Placeholder 2"/>
+          <p:cNvSpPr>
+            <a:spLocks noGrp="1"/>
+          </p:cNvSpPr>
+          <p:nvPr>
+            <p:ph type="dt" sz="half" idx="10"/>
+          </p:nvPr>
+        </p:nvSpPr>
+        <p:spPr/>
+        <p:txBody>
+          <a:bodyPr/>
+          <a:lstStyle/>
+          <a:p>
+            <a:fld id="{968F8B48-9EEB-4E1A-AB61-E86E4E194647}" type="datetimeFigureOut">
+              <a:rPr lang="en-US" smtClean="0"/>
+              <a:t>11/7/2018</a:t>
+            </a:fld>
+            <a:endParaRPr lang="en-US" dirty="0"/>
+          </a:p>
+        </p:txBody>
+      </p:sp>
+      <p:sp>
+        <p:nvSpPr>
+          <p:cNvPr id="4" name="Footer Placeholder 3"/>
+          <p:cNvSpPr>
+            <a:spLocks noGrp="1"/>
+          </p:cNvSpPr>
+          <p:nvPr>
+            <p:ph type="ftr" sz="quarter" idx="11"/>
+          </p:nvPr>
+        </p:nvSpPr>
+        <p:spPr/>
+        <p:txBody>
+          <a:bodyPr/>
+          <a:lstStyle/>
+          <a:p>
+            <a:endParaRPr lang="en-US" dirty="0"/>
+          </a:p>
+        </p:txBody>
+      </p:sp>
+      <p:sp>
+        <p:nvSpPr>
+          <p:cNvPr id="5" name="Slide Number Placeholder 4"/>
+          <p:cNvSpPr>
+            <a:spLocks noGrp="1"/>
+          </p:cNvSpPr>
+          <p:nvPr>
+            <p:ph type="sldNum" sz="quarter" idx="12"/>
+          </p:nvPr>
+        </p:nvSpPr>
+        <p:spPr/>
+        <p:txBody>
+          <a:bodyPr/>
+          <a:lstStyle/>
+          <a:p>
+            <a:fld id="{0D9F955C-96BA-498A-86A3-9D6D5D1B37D7}" type="slidenum">
+              <a:rPr lang="en-US" smtClean="0"/>
+              <a:t>‹#›</a:t>
+            </a:fld>
+            <a:endParaRPr lang="en-US" dirty="0"/>
+          </a:p>
+        </p:txBody>
+      </p:sp>
+    </p:spTree>
+    <p:extLst>
+      <p:ext uri="{BB962C8B-B14F-4D97-AF65-F5344CB8AC3E}">
+        <p14:creationId xmlns:p14="http://schemas.microsoft.com/office/powerpoint/2010/main" val="2949012495"/>
+      </p:ext>
+    </p:extLst>
+  </p:cSld>
+  <p:clrMapOvr>
+    <a:masterClrMapping/>
+  </p:clrMapOvr>
+</p:sldLayout>
+</file>
+
+<file path=ppt/slideLayouts/slideLayout15.xml><?xml version="1.0" encoding="utf-8"?>
+<p:sldLayout xmlns:a="http://schemas.openxmlformats.org/drawingml/2006/main" xmlns:r="http://schemas.openxmlformats.org/officeDocument/2006/relationships" xmlns:p="http://schemas.openxmlformats.org/presentationml/2006/main" preserve="1">
+  <p:cSld name="3 Picture Column">
+    <p:spTree>
+      <p:nvGrpSpPr>
+        <p:cNvPr id="1" name=""/>
+        <p:cNvGrpSpPr/>
+        <p:nvPr/>
+      </p:nvGrpSpPr>
+      <p:grpSpPr>
+        <a:xfrm>
+          <a:off x="0" y="0"/>
+          <a:ext cx="0" cy="0"/>
+          <a:chOff x="0" y="0"/>
+          <a:chExt cx="0" cy="0"/>
+        </a:xfrm>
+      </p:grpSpPr>
+      <p:pic>
+        <p:nvPicPr>
+          <p:cNvPr id="2" name="Picture 1" descr="Slate-V2-HD-3colPhotoInset.png"/>
+          <p:cNvPicPr>
+            <a:picLocks noChangeAspect="1"/>
+          </p:cNvPicPr>
+          <p:nvPr/>
+        </p:nvPicPr>
+        <p:blipFill>
+          <a:blip r:embed="rId2">
+            <a:extLst>
+              <a:ext uri="{28A0092B-C50C-407E-A947-70E740481C1C}">
+                <a14:useLocalDpi xmlns:a14="http://schemas.microsoft.com/office/drawing/2010/main" val="0"/>
+              </a:ext>
+            </a:extLst>
+          </a:blip>
+          <a:stretch>
+            <a:fillRect/>
+          </a:stretch>
+        </p:blipFill>
+        <p:spPr>
+          <a:xfrm>
+            <a:off x="897962" y="1818214"/>
+            <a:ext cx="3339972" cy="1847851"/>
+          </a:xfrm>
+          <a:prstGeom prst="rect">
+            <a:avLst/>
+          </a:prstGeom>
+        </p:spPr>
+      </p:pic>
+      <p:pic>
+        <p:nvPicPr>
+          <p:cNvPr id="36" name="Picture 35" descr="Slate-V2-HD-3colPhotoInset.png"/>
+          <p:cNvPicPr>
+            <a:picLocks noChangeAspect="1"/>
+          </p:cNvPicPr>
+          <p:nvPr/>
+        </p:nvPicPr>
+        <p:blipFill>
+          <a:blip r:embed="rId2">
+            <a:extLst>
+              <a:ext uri="{28A0092B-C50C-407E-A947-70E740481C1C}">
+                <a14:useLocalDpi xmlns:a14="http://schemas.microsoft.com/office/drawing/2010/main" val="0"/>
+              </a:ext>
+            </a:extLst>
+          </a:blip>
+          <a:stretch>
+            <a:fillRect/>
+          </a:stretch>
+        </p:blipFill>
+        <p:spPr>
+          <a:xfrm>
+            <a:off x="4403800" y="1818214"/>
+            <a:ext cx="3339972" cy="1847851"/>
+          </a:xfrm>
+          <a:prstGeom prst="rect">
+            <a:avLst/>
+          </a:prstGeom>
+        </p:spPr>
+      </p:pic>
+      <p:pic>
+        <p:nvPicPr>
+          <p:cNvPr id="37" name="Picture 36" descr="Slate-V2-HD-3colPhotoInset.png"/>
+          <p:cNvPicPr>
+            <a:picLocks noChangeAspect="1"/>
+          </p:cNvPicPr>
+          <p:nvPr/>
+        </p:nvPicPr>
+        <p:blipFill>
+          <a:blip r:embed="rId2">
+            <a:extLst>
+              <a:ext uri="{28A0092B-C50C-407E-A947-70E740481C1C}">
+                <a14:useLocalDpi xmlns:a14="http://schemas.microsoft.com/office/drawing/2010/main" val="0"/>
+              </a:ext>
+            </a:extLst>
+          </a:blip>
+          <a:stretch>
+            <a:fillRect/>
+          </a:stretch>
+        </p:blipFill>
+        <p:spPr>
+          <a:xfrm>
+            <a:off x="7936051" y="1818214"/>
+            <a:ext cx="3339972" cy="1847851"/>
+          </a:xfrm>
+          <a:prstGeom prst="rect">
+            <a:avLst/>
+          </a:prstGeom>
+        </p:spPr>
+      </p:pic>
+      <p:sp>
+        <p:nvSpPr>
+          <p:cNvPr id="30" name="Title 1"/>
+          <p:cNvSpPr>
+            <a:spLocks noGrp="1"/>
+          </p:cNvSpPr>
+          <p:nvPr>
+            <p:ph type="title"/>
+          </p:nvPr>
+        </p:nvSpPr>
+        <p:spPr>
+          <a:xfrm>
+            <a:off x="913794" y="609600"/>
+            <a:ext cx="10353763" cy="970450"/>
+          </a:xfrm>
+        </p:spPr>
+        <p:txBody>
+          <a:bodyPr/>
+          <a:lstStyle/>
+          <a:p>
+            <a:r>
+              <a:rPr lang="en-US"/>
+              <a:t>Click to edit Master title style</a:t>
+            </a:r>
+            <a:endParaRPr lang="en-US" dirty="0"/>
+          </a:p>
+        </p:txBody>
+      </p:sp>
+      <p:sp>
+        <p:nvSpPr>
+          <p:cNvPr id="19" name="Text Placeholder 2"/>
+          <p:cNvSpPr>
+            <a:spLocks noGrp="1"/>
+          </p:cNvSpPr>
+          <p:nvPr>
+            <p:ph type="body" idx="1"/>
+          </p:nvPr>
+        </p:nvSpPr>
+        <p:spPr>
+          <a:xfrm>
+            <a:off x="913795" y="3904106"/>
+            <a:ext cx="3300984" cy="576262"/>
+          </a:xfrm>
+        </p:spPr>
+        <p:txBody>
+          <a:bodyPr anchor="b">
+            <a:noAutofit/>
+          </a:bodyPr>
+          <a:lstStyle>
+            <a:lvl1pPr marL="0" indent="0" algn="ctr">
+              <a:buNone/>
+              <a:defRPr sz="2000" b="0">
+                <a:solidFill>
+                  <a:schemeClr val="tx1"/>
+                </a:solidFill>
+              </a:defRPr>
+            </a:lvl1pPr>
+            <a:lvl2pPr marL="457200" indent="0">
+              <a:buNone/>
+              <a:defRPr sz="2000" b="1"/>
+            </a:lvl2pPr>
+            <a:lvl3pPr marL="914400" indent="0">
+              <a:buNone/>
+              <a:defRPr sz="1800" b="1"/>
+            </a:lvl3pPr>
+            <a:lvl4pPr marL="1371600" indent="0">
+              <a:buNone/>
+              <a:defRPr sz="1600" b="1"/>
+            </a:lvl4pPr>
+            <a:lvl5pPr marL="1828800" indent="0">
+              <a:buNone/>
+              <a:defRPr sz="1600" b="1"/>
+            </a:lvl5pPr>
+            <a:lvl6pPr marL="2286000" indent="0">
+              <a:buNone/>
+              <a:defRPr sz="1600" b="1"/>
+            </a:lvl6pPr>
+            <a:lvl7pPr marL="2743200" indent="0">
+              <a:buNone/>
+              <a:defRPr sz="1600" b="1"/>
+            </a:lvl7pPr>
+            <a:lvl8pPr marL="3200400" indent="0">
+              <a:buNone/>
+              <a:defRPr sz="1600" b="1"/>
+            </a:lvl8pPr>
+            <a:lvl9pPr marL="3657600" indent="0">
+              <a:buNone/>
+              <a:defRPr sz="1600" b="1"/>
+            </a:lvl9pPr>
+          </a:lstStyle>
+          <a:p>
+            <a:pPr lvl="0"/>
+            <a:r>
+              <a:rPr lang="en-US"/>
+              <a:t>Edit Master text styles</a:t>
+            </a:r>
+          </a:p>
+        </p:txBody>
+      </p:sp>
+      <p:sp>
+        <p:nvSpPr>
+          <p:cNvPr id="20" name="Picture Placeholder 2"/>
+          <p:cNvSpPr>
+            <a:spLocks noGrp="1" noChangeAspect="1"/>
+          </p:cNvSpPr>
+          <p:nvPr>
+            <p:ph type="pic" idx="15"/>
+          </p:nvPr>
+        </p:nvSpPr>
+        <p:spPr>
+          <a:xfrm>
+            <a:off x="1018102" y="1938918"/>
+            <a:ext cx="3092368" cy="1602954"/>
+          </a:xfrm>
+          <a:prstGeom prst="roundRect">
+            <a:avLst>
+              <a:gd name="adj" fmla="val 1858"/>
+            </a:avLst>
+          </a:prstGeom>
+          <a:effectLst>
+            <a:outerShdw blurRad="38100" dist="25400" dir="4440000">
+              <a:srgbClr val="000000">
+                <a:alpha val="36000"/>
+              </a:srgbClr>
+            </a:outerShdw>
+          </a:effectLst>
+        </p:spPr>
+        <p:txBody>
+          <a:bodyPr anchor="t">
+            <a:normAutofit/>
+          </a:bodyPr>
+          <a:lstStyle>
+            <a:lvl1pPr marL="0" indent="0" algn="ctr">
+              <a:buNone/>
+              <a:defRPr sz="1600"/>
+            </a:lvl1pPr>
+            <a:lvl2pPr marL="457200" indent="0">
+              <a:buNone/>
+              <a:defRPr sz="1600"/>
+            </a:lvl2pPr>
+            <a:lvl3pPr marL="914400" indent="0">
+              <a:buNone/>
+              <a:defRPr sz="1600"/>
+            </a:lvl3pPr>
+            <a:lvl4pPr marL="1371600" indent="0">
+              <a:buNone/>
+              <a:defRPr sz="1600"/>
+            </a:lvl4pPr>
+            <a:lvl5pPr marL="1828800" indent="0">
+              <a:buNone/>
+              <a:defRPr sz="1600"/>
+            </a:lvl5pPr>
+            <a:lvl6pPr marL="2286000" indent="0">
+              <a:buNone/>
+              <a:defRPr sz="1600"/>
+            </a:lvl6pPr>
+            <a:lvl7pPr marL="2743200" indent="0">
+              <a:buNone/>
+              <a:defRPr sz="1600"/>
+            </a:lvl7pPr>
+            <a:lvl8pPr marL="3200400" indent="0">
+              <a:buNone/>
+              <a:defRPr sz="1600"/>
+            </a:lvl8pPr>
+            <a:lvl9pPr marL="3657600" indent="0">
+              <a:buNone/>
+              <a:defRPr sz="1600"/>
+            </a:lvl9pPr>
+          </a:lstStyle>
+          <a:p>
+            <a:r>
+              <a:rPr lang="en-US"/>
+              <a:t>Click icon to add picture</a:t>
+            </a:r>
+            <a:endParaRPr lang="en-US" dirty="0"/>
+          </a:p>
+        </p:txBody>
+      </p:sp>
+      <p:sp>
+        <p:nvSpPr>
+          <p:cNvPr id="21" name="Text Placeholder 3"/>
+          <p:cNvSpPr>
+            <a:spLocks noGrp="1"/>
+          </p:cNvSpPr>
+          <p:nvPr>
+            <p:ph type="body" sz="half" idx="18"/>
+          </p:nvPr>
+        </p:nvSpPr>
+        <p:spPr>
+          <a:xfrm>
+            <a:off x="913795" y="4480368"/>
+            <a:ext cx="3300984" cy="1310833"/>
+          </a:xfrm>
+        </p:spPr>
+        <p:txBody>
+          <a:bodyPr anchor="t">
+            <a:normAutofit/>
+          </a:bodyPr>
+          <a:lstStyle>
+            <a:lvl1pPr marL="0" indent="0" algn="ctr">
+              <a:buNone/>
+              <a:defRPr sz="1400"/>
+            </a:lvl1pPr>
+            <a:lvl2pPr marL="457200" indent="0">
+              <a:buNone/>
+              <a:defRPr sz="1200"/>
+            </a:lvl2pPr>
+            <a:lvl3pPr marL="914400" indent="0">
+              <a:buNone/>
+              <a:defRPr sz="1000"/>
+            </a:lvl3pPr>
+            <a:lvl4pPr marL="1371600" indent="0">
+              <a:buNone/>
+              <a:defRPr sz="900"/>
+            </a:lvl4pPr>
+            <a:lvl5pPr marL="1828800" indent="0">
+              <a:buNone/>
+              <a:defRPr sz="900"/>
+            </a:lvl5pPr>
+            <a:lvl6pPr marL="2286000" indent="0">
+              <a:buNone/>
+              <a:defRPr sz="900"/>
+            </a:lvl6pPr>
+            <a:lvl7pPr marL="2743200" indent="0">
+              <a:buNone/>
+              <a:defRPr sz="900"/>
+            </a:lvl7pPr>
+            <a:lvl8pPr marL="3200400" indent="0">
+              <a:buNone/>
+              <a:defRPr sz="900"/>
+            </a:lvl8pPr>
+            <a:lvl9pPr marL="3657600" indent="0">
+              <a:buNone/>
+              <a:defRPr sz="900"/>
+            </a:lvl9pPr>
+          </a:lstStyle>
+          <a:p>
+            <a:pPr lvl="0"/>
+            <a:r>
+              <a:rPr lang="en-US"/>
+              <a:t>Edit Master text styles</a:t>
+            </a:r>
+          </a:p>
+        </p:txBody>
+      </p:sp>
+      <p:sp>
+        <p:nvSpPr>
+          <p:cNvPr id="22" name="Text Placeholder 4"/>
+          <p:cNvSpPr>
+            <a:spLocks noGrp="1"/>
+          </p:cNvSpPr>
+          <p:nvPr>
+            <p:ph type="body" sz="quarter" idx="3"/>
+          </p:nvPr>
+        </p:nvSpPr>
+        <p:spPr>
+          <a:xfrm>
+            <a:off x="4442788" y="3904106"/>
+            <a:ext cx="3300984" cy="576262"/>
+          </a:xfrm>
+        </p:spPr>
+        <p:txBody>
+          <a:bodyPr anchor="b">
+            <a:noAutofit/>
+          </a:bodyPr>
+          <a:lstStyle>
+            <a:lvl1pPr marL="0" indent="0" algn="ctr">
+              <a:buNone/>
+              <a:defRPr sz="2000" b="0">
+                <a:solidFill>
+                  <a:schemeClr val="tx1"/>
+                </a:solidFill>
+              </a:defRPr>
+            </a:lvl1pPr>
+            <a:lvl2pPr marL="457200" indent="0">
+              <a:buNone/>
+              <a:defRPr sz="2000" b="1"/>
+            </a:lvl2pPr>
+            <a:lvl3pPr marL="914400" indent="0">
+              <a:buNone/>
+              <a:defRPr sz="1800" b="1"/>
+            </a:lvl3pPr>
+            <a:lvl4pPr marL="1371600" indent="0">
+              <a:buNone/>
+              <a:defRPr sz="1600" b="1"/>
+            </a:lvl4pPr>
+            <a:lvl5pPr marL="1828800" indent="0">
+              <a:buNone/>
+              <a:defRPr sz="1600" b="1"/>
+            </a:lvl5pPr>
+            <a:lvl6pPr marL="2286000" indent="0">
+              <a:buNone/>
+              <a:defRPr sz="1600" b="1"/>
+            </a:lvl6pPr>
+            <a:lvl7pPr marL="2743200" indent="0">
+              <a:buNone/>
+              <a:defRPr sz="1600" b="1"/>
+            </a:lvl7pPr>
+            <a:lvl8pPr marL="3200400" indent="0">
+              <a:buNone/>
+              <a:defRPr sz="1600" b="1"/>
+            </a:lvl8pPr>
+            <a:lvl9pPr marL="3657600" indent="0">
+              <a:buNone/>
+              <a:defRPr sz="1600" b="1"/>
+            </a:lvl9pPr>
+          </a:lstStyle>
+          <a:p>
+            <a:pPr lvl="0"/>
+            <a:r>
+              <a:rPr lang="en-US"/>
+              <a:t>Edit Master text styles</a:t>
+            </a:r>
+          </a:p>
+        </p:txBody>
+      </p:sp>
+      <p:sp>
+        <p:nvSpPr>
+          <p:cNvPr id="23" name="Picture Placeholder 2"/>
+          <p:cNvSpPr>
+            <a:spLocks noGrp="1" noChangeAspect="1"/>
+          </p:cNvSpPr>
+          <p:nvPr>
+            <p:ph type="pic" idx="21"/>
+          </p:nvPr>
+        </p:nvSpPr>
+        <p:spPr>
+          <a:xfrm>
+            <a:off x="4545743" y="1939094"/>
+            <a:ext cx="3092368" cy="1608164"/>
+          </a:xfrm>
+          <a:prstGeom prst="roundRect">
+            <a:avLst>
+              <a:gd name="adj" fmla="val 1858"/>
+            </a:avLst>
+          </a:prstGeom>
+          <a:effectLst>
+            <a:outerShdw blurRad="38100" dist="25400" dir="4440000">
+              <a:srgbClr val="000000">
+                <a:alpha val="36000"/>
+              </a:srgbClr>
+            </a:outerShdw>
+          </a:effectLst>
+        </p:spPr>
+        <p:txBody>
+          <a:bodyPr anchor="t">
+            <a:normAutofit/>
+          </a:bodyPr>
+          <a:lstStyle>
+            <a:lvl1pPr marL="0" indent="0" algn="ctr">
+              <a:buNone/>
+              <a:defRPr sz="1600"/>
+            </a:lvl1pPr>
+            <a:lvl2pPr marL="457200" indent="0">
+              <a:buNone/>
+              <a:defRPr sz="1600"/>
+            </a:lvl2pPr>
+            <a:lvl3pPr marL="914400" indent="0">
+              <a:buNone/>
+              <a:defRPr sz="1600"/>
+            </a:lvl3pPr>
+            <a:lvl4pPr marL="1371600" indent="0">
+              <a:buNone/>
+              <a:defRPr sz="1600"/>
+            </a:lvl4pPr>
+            <a:lvl5pPr marL="1828800" indent="0">
+              <a:buNone/>
+              <a:defRPr sz="1600"/>
+            </a:lvl5pPr>
+            <a:lvl6pPr marL="2286000" indent="0">
+              <a:buNone/>
+              <a:defRPr sz="1600"/>
+            </a:lvl6pPr>
+            <a:lvl7pPr marL="2743200" indent="0">
+              <a:buNone/>
+              <a:defRPr sz="1600"/>
+            </a:lvl7pPr>
+            <a:lvl8pPr marL="3200400" indent="0">
+              <a:buNone/>
+              <a:defRPr sz="1600"/>
+            </a:lvl8pPr>
+            <a:lvl9pPr marL="3657600" indent="0">
+              <a:buNone/>
+              <a:defRPr sz="1600"/>
+            </a:lvl9pPr>
+          </a:lstStyle>
+          <a:p>
+            <a:r>
+              <a:rPr lang="en-US"/>
+              <a:t>Click icon to add picture</a:t>
+            </a:r>
+            <a:endParaRPr lang="en-US" dirty="0"/>
+          </a:p>
+        </p:txBody>
+      </p:sp>
+      <p:sp>
+        <p:nvSpPr>
+          <p:cNvPr id="24" name="Text Placeholder 3"/>
+          <p:cNvSpPr>
+            <a:spLocks noGrp="1"/>
+          </p:cNvSpPr>
+          <p:nvPr>
+            <p:ph type="body" sz="half" idx="19"/>
+          </p:nvPr>
+        </p:nvSpPr>
+        <p:spPr>
+          <a:xfrm>
+            <a:off x="4441435" y="4480367"/>
+            <a:ext cx="3300984" cy="1310833"/>
+          </a:xfrm>
+        </p:spPr>
+        <p:txBody>
+          <a:bodyPr anchor="t">
+            <a:normAutofit/>
+          </a:bodyPr>
+          <a:lstStyle>
+            <a:lvl1pPr marL="0" indent="0" algn="ctr">
+              <a:buNone/>
+              <a:defRPr sz="1400"/>
+            </a:lvl1pPr>
+            <a:lvl2pPr marL="457200" indent="0">
+              <a:buNone/>
+              <a:defRPr sz="1200"/>
+            </a:lvl2pPr>
+            <a:lvl3pPr marL="914400" indent="0">
+              <a:buNone/>
+              <a:defRPr sz="1000"/>
+            </a:lvl3pPr>
+            <a:lvl4pPr marL="1371600" indent="0">
+              <a:buNone/>
+              <a:defRPr sz="900"/>
+            </a:lvl4pPr>
+            <a:lvl5pPr marL="1828800" indent="0">
+              <a:buNone/>
+              <a:defRPr sz="900"/>
+            </a:lvl5pPr>
+            <a:lvl6pPr marL="2286000" indent="0">
+              <a:buNone/>
+              <a:defRPr sz="900"/>
+            </a:lvl6pPr>
+            <a:lvl7pPr marL="2743200" indent="0">
+              <a:buNone/>
+              <a:defRPr sz="900"/>
+            </a:lvl7pPr>
+            <a:lvl8pPr marL="3200400" indent="0">
+              <a:buNone/>
+              <a:defRPr sz="900"/>
+            </a:lvl8pPr>
+            <a:lvl9pPr marL="3657600" indent="0">
+              <a:buNone/>
+              <a:defRPr sz="900"/>
+            </a:lvl9pPr>
+          </a:lstStyle>
+          <a:p>
+            <a:pPr lvl="0"/>
+            <a:r>
+              <a:rPr lang="en-US"/>
+              <a:t>Edit Master text styles</a:t>
+            </a:r>
+          </a:p>
+        </p:txBody>
+      </p:sp>
+      <p:sp>
+        <p:nvSpPr>
+          <p:cNvPr id="25" name="Text Placeholder 4"/>
+          <p:cNvSpPr>
+            <a:spLocks noGrp="1"/>
+          </p:cNvSpPr>
+          <p:nvPr>
+            <p:ph type="body" sz="quarter" idx="13"/>
+          </p:nvPr>
+        </p:nvSpPr>
+        <p:spPr>
+          <a:xfrm>
+            <a:off x="7966697" y="3904106"/>
+            <a:ext cx="3300984" cy="576262"/>
+          </a:xfrm>
+        </p:spPr>
+        <p:txBody>
+          <a:bodyPr anchor="b">
+            <a:noAutofit/>
+          </a:bodyPr>
+          <a:lstStyle>
+            <a:lvl1pPr marL="0" indent="0" algn="ctr">
+              <a:buNone/>
+              <a:defRPr sz="2000" b="0">
+                <a:solidFill>
+                  <a:schemeClr val="tx1"/>
+                </a:solidFill>
+              </a:defRPr>
+            </a:lvl1pPr>
+            <a:lvl2pPr marL="457200" indent="0">
+              <a:buNone/>
+              <a:defRPr sz="2000" b="1"/>
+            </a:lvl2pPr>
+            <a:lvl3pPr marL="914400" indent="0">
+              <a:buNone/>
+              <a:defRPr sz="1800" b="1"/>
+            </a:lvl3pPr>
+            <a:lvl4pPr marL="1371600" indent="0">
+              <a:buNone/>
+              <a:defRPr sz="1600" b="1"/>
+            </a:lvl4pPr>
+            <a:lvl5pPr marL="1828800" indent="0">
+              <a:buNone/>
+              <a:defRPr sz="1600" b="1"/>
+            </a:lvl5pPr>
+            <a:lvl6pPr marL="2286000" indent="0">
+              <a:buNone/>
+              <a:defRPr sz="1600" b="1"/>
+            </a:lvl6pPr>
+            <a:lvl7pPr marL="2743200" indent="0">
+              <a:buNone/>
+              <a:defRPr sz="1600" b="1"/>
+            </a:lvl7pPr>
+            <a:lvl8pPr marL="3200400" indent="0">
+              <a:buNone/>
+              <a:defRPr sz="1600" b="1"/>
+            </a:lvl8pPr>
+            <a:lvl9pPr marL="3657600" indent="0">
+              <a:buNone/>
+              <a:defRPr sz="1600" b="1"/>
+            </a:lvl9pPr>
+          </a:lstStyle>
+          <a:p>
+            <a:pPr lvl="0"/>
+            <a:r>
+              <a:rPr lang="en-US"/>
+              <a:t>Edit Master text styles</a:t>
+            </a:r>
+          </a:p>
+        </p:txBody>
+      </p:sp>
+      <p:sp>
+        <p:nvSpPr>
+          <p:cNvPr id="26" name="Picture Placeholder 2"/>
+          <p:cNvSpPr>
+            <a:spLocks noGrp="1" noChangeAspect="1"/>
+          </p:cNvSpPr>
+          <p:nvPr>
+            <p:ph type="pic" idx="22"/>
+          </p:nvPr>
+        </p:nvSpPr>
+        <p:spPr>
+          <a:xfrm>
+            <a:off x="8075698" y="1934432"/>
+            <a:ext cx="3092368" cy="1607294"/>
+          </a:xfrm>
+          <a:prstGeom prst="roundRect">
+            <a:avLst>
+              <a:gd name="adj" fmla="val 1858"/>
+            </a:avLst>
+          </a:prstGeom>
+          <a:effectLst>
+            <a:outerShdw blurRad="38100" dist="25400" dir="4440000">
+              <a:srgbClr val="000000">
+                <a:alpha val="36000"/>
+              </a:srgbClr>
+            </a:outerShdw>
+          </a:effectLst>
+        </p:spPr>
+        <p:txBody>
+          <a:bodyPr anchor="t">
+            <a:normAutofit/>
+          </a:bodyPr>
+          <a:lstStyle>
+            <a:lvl1pPr marL="0" indent="0" algn="ctr">
+              <a:buNone/>
+              <a:defRPr sz="1600"/>
+            </a:lvl1pPr>
+            <a:lvl2pPr marL="457200" indent="0">
+              <a:buNone/>
+              <a:defRPr sz="1600"/>
+            </a:lvl2pPr>
+            <a:lvl3pPr marL="914400" indent="0">
+              <a:buNone/>
+              <a:defRPr sz="1600"/>
+            </a:lvl3pPr>
+            <a:lvl4pPr marL="1371600" indent="0">
+              <a:buNone/>
+              <a:defRPr sz="1600"/>
+            </a:lvl4pPr>
+            <a:lvl5pPr marL="1828800" indent="0">
+              <a:buNone/>
+              <a:defRPr sz="1600"/>
+            </a:lvl5pPr>
+            <a:lvl6pPr marL="2286000" indent="0">
+              <a:buNone/>
+              <a:defRPr sz="1600"/>
+            </a:lvl6pPr>
+            <a:lvl7pPr marL="2743200" indent="0">
+              <a:buNone/>
+              <a:defRPr sz="1600"/>
+            </a:lvl7pPr>
+            <a:lvl8pPr marL="3200400" indent="0">
+              <a:buNone/>
+              <a:defRPr sz="1600"/>
+            </a:lvl8pPr>
+            <a:lvl9pPr marL="3657600" indent="0">
+              <a:buNone/>
+              <a:defRPr sz="1600"/>
+            </a:lvl9pPr>
+          </a:lstStyle>
+          <a:p>
+            <a:r>
+              <a:rPr lang="en-US"/>
+              <a:t>Click icon to add picture</a:t>
+            </a:r>
+            <a:endParaRPr lang="en-US" dirty="0"/>
+          </a:p>
+        </p:txBody>
+      </p:sp>
+      <p:sp>
+        <p:nvSpPr>
+          <p:cNvPr id="27" name="Text Placeholder 3"/>
+          <p:cNvSpPr>
+            <a:spLocks noGrp="1"/>
+          </p:cNvSpPr>
+          <p:nvPr>
+            <p:ph type="body" sz="half" idx="20"/>
+          </p:nvPr>
+        </p:nvSpPr>
+        <p:spPr>
+          <a:xfrm>
+            <a:off x="7966572" y="4480365"/>
+            <a:ext cx="3300984" cy="1310835"/>
+          </a:xfrm>
+        </p:spPr>
+        <p:txBody>
+          <a:bodyPr anchor="t">
+            <a:normAutofit/>
+          </a:bodyPr>
+          <a:lstStyle>
+            <a:lvl1pPr marL="0" indent="0" algn="ctr">
+              <a:buNone/>
+              <a:defRPr sz="1400"/>
+            </a:lvl1pPr>
+            <a:lvl2pPr marL="457200" indent="0">
+              <a:buNone/>
+              <a:defRPr sz="1200"/>
+            </a:lvl2pPr>
+            <a:lvl3pPr marL="914400" indent="0">
+              <a:buNone/>
+              <a:defRPr sz="1000"/>
+            </a:lvl3pPr>
+            <a:lvl4pPr marL="1371600" indent="0">
+              <a:buNone/>
+              <a:defRPr sz="900"/>
+            </a:lvl4pPr>
+            <a:lvl5pPr marL="1828800" indent="0">
+              <a:buNone/>
+              <a:defRPr sz="900"/>
+            </a:lvl5pPr>
+            <a:lvl6pPr marL="2286000" indent="0">
+              <a:buNone/>
+              <a:defRPr sz="900"/>
+            </a:lvl6pPr>
+            <a:lvl7pPr marL="2743200" indent="0">
+              <a:buNone/>
+              <a:defRPr sz="900"/>
+            </a:lvl7pPr>
+            <a:lvl8pPr marL="3200400" indent="0">
+              <a:buNone/>
+              <a:defRPr sz="900"/>
+            </a:lvl8pPr>
+            <a:lvl9pPr marL="3657600" indent="0">
+              <a:buNone/>
+              <a:defRPr sz="900"/>
+            </a:lvl9pPr>
+          </a:lstStyle>
+          <a:p>
+            <a:pPr lvl="0"/>
+            <a:r>
+              <a:rPr lang="en-US"/>
+              <a:t>Edit Master text styles</a:t>
+            </a:r>
+          </a:p>
+        </p:txBody>
+      </p:sp>
+      <p:sp>
+        <p:nvSpPr>
+          <p:cNvPr id="3" name="Date Placeholder 2"/>
+          <p:cNvSpPr>
+            <a:spLocks noGrp="1"/>
+          </p:cNvSpPr>
+          <p:nvPr>
+            <p:ph type="dt" sz="half" idx="10"/>
+          </p:nvPr>
+        </p:nvSpPr>
+        <p:spPr/>
+        <p:txBody>
+          <a:bodyPr/>
+          <a:lstStyle/>
+          <a:p>
+            <a:fld id="{968F8B48-9EEB-4E1A-AB61-E86E4E194647}" type="datetimeFigureOut">
+              <a:rPr lang="en-US" smtClean="0"/>
+              <a:t>11/7/2018</a:t>
+            </a:fld>
+            <a:endParaRPr lang="en-US" dirty="0"/>
+          </a:p>
+        </p:txBody>
+      </p:sp>
+      <p:sp>
+        <p:nvSpPr>
+          <p:cNvPr id="4" name="Footer Placeholder 3"/>
+          <p:cNvSpPr>
+            <a:spLocks noGrp="1"/>
+          </p:cNvSpPr>
+          <p:nvPr>
+            <p:ph type="ftr" sz="quarter" idx="11"/>
+          </p:nvPr>
+        </p:nvSpPr>
+        <p:spPr/>
+        <p:txBody>
+          <a:bodyPr/>
+          <a:lstStyle/>
+          <a:p>
+            <a:endParaRPr lang="en-US" dirty="0"/>
+          </a:p>
+        </p:txBody>
+      </p:sp>
+      <p:sp>
+        <p:nvSpPr>
+          <p:cNvPr id="5" name="Slide Number Placeholder 4"/>
+          <p:cNvSpPr>
+            <a:spLocks noGrp="1"/>
+          </p:cNvSpPr>
+          <p:nvPr>
+            <p:ph type="sldNum" sz="quarter" idx="12"/>
+          </p:nvPr>
+        </p:nvSpPr>
+        <p:spPr/>
+        <p:txBody>
+          <a:bodyPr/>
+          <a:lstStyle/>
+          <a:p>
+            <a:fld id="{0D9F955C-96BA-498A-86A3-9D6D5D1B37D7}" type="slidenum">
+              <a:rPr lang="en-US" smtClean="0"/>
+              <a:t>‹#›</a:t>
+            </a:fld>
+            <a:endParaRPr lang="en-US" dirty="0"/>
+          </a:p>
+        </p:txBody>
+      </p:sp>
+    </p:spTree>
+    <p:extLst>
+      <p:ext uri="{BB962C8B-B14F-4D97-AF65-F5344CB8AC3E}">
+        <p14:creationId xmlns:p14="http://schemas.microsoft.com/office/powerpoint/2010/main" val="3712344305"/>
+      </p:ext>
+    </p:extLst>
+  </p:cSld>
+  <p:clrMapOvr>
+    <a:masterClrMapping/>
+  </p:clrMapOvr>
+</p:sldLayout>
+</file>
+
+<file path=ppt/slideLayouts/slideLayout16.xml><?xml version="1.0" encoding="utf-8"?>
 <p:sldLayout xmlns:a="http://schemas.openxmlformats.org/drawingml/2006/main" xmlns:r="http://schemas.openxmlformats.org/officeDocument/2006/relationships" xmlns:p="http://schemas.openxmlformats.org/presentationml/2006/main" type="vertTx" preserve="1">
   <p:cSld name="Title and Vertical Text">
     <p:spTree>
@@ -1187,10 +3816,10 @@
           <a:lstStyle/>
           <a:p>
             <a:r>
-              <a:rPr lang="en-US" smtClean="0"/>
+              <a:rPr lang="en-US"/>
               <a:t>Click to edit Master title style</a:t>
             </a:r>
-            <a:endParaRPr lang="en-US"/>
+            <a:endParaRPr lang="en-US" dirty="0"/>
           </a:p>
         </p:txBody>
       </p:sp>
@@ -1206,43 +3835,43 @@
         </p:nvSpPr>
         <p:spPr/>
         <p:txBody>
-          <a:bodyPr vert="eaVert"/>
+          <a:bodyPr vert="eaVert" anchor="t"/>
           <a:lstStyle/>
           <a:p>
             <a:pPr lvl="0"/>
             <a:r>
-              <a:rPr lang="en-US" smtClean="0"/>
+              <a:rPr lang="en-US"/>
               <a:t>Edit Master text styles</a:t>
             </a:r>
           </a:p>
           <a:p>
             <a:pPr lvl="1"/>
             <a:r>
-              <a:rPr lang="en-US" smtClean="0"/>
+              <a:rPr lang="en-US"/>
               <a:t>Second level</a:t>
             </a:r>
           </a:p>
           <a:p>
             <a:pPr lvl="2"/>
             <a:r>
-              <a:rPr lang="en-US" smtClean="0"/>
+              <a:rPr lang="en-US"/>
               <a:t>Third level</a:t>
             </a:r>
           </a:p>
           <a:p>
             <a:pPr lvl="3"/>
             <a:r>
-              <a:rPr lang="en-US" smtClean="0"/>
+              <a:rPr lang="en-US"/>
               <a:t>Fourth level</a:t>
             </a:r>
           </a:p>
           <a:p>
             <a:pPr lvl="4"/>
             <a:r>
-              <a:rPr lang="en-US" smtClean="0"/>
+              <a:rPr lang="en-US"/>
               <a:t>Fifth level</a:t>
             </a:r>
-            <a:endParaRPr lang="en-US"/>
+            <a:endParaRPr lang="en-US" dirty="0"/>
           </a:p>
         </p:txBody>
       </p:sp>
@@ -1263,7 +3892,7 @@
           <a:p>
             <a:fld id="{968F8B48-9EEB-4E1A-AB61-E86E4E194647}" type="datetimeFigureOut">
               <a:rPr lang="en-US" smtClean="0"/>
-              <a:t>11/4/2018</a:t>
+              <a:t>11/7/2018</a:t>
             </a:fld>
             <a:endParaRPr lang="en-US" dirty="0"/>
           </a:p>
@@ -1314,7 +3943,7 @@
     </p:spTree>
     <p:extLst>
       <p:ext uri="{BB962C8B-B14F-4D97-AF65-F5344CB8AC3E}">
-        <p14:creationId xmlns:p14="http://schemas.microsoft.com/office/powerpoint/2010/main" val="226278818"/>
+        <p14:creationId xmlns:p14="http://schemas.microsoft.com/office/powerpoint/2010/main" val="583335954"/>
       </p:ext>
     </p:extLst>
   </p:cSld>
@@ -1324,7 +3953,7 @@
 </p:sldLayout>
 </file>
 
-<file path=ppt/slideLayouts/slideLayout11.xml><?xml version="1.0" encoding="utf-8"?>
+<file path=ppt/slideLayouts/slideLayout17.xml><?xml version="1.0" encoding="utf-8"?>
 <p:sldLayout xmlns:a="http://schemas.openxmlformats.org/drawingml/2006/main" xmlns:r="http://schemas.openxmlformats.org/officeDocument/2006/relationships" xmlns:p="http://schemas.openxmlformats.org/presentationml/2006/main" type="vertTitleAndTx" preserve="1">
   <p:cSld name="Vertical Title and Text">
     <p:spTree>
@@ -1353,19 +3982,23 @@
         </p:nvSpPr>
         <p:spPr>
           <a:xfrm>
-            <a:off x="8724900" y="365125"/>
-            <a:ext cx="2628900" cy="5811838"/>
+            <a:off x="8983068" y="609599"/>
+            <a:ext cx="2284487" cy="5181601"/>
           </a:xfrm>
         </p:spPr>
         <p:txBody>
           <a:bodyPr vert="eaVert"/>
-          <a:lstStyle/>
-          <a:p>
-            <a:r>
-              <a:rPr lang="en-US" smtClean="0"/>
+          <a:lstStyle>
+            <a:lvl1pPr algn="l">
+              <a:defRPr/>
+            </a:lvl1pPr>
+          </a:lstStyle>
+          <a:p>
+            <a:r>
+              <a:rPr lang="en-US"/>
               <a:t>Click to edit Master title style</a:t>
             </a:r>
-            <a:endParaRPr lang="en-US"/>
+            <a:endParaRPr lang="en-US" dirty="0"/>
           </a:p>
         </p:txBody>
       </p:sp>
@@ -1381,48 +4014,48 @@
         </p:nvSpPr>
         <p:spPr>
           <a:xfrm>
-            <a:off x="838200" y="365125"/>
-            <a:ext cx="7734300" cy="5811838"/>
+            <a:off x="913796" y="609599"/>
+            <a:ext cx="7916872" cy="5181601"/>
           </a:xfrm>
         </p:spPr>
         <p:txBody>
-          <a:bodyPr vert="eaVert"/>
+          <a:bodyPr vert="eaVert" anchor="t"/>
           <a:lstStyle/>
           <a:p>
             <a:pPr lvl="0"/>
             <a:r>
-              <a:rPr lang="en-US" smtClean="0"/>
+              <a:rPr lang="en-US"/>
               <a:t>Edit Master text styles</a:t>
             </a:r>
           </a:p>
           <a:p>
             <a:pPr lvl="1"/>
             <a:r>
-              <a:rPr lang="en-US" smtClean="0"/>
+              <a:rPr lang="en-US"/>
               <a:t>Second level</a:t>
             </a:r>
           </a:p>
           <a:p>
             <a:pPr lvl="2"/>
             <a:r>
-              <a:rPr lang="en-US" smtClean="0"/>
+              <a:rPr lang="en-US"/>
               <a:t>Third level</a:t>
             </a:r>
           </a:p>
           <a:p>
             <a:pPr lvl="3"/>
             <a:r>
-              <a:rPr lang="en-US" smtClean="0"/>
+              <a:rPr lang="en-US"/>
               <a:t>Fourth level</a:t>
             </a:r>
           </a:p>
           <a:p>
             <a:pPr lvl="4"/>
             <a:r>
-              <a:rPr lang="en-US" smtClean="0"/>
+              <a:rPr lang="en-US"/>
               <a:t>Fifth level</a:t>
             </a:r>
-            <a:endParaRPr lang="en-US"/>
+            <a:endParaRPr lang="en-US" dirty="0"/>
           </a:p>
         </p:txBody>
       </p:sp>
@@ -1443,7 +4076,7 @@
           <a:p>
             <a:fld id="{968F8B48-9EEB-4E1A-AB61-E86E4E194647}" type="datetimeFigureOut">
               <a:rPr lang="en-US" smtClean="0"/>
-              <a:t>11/4/2018</a:t>
+              <a:t>11/7/2018</a:t>
             </a:fld>
             <a:endParaRPr lang="en-US" dirty="0"/>
           </a:p>
@@ -1494,7 +4127,7 @@
     </p:spTree>
     <p:extLst>
       <p:ext uri="{BB962C8B-B14F-4D97-AF65-F5344CB8AC3E}">
-        <p14:creationId xmlns:p14="http://schemas.microsoft.com/office/powerpoint/2010/main" val="974664974"/>
+        <p14:creationId xmlns:p14="http://schemas.microsoft.com/office/powerpoint/2010/main" val="2247774930"/>
       </p:ext>
     </p:extLst>
   </p:cSld>
@@ -1537,10 +4170,10 @@
           <a:lstStyle/>
           <a:p>
             <a:r>
-              <a:rPr lang="en-US" smtClean="0"/>
+              <a:rPr lang="en-US"/>
               <a:t>Click to edit Master title style</a:t>
             </a:r>
-            <a:endParaRPr lang="en-US"/>
+            <a:endParaRPr lang="en-US" dirty="0"/>
           </a:p>
         </p:txBody>
       </p:sp>
@@ -1561,38 +4194,38 @@
           <a:p>
             <a:pPr lvl="0"/>
             <a:r>
-              <a:rPr lang="en-US" smtClean="0"/>
+              <a:rPr lang="en-US"/>
               <a:t>Edit Master text styles</a:t>
             </a:r>
           </a:p>
           <a:p>
             <a:pPr lvl="1"/>
             <a:r>
-              <a:rPr lang="en-US" smtClean="0"/>
+              <a:rPr lang="en-US"/>
               <a:t>Second level</a:t>
             </a:r>
           </a:p>
           <a:p>
             <a:pPr lvl="2"/>
             <a:r>
-              <a:rPr lang="en-US" smtClean="0"/>
+              <a:rPr lang="en-US"/>
               <a:t>Third level</a:t>
             </a:r>
           </a:p>
           <a:p>
             <a:pPr lvl="3"/>
             <a:r>
-              <a:rPr lang="en-US" smtClean="0"/>
+              <a:rPr lang="en-US"/>
               <a:t>Fourth level</a:t>
             </a:r>
           </a:p>
           <a:p>
             <a:pPr lvl="4"/>
             <a:r>
-              <a:rPr lang="en-US" smtClean="0"/>
+              <a:rPr lang="en-US"/>
               <a:t>Fifth level</a:t>
             </a:r>
-            <a:endParaRPr lang="en-US"/>
+            <a:endParaRPr lang="en-US" dirty="0"/>
           </a:p>
         </p:txBody>
       </p:sp>
@@ -1613,7 +4246,7 @@
           <a:p>
             <a:fld id="{968F8B48-9EEB-4E1A-AB61-E86E4E194647}" type="datetimeFigureOut">
               <a:rPr lang="en-US" smtClean="0"/>
-              <a:t>11/4/2018</a:t>
+              <a:t>11/7/2018</a:t>
             </a:fld>
             <a:endParaRPr lang="en-US" dirty="0"/>
           </a:p>
@@ -1664,7 +4297,7 @@
     </p:spTree>
     <p:extLst>
       <p:ext uri="{BB962C8B-B14F-4D97-AF65-F5344CB8AC3E}">
-        <p14:creationId xmlns:p14="http://schemas.microsoft.com/office/powerpoint/2010/main" val="1525905390"/>
+        <p14:creationId xmlns:p14="http://schemas.microsoft.com/office/powerpoint/2010/main" val="2862580164"/>
       </p:ext>
     </p:extLst>
   </p:cSld>
@@ -1703,23 +4336,23 @@
         </p:nvSpPr>
         <p:spPr>
           <a:xfrm>
-            <a:off x="831850" y="1709738"/>
-            <a:ext cx="10515600" cy="2852737"/>
+            <a:off x="1295401" y="1761067"/>
+            <a:ext cx="9590550" cy="1828813"/>
           </a:xfrm>
         </p:spPr>
         <p:txBody>
           <a:bodyPr anchor="b"/>
           <a:lstStyle>
-            <a:lvl1pPr>
-              <a:defRPr sz="6000"/>
+            <a:lvl1pPr algn="ctr">
+              <a:defRPr sz="4000" b="0" cap="none"/>
             </a:lvl1pPr>
           </a:lstStyle>
           <a:p>
             <a:r>
-              <a:rPr lang="en-US" smtClean="0"/>
+              <a:rPr lang="en-US"/>
               <a:t>Click to edit Master title style</a:t>
             </a:r>
-            <a:endParaRPr lang="en-US"/>
+            <a:endParaRPr lang="en-US" dirty="0"/>
           </a:p>
         </p:txBody>
       </p:sp>
@@ -1735,26 +4368,24 @@
         </p:nvSpPr>
         <p:spPr>
           <a:xfrm>
-            <a:off x="831850" y="4589463"/>
-            <a:ext cx="10515600" cy="1500187"/>
+            <a:off x="1295401" y="3589879"/>
+            <a:ext cx="9590550" cy="1507054"/>
           </a:xfrm>
         </p:spPr>
         <p:txBody>
-          <a:bodyPr/>
+          <a:bodyPr anchor="t"/>
           <a:lstStyle>
-            <a:lvl1pPr marL="0" indent="0">
-              <a:buNone/>
-              <a:defRPr sz="2400">
+            <a:lvl1pPr marL="0" indent="0" algn="ctr">
+              <a:buNone/>
+              <a:defRPr sz="2000">
                 <a:solidFill>
-                  <a:schemeClr val="tx1">
-                    <a:tint val="75000"/>
-                  </a:schemeClr>
+                  <a:schemeClr val="tx1"/>
                 </a:solidFill>
               </a:defRPr>
             </a:lvl1pPr>
             <a:lvl2pPr marL="457200" indent="0">
               <a:buNone/>
-              <a:defRPr sz="2000">
+              <a:defRPr sz="1800">
                 <a:solidFill>
                   <a:schemeClr val="tx1">
                     <a:tint val="75000"/>
@@ -1764,7 +4395,7 @@
             </a:lvl2pPr>
             <a:lvl3pPr marL="914400" indent="0">
               <a:buNone/>
-              <a:defRPr sz="1800">
+              <a:defRPr sz="1600">
                 <a:solidFill>
                   <a:schemeClr val="tx1">
                     <a:tint val="75000"/>
@@ -1774,7 +4405,7 @@
             </a:lvl3pPr>
             <a:lvl4pPr marL="1371600" indent="0">
               <a:buNone/>
-              <a:defRPr sz="1600">
+              <a:defRPr sz="1400">
                 <a:solidFill>
                   <a:schemeClr val="tx1">
                     <a:tint val="75000"/>
@@ -1784,7 +4415,7 @@
             </a:lvl4pPr>
             <a:lvl5pPr marL="1828800" indent="0">
               <a:buNone/>
-              <a:defRPr sz="1600">
+              <a:defRPr sz="1400">
                 <a:solidFill>
                   <a:schemeClr val="tx1">
                     <a:tint val="75000"/>
@@ -1794,7 +4425,7 @@
             </a:lvl5pPr>
             <a:lvl6pPr marL="2286000" indent="0">
               <a:buNone/>
-              <a:defRPr sz="1600">
+              <a:defRPr sz="1400">
                 <a:solidFill>
                   <a:schemeClr val="tx1">
                     <a:tint val="75000"/>
@@ -1804,7 +4435,7 @@
             </a:lvl6pPr>
             <a:lvl7pPr marL="2743200" indent="0">
               <a:buNone/>
-              <a:defRPr sz="1600">
+              <a:defRPr sz="1400">
                 <a:solidFill>
                   <a:schemeClr val="tx1">
                     <a:tint val="75000"/>
@@ -1814,7 +4445,7 @@
             </a:lvl7pPr>
             <a:lvl8pPr marL="3200400" indent="0">
               <a:buNone/>
-              <a:defRPr sz="1600">
+              <a:defRPr sz="1400">
                 <a:solidFill>
                   <a:schemeClr val="tx1">
                     <a:tint val="75000"/>
@@ -1824,7 +4455,7 @@
             </a:lvl8pPr>
             <a:lvl9pPr marL="3657600" indent="0">
               <a:buNone/>
-              <a:defRPr sz="1600">
+              <a:defRPr sz="1400">
                 <a:solidFill>
                   <a:schemeClr val="tx1">
                     <a:tint val="75000"/>
@@ -1836,7 +4467,7 @@
           <a:p>
             <a:pPr lvl="0"/>
             <a:r>
-              <a:rPr lang="en-US" smtClean="0"/>
+              <a:rPr lang="en-US"/>
               <a:t>Edit Master text styles</a:t>
             </a:r>
           </a:p>
@@ -1859,7 +4490,7 @@
           <a:p>
             <a:fld id="{968F8B48-9EEB-4E1A-AB61-E86E4E194647}" type="datetimeFigureOut">
               <a:rPr lang="en-US" smtClean="0"/>
-              <a:t>11/4/2018</a:t>
+              <a:t>11/7/2018</a:t>
             </a:fld>
             <a:endParaRPr lang="en-US" dirty="0"/>
           </a:p>
@@ -1910,7 +4541,7 @@
     </p:spTree>
     <p:extLst>
       <p:ext uri="{BB962C8B-B14F-4D97-AF65-F5344CB8AC3E}">
-        <p14:creationId xmlns:p14="http://schemas.microsoft.com/office/powerpoint/2010/main" val="2370134319"/>
+        <p14:creationId xmlns:p14="http://schemas.microsoft.com/office/powerpoint/2010/main" val="2289023236"/>
       </p:ext>
     </p:extLst>
   </p:cSld>
@@ -1953,10 +4584,10 @@
           <a:lstStyle/>
           <a:p>
             <a:r>
-              <a:rPr lang="en-US" smtClean="0"/>
+              <a:rPr lang="en-US"/>
               <a:t>Click to edit Master title style</a:t>
             </a:r>
-            <a:endParaRPr lang="en-US"/>
+            <a:endParaRPr lang="en-US" dirty="0"/>
           </a:p>
         </p:txBody>
       </p:sp>
@@ -1972,48 +4603,50 @@
         </p:nvSpPr>
         <p:spPr>
           <a:xfrm>
-            <a:off x="838200" y="1825625"/>
-            <a:ext cx="5181600" cy="4351338"/>
+            <a:off x="913795" y="1732449"/>
+            <a:ext cx="5060497" cy="4058750"/>
           </a:xfrm>
         </p:spPr>
         <p:txBody>
-          <a:bodyPr/>
+          <a:bodyPr anchor="t">
+            <a:normAutofit/>
+          </a:bodyPr>
           <a:lstStyle/>
           <a:p>
             <a:pPr lvl="0"/>
             <a:r>
-              <a:rPr lang="en-US" smtClean="0"/>
+              <a:rPr lang="en-US"/>
               <a:t>Edit Master text styles</a:t>
             </a:r>
           </a:p>
           <a:p>
             <a:pPr lvl="1"/>
             <a:r>
-              <a:rPr lang="en-US" smtClean="0"/>
+              <a:rPr lang="en-US"/>
               <a:t>Second level</a:t>
             </a:r>
           </a:p>
           <a:p>
             <a:pPr lvl="2"/>
             <a:r>
-              <a:rPr lang="en-US" smtClean="0"/>
+              <a:rPr lang="en-US"/>
               <a:t>Third level</a:t>
             </a:r>
           </a:p>
           <a:p>
             <a:pPr lvl="3"/>
             <a:r>
-              <a:rPr lang="en-US" smtClean="0"/>
+              <a:rPr lang="en-US"/>
               <a:t>Fourth level</a:t>
             </a:r>
           </a:p>
           <a:p>
             <a:pPr lvl="4"/>
             <a:r>
-              <a:rPr lang="en-US" smtClean="0"/>
+              <a:rPr lang="en-US"/>
               <a:t>Fifth level</a:t>
             </a:r>
-            <a:endParaRPr lang="en-US"/>
+            <a:endParaRPr lang="en-US" dirty="0"/>
           </a:p>
         </p:txBody>
       </p:sp>
@@ -2029,48 +4662,50 @@
         </p:nvSpPr>
         <p:spPr>
           <a:xfrm>
-            <a:off x="6172200" y="1825625"/>
-            <a:ext cx="5181600" cy="4351338"/>
+            <a:off x="6202892" y="1732449"/>
+            <a:ext cx="5064665" cy="4058751"/>
           </a:xfrm>
         </p:spPr>
         <p:txBody>
-          <a:bodyPr/>
+          <a:bodyPr anchor="t">
+            <a:normAutofit/>
+          </a:bodyPr>
           <a:lstStyle/>
           <a:p>
             <a:pPr lvl="0"/>
             <a:r>
-              <a:rPr lang="en-US" smtClean="0"/>
+              <a:rPr lang="en-US"/>
               <a:t>Edit Master text styles</a:t>
             </a:r>
           </a:p>
           <a:p>
             <a:pPr lvl="1"/>
             <a:r>
-              <a:rPr lang="en-US" smtClean="0"/>
+              <a:rPr lang="en-US"/>
               <a:t>Second level</a:t>
             </a:r>
           </a:p>
           <a:p>
             <a:pPr lvl="2"/>
             <a:r>
-              <a:rPr lang="en-US" smtClean="0"/>
+              <a:rPr lang="en-US"/>
               <a:t>Third level</a:t>
             </a:r>
           </a:p>
           <a:p>
             <a:pPr lvl="3"/>
             <a:r>
-              <a:rPr lang="en-US" smtClean="0"/>
+              <a:rPr lang="en-US"/>
               <a:t>Fourth level</a:t>
             </a:r>
           </a:p>
           <a:p>
             <a:pPr lvl="4"/>
             <a:r>
-              <a:rPr lang="en-US" smtClean="0"/>
+              <a:rPr lang="en-US"/>
               <a:t>Fifth level</a:t>
             </a:r>
-            <a:endParaRPr lang="en-US"/>
+            <a:endParaRPr lang="en-US" dirty="0"/>
           </a:p>
         </p:txBody>
       </p:sp>
@@ -2091,7 +4726,7 @@
           <a:p>
             <a:fld id="{968F8B48-9EEB-4E1A-AB61-E86E4E194647}" type="datetimeFigureOut">
               <a:rPr lang="en-US" smtClean="0"/>
-              <a:t>11/4/2018</a:t>
+              <a:t>11/7/2018</a:t>
             </a:fld>
             <a:endParaRPr lang="en-US" dirty="0"/>
           </a:p>
@@ -2142,7 +4777,7 @@
     </p:spTree>
     <p:extLst>
       <p:ext uri="{BB962C8B-B14F-4D97-AF65-F5344CB8AC3E}">
-        <p14:creationId xmlns:p14="http://schemas.microsoft.com/office/powerpoint/2010/main" val="2897908613"/>
+        <p14:creationId xmlns:p14="http://schemas.microsoft.com/office/powerpoint/2010/main" val="924060335"/>
       </p:ext>
     </p:extLst>
   </p:cSld>
@@ -2169,56 +4804,117 @@
           <a:chExt cx="0" cy="0"/>
         </a:xfrm>
       </p:grpSpPr>
-      <p:sp>
-        <p:nvSpPr>
-          <p:cNvPr id="2" name="Title 1"/>
-          <p:cNvSpPr>
-            <a:spLocks noGrp="1"/>
-          </p:cNvSpPr>
-          <p:nvPr>
-            <p:ph type="title"/>
-          </p:nvPr>
-        </p:nvSpPr>
+      <p:pic>
+        <p:nvPicPr>
+          <p:cNvPr id="20" name="Picture 19" descr="Slate-V2-HD-compPhotoInset.png"/>
+          <p:cNvPicPr>
+            <a:picLocks noChangeAspect="1"/>
+          </p:cNvPicPr>
+          <p:nvPr/>
+        </p:nvPicPr>
+        <p:blipFill>
+          <a:blip r:embed="rId2">
+            <a:extLst>
+              <a:ext uri="{28A0092B-C50C-407E-A947-70E740481C1C}">
+                <a14:useLocalDpi xmlns:a14="http://schemas.microsoft.com/office/drawing/2010/main" val="0"/>
+              </a:ext>
+            </a:extLst>
+          </a:blip>
+          <a:stretch>
+            <a:fillRect/>
+          </a:stretch>
+        </p:blipFill>
         <p:spPr>
           <a:xfrm>
-            <a:off x="839788" y="365125"/>
-            <a:ext cx="10515600" cy="1325563"/>
+            <a:off x="913795" y="1734506"/>
+            <a:ext cx="5089072" cy="4148769"/>
+          </a:xfrm>
+          <a:prstGeom prst="rect">
+            <a:avLst/>
+          </a:prstGeom>
+        </p:spPr>
+      </p:pic>
+      <p:pic>
+        <p:nvPicPr>
+          <p:cNvPr id="21" name="Picture 20" descr="Slate-V2-HD-compPhotoInset.png"/>
+          <p:cNvPicPr>
+            <a:picLocks noChangeAspect="1"/>
+          </p:cNvPicPr>
+          <p:nvPr/>
+        </p:nvPicPr>
+        <p:blipFill>
+          <a:blip r:embed="rId2">
+            <a:extLst>
+              <a:ext uri="{28A0092B-C50C-407E-A947-70E740481C1C}">
+                <a14:useLocalDpi xmlns:a14="http://schemas.microsoft.com/office/drawing/2010/main" val="0"/>
+              </a:ext>
+            </a:extLst>
+          </a:blip>
+          <a:stretch>
+            <a:fillRect/>
+          </a:stretch>
+        </p:blipFill>
+        <p:spPr>
+          <a:xfrm>
+            <a:off x="6178485" y="1734506"/>
+            <a:ext cx="5089072" cy="4148769"/>
+          </a:xfrm>
+          <a:prstGeom prst="rect">
+            <a:avLst/>
+          </a:prstGeom>
+        </p:spPr>
+      </p:pic>
+      <p:sp>
+        <p:nvSpPr>
+          <p:cNvPr id="2" name="Title 1"/>
+          <p:cNvSpPr>
+            <a:spLocks noGrp="1"/>
+          </p:cNvSpPr>
+          <p:nvPr>
+            <p:ph type="title"/>
+          </p:nvPr>
+        </p:nvSpPr>
+        <p:spPr/>
+        <p:txBody>
+          <a:bodyPr/>
+          <a:lstStyle>
+            <a:lvl1pPr>
+              <a:defRPr/>
+            </a:lvl1pPr>
+          </a:lstStyle>
+          <a:p>
+            <a:r>
+              <a:rPr lang="en-US"/>
+              <a:t>Click to edit Master title style</a:t>
+            </a:r>
+            <a:endParaRPr lang="en-US" dirty="0"/>
+          </a:p>
+        </p:txBody>
+      </p:sp>
+      <p:sp>
+        <p:nvSpPr>
+          <p:cNvPr id="3" name="Text Placeholder 2"/>
+          <p:cNvSpPr>
+            <a:spLocks noGrp="1"/>
+          </p:cNvSpPr>
+          <p:nvPr>
+            <p:ph type="body" idx="1"/>
+          </p:nvPr>
+        </p:nvSpPr>
+        <p:spPr>
+          <a:xfrm>
+            <a:off x="1005872" y="1835254"/>
+            <a:ext cx="4876344" cy="544884"/>
           </a:xfrm>
         </p:spPr>
         <p:txBody>
-          <a:bodyPr/>
-          <a:lstStyle/>
-          <a:p>
-            <a:r>
-              <a:rPr lang="en-US" smtClean="0"/>
-              <a:t>Click to edit Master title style</a:t>
-            </a:r>
-            <a:endParaRPr lang="en-US"/>
-          </a:p>
-        </p:txBody>
-      </p:sp>
-      <p:sp>
-        <p:nvSpPr>
-          <p:cNvPr id="3" name="Text Placeholder 2"/>
-          <p:cNvSpPr>
-            <a:spLocks noGrp="1"/>
-          </p:cNvSpPr>
-          <p:nvPr>
-            <p:ph type="body" idx="1"/>
-          </p:nvPr>
-        </p:nvSpPr>
-        <p:spPr>
-          <a:xfrm>
-            <a:off x="839788" y="1681163"/>
-            <a:ext cx="5157787" cy="823912"/>
-          </a:xfrm>
-        </p:spPr>
-        <p:txBody>
-          <a:bodyPr anchor="b"/>
+          <a:bodyPr anchor="b">
+            <a:noAutofit/>
+          </a:bodyPr>
           <a:lstStyle>
-            <a:lvl1pPr marL="0" indent="0">
-              <a:buNone/>
-              <a:defRPr sz="2400" b="1"/>
+            <a:lvl1pPr marL="0" indent="0" algn="ctr">
+              <a:buNone/>
+              <a:defRPr sz="2400" b="0"/>
             </a:lvl1pPr>
             <a:lvl2pPr marL="457200" indent="0">
               <a:buNone/>
@@ -2256,7 +4952,7 @@
           <a:p>
             <a:pPr lvl="0"/>
             <a:r>
-              <a:rPr lang="en-US" smtClean="0"/>
+              <a:rPr lang="en-US"/>
               <a:t>Edit Master text styles</a:t>
             </a:r>
           </a:p>
@@ -2274,48 +4970,66 @@
         </p:nvSpPr>
         <p:spPr>
           <a:xfrm>
-            <a:off x="839788" y="2505075"/>
-            <a:ext cx="5157787" cy="3684588"/>
+            <a:off x="1005872" y="2380137"/>
+            <a:ext cx="4876344" cy="3411063"/>
           </a:xfrm>
         </p:spPr>
         <p:txBody>
-          <a:bodyPr/>
-          <a:lstStyle/>
+          <a:bodyPr anchor="t">
+            <a:normAutofit/>
+          </a:bodyPr>
+          <a:lstStyle>
+            <a:lvl1pPr>
+              <a:defRPr sz="1800"/>
+            </a:lvl1pPr>
+            <a:lvl2pPr>
+              <a:defRPr sz="1600"/>
+            </a:lvl2pPr>
+            <a:lvl3pPr>
+              <a:defRPr sz="1400"/>
+            </a:lvl3pPr>
+            <a:lvl4pPr>
+              <a:defRPr sz="1200"/>
+            </a:lvl4pPr>
+            <a:lvl5pPr>
+              <a:defRPr sz="1200"/>
+            </a:lvl5pPr>
+          </a:lstStyle>
           <a:p>
             <a:pPr lvl="0"/>
             <a:r>
-              <a:rPr lang="en-US" smtClean="0"/>
+              <a:rPr lang="en-US"/>
               <a:t>Edit Master text styles</a:t>
             </a:r>
           </a:p>
           <a:p>
             <a:pPr lvl="1"/>
             <a:r>
-              <a:rPr lang="en-US" smtClean="0"/>
+              <a:rPr lang="en-US"/>
               <a:t>Second level</a:t>
             </a:r>
           </a:p>
           <a:p>
             <a:pPr lvl="2"/>
             <a:r>
-              <a:rPr lang="en-US" smtClean="0"/>
+              <a:rPr lang="en-US"/>
               <a:t>Third level</a:t>
             </a:r>
           </a:p>
           <a:p>
             <a:pPr lvl="3"/>
             <a:r>
-              <a:rPr lang="en-US" smtClean="0"/>
+              <a:rPr lang="en-US"/>
               <a:t>Fourth level</a:t>
             </a:r>
           </a:p>
           <a:p>
             <a:pPr lvl="4"/>
             <a:r>
-              <a:rPr lang="en-US" smtClean="0"/>
+              <a:rPr lang="en-US"/>
               <a:t>Fifth level</a:t>
             </a:r>
-            <a:endParaRPr lang="en-US"/>
+            <a:endParaRPr lang="en-US" dirty="0"/>
           </a:p>
         </p:txBody>
       </p:sp>
@@ -2331,16 +5045,18 @@
         </p:nvSpPr>
         <p:spPr>
           <a:xfrm>
-            <a:off x="6172200" y="1681163"/>
-            <a:ext cx="5183188" cy="823912"/>
+            <a:off x="6294967" y="1835254"/>
+            <a:ext cx="4895330" cy="544883"/>
           </a:xfrm>
         </p:spPr>
         <p:txBody>
-          <a:bodyPr anchor="b"/>
+          <a:bodyPr anchor="b">
+            <a:noAutofit/>
+          </a:bodyPr>
           <a:lstStyle>
-            <a:lvl1pPr marL="0" indent="0">
-              <a:buNone/>
-              <a:defRPr sz="2400" b="1"/>
+            <a:lvl1pPr marL="0" indent="0" algn="ctr">
+              <a:buNone/>
+              <a:defRPr sz="2400" b="0"/>
             </a:lvl1pPr>
             <a:lvl2pPr marL="457200" indent="0">
               <a:buNone/>
@@ -2378,7 +5094,7 @@
           <a:p>
             <a:pPr lvl="0"/>
             <a:r>
-              <a:rPr lang="en-US" smtClean="0"/>
+              <a:rPr lang="en-US"/>
               <a:t>Edit Master text styles</a:t>
             </a:r>
           </a:p>
@@ -2396,48 +5112,66 @@
         </p:nvSpPr>
         <p:spPr>
           <a:xfrm>
-            <a:off x="6172200" y="2505075"/>
-            <a:ext cx="5183188" cy="3684588"/>
+            <a:off x="6294967" y="2380137"/>
+            <a:ext cx="4895330" cy="3411063"/>
           </a:xfrm>
         </p:spPr>
         <p:txBody>
-          <a:bodyPr/>
-          <a:lstStyle/>
+          <a:bodyPr anchor="t">
+            <a:normAutofit/>
+          </a:bodyPr>
+          <a:lstStyle>
+            <a:lvl1pPr>
+              <a:defRPr sz="1800"/>
+            </a:lvl1pPr>
+            <a:lvl2pPr>
+              <a:defRPr sz="1600"/>
+            </a:lvl2pPr>
+            <a:lvl3pPr>
+              <a:defRPr sz="1400"/>
+            </a:lvl3pPr>
+            <a:lvl4pPr>
+              <a:defRPr sz="1200"/>
+            </a:lvl4pPr>
+            <a:lvl5pPr>
+              <a:defRPr sz="1200"/>
+            </a:lvl5pPr>
+          </a:lstStyle>
           <a:p>
             <a:pPr lvl="0"/>
             <a:r>
-              <a:rPr lang="en-US" smtClean="0"/>
+              <a:rPr lang="en-US"/>
               <a:t>Edit Master text styles</a:t>
             </a:r>
           </a:p>
           <a:p>
             <a:pPr lvl="1"/>
             <a:r>
-              <a:rPr lang="en-US" smtClean="0"/>
+              <a:rPr lang="en-US"/>
               <a:t>Second level</a:t>
             </a:r>
           </a:p>
           <a:p>
             <a:pPr lvl="2"/>
             <a:r>
-              <a:rPr lang="en-US" smtClean="0"/>
+              <a:rPr lang="en-US"/>
               <a:t>Third level</a:t>
             </a:r>
           </a:p>
           <a:p>
             <a:pPr lvl="3"/>
             <a:r>
-              <a:rPr lang="en-US" smtClean="0"/>
+              <a:rPr lang="en-US"/>
               <a:t>Fourth level</a:t>
             </a:r>
           </a:p>
           <a:p>
             <a:pPr lvl="4"/>
             <a:r>
-              <a:rPr lang="en-US" smtClean="0"/>
+              <a:rPr lang="en-US"/>
               <a:t>Fifth level</a:t>
             </a:r>
-            <a:endParaRPr lang="en-US"/>
+            <a:endParaRPr lang="en-US" dirty="0"/>
           </a:p>
         </p:txBody>
       </p:sp>
@@ -2458,7 +5192,7 @@
           <a:p>
             <a:fld id="{968F8B48-9EEB-4E1A-AB61-E86E4E194647}" type="datetimeFigureOut">
               <a:rPr lang="en-US" smtClean="0"/>
-              <a:t>11/4/2018</a:t>
+              <a:t>11/7/2018</a:t>
             </a:fld>
             <a:endParaRPr lang="en-US" dirty="0"/>
           </a:p>
@@ -2509,7 +5243,7 @@
     </p:spTree>
     <p:extLst>
       <p:ext uri="{BB962C8B-B14F-4D97-AF65-F5344CB8AC3E}">
-        <p14:creationId xmlns:p14="http://schemas.microsoft.com/office/powerpoint/2010/main" val="2472736328"/>
+        <p14:creationId xmlns:p14="http://schemas.microsoft.com/office/powerpoint/2010/main" val="3809437684"/>
       </p:ext>
     </p:extLst>
   </p:cSld>
@@ -2552,10 +5286,10 @@
           <a:lstStyle/>
           <a:p>
             <a:r>
-              <a:rPr lang="en-US" smtClean="0"/>
+              <a:rPr lang="en-US"/>
               <a:t>Click to edit Master title style</a:t>
             </a:r>
-            <a:endParaRPr lang="en-US"/>
+            <a:endParaRPr lang="en-US" dirty="0"/>
           </a:p>
         </p:txBody>
       </p:sp>
@@ -2576,7 +5310,7 @@
           <a:p>
             <a:fld id="{968F8B48-9EEB-4E1A-AB61-E86E4E194647}" type="datetimeFigureOut">
               <a:rPr lang="en-US" smtClean="0"/>
-              <a:t>11/4/2018</a:t>
+              <a:t>11/7/2018</a:t>
             </a:fld>
             <a:endParaRPr lang="en-US" dirty="0"/>
           </a:p>
@@ -2627,7 +5361,7 @@
     </p:spTree>
     <p:extLst>
       <p:ext uri="{BB962C8B-B14F-4D97-AF65-F5344CB8AC3E}">
-        <p14:creationId xmlns:p14="http://schemas.microsoft.com/office/powerpoint/2010/main" val="848691851"/>
+        <p14:creationId xmlns:p14="http://schemas.microsoft.com/office/powerpoint/2010/main" val="552961938"/>
       </p:ext>
     </p:extLst>
   </p:cSld>
@@ -2671,7 +5405,7 @@
           <a:p>
             <a:fld id="{968F8B48-9EEB-4E1A-AB61-E86E4E194647}" type="datetimeFigureOut">
               <a:rPr lang="en-US" smtClean="0"/>
-              <a:t>11/4/2018</a:t>
+              <a:t>11/7/2018</a:t>
             </a:fld>
             <a:endParaRPr lang="en-US" dirty="0"/>
           </a:p>
@@ -2722,7 +5456,7 @@
     </p:spTree>
     <p:extLst>
       <p:ext uri="{BB962C8B-B14F-4D97-AF65-F5344CB8AC3E}">
-        <p14:creationId xmlns:p14="http://schemas.microsoft.com/office/powerpoint/2010/main" val="3598429160"/>
+        <p14:creationId xmlns:p14="http://schemas.microsoft.com/office/powerpoint/2010/main" val="3036098415"/>
       </p:ext>
     </p:extLst>
   </p:cSld>
@@ -2761,23 +5495,25 @@
         </p:nvSpPr>
         <p:spPr>
           <a:xfrm>
-            <a:off x="839788" y="457200"/>
-            <a:ext cx="3932237" cy="1600200"/>
+            <a:off x="913795" y="609600"/>
+            <a:ext cx="3706889" cy="1821918"/>
           </a:xfrm>
         </p:spPr>
         <p:txBody>
-          <a:bodyPr anchor="b"/>
+          <a:bodyPr anchor="b">
+            <a:normAutofit/>
+          </a:bodyPr>
           <a:lstStyle>
-            <a:lvl1pPr>
-              <a:defRPr sz="3200"/>
+            <a:lvl1pPr algn="ctr">
+              <a:defRPr sz="2400" b="0"/>
             </a:lvl1pPr>
           </a:lstStyle>
           <a:p>
             <a:r>
-              <a:rPr lang="en-US" smtClean="0"/>
+              <a:rPr lang="en-US"/>
               <a:t>Click to edit Master title style</a:t>
             </a:r>
-            <a:endParaRPr lang="en-US"/>
+            <a:endParaRPr lang="en-US" dirty="0"/>
           </a:p>
         </p:txBody>
       </p:sp>
@@ -2793,76 +5529,50 @@
         </p:nvSpPr>
         <p:spPr>
           <a:xfrm>
-            <a:off x="5183188" y="987425"/>
-            <a:ext cx="6172200" cy="4873625"/>
+            <a:off x="4855633" y="609600"/>
+            <a:ext cx="6411924" cy="5181600"/>
           </a:xfrm>
         </p:spPr>
         <p:txBody>
-          <a:bodyPr/>
-          <a:lstStyle>
-            <a:lvl1pPr>
-              <a:defRPr sz="3200"/>
-            </a:lvl1pPr>
-            <a:lvl2pPr>
-              <a:defRPr sz="2800"/>
-            </a:lvl2pPr>
-            <a:lvl3pPr>
-              <a:defRPr sz="2400"/>
-            </a:lvl3pPr>
-            <a:lvl4pPr>
-              <a:defRPr sz="2000"/>
-            </a:lvl4pPr>
-            <a:lvl5pPr>
-              <a:defRPr sz="2000"/>
-            </a:lvl5pPr>
-            <a:lvl6pPr>
-              <a:defRPr sz="2000"/>
-            </a:lvl6pPr>
-            <a:lvl7pPr>
-              <a:defRPr sz="2000"/>
-            </a:lvl7pPr>
-            <a:lvl8pPr>
-              <a:defRPr sz="2000"/>
-            </a:lvl8pPr>
-            <a:lvl9pPr>
-              <a:defRPr sz="2000"/>
-            </a:lvl9pPr>
-          </a:lstStyle>
+          <a:bodyPr>
+            <a:normAutofit/>
+          </a:bodyPr>
+          <a:lstStyle/>
           <a:p>
             <a:pPr lvl="0"/>
             <a:r>
-              <a:rPr lang="en-US" smtClean="0"/>
+              <a:rPr lang="en-US"/>
               <a:t>Edit Master text styles</a:t>
             </a:r>
           </a:p>
           <a:p>
             <a:pPr lvl="1"/>
             <a:r>
-              <a:rPr lang="en-US" smtClean="0"/>
+              <a:rPr lang="en-US"/>
               <a:t>Second level</a:t>
             </a:r>
           </a:p>
           <a:p>
             <a:pPr lvl="2"/>
             <a:r>
-              <a:rPr lang="en-US" smtClean="0"/>
+              <a:rPr lang="en-US"/>
               <a:t>Third level</a:t>
             </a:r>
           </a:p>
           <a:p>
             <a:pPr lvl="3"/>
             <a:r>
-              <a:rPr lang="en-US" smtClean="0"/>
+              <a:rPr lang="en-US"/>
               <a:t>Fourth level</a:t>
             </a:r>
           </a:p>
           <a:p>
             <a:pPr lvl="4"/>
             <a:r>
-              <a:rPr lang="en-US" smtClean="0"/>
+              <a:rPr lang="en-US"/>
               <a:t>Fifth level</a:t>
             </a:r>
-            <a:endParaRPr lang="en-US"/>
+            <a:endParaRPr lang="en-US" dirty="0"/>
           </a:p>
         </p:txBody>
       </p:sp>
@@ -2878,54 +5588,56 @@
         </p:nvSpPr>
         <p:spPr>
           <a:xfrm>
-            <a:off x="839788" y="2057400"/>
-            <a:ext cx="3932237" cy="3811588"/>
+            <a:off x="913795" y="2431518"/>
+            <a:ext cx="3706889" cy="3359681"/>
           </a:xfrm>
         </p:spPr>
         <p:txBody>
-          <a:bodyPr/>
+          <a:bodyPr anchor="t">
+            <a:normAutofit/>
+          </a:bodyPr>
           <a:lstStyle>
-            <a:lvl1pPr marL="0" indent="0">
+            <a:lvl1pPr marL="0" indent="0" algn="ctr">
               <a:buNone/>
               <a:defRPr sz="1600"/>
             </a:lvl1pPr>
             <a:lvl2pPr marL="457200" indent="0">
               <a:buNone/>
-              <a:defRPr sz="1400"/>
+              <a:defRPr sz="1200"/>
             </a:lvl2pPr>
             <a:lvl3pPr marL="914400" indent="0">
               <a:buNone/>
-              <a:defRPr sz="1200"/>
+              <a:defRPr sz="1000"/>
             </a:lvl3pPr>
             <a:lvl4pPr marL="1371600" indent="0">
               <a:buNone/>
-              <a:defRPr sz="1000"/>
+              <a:defRPr sz="900"/>
             </a:lvl4pPr>
             <a:lvl5pPr marL="1828800" indent="0">
               <a:buNone/>
-              <a:defRPr sz="1000"/>
+              <a:defRPr sz="900"/>
             </a:lvl5pPr>
             <a:lvl6pPr marL="2286000" indent="0">
               <a:buNone/>
-              <a:defRPr sz="1000"/>
+              <a:defRPr sz="900"/>
             </a:lvl6pPr>
             <a:lvl7pPr marL="2743200" indent="0">
               <a:buNone/>
-              <a:defRPr sz="1000"/>
+              <a:defRPr sz="900"/>
             </a:lvl7pPr>
             <a:lvl8pPr marL="3200400" indent="0">
               <a:buNone/>
-              <a:defRPr sz="1000"/>
+              <a:defRPr sz="900"/>
             </a:lvl8pPr>
             <a:lvl9pPr marL="3657600" indent="0">
               <a:buNone/>
-              <a:defRPr sz="1000"/>
+              <a:defRPr sz="900"/>
             </a:lvl9pPr>
           </a:lstStyle>
           <a:p>
             <a:pPr lvl="0"/>
             <a:r>
-              <a:rPr lang="en-US" smtClean="0"/>
+              <a:rPr lang="en-US"/>
               <a:t>Edit Master text styles</a:t>
             </a:r>
           </a:p>
@@ -2948,7 +5660,7 @@
           <a:p>
             <a:fld id="{968F8B48-9EEB-4E1A-AB61-E86E4E194647}" type="datetimeFigureOut">
               <a:rPr lang="en-US" smtClean="0"/>
-              <a:t>11/4/2018</a:t>
+              <a:t>11/7/2018</a:t>
             </a:fld>
             <a:endParaRPr lang="en-US" dirty="0"/>
           </a:p>
@@ -2999,7 +5711,7 @@
     </p:spTree>
     <p:extLst>
       <p:ext uri="{BB962C8B-B14F-4D97-AF65-F5344CB8AC3E}">
-        <p14:creationId xmlns:p14="http://schemas.microsoft.com/office/powerpoint/2010/main" val="53803591"/>
+        <p14:creationId xmlns:p14="http://schemas.microsoft.com/office/powerpoint/2010/main" val="697522296"/>
       </p:ext>
     </p:extLst>
   </p:cSld>
@@ -3026,35 +5738,67 @@
           <a:chExt cx="0" cy="0"/>
         </a:xfrm>
       </p:grpSpPr>
-      <p:sp>
-        <p:nvSpPr>
-          <p:cNvPr id="2" name="Title 1"/>
-          <p:cNvSpPr>
-            <a:spLocks noGrp="1"/>
-          </p:cNvSpPr>
-          <p:nvPr>
-            <p:ph type="title"/>
-          </p:nvPr>
-        </p:nvSpPr>
+      <p:pic>
+        <p:nvPicPr>
+          <p:cNvPr id="22" name="Picture 21" descr="Slate-V2-HD-vertPhotoInset.png"/>
+          <p:cNvPicPr>
+            <a:picLocks noChangeAspect="1"/>
+          </p:cNvPicPr>
+          <p:nvPr/>
+        </p:nvPicPr>
+        <p:blipFill>
+          <a:blip r:embed="rId2">
+            <a:extLst>
+              <a:ext uri="{28A0092B-C50C-407E-A947-70E740481C1C}">
+                <a14:useLocalDpi xmlns:a14="http://schemas.microsoft.com/office/drawing/2010/main" val="0"/>
+              </a:ext>
+            </a:extLst>
+          </a:blip>
+          <a:stretch>
+            <a:fillRect/>
+          </a:stretch>
+        </p:blipFill>
         <p:spPr>
           <a:xfrm>
-            <a:off x="839788" y="457200"/>
-            <a:ext cx="3932237" cy="1600200"/>
+            <a:off x="7293665" y="609600"/>
+            <a:ext cx="3584166" cy="5204832"/>
+          </a:xfrm>
+          <a:prstGeom prst="rect">
+            <a:avLst/>
+          </a:prstGeom>
+        </p:spPr>
+      </p:pic>
+      <p:sp>
+        <p:nvSpPr>
+          <p:cNvPr id="2" name="Title 1"/>
+          <p:cNvSpPr>
+            <a:spLocks noGrp="1"/>
+          </p:cNvSpPr>
+          <p:nvPr>
+            <p:ph type="title"/>
+          </p:nvPr>
+        </p:nvSpPr>
+        <p:spPr>
+          <a:xfrm>
+            <a:off x="913795" y="609923"/>
+            <a:ext cx="5934949" cy="1829338"/>
           </a:xfrm>
         </p:spPr>
         <p:txBody>
-          <a:bodyPr anchor="b"/>
+          <a:bodyPr anchor="b">
+            <a:noAutofit/>
+          </a:bodyPr>
           <a:lstStyle>
-            <a:lvl1pPr>
-              <a:defRPr sz="3200"/>
+            <a:lvl1pPr algn="ctr">
+              <a:defRPr sz="3200" b="0"/>
             </a:lvl1pPr>
           </a:lstStyle>
           <a:p>
             <a:r>
-              <a:rPr lang="en-US" smtClean="0"/>
+              <a:rPr lang="en-US"/>
               <a:t>Click to edit Master title style</a:t>
             </a:r>
-            <a:endParaRPr lang="en-US"/>
+            <a:endParaRPr lang="en-US" dirty="0"/>
           </a:p>
         </p:txBody>
       </p:sp>
@@ -3062,7 +5806,7 @@
         <p:nvSpPr>
           <p:cNvPr id="3" name="Picture Placeholder 2"/>
           <p:cNvSpPr>
-            <a:spLocks noGrp="1"/>
+            <a:spLocks noGrp="1" noChangeAspect="1"/>
           </p:cNvSpPr>
           <p:nvPr>
             <p:ph type="pic" idx="1"/>
@@ -3070,115 +5814,130 @@
         </p:nvSpPr>
         <p:spPr>
           <a:xfrm>
-            <a:off x="5183188" y="987425"/>
-            <a:ext cx="6172200" cy="4873625"/>
+            <a:off x="7442551" y="763702"/>
+            <a:ext cx="3275751" cy="4912822"/>
           </a:xfrm>
+          <a:effectLst>
+            <a:outerShdw blurRad="38100" dist="25400" dir="4440000">
+              <a:srgbClr val="000000">
+                <a:alpha val="36000"/>
+              </a:srgbClr>
+            </a:outerShdw>
+          </a:effectLst>
         </p:spPr>
         <p:txBody>
-          <a:bodyPr/>
+          <a:bodyPr anchor="t">
+            <a:normAutofit/>
+          </a:bodyPr>
           <a:lstStyle>
-            <a:lvl1pPr marL="0" indent="0">
-              <a:buNone/>
-              <a:defRPr sz="3200"/>
-            </a:lvl1pPr>
-            <a:lvl2pPr marL="457200" indent="0">
-              <a:buNone/>
-              <a:defRPr sz="2800"/>
-            </a:lvl2pPr>
-            <a:lvl3pPr marL="914400" indent="0">
-              <a:buNone/>
-              <a:defRPr sz="2400"/>
-            </a:lvl3pPr>
-            <a:lvl4pPr marL="1371600" indent="0">
-              <a:buNone/>
-              <a:defRPr sz="2000"/>
-            </a:lvl4pPr>
-            <a:lvl5pPr marL="1828800" indent="0">
-              <a:buNone/>
-              <a:defRPr sz="2000"/>
-            </a:lvl5pPr>
-            <a:lvl6pPr marL="2286000" indent="0">
-              <a:buNone/>
-              <a:defRPr sz="2000"/>
-            </a:lvl6pPr>
-            <a:lvl7pPr marL="2743200" indent="0">
-              <a:buNone/>
-              <a:defRPr sz="2000"/>
-            </a:lvl7pPr>
-            <a:lvl8pPr marL="3200400" indent="0">
-              <a:buNone/>
-              <a:defRPr sz="2000"/>
-            </a:lvl8pPr>
-            <a:lvl9pPr marL="3657600" indent="0">
-              <a:buNone/>
-              <a:defRPr sz="2000"/>
-            </a:lvl9pPr>
-          </a:lstStyle>
-          <a:p>
-            <a:endParaRPr lang="en-US" dirty="0"/>
-          </a:p>
-        </p:txBody>
-      </p:sp>
-      <p:sp>
-        <p:nvSpPr>
-          <p:cNvPr id="4" name="Text Placeholder 3"/>
-          <p:cNvSpPr>
-            <a:spLocks noGrp="1"/>
-          </p:cNvSpPr>
-          <p:nvPr>
-            <p:ph type="body" sz="half" idx="2"/>
-          </p:nvPr>
-        </p:nvSpPr>
-        <p:spPr>
-          <a:xfrm>
-            <a:off x="839788" y="2057400"/>
-            <a:ext cx="3932237" cy="3811588"/>
-          </a:xfrm>
-        </p:spPr>
-        <p:txBody>
-          <a:bodyPr/>
-          <a:lstStyle>
-            <a:lvl1pPr marL="0" indent="0">
+            <a:lvl1pPr marL="0" indent="0" algn="ctr">
               <a:buNone/>
               <a:defRPr sz="1600"/>
             </a:lvl1pPr>
             <a:lvl2pPr marL="457200" indent="0">
               <a:buNone/>
-              <a:defRPr sz="1400"/>
+              <a:defRPr sz="1600"/>
             </a:lvl2pPr>
             <a:lvl3pPr marL="914400" indent="0">
               <a:buNone/>
-              <a:defRPr sz="1200"/>
+              <a:defRPr sz="1600"/>
             </a:lvl3pPr>
             <a:lvl4pPr marL="1371600" indent="0">
               <a:buNone/>
-              <a:defRPr sz="1000"/>
+              <a:defRPr sz="1600"/>
             </a:lvl4pPr>
             <a:lvl5pPr marL="1828800" indent="0">
               <a:buNone/>
-              <a:defRPr sz="1000"/>
+              <a:defRPr sz="1600"/>
             </a:lvl5pPr>
             <a:lvl6pPr marL="2286000" indent="0">
               <a:buNone/>
-              <a:defRPr sz="1000"/>
+              <a:defRPr sz="1600"/>
             </a:lvl6pPr>
             <a:lvl7pPr marL="2743200" indent="0">
               <a:buNone/>
-              <a:defRPr sz="1000"/>
+              <a:defRPr sz="1600"/>
             </a:lvl7pPr>
             <a:lvl8pPr marL="3200400" indent="0">
               <a:buNone/>
-              <a:defRPr sz="1000"/>
+              <a:defRPr sz="1600"/>
             </a:lvl8pPr>
             <a:lvl9pPr marL="3657600" indent="0">
               <a:buNone/>
-              <a:defRPr sz="1000"/>
+              <a:defRPr sz="1600"/>
             </a:lvl9pPr>
           </a:lstStyle>
           <a:p>
+            <a:r>
+              <a:rPr lang="en-US"/>
+              <a:t>Click icon to add picture</a:t>
+            </a:r>
+            <a:endParaRPr lang="en-US" dirty="0"/>
+          </a:p>
+        </p:txBody>
+      </p:sp>
+      <p:sp>
+        <p:nvSpPr>
+          <p:cNvPr id="4" name="Text Placeholder 3"/>
+          <p:cNvSpPr>
+            <a:spLocks noGrp="1"/>
+          </p:cNvSpPr>
+          <p:nvPr>
+            <p:ph type="body" sz="half" idx="2"/>
+          </p:nvPr>
+        </p:nvSpPr>
+        <p:spPr>
+          <a:xfrm>
+            <a:off x="913795" y="2439261"/>
+            <a:ext cx="5934949" cy="3376134"/>
+          </a:xfrm>
+        </p:spPr>
+        <p:txBody>
+          <a:bodyPr anchor="t">
+            <a:normAutofit/>
+          </a:bodyPr>
+          <a:lstStyle>
+            <a:lvl1pPr marL="0" indent="0" algn="ctr">
+              <a:buNone/>
+              <a:defRPr sz="1600"/>
+            </a:lvl1pPr>
+            <a:lvl2pPr marL="457200" indent="0">
+              <a:buNone/>
+              <a:defRPr sz="1200"/>
+            </a:lvl2pPr>
+            <a:lvl3pPr marL="914400" indent="0">
+              <a:buNone/>
+              <a:defRPr sz="1000"/>
+            </a:lvl3pPr>
+            <a:lvl4pPr marL="1371600" indent="0">
+              <a:buNone/>
+              <a:defRPr sz="900"/>
+            </a:lvl4pPr>
+            <a:lvl5pPr marL="1828800" indent="0">
+              <a:buNone/>
+              <a:defRPr sz="900"/>
+            </a:lvl5pPr>
+            <a:lvl6pPr marL="2286000" indent="0">
+              <a:buNone/>
+              <a:defRPr sz="900"/>
+            </a:lvl6pPr>
+            <a:lvl7pPr marL="2743200" indent="0">
+              <a:buNone/>
+              <a:defRPr sz="900"/>
+            </a:lvl7pPr>
+            <a:lvl8pPr marL="3200400" indent="0">
+              <a:buNone/>
+              <a:defRPr sz="900"/>
+            </a:lvl8pPr>
+            <a:lvl9pPr marL="3657600" indent="0">
+              <a:buNone/>
+              <a:defRPr sz="900"/>
+            </a:lvl9pPr>
+          </a:lstStyle>
+          <a:p>
             <a:pPr lvl="0"/>
             <a:r>
-              <a:rPr lang="en-US" smtClean="0"/>
+              <a:rPr lang="en-US"/>
               <a:t>Edit Master text styles</a:t>
             </a:r>
           </a:p>
@@ -3201,7 +5960,7 @@
           <a:p>
             <a:fld id="{968F8B48-9EEB-4E1A-AB61-E86E4E194647}" type="datetimeFigureOut">
               <a:rPr lang="en-US" smtClean="0"/>
-              <a:t>11/4/2018</a:t>
+              <a:t>11/7/2018</a:t>
             </a:fld>
             <a:endParaRPr lang="en-US" dirty="0"/>
           </a:p>
@@ -3252,7 +6011,7 @@
     </p:spTree>
     <p:extLst>
       <p:ext uri="{BB962C8B-B14F-4D97-AF65-F5344CB8AC3E}">
-        <p14:creationId xmlns:p14="http://schemas.microsoft.com/office/powerpoint/2010/main" val="4133085659"/>
+        <p14:creationId xmlns:p14="http://schemas.microsoft.com/office/powerpoint/2010/main" val="3472152694"/>
       </p:ext>
     </p:extLst>
   </p:cSld>
@@ -3266,8 +6025,8 @@
 <p:sldMaster xmlns:a="http://schemas.openxmlformats.org/drawingml/2006/main" xmlns:r="http://schemas.openxmlformats.org/officeDocument/2006/relationships" xmlns:p="http://schemas.openxmlformats.org/presentationml/2006/main">
   <p:cSld>
     <p:bg>
-      <p:bgRef idx="1001">
-        <a:schemeClr val="bg1"/>
+      <p:bgRef idx="1003">
+        <a:schemeClr val="bg2"/>
       </p:bgRef>
     </p:bg>
     <p:spTree>
@@ -3296,12 +6055,19 @@
         </p:nvSpPr>
         <p:spPr>
           <a:xfrm>
-            <a:off x="838200" y="365125"/>
-            <a:ext cx="10515600" cy="1325563"/>
+            <a:off x="913795" y="609600"/>
+            <a:ext cx="10353762" cy="970450"/>
           </a:xfrm>
           <a:prstGeom prst="rect">
             <a:avLst/>
           </a:prstGeom>
+          <a:effectLst>
+            <a:outerShdw blurRad="25400" dir="17880000">
+              <a:srgbClr val="000000">
+                <a:alpha val="46000"/>
+              </a:srgbClr>
+            </a:outerShdw>
+          </a:effectLst>
         </p:spPr>
         <p:txBody>
           <a:bodyPr vert="horz" lIns="91440" tIns="45720" rIns="91440" bIns="45720" rtlCol="0" anchor="ctr">
@@ -3310,10 +6076,10 @@
           <a:lstStyle/>
           <a:p>
             <a:r>
-              <a:rPr lang="en-US" smtClean="0"/>
+              <a:rPr lang="en-US"/>
               <a:t>Click to edit Master title style</a:t>
             </a:r>
-            <a:endParaRPr lang="en-US"/>
+            <a:endParaRPr lang="en-US" dirty="0"/>
           </a:p>
         </p:txBody>
       </p:sp>
@@ -3329,53 +6095,60 @@
         </p:nvSpPr>
         <p:spPr>
           <a:xfrm>
-            <a:off x="838200" y="1825625"/>
-            <a:ext cx="10515600" cy="4351338"/>
+            <a:off x="913795" y="1732449"/>
+            <a:ext cx="10353762" cy="4058751"/>
           </a:xfrm>
           <a:prstGeom prst="rect">
             <a:avLst/>
           </a:prstGeom>
+          <a:effectLst>
+            <a:outerShdw blurRad="25400" dir="17880000">
+              <a:srgbClr val="000000">
+                <a:alpha val="46000"/>
+              </a:srgbClr>
+            </a:outerShdw>
+          </a:effectLst>
         </p:spPr>
         <p:txBody>
-          <a:bodyPr vert="horz" lIns="91440" tIns="45720" rIns="91440" bIns="45720" rtlCol="0">
+          <a:bodyPr vert="horz" lIns="91440" tIns="45720" rIns="91440" bIns="45720" rtlCol="0" anchor="t">
             <a:normAutofit/>
           </a:bodyPr>
           <a:lstStyle/>
           <a:p>
             <a:pPr lvl="0"/>
             <a:r>
-              <a:rPr lang="en-US" smtClean="0"/>
+              <a:rPr lang="en-US"/>
               <a:t>Edit Master text styles</a:t>
             </a:r>
           </a:p>
           <a:p>
             <a:pPr lvl="1"/>
             <a:r>
-              <a:rPr lang="en-US" smtClean="0"/>
+              <a:rPr lang="en-US"/>
               <a:t>Second level</a:t>
             </a:r>
           </a:p>
           <a:p>
             <a:pPr lvl="2"/>
             <a:r>
-              <a:rPr lang="en-US" smtClean="0"/>
+              <a:rPr lang="en-US"/>
               <a:t>Third level</a:t>
             </a:r>
           </a:p>
           <a:p>
             <a:pPr lvl="3"/>
             <a:r>
-              <a:rPr lang="en-US" smtClean="0"/>
+              <a:rPr lang="en-US"/>
               <a:t>Fourth level</a:t>
             </a:r>
           </a:p>
           <a:p>
             <a:pPr lvl="4"/>
             <a:r>
-              <a:rPr lang="en-US" smtClean="0"/>
+              <a:rPr lang="en-US"/>
               <a:t>Fifth level</a:t>
             </a:r>
-            <a:endParaRPr lang="en-US"/>
+            <a:endParaRPr lang="en-US" dirty="0"/>
           </a:p>
         </p:txBody>
       </p:sp>
@@ -3391,7 +6164,7 @@
         </p:nvSpPr>
         <p:spPr>
           <a:xfrm>
-            <a:off x="838200" y="6356350"/>
+            <a:off x="7678736" y="5883275"/>
             <a:ext cx="2743200" cy="365125"/>
           </a:xfrm>
           <a:prstGeom prst="rect">
@@ -3401,20 +6174,27 @@
         <p:txBody>
           <a:bodyPr vert="horz" lIns="91440" tIns="45720" rIns="91440" bIns="45720" rtlCol="0" anchor="ctr"/>
           <a:lstStyle>
-            <a:lvl1pPr algn="l">
-              <a:defRPr sz="1200">
+            <a:lvl1pPr algn="r">
+              <a:defRPr sz="1000">
                 <a:solidFill>
                   <a:schemeClr val="tx1">
-                    <a:tint val="75000"/>
+                    <a:lumMod val="95000"/>
                   </a:schemeClr>
                 </a:solidFill>
+                <a:effectLst>
+                  <a:outerShdw blurRad="50800" dist="38100" dir="2700000" algn="tl" rotWithShape="0">
+                    <a:schemeClr val="bg1">
+                      <a:alpha val="43000"/>
+                    </a:schemeClr>
+                  </a:outerShdw>
+                </a:effectLst>
               </a:defRPr>
             </a:lvl1pPr>
           </a:lstStyle>
           <a:p>
             <a:fld id="{968F8B48-9EEB-4E1A-AB61-E86E4E194647}" type="datetimeFigureOut">
               <a:rPr lang="en-US" smtClean="0"/>
-              <a:t>11/4/2018</a:t>
+              <a:t>11/7/2018</a:t>
             </a:fld>
             <a:endParaRPr lang="en-US" dirty="0"/>
           </a:p>
@@ -3432,8 +6212,8 @@
         </p:nvSpPr>
         <p:spPr>
           <a:xfrm>
-            <a:off x="4038600" y="6356350"/>
-            <a:ext cx="4114800" cy="365125"/>
+            <a:off x="913795" y="5883275"/>
+            <a:ext cx="6672865" cy="365125"/>
           </a:xfrm>
           <a:prstGeom prst="rect">
             <a:avLst/>
@@ -3442,13 +6222,20 @@
         <p:txBody>
           <a:bodyPr vert="horz" lIns="91440" tIns="45720" rIns="91440" bIns="45720" rtlCol="0" anchor="ctr"/>
           <a:lstStyle>
-            <a:lvl1pPr algn="ctr">
-              <a:defRPr sz="1200">
+            <a:lvl1pPr algn="l">
+              <a:defRPr sz="1000">
                 <a:solidFill>
                   <a:schemeClr val="tx1">
-                    <a:tint val="75000"/>
+                    <a:lumMod val="95000"/>
                   </a:schemeClr>
                 </a:solidFill>
+                <a:effectLst>
+                  <a:outerShdw blurRad="50800" dist="38100" dir="2700000" algn="tl" rotWithShape="0">
+                    <a:schemeClr val="bg1">
+                      <a:alpha val="43000"/>
+                    </a:schemeClr>
+                  </a:outerShdw>
+                </a:effectLst>
               </a:defRPr>
             </a:lvl1pPr>
           </a:lstStyle>
@@ -3469,8 +6256,8 @@
         </p:nvSpPr>
         <p:spPr>
           <a:xfrm>
-            <a:off x="8610600" y="6356350"/>
-            <a:ext cx="2743200" cy="365125"/>
+            <a:off x="10514011" y="5883275"/>
+            <a:ext cx="753545" cy="365125"/>
           </a:xfrm>
           <a:prstGeom prst="rect">
             <a:avLst/>
@@ -3480,12 +6267,19 @@
           <a:bodyPr vert="horz" lIns="91440" tIns="45720" rIns="91440" bIns="45720" rtlCol="0" anchor="ctr"/>
           <a:lstStyle>
             <a:lvl1pPr algn="r">
-              <a:defRPr sz="1200">
+              <a:defRPr sz="1000">
                 <a:solidFill>
                   <a:schemeClr val="tx1">
-                    <a:tint val="75000"/>
+                    <a:lumMod val="95000"/>
                   </a:schemeClr>
                 </a:solidFill>
+                <a:effectLst>
+                  <a:outerShdw blurRad="50800" dist="38100" dir="2700000" algn="tl" rotWithShape="0">
+                    <a:schemeClr val="bg1">
+                      <a:alpha val="43000"/>
+                    </a:schemeClr>
+                  </a:outerShdw>
+                </a:effectLst>
               </a:defRPr>
             </a:lvl1pPr>
           </a:lstStyle>
@@ -3501,202 +6295,457 @@
     </p:spTree>
     <p:extLst>
       <p:ext uri="{BB962C8B-B14F-4D97-AF65-F5344CB8AC3E}">
-        <p14:creationId xmlns:p14="http://schemas.microsoft.com/office/powerpoint/2010/main" val="3905165975"/>
+        <p14:creationId xmlns:p14="http://schemas.microsoft.com/office/powerpoint/2010/main" val="527334542"/>
       </p:ext>
     </p:extLst>
   </p:cSld>
-  <p:clrMap bg1="lt1" tx1="dk1" bg2="lt2" tx2="dk2" accent1="accent1" accent2="accent2" accent3="accent3" accent4="accent4" accent5="accent5" accent6="accent6" hlink="hlink" folHlink="folHlink"/>
+  <p:clrMap bg1="dk1" tx1="lt1" bg2="dk2" tx2="lt2" accent1="accent1" accent2="accent2" accent3="accent3" accent4="accent4" accent5="accent5" accent6="accent6" hlink="hlink" folHlink="folHlink"/>
   <p:sldLayoutIdLst>
-    <p:sldLayoutId id="2147483649" r:id="rId1"/>
-    <p:sldLayoutId id="2147483650" r:id="rId2"/>
-    <p:sldLayoutId id="2147483651" r:id="rId3"/>
-    <p:sldLayoutId id="2147483652" r:id="rId4"/>
-    <p:sldLayoutId id="2147483653" r:id="rId5"/>
-    <p:sldLayoutId id="2147483654" r:id="rId6"/>
-    <p:sldLayoutId id="2147483655" r:id="rId7"/>
-    <p:sldLayoutId id="2147483656" r:id="rId8"/>
-    <p:sldLayoutId id="2147483657" r:id="rId9"/>
-    <p:sldLayoutId id="2147483658" r:id="rId10"/>
-    <p:sldLayoutId id="2147483659" r:id="rId11"/>
+    <p:sldLayoutId id="2147483661" r:id="rId1"/>
+    <p:sldLayoutId id="2147483662" r:id="rId2"/>
+    <p:sldLayoutId id="2147483663" r:id="rId3"/>
+    <p:sldLayoutId id="2147483664" r:id="rId4"/>
+    <p:sldLayoutId id="2147483665" r:id="rId5"/>
+    <p:sldLayoutId id="2147483666" r:id="rId6"/>
+    <p:sldLayoutId id="2147483667" r:id="rId7"/>
+    <p:sldLayoutId id="2147483668" r:id="rId8"/>
+    <p:sldLayoutId id="2147483669" r:id="rId9"/>
+    <p:sldLayoutId id="2147483670" r:id="rId10"/>
+    <p:sldLayoutId id="2147483671" r:id="rId11"/>
+    <p:sldLayoutId id="2147483672" r:id="rId12"/>
+    <p:sldLayoutId id="2147483673" r:id="rId13"/>
+    <p:sldLayoutId id="2147483674" r:id="rId14"/>
+    <p:sldLayoutId id="2147483675" r:id="rId15"/>
+    <p:sldLayoutId id="2147483676" r:id="rId16"/>
+    <p:sldLayoutId id="2147483677" r:id="rId17"/>
   </p:sldLayoutIdLst>
   <p:txStyles>
     <p:titleStyle>
-      <a:lvl1pPr algn="l" defTabSz="914400" rtl="0" eaLnBrk="1" latinLnBrk="0" hangingPunct="1">
-        <a:lnSpc>
-          <a:spcPct val="90000"/>
-        </a:lnSpc>
+      <a:lvl1pPr algn="ctr" defTabSz="457200" rtl="0" eaLnBrk="1" latinLnBrk="0" hangingPunct="1">
         <a:spcBef>
           <a:spcPct val="0"/>
         </a:spcBef>
         <a:buNone/>
-        <a:defRPr sz="4400" kern="1200">
+        <a:defRPr sz="4000" kern="1200">
+          <a:ln>
+            <a:solidFill>
+              <a:schemeClr val="bg1">
+                <a:lumMod val="75000"/>
+                <a:lumOff val="25000"/>
+                <a:alpha val="10000"/>
+              </a:schemeClr>
+            </a:solidFill>
+          </a:ln>
           <a:solidFill>
-            <a:schemeClr val="tx1"/>
+            <a:schemeClr val="tx2"/>
           </a:solidFill>
+          <a:effectLst>
+            <a:outerShdw blurRad="9525" dist="25400" dir="14640000" algn="tl" rotWithShape="0">
+              <a:schemeClr val="bg1">
+                <a:alpha val="30000"/>
+              </a:schemeClr>
+            </a:outerShdw>
+          </a:effectLst>
           <a:latin typeface="+mj-lt"/>
           <a:ea typeface="+mj-ea"/>
-          <a:cs typeface="+mj-cs"/>
+          <a:cs typeface="Trebuchet MS"/>
         </a:defRPr>
       </a:lvl1pPr>
+      <a:lvl2pPr eaLnBrk="1" hangingPunct="1">
+        <a:defRPr>
+          <a:solidFill>
+            <a:schemeClr val="tx2"/>
+          </a:solidFill>
+        </a:defRPr>
+      </a:lvl2pPr>
+      <a:lvl3pPr eaLnBrk="1" hangingPunct="1">
+        <a:defRPr>
+          <a:solidFill>
+            <a:schemeClr val="tx2"/>
+          </a:solidFill>
+        </a:defRPr>
+      </a:lvl3pPr>
+      <a:lvl4pPr eaLnBrk="1" hangingPunct="1">
+        <a:defRPr>
+          <a:solidFill>
+            <a:schemeClr val="tx2"/>
+          </a:solidFill>
+        </a:defRPr>
+      </a:lvl4pPr>
+      <a:lvl5pPr eaLnBrk="1" hangingPunct="1">
+        <a:defRPr>
+          <a:solidFill>
+            <a:schemeClr val="tx2"/>
+          </a:solidFill>
+        </a:defRPr>
+      </a:lvl5pPr>
+      <a:lvl6pPr eaLnBrk="1" hangingPunct="1">
+        <a:defRPr>
+          <a:solidFill>
+            <a:schemeClr val="tx2"/>
+          </a:solidFill>
+        </a:defRPr>
+      </a:lvl6pPr>
+      <a:lvl7pPr eaLnBrk="1" hangingPunct="1">
+        <a:defRPr>
+          <a:solidFill>
+            <a:schemeClr val="tx2"/>
+          </a:solidFill>
+        </a:defRPr>
+      </a:lvl7pPr>
+      <a:lvl8pPr eaLnBrk="1" hangingPunct="1">
+        <a:defRPr>
+          <a:solidFill>
+            <a:schemeClr val="tx2"/>
+          </a:solidFill>
+        </a:defRPr>
+      </a:lvl8pPr>
+      <a:lvl9pPr eaLnBrk="1" hangingPunct="1">
+        <a:defRPr>
+          <a:solidFill>
+            <a:schemeClr val="tx2"/>
+          </a:solidFill>
+        </a:defRPr>
+      </a:lvl9pPr>
     </p:titleStyle>
     <p:bodyStyle>
-      <a:lvl1pPr marL="228600" indent="-228600" algn="l" defTabSz="914400" rtl="0" eaLnBrk="1" latinLnBrk="0" hangingPunct="1">
-        <a:lnSpc>
-          <a:spcPct val="90000"/>
-        </a:lnSpc>
+      <a:lvl1pPr marL="342900" indent="-306000" algn="l" defTabSz="457200" rtl="0" eaLnBrk="1" latinLnBrk="0" hangingPunct="1">
         <a:spcBef>
-          <a:spcPts val="1000"/>
+          <a:spcPct val="20000"/>
         </a:spcBef>
-        <a:buFont typeface="Arial" panose="020B0604020202020204" pitchFamily="34" charset="0"/>
-        <a:buChar char="•"/>
-        <a:defRPr sz="2800" kern="1200">
+        <a:spcAft>
+          <a:spcPts val="600"/>
+        </a:spcAft>
+        <a:buClr>
+          <a:schemeClr val="tx2"/>
+        </a:buClr>
+        <a:buSzPct val="70000"/>
+        <a:buFont typeface="Wingdings 2" charset="2"/>
+        <a:buChar char=""/>
+        <a:defRPr sz="2000" kern="1200">
+          <a:ln>
+            <a:solidFill>
+              <a:schemeClr val="bg1">
+                <a:lumMod val="75000"/>
+                <a:lumOff val="25000"/>
+                <a:alpha val="10000"/>
+              </a:schemeClr>
+            </a:solidFill>
+          </a:ln>
           <a:solidFill>
-            <a:schemeClr val="tx1"/>
+            <a:schemeClr val="tx2"/>
           </a:solidFill>
+          <a:effectLst>
+            <a:outerShdw blurRad="9525" dist="25400" dir="14640000" algn="tl" rotWithShape="0">
+              <a:schemeClr val="bg1">
+                <a:alpha val="30000"/>
+              </a:schemeClr>
+            </a:outerShdw>
+          </a:effectLst>
           <a:latin typeface="+mn-lt"/>
           <a:ea typeface="+mn-ea"/>
           <a:cs typeface="+mn-cs"/>
         </a:defRPr>
       </a:lvl1pPr>
-      <a:lvl2pPr marL="685800" indent="-228600" algn="l" defTabSz="914400" rtl="0" eaLnBrk="1" latinLnBrk="0" hangingPunct="1">
-        <a:lnSpc>
-          <a:spcPct val="90000"/>
-        </a:lnSpc>
+      <a:lvl2pPr marL="720000" indent="-270000" algn="l" defTabSz="457200" rtl="0" eaLnBrk="1" latinLnBrk="0" hangingPunct="1">
         <a:spcBef>
-          <a:spcPts val="500"/>
+          <a:spcPct val="20000"/>
         </a:spcBef>
-        <a:buFont typeface="Arial" panose="020B0604020202020204" pitchFamily="34" charset="0"/>
-        <a:buChar char="•"/>
-        <a:defRPr sz="2400" kern="1200">
+        <a:spcAft>
+          <a:spcPts val="600"/>
+        </a:spcAft>
+        <a:buClr>
+          <a:schemeClr val="tx2"/>
+        </a:buClr>
+        <a:buSzPct val="70000"/>
+        <a:buFont typeface="Wingdings 2" charset="2"/>
+        <a:buChar char=""/>
+        <a:defRPr sz="1800" kern="1200">
+          <a:ln>
+            <a:solidFill>
+              <a:schemeClr val="bg1">
+                <a:lumMod val="75000"/>
+                <a:lumOff val="25000"/>
+                <a:alpha val="10000"/>
+              </a:schemeClr>
+            </a:solidFill>
+          </a:ln>
           <a:solidFill>
-            <a:schemeClr val="tx1"/>
+            <a:schemeClr val="tx2"/>
           </a:solidFill>
+          <a:effectLst>
+            <a:outerShdw blurRad="9525" dist="25400" dir="14640000" algn="tl" rotWithShape="0">
+              <a:schemeClr val="bg1">
+                <a:alpha val="30000"/>
+              </a:schemeClr>
+            </a:outerShdw>
+          </a:effectLst>
           <a:latin typeface="+mn-lt"/>
           <a:ea typeface="+mn-ea"/>
           <a:cs typeface="+mn-cs"/>
         </a:defRPr>
       </a:lvl2pPr>
-      <a:lvl3pPr marL="1143000" indent="-228600" algn="l" defTabSz="914400" rtl="0" eaLnBrk="1" latinLnBrk="0" hangingPunct="1">
-        <a:lnSpc>
-          <a:spcPct val="90000"/>
-        </a:lnSpc>
+      <a:lvl3pPr marL="1026000" indent="-216000" algn="l" defTabSz="457200" rtl="0" eaLnBrk="1" latinLnBrk="0" hangingPunct="1">
         <a:spcBef>
-          <a:spcPts val="500"/>
+          <a:spcPct val="20000"/>
         </a:spcBef>
-        <a:buFont typeface="Arial" panose="020B0604020202020204" pitchFamily="34" charset="0"/>
-        <a:buChar char="•"/>
-        <a:defRPr sz="2000" kern="1200">
+        <a:spcAft>
+          <a:spcPts val="600"/>
+        </a:spcAft>
+        <a:buClr>
+          <a:schemeClr val="tx2"/>
+        </a:buClr>
+        <a:buSzPct val="70000"/>
+        <a:buFont typeface="Wingdings 2" charset="2"/>
+        <a:buChar char=""/>
+        <a:defRPr sz="1600" kern="1200">
+          <a:ln>
+            <a:solidFill>
+              <a:schemeClr val="bg1">
+                <a:lumMod val="75000"/>
+                <a:lumOff val="25000"/>
+                <a:alpha val="10000"/>
+              </a:schemeClr>
+            </a:solidFill>
+          </a:ln>
           <a:solidFill>
-            <a:schemeClr val="tx1"/>
+            <a:schemeClr val="tx2"/>
           </a:solidFill>
+          <a:effectLst>
+            <a:outerShdw blurRad="9525" dist="25400" dir="14640000" algn="tl" rotWithShape="0">
+              <a:schemeClr val="bg1">
+                <a:alpha val="30000"/>
+              </a:schemeClr>
+            </a:outerShdw>
+          </a:effectLst>
           <a:latin typeface="+mn-lt"/>
           <a:ea typeface="+mn-ea"/>
           <a:cs typeface="+mn-cs"/>
         </a:defRPr>
       </a:lvl3pPr>
-      <a:lvl4pPr marL="1600200" indent="-228600" algn="l" defTabSz="914400" rtl="0" eaLnBrk="1" latinLnBrk="0" hangingPunct="1">
-        <a:lnSpc>
-          <a:spcPct val="90000"/>
-        </a:lnSpc>
+      <a:lvl4pPr marL="1386000" indent="-216000" algn="l" defTabSz="457200" rtl="0" eaLnBrk="1" latinLnBrk="0" hangingPunct="1">
         <a:spcBef>
-          <a:spcPts val="500"/>
+          <a:spcPct val="20000"/>
         </a:spcBef>
-        <a:buFont typeface="Arial" panose="020B0604020202020204" pitchFamily="34" charset="0"/>
-        <a:buChar char="•"/>
-        <a:defRPr sz="1800" kern="1200">
+        <a:spcAft>
+          <a:spcPts val="600"/>
+        </a:spcAft>
+        <a:buClr>
+          <a:schemeClr val="tx2"/>
+        </a:buClr>
+        <a:buSzPct val="70000"/>
+        <a:buFont typeface="Wingdings 2" charset="2"/>
+        <a:buChar char=""/>
+        <a:defRPr sz="1400" kern="1200">
+          <a:ln>
+            <a:solidFill>
+              <a:schemeClr val="bg1">
+                <a:lumMod val="75000"/>
+                <a:lumOff val="25000"/>
+                <a:alpha val="10000"/>
+              </a:schemeClr>
+            </a:solidFill>
+          </a:ln>
           <a:solidFill>
-            <a:schemeClr val="tx1"/>
+            <a:schemeClr val="tx2"/>
           </a:solidFill>
+          <a:effectLst>
+            <a:outerShdw blurRad="9525" dist="25400" dir="14640000" algn="tl" rotWithShape="0">
+              <a:schemeClr val="bg1">
+                <a:alpha val="30000"/>
+              </a:schemeClr>
+            </a:outerShdw>
+          </a:effectLst>
           <a:latin typeface="+mn-lt"/>
           <a:ea typeface="+mn-ea"/>
           <a:cs typeface="+mn-cs"/>
         </a:defRPr>
       </a:lvl4pPr>
-      <a:lvl5pPr marL="2057400" indent="-228600" algn="l" defTabSz="914400" rtl="0" eaLnBrk="1" latinLnBrk="0" hangingPunct="1">
-        <a:lnSpc>
-          <a:spcPct val="90000"/>
-        </a:lnSpc>
+      <a:lvl5pPr marL="1674000" indent="-216000" algn="l" defTabSz="457200" rtl="0" eaLnBrk="1" latinLnBrk="0" hangingPunct="1">
         <a:spcBef>
-          <a:spcPts val="500"/>
+          <a:spcPct val="20000"/>
         </a:spcBef>
-        <a:buFont typeface="Arial" panose="020B0604020202020204" pitchFamily="34" charset="0"/>
-        <a:buChar char="•"/>
-        <a:defRPr sz="1800" kern="1200">
+        <a:spcAft>
+          <a:spcPts val="600"/>
+        </a:spcAft>
+        <a:buClr>
+          <a:schemeClr val="tx2"/>
+        </a:buClr>
+        <a:buSzPct val="70000"/>
+        <a:buFont typeface="Wingdings 2" charset="2"/>
+        <a:buChar char=""/>
+        <a:defRPr sz="1400" kern="1200">
+          <a:ln>
+            <a:solidFill>
+              <a:schemeClr val="bg1">
+                <a:lumMod val="75000"/>
+                <a:lumOff val="25000"/>
+                <a:alpha val="10000"/>
+              </a:schemeClr>
+            </a:solidFill>
+          </a:ln>
           <a:solidFill>
-            <a:schemeClr val="tx1"/>
+            <a:schemeClr val="tx2"/>
           </a:solidFill>
+          <a:effectLst>
+            <a:outerShdw blurRad="9525" dist="25400" dir="14640000" algn="tl" rotWithShape="0">
+              <a:schemeClr val="bg1">
+                <a:alpha val="30000"/>
+              </a:schemeClr>
+            </a:outerShdw>
+          </a:effectLst>
           <a:latin typeface="+mn-lt"/>
           <a:ea typeface="+mn-ea"/>
           <a:cs typeface="+mn-cs"/>
         </a:defRPr>
       </a:lvl5pPr>
-      <a:lvl6pPr marL="2514600" indent="-228600" algn="l" defTabSz="914400" rtl="0" eaLnBrk="1" latinLnBrk="0" hangingPunct="1">
-        <a:lnSpc>
-          <a:spcPct val="90000"/>
-        </a:lnSpc>
+      <a:lvl6pPr marL="2014600" indent="-228600" algn="l" defTabSz="457200" rtl="0" eaLnBrk="1" latinLnBrk="0" hangingPunct="1">
         <a:spcBef>
-          <a:spcPts val="500"/>
+          <a:spcPct val="20000"/>
         </a:spcBef>
-        <a:buFont typeface="Arial" panose="020B0604020202020204" pitchFamily="34" charset="0"/>
-        <a:buChar char="•"/>
-        <a:defRPr sz="1800" kern="1200">
+        <a:spcAft>
+          <a:spcPts val="600"/>
+        </a:spcAft>
+        <a:buClr>
+          <a:schemeClr val="tx2"/>
+        </a:buClr>
+        <a:buSzPct val="70000"/>
+        <a:buFont typeface="Wingdings 2" charset="2"/>
+        <a:buChar char=""/>
+        <a:defRPr sz="1400" kern="1200">
+          <a:ln>
+            <a:solidFill>
+              <a:schemeClr val="bg1">
+                <a:lumMod val="75000"/>
+                <a:lumOff val="25000"/>
+                <a:alpha val="10000"/>
+              </a:schemeClr>
+            </a:solidFill>
+          </a:ln>
           <a:solidFill>
-            <a:schemeClr val="tx1"/>
+            <a:schemeClr val="tx2"/>
           </a:solidFill>
+          <a:effectLst>
+            <a:outerShdw blurRad="9525" dist="25400" dir="14640000" algn="tl" rotWithShape="0">
+              <a:schemeClr val="bg1">
+                <a:alpha val="30000"/>
+              </a:schemeClr>
+            </a:outerShdw>
+          </a:effectLst>
           <a:latin typeface="+mn-lt"/>
           <a:ea typeface="+mn-ea"/>
           <a:cs typeface="+mn-cs"/>
         </a:defRPr>
       </a:lvl6pPr>
-      <a:lvl7pPr marL="2971800" indent="-228600" algn="l" defTabSz="914400" rtl="0" eaLnBrk="1" latinLnBrk="0" hangingPunct="1">
-        <a:lnSpc>
-          <a:spcPct val="90000"/>
-        </a:lnSpc>
+      <a:lvl7pPr marL="2401800" indent="-228600" algn="l" defTabSz="457200" rtl="0" eaLnBrk="1" latinLnBrk="0" hangingPunct="1">
         <a:spcBef>
-          <a:spcPts val="500"/>
+          <a:spcPct val="20000"/>
         </a:spcBef>
-        <a:buFont typeface="Arial" panose="020B0604020202020204" pitchFamily="34" charset="0"/>
-        <a:buChar char="•"/>
-        <a:defRPr sz="1800" kern="1200">
+        <a:spcAft>
+          <a:spcPts val="600"/>
+        </a:spcAft>
+        <a:buClr>
+          <a:schemeClr val="tx2"/>
+        </a:buClr>
+        <a:buSzPct val="70000"/>
+        <a:buFont typeface="Wingdings 2" charset="2"/>
+        <a:buChar char=""/>
+        <a:defRPr sz="1400" kern="1200">
+          <a:ln>
+            <a:solidFill>
+              <a:schemeClr val="bg1">
+                <a:lumMod val="75000"/>
+                <a:lumOff val="25000"/>
+                <a:alpha val="10000"/>
+              </a:schemeClr>
+            </a:solidFill>
+          </a:ln>
           <a:solidFill>
-            <a:schemeClr val="tx1"/>
+            <a:schemeClr val="tx2"/>
           </a:solidFill>
+          <a:effectLst>
+            <a:outerShdw blurRad="9525" dist="25400" dir="14640000" algn="tl" rotWithShape="0">
+              <a:schemeClr val="bg1">
+                <a:alpha val="30000"/>
+              </a:schemeClr>
+            </a:outerShdw>
+          </a:effectLst>
           <a:latin typeface="+mn-lt"/>
           <a:ea typeface="+mn-ea"/>
           <a:cs typeface="+mn-cs"/>
         </a:defRPr>
       </a:lvl7pPr>
-      <a:lvl8pPr marL="3429000" indent="-228600" algn="l" defTabSz="914400" rtl="0" eaLnBrk="1" latinLnBrk="0" hangingPunct="1">
-        <a:lnSpc>
-          <a:spcPct val="90000"/>
-        </a:lnSpc>
+      <a:lvl8pPr marL="2789000" indent="-228600" algn="l" defTabSz="457200" rtl="0" eaLnBrk="1" latinLnBrk="0" hangingPunct="1">
         <a:spcBef>
-          <a:spcPts val="500"/>
+          <a:spcPct val="20000"/>
         </a:spcBef>
-        <a:buFont typeface="Arial" panose="020B0604020202020204" pitchFamily="34" charset="0"/>
-        <a:buChar char="•"/>
-        <a:defRPr sz="1800" kern="1200">
+        <a:spcAft>
+          <a:spcPts val="600"/>
+        </a:spcAft>
+        <a:buClr>
+          <a:schemeClr val="tx2"/>
+        </a:buClr>
+        <a:buSzPct val="70000"/>
+        <a:buFont typeface="Wingdings 2" charset="2"/>
+        <a:buChar char=""/>
+        <a:defRPr sz="1400" kern="1200">
+          <a:ln>
+            <a:solidFill>
+              <a:schemeClr val="bg1">
+                <a:lumMod val="75000"/>
+                <a:lumOff val="25000"/>
+                <a:alpha val="10000"/>
+              </a:schemeClr>
+            </a:solidFill>
+          </a:ln>
           <a:solidFill>
-            <a:schemeClr val="tx1"/>
+            <a:schemeClr val="tx2"/>
           </a:solidFill>
+          <a:effectLst>
+            <a:outerShdw blurRad="9525" dist="25400" dir="14640000" algn="tl" rotWithShape="0">
+              <a:schemeClr val="bg1">
+                <a:alpha val="30000"/>
+              </a:schemeClr>
+            </a:outerShdw>
+          </a:effectLst>
           <a:latin typeface="+mn-lt"/>
           <a:ea typeface="+mn-ea"/>
           <a:cs typeface="+mn-cs"/>
         </a:defRPr>
       </a:lvl8pPr>
-      <a:lvl9pPr marL="3886200" indent="-228600" algn="l" defTabSz="914400" rtl="0" eaLnBrk="1" latinLnBrk="0" hangingPunct="1">
-        <a:lnSpc>
-          <a:spcPct val="90000"/>
-        </a:lnSpc>
+      <a:lvl9pPr marL="3106200" indent="-228600" algn="l" defTabSz="457200" rtl="0" eaLnBrk="1" latinLnBrk="0" hangingPunct="1">
         <a:spcBef>
-          <a:spcPts val="500"/>
+          <a:spcPct val="20000"/>
         </a:spcBef>
-        <a:buFont typeface="Arial" panose="020B0604020202020204" pitchFamily="34" charset="0"/>
-        <a:buChar char="•"/>
-        <a:defRPr sz="1800" kern="1200">
+        <a:spcAft>
+          <a:spcPts val="600"/>
+        </a:spcAft>
+        <a:buClr>
+          <a:schemeClr val="tx2"/>
+        </a:buClr>
+        <a:buSzPct val="70000"/>
+        <a:buFont typeface="Wingdings 2" charset="2"/>
+        <a:buChar char=""/>
+        <a:defRPr sz="1400" kern="1200">
+          <a:ln>
+            <a:solidFill>
+              <a:schemeClr val="bg1">
+                <a:lumMod val="75000"/>
+                <a:lumOff val="25000"/>
+                <a:alpha val="10000"/>
+              </a:schemeClr>
+            </a:solidFill>
+          </a:ln>
           <a:solidFill>
-            <a:schemeClr val="tx1"/>
+            <a:schemeClr val="tx2"/>
           </a:solidFill>
+          <a:effectLst>
+            <a:outerShdw blurRad="9525" dist="25400" dir="14640000" algn="tl" rotWithShape="0">
+              <a:schemeClr val="bg1">
+                <a:alpha val="30000"/>
+              </a:schemeClr>
+            </a:outerShdw>
+          </a:effectLst>
           <a:latin typeface="+mn-lt"/>
           <a:ea typeface="+mn-ea"/>
           <a:cs typeface="+mn-cs"/>
@@ -3707,7 +6756,7 @@
       <a:defPPr>
         <a:defRPr lang="en-US"/>
       </a:defPPr>
-      <a:lvl1pPr marL="0" algn="l" defTabSz="914400" rtl="0" eaLnBrk="1" latinLnBrk="0" hangingPunct="1">
+      <a:lvl1pPr marL="0" algn="l" defTabSz="457200" rtl="0" eaLnBrk="1" latinLnBrk="0" hangingPunct="1">
         <a:defRPr sz="1800" kern="1200">
           <a:solidFill>
             <a:schemeClr val="tx1"/>
@@ -3717,7 +6766,7 @@
           <a:cs typeface="+mn-cs"/>
         </a:defRPr>
       </a:lvl1pPr>
-      <a:lvl2pPr marL="457200" algn="l" defTabSz="914400" rtl="0" eaLnBrk="1" latinLnBrk="0" hangingPunct="1">
+      <a:lvl2pPr marL="457200" algn="l" defTabSz="457200" rtl="0" eaLnBrk="1" latinLnBrk="0" hangingPunct="1">
         <a:defRPr sz="1800" kern="1200">
           <a:solidFill>
             <a:schemeClr val="tx1"/>
@@ -3727,7 +6776,7 @@
           <a:cs typeface="+mn-cs"/>
         </a:defRPr>
       </a:lvl2pPr>
-      <a:lvl3pPr marL="914400" algn="l" defTabSz="914400" rtl="0" eaLnBrk="1" latinLnBrk="0" hangingPunct="1">
+      <a:lvl3pPr marL="914400" algn="l" defTabSz="457200" rtl="0" eaLnBrk="1" latinLnBrk="0" hangingPunct="1">
         <a:defRPr sz="1800" kern="1200">
           <a:solidFill>
             <a:schemeClr val="tx1"/>
@@ -3737,7 +6786,7 @@
           <a:cs typeface="+mn-cs"/>
         </a:defRPr>
       </a:lvl3pPr>
-      <a:lvl4pPr marL="1371600" algn="l" defTabSz="914400" rtl="0" eaLnBrk="1" latinLnBrk="0" hangingPunct="1">
+      <a:lvl4pPr marL="1371600" algn="l" defTabSz="457200" rtl="0" eaLnBrk="1" latinLnBrk="0" hangingPunct="1">
         <a:defRPr sz="1800" kern="1200">
           <a:solidFill>
             <a:schemeClr val="tx1"/>
@@ -3747,7 +6796,7 @@
           <a:cs typeface="+mn-cs"/>
         </a:defRPr>
       </a:lvl4pPr>
-      <a:lvl5pPr marL="1828800" algn="l" defTabSz="914400" rtl="0" eaLnBrk="1" latinLnBrk="0" hangingPunct="1">
+      <a:lvl5pPr marL="1828800" algn="l" defTabSz="457200" rtl="0" eaLnBrk="1" latinLnBrk="0" hangingPunct="1">
         <a:defRPr sz="1800" kern="1200">
           <a:solidFill>
             <a:schemeClr val="tx1"/>
@@ -3757,7 +6806,7 @@
           <a:cs typeface="+mn-cs"/>
         </a:defRPr>
       </a:lvl5pPr>
-      <a:lvl6pPr marL="2286000" algn="l" defTabSz="914400" rtl="0" eaLnBrk="1" latinLnBrk="0" hangingPunct="1">
+      <a:lvl6pPr marL="2286000" algn="l" defTabSz="457200" rtl="0" eaLnBrk="1" latinLnBrk="0" hangingPunct="1">
         <a:defRPr sz="1800" kern="1200">
           <a:solidFill>
             <a:schemeClr val="tx1"/>
@@ -3767,7 +6816,7 @@
           <a:cs typeface="+mn-cs"/>
         </a:defRPr>
       </a:lvl6pPr>
-      <a:lvl7pPr marL="2743200" algn="l" defTabSz="914400" rtl="0" eaLnBrk="1" latinLnBrk="0" hangingPunct="1">
+      <a:lvl7pPr marL="2743200" algn="l" defTabSz="457200" rtl="0" eaLnBrk="1" latinLnBrk="0" hangingPunct="1">
         <a:defRPr sz="1800" kern="1200">
           <a:solidFill>
             <a:schemeClr val="tx1"/>
@@ -3777,7 +6826,7 @@
           <a:cs typeface="+mn-cs"/>
         </a:defRPr>
       </a:lvl7pPr>
-      <a:lvl8pPr marL="3200400" algn="l" defTabSz="914400" rtl="0" eaLnBrk="1" latinLnBrk="0" hangingPunct="1">
+      <a:lvl8pPr marL="3200400" algn="l" defTabSz="457200" rtl="0" eaLnBrk="1" latinLnBrk="0" hangingPunct="1">
         <a:defRPr sz="1800" kern="1200">
           <a:solidFill>
             <a:schemeClr val="tx1"/>
@@ -3787,7 +6836,7 @@
           <a:cs typeface="+mn-cs"/>
         </a:defRPr>
       </a:lvl8pPr>
-      <a:lvl9pPr marL="3657600" algn="l" defTabSz="914400" rtl="0" eaLnBrk="1" latinLnBrk="0" hangingPunct="1">
+      <a:lvl9pPr marL="3657600" algn="l" defTabSz="457200" rtl="0" eaLnBrk="1" latinLnBrk="0" hangingPunct="1">
         <a:defRPr sz="1800" kern="1200">
           <a:solidFill>
             <a:schemeClr val="tx1"/>
@@ -3805,6 +6854,26 @@
 <file path=ppt/slides/slide1.xml><?xml version="1.0" encoding="utf-8"?>
 <p:sld xmlns:a="http://schemas.openxmlformats.org/drawingml/2006/main" xmlns:r="http://schemas.openxmlformats.org/officeDocument/2006/relationships" xmlns:p="http://schemas.openxmlformats.org/presentationml/2006/main">
   <p:cSld>
+    <p:bg>
+      <p:bgPr>
+        <a:blipFill rotWithShape="1">
+          <a:blip r:embed="rId2">
+            <a:duotone>
+              <a:schemeClr val="bg2">
+                <a:shade val="80000"/>
+                <a:lumMod val="80000"/>
+              </a:schemeClr>
+              <a:schemeClr val="bg2">
+                <a:tint val="98000"/>
+              </a:schemeClr>
+            </a:duotone>
+            <a:extLst/>
+          </a:blip>
+          <a:stretch/>
+        </a:blipFill>
+        <a:effectLst/>
+      </p:bgPr>
+    </p:bg>
     <p:spTree>
       <p:nvGrpSpPr>
         <p:cNvPr id="1" name=""/>
@@ -3819,6 +6888,66 @@
           <a:chExt cx="0" cy="0"/>
         </a:xfrm>
       </p:grpSpPr>
+      <p:sp useBgFill="1">
+        <p:nvSpPr>
+          <p:cNvPr id="12" name="Rectangle 7">
+            <a:extLst>
+              <a:ext uri="{FF2B5EF4-FFF2-40B4-BE49-F238E27FC236}">
+                <a16:creationId xmlns:a16="http://schemas.microsoft.com/office/drawing/2014/main" id="{2124007E-BA57-41B2-8C6B-5E99927F2247}"/>
+              </a:ext>
+              <a:ext uri="{C183D7F6-B498-43B3-948B-1728B52AA6E4}">
+                <adec:decorative xmlns:adec="http://schemas.microsoft.com/office/drawing/2017/decorative" val="1"/>
+              </a:ext>
+            </a:extLst>
+          </p:cNvPr>
+          <p:cNvSpPr>
+            <a:spLocks noGrp="1" noRot="1" noChangeAspect="1" noMove="1" noResize="1" noEditPoints="1" noAdjustHandles="1" noChangeArrowheads="1" noChangeShapeType="1" noTextEdit="1"/>
+          </p:cNvSpPr>
+          <p:nvPr>
+            <p:extLst>
+              <p:ext uri="{386F3935-93C4-4BCD-93E2-E3B085C9AB24}">
+                <p16:designElem xmlns:p16="http://schemas.microsoft.com/office/powerpoint/2015/main" val="1"/>
+              </p:ext>
+            </p:extLst>
+          </p:nvPr>
+        </p:nvSpPr>
+        <p:spPr>
+          <a:xfrm>
+            <a:off x="0" y="0"/>
+            <a:ext cx="12192000" cy="6858000"/>
+          </a:xfrm>
+          <a:prstGeom prst="rect">
+            <a:avLst/>
+          </a:prstGeom>
+          <a:ln>
+            <a:noFill/>
+          </a:ln>
+        </p:spPr>
+        <p:style>
+          <a:lnRef idx="2">
+            <a:schemeClr val="accent1">
+              <a:shade val="50000"/>
+            </a:schemeClr>
+          </a:lnRef>
+          <a:fillRef idx="1">
+            <a:schemeClr val="accent1"/>
+          </a:fillRef>
+          <a:effectRef idx="0">
+            <a:schemeClr val="accent1"/>
+          </a:effectRef>
+          <a:fontRef idx="minor">
+            <a:schemeClr val="lt1"/>
+          </a:fontRef>
+        </p:style>
+        <p:txBody>
+          <a:bodyPr rtlCol="0" anchor="ctr"/>
+          <a:lstStyle/>
+          <a:p>
+            <a:pPr algn="ctr"/>
+            <a:endParaRPr lang="en-US"/>
+          </a:p>
+        </p:txBody>
+      </p:sp>
       <p:sp>
         <p:nvSpPr>
           <p:cNvPr id="2" name="Title 1"/>
@@ -3829,15 +6958,100 @@
             <p:ph type="ctrTitle"/>
           </p:nvPr>
         </p:nvSpPr>
-        <p:spPr/>
-        <p:txBody>
-          <a:bodyPr/>
-          <a:lstStyle/>
-          <a:p>
-            <a:r>
-              <a:rPr lang="en-US" dirty="0" smtClean="0"/>
+        <p:spPr>
+          <a:xfrm>
+            <a:off x="769207" y="1099456"/>
+            <a:ext cx="6243636" cy="4625558"/>
+          </a:xfrm>
+          <a:effectLst/>
+        </p:spPr>
+        <p:txBody>
+          <a:bodyPr anchor="ctr">
+            <a:normAutofit/>
+          </a:bodyPr>
+          <a:lstStyle/>
+          <a:p>
+            <a:pPr algn="l"/>
+            <a:r>
+              <a:rPr lang="en-US">
+                <a:solidFill>
+                  <a:schemeClr val="tx1"/>
+                </a:solidFill>
+              </a:rPr>
               <a:t>HECC 2018</a:t>
             </a:r>
+          </a:p>
+        </p:txBody>
+      </p:sp>
+      <p:sp>
+        <p:nvSpPr>
+          <p:cNvPr id="13" name="Rectangle 9">
+            <a:extLst>
+              <a:ext uri="{FF2B5EF4-FFF2-40B4-BE49-F238E27FC236}">
+                <a16:creationId xmlns:a16="http://schemas.microsoft.com/office/drawing/2014/main" id="{8DEB9D55-38C8-45B4-BB2D-4FDBBDB08C37}"/>
+              </a:ext>
+              <a:ext uri="{C183D7F6-B498-43B3-948B-1728B52AA6E4}">
+                <adec:decorative xmlns:adec="http://schemas.microsoft.com/office/drawing/2017/decorative" val="1"/>
+              </a:ext>
+            </a:extLst>
+          </p:cNvPr>
+          <p:cNvSpPr>
+            <a:spLocks noGrp="1" noRot="1" noChangeAspect="1" noMove="1" noResize="1" noEditPoints="1" noAdjustHandles="1" noChangeArrowheads="1" noChangeShapeType="1" noTextEdit="1"/>
+          </p:cNvSpPr>
+          <p:nvPr>
+            <p:extLst>
+              <p:ext uri="{386F3935-93C4-4BCD-93E2-E3B085C9AB24}">
+                <p16:designElem xmlns:p16="http://schemas.microsoft.com/office/powerpoint/2015/main" val="1"/>
+              </p:ext>
+            </p:extLst>
+          </p:nvPr>
+        </p:nvSpPr>
+        <p:spPr>
+          <a:xfrm>
+            <a:off x="7537704" y="0"/>
+            <a:ext cx="4654296" cy="6858000"/>
+          </a:xfrm>
+          <a:prstGeom prst="rect">
+            <a:avLst/>
+          </a:prstGeom>
+          <a:solidFill>
+            <a:schemeClr val="tx1">
+              <a:lumMod val="95000"/>
+              <a:alpha val="90000"/>
+            </a:schemeClr>
+          </a:solidFill>
+          <a:ln>
+            <a:noFill/>
+          </a:ln>
+          <a:effectLst>
+            <a:outerShdw blurRad="50800" dist="38100" dir="10800000" algn="l" rotWithShape="0">
+              <a:prstClr val="black">
+                <a:alpha val="40000"/>
+              </a:prstClr>
+            </a:outerShdw>
+          </a:effectLst>
+        </p:spPr>
+        <p:style>
+          <a:lnRef idx="2">
+            <a:schemeClr val="accent1">
+              <a:shade val="50000"/>
+            </a:schemeClr>
+          </a:lnRef>
+          <a:fillRef idx="1">
+            <a:schemeClr val="accent1"/>
+          </a:fillRef>
+          <a:effectRef idx="0">
+            <a:schemeClr val="accent1"/>
+          </a:effectRef>
+          <a:fontRef idx="minor">
+            <a:schemeClr val="lt1"/>
+          </a:fontRef>
+        </p:style>
+        <p:txBody>
+          <a:bodyPr rtlCol="0" anchor="ctr"/>
+          <a:lstStyle/>
+          <a:p>
+            <a:pPr algn="ctr"/>
             <a:endParaRPr lang="en-US" dirty="0"/>
           </a:p>
         </p:txBody>
@@ -3852,26 +7066,39 @@
             <p:ph type="subTitle" idx="1"/>
           </p:nvPr>
         </p:nvSpPr>
-        <p:spPr/>
-        <p:txBody>
-          <a:bodyPr/>
-          <a:lstStyle/>
-          <a:p>
-            <a:r>
-              <a:rPr lang="en-US" dirty="0"/>
-              <a:t>2053 - Deploying Windows 10 With MDT (Part 1</a:t>
-            </a:r>
-            <a:r>
-              <a:rPr lang="en-US" dirty="0" smtClean="0"/>
-              <a:t>)</a:t>
-            </a:r>
-          </a:p>
-          <a:p>
-            <a:r>
-              <a:rPr lang="en-US" sz="2000" dirty="0" smtClean="0"/>
+        <p:spPr>
+          <a:xfrm>
+            <a:off x="7782049" y="1112685"/>
+            <a:ext cx="2935320" cy="4632630"/>
+          </a:xfrm>
+          <a:effectLst/>
+        </p:spPr>
+        <p:txBody>
+          <a:bodyPr anchor="ctr">
+            <a:normAutofit/>
+          </a:bodyPr>
+          <a:lstStyle/>
+          <a:p>
+            <a:pPr algn="l"/>
+            <a:r>
+              <a:rPr lang="en-US" sz="2400">
+                <a:solidFill>
+                  <a:schemeClr val="bg2"/>
+                </a:solidFill>
+              </a:rPr>
+              <a:t>2053 - Deploying Windows 10 With MDT (Part 1)</a:t>
+            </a:r>
+          </a:p>
+          <a:p>
+            <a:pPr algn="l"/>
+            <a:r>
+              <a:rPr lang="en-US" sz="2400">
+                <a:solidFill>
+                  <a:schemeClr val="bg2"/>
+                </a:solidFill>
+              </a:rPr>
               <a:t>Section 1</a:t>
             </a:r>
-            <a:endParaRPr lang="en-US" sz="2000" dirty="0"/>
           </a:p>
         </p:txBody>
       </p:sp>
@@ -3921,10 +7148,9 @@
           <a:lstStyle/>
           <a:p>
             <a:r>
-              <a:rPr lang="en-US" dirty="0" smtClean="0"/>
+              <a:rPr lang="en-US" dirty="0"/>
               <a:t>Main files to configure</a:t>
             </a:r>
-            <a:endParaRPr lang="en-US" dirty="0"/>
           </a:p>
         </p:txBody>
       </p:sp>
@@ -3944,69 +7170,22 @@
           <a:lstStyle/>
           <a:p>
             <a:r>
-              <a:rPr lang="en-US" dirty="0" smtClean="0"/>
+              <a:rPr lang="en-US" dirty="0"/>
               <a:t>Bootstrap.ini</a:t>
             </a:r>
           </a:p>
           <a:p>
             <a:pPr lvl="1"/>
             <a:r>
-              <a:rPr lang="en-US" dirty="0" smtClean="0"/>
+              <a:rPr lang="en-US" dirty="0"/>
               <a:t>File is processed first</a:t>
             </a:r>
           </a:p>
           <a:p>
             <a:pPr lvl="1"/>
             <a:r>
-              <a:rPr lang="en-US" dirty="0" smtClean="0"/>
+              <a:rPr lang="en-US" dirty="0"/>
               <a:t>Only processed once</a:t>
-            </a:r>
-          </a:p>
-          <a:p>
-            <a:pPr lvl="1"/>
-            <a:r>
-              <a:rPr lang="en-US" dirty="0" smtClean="0"/>
-              <a:t>Located in %</a:t>
-            </a:r>
-            <a:r>
-              <a:rPr lang="en-US" dirty="0" err="1" smtClean="0"/>
-              <a:t>DeploymentShare</a:t>
-            </a:r>
-            <a:r>
-              <a:rPr lang="en-US" dirty="0" smtClean="0"/>
-              <a:t>%\Control\</a:t>
-            </a:r>
-          </a:p>
-          <a:p>
-            <a:pPr lvl="1"/>
-            <a:endParaRPr lang="en-US" dirty="0"/>
-          </a:p>
-          <a:p>
-            <a:r>
-              <a:rPr lang="en-US" dirty="0" smtClean="0"/>
-              <a:t>CustomSettings.ini</a:t>
-            </a:r>
-          </a:p>
-          <a:p>
-            <a:pPr lvl="1"/>
-            <a:r>
-              <a:rPr lang="en-US" dirty="0" smtClean="0"/>
-              <a:t>Processed after Bootstrap.ini</a:t>
-            </a:r>
-          </a:p>
-          <a:p>
-            <a:pPr lvl="1"/>
-            <a:r>
-              <a:rPr lang="en-US" dirty="0" smtClean="0"/>
-              <a:t>Is the rules </a:t>
-            </a:r>
-            <a:r>
-              <a:rPr lang="en-US" dirty="0"/>
-              <a:t>file processed by </a:t>
-            </a:r>
-            <a:r>
-              <a:rPr lang="en-US" dirty="0" smtClean="0"/>
-              <a:t>ZTIGather.wsf</a:t>
             </a:r>
           </a:p>
           <a:p>
@@ -4025,10 +7204,49 @@
             </a:r>
           </a:p>
           <a:p>
+            <a:pPr lvl="1"/>
+            <a:endParaRPr lang="en-US" dirty="0"/>
+          </a:p>
+          <a:p>
+            <a:r>
+              <a:rPr lang="en-US" dirty="0"/>
+              <a:t>CustomSettings.ini</a:t>
+            </a:r>
+          </a:p>
+          <a:p>
+            <a:pPr lvl="1"/>
+            <a:r>
+              <a:rPr lang="en-US" dirty="0"/>
+              <a:t>Processed after Bootstrap.ini</a:t>
+            </a:r>
+          </a:p>
+          <a:p>
+            <a:pPr lvl="1"/>
+            <a:r>
+              <a:rPr lang="en-US" dirty="0"/>
+              <a:t>Is the rules file processed by ZTIGather.wsf</a:t>
+            </a:r>
+          </a:p>
+          <a:p>
+            <a:pPr lvl="1"/>
+            <a:r>
+              <a:rPr lang="en-US" dirty="0"/>
+              <a:t>Located in %</a:t>
+            </a:r>
+            <a:r>
+              <a:rPr lang="en-US" dirty="0" err="1"/>
+              <a:t>DeploymentShare</a:t>
+            </a:r>
+            <a:r>
+              <a:rPr lang="en-US" dirty="0"/>
+              <a:t>%\Control\</a:t>
+            </a:r>
+          </a:p>
+          <a:p>
             <a:pPr marL="457200" lvl="1" indent="0">
               <a:buNone/>
             </a:pPr>
-            <a:endParaRPr lang="en-US" dirty="0" smtClean="0"/>
+            <a:endParaRPr lang="en-US" dirty="0"/>
           </a:p>
           <a:p>
             <a:pPr lvl="1"/>
@@ -4046,13 +7264,6 @@
   <p:clrMapOvr>
     <a:masterClrMapping/>
   </p:clrMapOvr>
-  <p:timing>
-    <p:tnLst>
-      <p:par>
-        <p:cTn id="1" dur="indefinite" restart="never" nodeType="tmRoot"/>
-      </p:par>
-    </p:tnLst>
-  </p:timing>
 </p:sld>
 </file>
 
@@ -4089,10 +7300,9 @@
           <a:lstStyle/>
           <a:p>
             <a:r>
-              <a:rPr lang="en-US" dirty="0" smtClean="0"/>
+              <a:rPr lang="en-US" dirty="0"/>
               <a:t>Bootstrap.ini</a:t>
             </a:r>
-            <a:endParaRPr lang="en-US" dirty="0"/>
           </a:p>
         </p:txBody>
       </p:sp>
@@ -4117,7 +7327,7 @@
           <a:lstStyle/>
           <a:p>
             <a:r>
-              <a:rPr lang="en-US" dirty="0" smtClean="0"/>
+              <a:rPr lang="en-US" dirty="0"/>
               <a:t>For golden image we need the following changes made</a:t>
             </a:r>
           </a:p>
@@ -4160,13 +7370,6 @@
   <p:clrMapOvr>
     <a:masterClrMapping/>
   </p:clrMapOvr>
-  <p:timing>
-    <p:tnLst>
-      <p:par>
-        <p:cTn id="1" dur="indefinite" restart="never" nodeType="tmRoot"/>
-      </p:par>
-    </p:tnLst>
-  </p:timing>
 </p:sld>
 </file>
 
@@ -4203,10 +7406,9 @@
           <a:lstStyle/>
           <a:p>
             <a:r>
-              <a:rPr lang="en-US" dirty="0" smtClean="0"/>
+              <a:rPr lang="en-US" dirty="0"/>
               <a:t>CustomSettings.ini</a:t>
             </a:r>
-            <a:endParaRPr lang="en-US" dirty="0"/>
           </a:p>
         </p:txBody>
       </p:sp>
@@ -4226,7 +7428,7 @@
           <a:lstStyle/>
           <a:p>
             <a:r>
-              <a:rPr lang="en-US" dirty="0" smtClean="0"/>
+              <a:rPr lang="en-US" dirty="0"/>
               <a:t>These are the settings I use.  You may not need all of them and you may need to adjust some to your environment.</a:t>
             </a:r>
           </a:p>
@@ -4296,13 +7498,6 @@
   <p:clrMapOvr>
     <a:masterClrMapping/>
   </p:clrMapOvr>
-  <p:timing>
-    <p:tnLst>
-      <p:par>
-        <p:cTn id="1" dur="indefinite" restart="never" nodeType="tmRoot"/>
-      </p:par>
-    </p:tnLst>
-  </p:timing>
 </p:sld>
 </file>
 
@@ -4347,10 +7542,9 @@
           <a:p>
             <a:pPr algn="ctr"/>
             <a:r>
-              <a:rPr lang="en-US" sz="16600" dirty="0" smtClean="0"/>
+              <a:rPr lang="en-US" sz="16600" dirty="0"/>
               <a:t>Demo</a:t>
             </a:r>
-            <a:endParaRPr lang="en-US" sz="16600" dirty="0"/>
           </a:p>
         </p:txBody>
       </p:sp>
@@ -4408,10 +7602,9 @@
           <a:p>
             <a:pPr algn="ctr"/>
             <a:r>
-              <a:rPr lang="en-US" sz="13800" dirty="0" smtClean="0"/>
+              <a:rPr lang="en-US" sz="13800" dirty="0"/>
               <a:t>Questions</a:t>
             </a:r>
-            <a:endParaRPr lang="en-US" sz="13800" dirty="0"/>
           </a:p>
         </p:txBody>
       </p:sp>
@@ -4467,14 +7660,14 @@
           <a:p>
             <a:pPr algn="ctr"/>
             <a:r>
-              <a:rPr lang="en-US" sz="13800" dirty="0" smtClean="0"/>
+              <a:rPr lang="en-US" sz="13800" dirty="0"/>
               <a:t>Break</a:t>
             </a:r>
             <a:br>
-              <a:rPr lang="en-US" sz="13800" dirty="0" smtClean="0"/>
+              <a:rPr lang="en-US" sz="13800" dirty="0"/>
             </a:br>
             <a:r>
-              <a:rPr lang="en-US" sz="3200" dirty="0" smtClean="0"/>
+              <a:rPr lang="en-US" sz="3200" dirty="0"/>
               <a:t>10 Minutes</a:t>
             </a:r>
             <a:endParaRPr lang="en-US" dirty="0"/>
@@ -4527,10 +7720,9 @@
           <a:lstStyle/>
           <a:p>
             <a:r>
-              <a:rPr lang="en-US" dirty="0" smtClean="0"/>
+              <a:rPr lang="en-US" dirty="0"/>
               <a:t>Agenda</a:t>
             </a:r>
-            <a:endParaRPr lang="en-US" dirty="0"/>
           </a:p>
         </p:txBody>
       </p:sp>
@@ -4546,104 +7738,83 @@
         </p:nvSpPr>
         <p:spPr/>
         <p:txBody>
-          <a:bodyPr/>
-          <a:lstStyle/>
-          <a:p>
-            <a:r>
-              <a:rPr lang="en-US" dirty="0" smtClean="0"/>
+          <a:bodyPr>
+            <a:normAutofit lnSpcReduction="10000"/>
+          </a:bodyPr>
+          <a:lstStyle/>
+          <a:p>
+            <a:r>
+              <a:rPr lang="en-US" dirty="0"/>
               <a:t>The Setup</a:t>
             </a:r>
           </a:p>
           <a:p>
             <a:pPr lvl="1"/>
             <a:r>
-              <a:rPr lang="en-US" dirty="0" smtClean="0"/>
-              <a:t>Setting </a:t>
-            </a:r>
-            <a:r>
               <a:rPr lang="en-US" dirty="0"/>
-              <a:t>up Environment</a:t>
+              <a:t>Setting up Environment</a:t>
             </a:r>
           </a:p>
           <a:p>
             <a:pPr lvl="2"/>
             <a:r>
-              <a:rPr lang="en-US" dirty="0" smtClean="0"/>
+              <a:rPr lang="en-US" dirty="0"/>
               <a:t>Installing MDT 8450</a:t>
             </a:r>
-            <a:endParaRPr lang="en-US" dirty="0"/>
           </a:p>
           <a:p>
             <a:pPr lvl="2"/>
             <a:r>
-              <a:rPr lang="en-US" dirty="0" smtClean="0"/>
+              <a:rPr lang="en-US" dirty="0"/>
               <a:t>Installing ADK 1809</a:t>
             </a:r>
           </a:p>
           <a:p>
             <a:pPr lvl="2"/>
             <a:r>
-              <a:rPr lang="en-US" dirty="0" smtClean="0"/>
+              <a:rPr lang="en-US" dirty="0"/>
               <a:t>Installing ADK WinPE 1809</a:t>
             </a:r>
-            <a:endParaRPr lang="en-US" dirty="0"/>
           </a:p>
           <a:p>
             <a:pPr lvl="2"/>
             <a:r>
-              <a:rPr lang="en-US" dirty="0" smtClean="0"/>
-              <a:t>Creating </a:t>
-            </a:r>
-            <a:r>
               <a:rPr lang="en-US" dirty="0"/>
-              <a:t>Build </a:t>
-            </a:r>
-            <a:r>
-              <a:rPr lang="en-US" dirty="0" smtClean="0"/>
-              <a:t>Share in MDT</a:t>
-            </a:r>
-            <a:endParaRPr lang="en-US" dirty="0"/>
+              <a:t>Creating Build Share in MDT</a:t>
+            </a:r>
           </a:p>
           <a:p>
             <a:pPr lvl="2"/>
             <a:r>
-              <a:rPr lang="en-US" dirty="0" smtClean="0"/>
-              <a:t>Configure and Customizing </a:t>
-            </a:r>
-            <a:r>
               <a:rPr lang="en-US" dirty="0"/>
-              <a:t>Build </a:t>
-            </a:r>
-            <a:r>
-              <a:rPr lang="en-US" dirty="0" smtClean="0"/>
-              <a:t>Share	</a:t>
+              <a:t>Configure and Customizing Build Share	</a:t>
             </a:r>
           </a:p>
           <a:p>
             <a:pPr lvl="3"/>
             <a:r>
-              <a:rPr lang="en-US" dirty="0" smtClean="0"/>
+              <a:rPr lang="en-US" dirty="0"/>
               <a:t>Bootstrap.ini</a:t>
             </a:r>
           </a:p>
           <a:p>
             <a:pPr lvl="3"/>
             <a:r>
-              <a:rPr lang="en-US" dirty="0" smtClean="0"/>
+              <a:rPr lang="en-US" dirty="0"/>
               <a:t>CustomSettings.ini</a:t>
             </a:r>
           </a:p>
           <a:p>
             <a:pPr lvl="2"/>
             <a:r>
-              <a:rPr lang="en-US" dirty="0" smtClean="0"/>
+              <a:rPr lang="en-US" dirty="0"/>
               <a:t>Demo</a:t>
             </a:r>
           </a:p>
           <a:p>
             <a:pPr lvl="2"/>
             <a:r>
-              <a:rPr lang="en-US" dirty="0" smtClean="0"/>
+              <a:rPr lang="en-US" dirty="0"/>
               <a:t>Questions</a:t>
             </a:r>
           </a:p>
@@ -4663,13 +7834,6 @@
   <p:clrMapOvr>
     <a:masterClrMapping/>
   </p:clrMapOvr>
-  <p:timing>
-    <p:tnLst>
-      <p:par>
-        <p:cTn id="1" dur="indefinite" restart="never" nodeType="tmRoot"/>
-      </p:par>
-    </p:tnLst>
-  </p:timing>
 </p:sld>
 </file>
 
@@ -4706,10 +7870,9 @@
           <a:lstStyle/>
           <a:p>
             <a:r>
-              <a:rPr lang="en-US" dirty="0" smtClean="0"/>
+              <a:rPr lang="en-US" dirty="0"/>
               <a:t>Things you will need</a:t>
             </a:r>
-            <a:endParaRPr lang="en-US" dirty="0"/>
           </a:p>
         </p:txBody>
       </p:sp>
@@ -4729,45 +7892,45 @@
           <a:lstStyle/>
           <a:p>
             <a:r>
-              <a:rPr lang="en-US" dirty="0" smtClean="0"/>
+              <a:rPr lang="en-US" dirty="0"/>
               <a:t>Computer to build images on (Laptop or Server)</a:t>
             </a:r>
           </a:p>
           <a:p>
             <a:r>
-              <a:rPr lang="en-US" dirty="0" smtClean="0"/>
+              <a:rPr lang="en-US" dirty="0"/>
               <a:t>Windows 10 Education iso (</a:t>
             </a:r>
             <a:r>
-              <a:rPr lang="en-US" b="1" dirty="0" smtClean="0"/>
+              <a:rPr lang="en-US" b="1" dirty="0"/>
               <a:t>1809</a:t>
             </a:r>
             <a:r>
-              <a:rPr lang="en-US" dirty="0" smtClean="0"/>
+              <a:rPr lang="en-US" dirty="0"/>
               <a:t>, 1803, or 1709)</a:t>
             </a:r>
           </a:p>
           <a:p>
             <a:r>
-              <a:rPr lang="en-US" dirty="0" smtClean="0"/>
+              <a:rPr lang="en-US" dirty="0"/>
               <a:t>Windows 10 ADK 10 v 1809</a:t>
             </a:r>
           </a:p>
           <a:p>
             <a:r>
-              <a:rPr lang="en-US" dirty="0" smtClean="0"/>
+              <a:rPr lang="en-US" dirty="0"/>
               <a:t>WinPE addon for Windows 10 ADK v1809</a:t>
             </a:r>
           </a:p>
           <a:p>
             <a:r>
-              <a:rPr lang="en-US" dirty="0" smtClean="0"/>
+              <a:rPr lang="en-US" dirty="0"/>
               <a:t>Microsoft Deployment Toolkit (MDT) 8450</a:t>
             </a:r>
           </a:p>
           <a:p>
             <a:r>
-              <a:rPr lang="en-US" dirty="0" smtClean="0"/>
+              <a:rPr lang="en-US" dirty="0"/>
               <a:t>Script to relax deployment share permissions</a:t>
             </a:r>
           </a:p>
@@ -4819,10 +7982,9 @@
           <a:lstStyle/>
           <a:p>
             <a:r>
-              <a:rPr lang="en-US" dirty="0" smtClean="0"/>
+              <a:rPr lang="en-US" dirty="0"/>
               <a:t>Windows ADK Install</a:t>
             </a:r>
-            <a:endParaRPr lang="en-US" dirty="0"/>
           </a:p>
         </p:txBody>
       </p:sp>
@@ -4847,41 +8009,41 @@
           <a:lstStyle/>
           <a:p>
             <a:r>
-              <a:rPr lang="en-US" dirty="0" smtClean="0"/>
+              <a:rPr lang="en-US" dirty="0"/>
               <a:t>You don’t need all options. </a:t>
             </a:r>
           </a:p>
           <a:p>
             <a:r>
-              <a:rPr lang="en-US" dirty="0" smtClean="0"/>
+              <a:rPr lang="en-US" dirty="0"/>
               <a:t>Only need</a:t>
             </a:r>
           </a:p>
           <a:p>
             <a:pPr lvl="1"/>
             <a:r>
-              <a:rPr lang="en-US" dirty="0" smtClean="0"/>
+              <a:rPr lang="en-US" dirty="0"/>
               <a:t>Deployment Tools</a:t>
             </a:r>
           </a:p>
           <a:p>
             <a:pPr lvl="1"/>
             <a:r>
-              <a:rPr lang="en-US" dirty="0" smtClean="0"/>
+              <a:rPr lang="en-US" dirty="0"/>
               <a:t>Imaging and Configuration Designer (ICD)</a:t>
             </a:r>
           </a:p>
           <a:p>
             <a:pPr lvl="1"/>
             <a:r>
-              <a:rPr lang="en-US" dirty="0" smtClean="0"/>
+              <a:rPr lang="en-US" dirty="0"/>
               <a:t>Configuration Designer</a:t>
             </a:r>
           </a:p>
           <a:p>
             <a:pPr lvl="1"/>
             <a:r>
-              <a:rPr lang="en-US" dirty="0" smtClean="0"/>
+              <a:rPr lang="en-US" dirty="0"/>
               <a:t>User State Migration Tool</a:t>
             </a:r>
           </a:p>
@@ -4968,10 +8130,9 @@
           <a:lstStyle/>
           <a:p>
             <a:r>
-              <a:rPr lang="en-US" dirty="0" smtClean="0"/>
+              <a:rPr lang="en-US" dirty="0"/>
               <a:t>Windows ADK WinPE</a:t>
             </a:r>
-            <a:endParaRPr lang="en-US" dirty="0"/>
           </a:p>
         </p:txBody>
       </p:sp>
@@ -4996,16 +8157,15 @@
           <a:lstStyle/>
           <a:p>
             <a:r>
-              <a:rPr lang="en-US" dirty="0" smtClean="0"/>
+              <a:rPr lang="en-US" dirty="0"/>
               <a:t>No Options on this one</a:t>
             </a:r>
           </a:p>
           <a:p>
             <a:r>
-              <a:rPr lang="en-US" dirty="0" smtClean="0"/>
+              <a:rPr lang="en-US" dirty="0"/>
               <a:t>Just Next, Next, Next, Install</a:t>
             </a:r>
-            <a:endParaRPr lang="en-US" dirty="0"/>
           </a:p>
         </p:txBody>
       </p:sp>
@@ -5086,10 +8246,9 @@
           <a:lstStyle/>
           <a:p>
             <a:r>
-              <a:rPr lang="en-US" dirty="0" smtClean="0"/>
+              <a:rPr lang="en-US" dirty="0"/>
               <a:t>MDT 8450</a:t>
             </a:r>
-            <a:endParaRPr lang="en-US" dirty="0"/>
           </a:p>
         </p:txBody>
       </p:sp>
@@ -5114,7 +8273,7 @@
           <a:lstStyle/>
           <a:p>
             <a:r>
-              <a:rPr lang="en-US" dirty="0" smtClean="0"/>
+              <a:rPr lang="en-US" dirty="0"/>
               <a:t>Take everything</a:t>
             </a:r>
           </a:p>
@@ -5190,10 +8349,9 @@
           <a:lstStyle/>
           <a:p>
             <a:r>
-              <a:rPr lang="en-US" dirty="0" smtClean="0"/>
+              <a:rPr lang="en-US" dirty="0"/>
               <a:t>Create Deployment Share</a:t>
             </a:r>
-            <a:endParaRPr lang="en-US" dirty="0"/>
           </a:p>
         </p:txBody>
       </p:sp>
@@ -5213,55 +8371,42 @@
           <a:lstStyle/>
           <a:p>
             <a:r>
-              <a:rPr lang="en-US" dirty="0" smtClean="0"/>
+              <a:rPr lang="en-US" dirty="0"/>
               <a:t>Open Deployment Workbench</a:t>
             </a:r>
           </a:p>
           <a:p>
             <a:r>
-              <a:rPr lang="en-US" dirty="0" smtClean="0"/>
+              <a:rPr lang="en-US" dirty="0"/>
               <a:t>Right Click on Deployment Share and select New Deployment Share</a:t>
             </a:r>
           </a:p>
           <a:p>
             <a:r>
-              <a:rPr lang="en-US" dirty="0" smtClean="0"/>
+              <a:rPr lang="en-US" dirty="0"/>
               <a:t>For Lab Continuity use these settings…</a:t>
             </a:r>
           </a:p>
           <a:p>
             <a:pPr lvl="1"/>
             <a:r>
-              <a:rPr lang="en-US" dirty="0" smtClean="0"/>
-              <a:t>Deployment share path </a:t>
-            </a:r>
-            <a:r>
               <a:rPr lang="en-US" dirty="0"/>
-              <a:t>C:\</a:t>
-            </a:r>
-            <a:r>
-              <a:rPr lang="en-US" dirty="0" smtClean="0"/>
-              <a:t>HECCMDTBuildLab</a:t>
+              <a:t>Deployment share path C:\HECCMDTBuildLab</a:t>
             </a:r>
           </a:p>
           <a:p>
             <a:pPr lvl="1"/>
             <a:r>
               <a:rPr lang="en-US" dirty="0"/>
-              <a:t>Share name HECCMDTBuildLab</a:t>
-            </a:r>
-            <a:r>
-              <a:rPr lang="en-US" dirty="0" smtClean="0"/>
-              <a:t>$</a:t>
+              <a:t>Share name HECCMDTBuildLab$</a:t>
             </a:r>
           </a:p>
           <a:p>
             <a:pPr lvl="1"/>
             <a:r>
-              <a:rPr lang="en-US" dirty="0" smtClean="0"/>
+              <a:rPr lang="en-US" dirty="0"/>
               <a:t>Except all other prompts</a:t>
             </a:r>
-            <a:endParaRPr lang="en-US" dirty="0"/>
           </a:p>
         </p:txBody>
       </p:sp>
@@ -5343,13 +8488,8 @@
           <a:p>
             <a:r>
               <a:rPr lang="en-US" dirty="0"/>
-              <a:t>Create Deployment </a:t>
-            </a:r>
-            <a:r>
-              <a:rPr lang="en-US" dirty="0" smtClean="0"/>
-              <a:t>Share … Easy way</a:t>
-            </a:r>
-            <a:endParaRPr lang="en-US" dirty="0"/>
+              <a:t>Create Deployment Share … Easy way</a:t>
+            </a:r>
           </a:p>
         </p:txBody>
       </p:sp>
@@ -5376,7 +8516,7 @@
           <a:lstStyle/>
           <a:p>
             <a:r>
-              <a:rPr lang="en-US" dirty="0" smtClean="0"/>
+              <a:rPr lang="en-US" dirty="0"/>
               <a:t>Run PowerShell script to do all above</a:t>
             </a:r>
           </a:p>
@@ -5425,15 +8565,7 @@
           <a:p>
             <a:r>
               <a:rPr lang="en-US" dirty="0"/>
-              <a:t>new-PSDrive -Name "DS001" -PSProvider "MDTProvider" -Root "C:\HECCMDTBuildLab" -Description "HECC Build Lab" -NetworkPath </a:t>
-            </a:r>
-            <a:r>
-              <a:rPr lang="en-US" dirty="0" smtClean="0"/>
-              <a:t>"\\MDT01\HECCMDTBuildLab</a:t>
-            </a:r>
-            <a:r>
-              <a:rPr lang="en-US" dirty="0"/>
-              <a:t>$" -Verbose | add-MDTPersistentDrive -Verbose</a:t>
+              <a:t>new-PSDrive -Name "DS001" -PSProvider "MDTProvider" -Root "C:\HECCMDTBuildLab" -Description "HECC Build Lab" -NetworkPath "\\MDT01\HECCMDTBuildLab$" -Verbose | add-MDTPersistentDrive -Verbose</a:t>
             </a:r>
           </a:p>
           <a:p>
@@ -5489,10 +8621,9 @@
           <a:lstStyle/>
           <a:p>
             <a:r>
-              <a:rPr lang="en-US" dirty="0" smtClean="0"/>
+              <a:rPr lang="en-US" dirty="0"/>
               <a:t>Configuring Deployment Share</a:t>
             </a:r>
-            <a:endParaRPr lang="en-US" dirty="0"/>
           </a:p>
         </p:txBody>
       </p:sp>
@@ -5512,31 +8643,30 @@
           <a:lstStyle/>
           <a:p>
             <a:r>
-              <a:rPr lang="en-US" dirty="0" smtClean="0"/>
+              <a:rPr lang="en-US" dirty="0"/>
               <a:t>What is the point of the configurations</a:t>
             </a:r>
           </a:p>
           <a:p>
             <a:pPr lvl="1"/>
             <a:r>
-              <a:rPr lang="en-US" dirty="0" smtClean="0"/>
+              <a:rPr lang="en-US" dirty="0"/>
               <a:t>Simplify image creation process</a:t>
             </a:r>
           </a:p>
           <a:p>
             <a:pPr lvl="1"/>
             <a:r>
-              <a:rPr lang="en-US" dirty="0" smtClean="0"/>
+              <a:rPr lang="en-US" dirty="0"/>
               <a:t>Ultimately make image creation process scriptable or lite touch</a:t>
             </a:r>
           </a:p>
           <a:p>
             <a:pPr lvl="1"/>
             <a:r>
-              <a:rPr lang="en-US" dirty="0" smtClean="0"/>
+              <a:rPr lang="en-US" dirty="0"/>
               <a:t>Cleanup unneeded screens</a:t>
             </a:r>
-            <a:endParaRPr lang="en-US" dirty="0"/>
           </a:p>
         </p:txBody>
       </p:sp>
@@ -5554,9 +8684,9 @@
 </file>
 
 <file path=ppt/theme/theme1.xml><?xml version="1.0" encoding="utf-8"?>
-<a:theme xmlns:a="http://schemas.openxmlformats.org/drawingml/2006/main" name="Office Theme">
+<a:theme xmlns:a="http://schemas.openxmlformats.org/drawingml/2006/main" name="Slate">
   <a:themeElements>
-    <a:clrScheme name="Office">
+    <a:clrScheme name="Slate">
       <a:dk1>
         <a:sysClr val="windowText" lastClr="000000"/>
       </a:dk1>
@@ -5564,52 +8694,52 @@
         <a:sysClr val="window" lastClr="FFFFFF"/>
       </a:lt1>
       <a:dk2>
-        <a:srgbClr val="44546A"/>
+        <a:srgbClr val="212123"/>
       </a:dk2>
       <a:lt2>
-        <a:srgbClr val="E7E6E6"/>
+        <a:srgbClr val="DADADA"/>
       </a:lt2>
       <a:accent1>
-        <a:srgbClr val="5B9BD5"/>
+        <a:srgbClr val="BC451B"/>
       </a:accent1>
       <a:accent2>
-        <a:srgbClr val="ED7D31"/>
+        <a:srgbClr val="D3BA68"/>
       </a:accent2>
       <a:accent3>
-        <a:srgbClr val="A5A5A5"/>
+        <a:srgbClr val="BB8640"/>
       </a:accent3>
       <a:accent4>
-        <a:srgbClr val="FFC000"/>
+        <a:srgbClr val="AD9277"/>
       </a:accent4>
       <a:accent5>
-        <a:srgbClr val="4472C4"/>
+        <a:srgbClr val="A55A43"/>
       </a:accent5>
       <a:accent6>
-        <a:srgbClr val="70AD47"/>
+        <a:srgbClr val="AD9D7B"/>
       </a:accent6>
       <a:hlink>
-        <a:srgbClr val="0563C1"/>
+        <a:srgbClr val="E98052"/>
       </a:hlink>
       <a:folHlink>
-        <a:srgbClr val="954F72"/>
+        <a:srgbClr val="F4B69B"/>
       </a:folHlink>
     </a:clrScheme>
-    <a:fontScheme name="Office">
+    <a:fontScheme name="Slate">
       <a:majorFont>
-        <a:latin typeface="Calibri Light" panose="020F0302020204030204"/>
+        <a:latin typeface="Calisto MT" panose="02040603050505030304"/>
         <a:ea typeface=""/>
         <a:cs typeface=""/>
-        <a:font script="Jpan" typeface="游ゴシック Light"/>
-        <a:font script="Hang" typeface="맑은 고딕"/>
-        <a:font script="Hans" typeface="等线 Light"/>
-        <a:font script="Hant" typeface="新細明體"/>
-        <a:font script="Arab" typeface="Times New Roman"/>
-        <a:font script="Hebr" typeface="Times New Roman"/>
-        <a:font script="Thai" typeface="Angsana New"/>
+        <a:font script="Jpan" typeface="ＭＳ Ｐゴシック"/>
+        <a:font script="Hang" typeface="돋움"/>
+        <a:font script="Hans" typeface="方正舒体"/>
+        <a:font script="Hant" typeface="微軟正黑體"/>
+        <a:font script="Arab" typeface="Arial"/>
+        <a:font script="Hebr" typeface="Arial"/>
+        <a:font script="Thai" typeface="Cordia New"/>
         <a:font script="Ethi" typeface="Nyala"/>
         <a:font script="Beng" typeface="Vrinda"/>
         <a:font script="Gujr" typeface="Shruti"/>
-        <a:font script="Khmr" typeface="MoolBoran"/>
+        <a:font script="Khmr" typeface="DaunPenh"/>
         <a:font script="Knda" typeface="Tunga"/>
         <a:font script="Guru" typeface="Raavi"/>
         <a:font script="Cans" typeface="Euphemia"/>
@@ -5626,18 +8756,18 @@
         <a:font script="Laoo" typeface="DokChampa"/>
         <a:font script="Sinh" typeface="Iskoola Pota"/>
         <a:font script="Mong" typeface="Mongolian Baiti"/>
-        <a:font script="Viet" typeface="Times New Roman"/>
+        <a:font script="Viet" typeface="Arial"/>
         <a:font script="Uigh" typeface="Microsoft Uighur"/>
         <a:font script="Geor" typeface="Sylfaen"/>
       </a:majorFont>
       <a:minorFont>
-        <a:latin typeface="Calibri" panose="020F0502020204030204"/>
+        <a:latin typeface="Calisto MT" panose="02040603050505030304"/>
         <a:ea typeface=""/>
         <a:cs typeface=""/>
-        <a:font script="Jpan" typeface="游ゴシック"/>
-        <a:font script="Hang" typeface="맑은 고딕"/>
-        <a:font script="Hans" typeface="等线"/>
-        <a:font script="Hant" typeface="新細明體"/>
+        <a:font script="Jpan" typeface="ＭＳ Ｐゴシック"/>
+        <a:font script="Hang" typeface="돋움"/>
+        <a:font script="Hans" typeface="方正舒体"/>
+        <a:font script="Hant" typeface="微軟正黑體"/>
         <a:font script="Arab" typeface="Arial"/>
         <a:font script="Hebr" typeface="Arial"/>
         <a:font script="Thai" typeface="Cordia New"/>
@@ -5666,7 +8796,7 @@
         <a:font script="Geor" typeface="Sylfaen"/>
       </a:minorFont>
     </a:fontScheme>
-    <a:fmtScheme name="Office">
+    <a:fmtScheme name="Slate">
       <a:fillStyleLst>
         <a:solidFill>
           <a:schemeClr val="phClr"/>
@@ -5675,23 +8805,13 @@
           <a:gsLst>
             <a:gs pos="0">
               <a:schemeClr val="phClr">
+                <a:tint val="60000"/>
                 <a:lumMod val="110000"/>
-                <a:satMod val="105000"/>
-                <a:tint val="67000"/>
-              </a:schemeClr>
-            </a:gs>
-            <a:gs pos="50000">
-              <a:schemeClr val="phClr">
-                <a:lumMod val="105000"/>
-                <a:satMod val="103000"/>
-                <a:tint val="73000"/>
               </a:schemeClr>
             </a:gs>
             <a:gs pos="100000">
               <a:schemeClr val="phClr">
-                <a:lumMod val="105000"/>
-                <a:satMod val="109000"/>
-                <a:tint val="81000"/>
+                <a:tint val="88000"/>
               </a:schemeClr>
             </a:gs>
           </a:gsLst>
@@ -5701,23 +8821,14 @@
           <a:gsLst>
             <a:gs pos="0">
               <a:schemeClr val="phClr">
-                <a:satMod val="103000"/>
-                <a:lumMod val="102000"/>
-                <a:tint val="94000"/>
-              </a:schemeClr>
-            </a:gs>
-            <a:gs pos="50000">
-              <a:schemeClr val="phClr">
-                <a:satMod val="110000"/>
-                <a:lumMod val="100000"/>
-                <a:shade val="100000"/>
+                <a:tint val="96000"/>
+                <a:lumMod val="104000"/>
               </a:schemeClr>
             </a:gs>
             <a:gs pos="100000">
               <a:schemeClr val="phClr">
-                <a:lumMod val="99000"/>
-                <a:satMod val="120000"/>
-                <a:shade val="78000"/>
+                <a:shade val="90000"/>
+                <a:lumMod val="90000"/>
               </a:schemeClr>
             </a:gs>
           </a:gsLst>
@@ -5725,26 +8836,25 @@
         </a:gradFill>
       </a:fillStyleLst>
       <a:lnStyleLst>
-        <a:ln w="6350" cap="flat" cmpd="sng" algn="ctr">
+        <a:ln w="9525" cap="rnd" cmpd="sng" algn="ctr">
+          <a:solidFill>
+            <a:schemeClr val="phClr">
+              <a:shade val="90000"/>
+            </a:schemeClr>
+          </a:solidFill>
+          <a:prstDash val="solid"/>
+        </a:ln>
+        <a:ln w="15875" cap="rnd" cmpd="sng" algn="ctr">
           <a:solidFill>
             <a:schemeClr val="phClr"/>
           </a:solidFill>
           <a:prstDash val="solid"/>
-          <a:miter lim="800000"/>
         </a:ln>
-        <a:ln w="12700" cap="flat" cmpd="sng" algn="ctr">
+        <a:ln w="25400" cap="rnd" cmpd="sng" algn="ctr">
           <a:solidFill>
             <a:schemeClr val="phClr"/>
           </a:solidFill>
           <a:prstDash val="solid"/>
-          <a:miter lim="800000"/>
-        </a:ln>
-        <a:ln w="19050" cap="flat" cmpd="sng" algn="ctr">
-          <a:solidFill>
-            <a:schemeClr val="phClr"/>
-          </a:solidFill>
-          <a:prstDash val="solid"/>
-          <a:miter lim="800000"/>
         </a:ln>
       </a:lnStyleLst>
       <a:effectStyleLst>
@@ -5752,16 +8862,33 @@
           <a:effectLst/>
         </a:effectStyle>
         <a:effectStyle>
-          <a:effectLst/>
+          <a:effectLst>
+            <a:outerShdw blurRad="63500" dist="25400" dir="5400000" rotWithShape="0">
+              <a:srgbClr val="000000">
+                <a:alpha val="60000"/>
+              </a:srgbClr>
+            </a:outerShdw>
+          </a:effectLst>
         </a:effectStyle>
         <a:effectStyle>
           <a:effectLst>
-            <a:outerShdw blurRad="57150" dist="19050" dir="5400000" algn="ctr" rotWithShape="0">
+            <a:outerShdw blurRad="76200" dist="38100" dir="5400000" rotWithShape="0">
               <a:srgbClr val="000000">
-                <a:alpha val="63000"/>
+                <a:alpha val="75000"/>
               </a:srgbClr>
             </a:outerShdw>
           </a:effectLst>
+          <a:scene3d>
+            <a:camera prst="orthographicFront">
+              <a:rot lat="0" lon="0" rev="0"/>
+            </a:camera>
+            <a:lightRig rig="threePt" dir="t">
+              <a:rot lat="0" lon="0" rev="1200000"/>
+            </a:lightRig>
+          </a:scene3d>
+          <a:sp3d>
+            <a:bevelT w="63500" h="25400" prst="hardEdge"/>
+          </a:sp3d>
         </a:effectStyle>
       </a:effectStyleLst>
       <a:bgFillStyleLst>
@@ -5769,38 +8896,22 @@
           <a:schemeClr val="phClr"/>
         </a:solidFill>
         <a:solidFill>
-          <a:schemeClr val="phClr">
-            <a:tint val="95000"/>
-            <a:satMod val="170000"/>
-          </a:schemeClr>
+          <a:schemeClr val="phClr"/>
         </a:solidFill>
-        <a:gradFill rotWithShape="1">
-          <a:gsLst>
-            <a:gs pos="0">
+        <a:blipFill rotWithShape="1">
+          <a:blip xmlns:r="http://schemas.openxmlformats.org/officeDocument/2006/relationships" r:embed="rId1">
+            <a:duotone>
               <a:schemeClr val="phClr">
-                <a:tint val="93000"/>
-                <a:satMod val="150000"/>
-                <a:shade val="98000"/>
-                <a:lumMod val="102000"/>
+                <a:shade val="80000"/>
+                <a:lumMod val="80000"/>
               </a:schemeClr>
-            </a:gs>
-            <a:gs pos="50000">
               <a:schemeClr val="phClr">
                 <a:tint val="98000"/>
-                <a:satMod val="130000"/>
-                <a:shade val="90000"/>
-                <a:lumMod val="103000"/>
               </a:schemeClr>
-            </a:gs>
-            <a:gs pos="100000">
-              <a:schemeClr val="phClr">
-                <a:shade val="63000"/>
-                <a:satMod val="120000"/>
-              </a:schemeClr>
-            </a:gs>
-          </a:gsLst>
-          <a:lin ang="5400000" scaled="0"/>
-        </a:gradFill>
+            </a:duotone>
+          </a:blip>
+          <a:stretch/>
+        </a:blipFill>
       </a:bgFillStyleLst>
     </a:fmtScheme>
   </a:themeElements>
@@ -5808,7 +8919,7 @@
   <a:extraClrSchemeLst/>
   <a:extLst>
     <a:ext uri="{05A4C25C-085E-4340-85A3-A5531E510DB2}">
-      <thm15:themeFamily xmlns:thm15="http://schemas.microsoft.com/office/thememl/2012/main" name="Office Theme" id="{62F939B6-93AF-4DB8-9C6B-D6C7DFDC589F}" vid="{4A3C46E8-61CC-4603-A589-7422A47A8E4A}"/>
+      <thm15:themeFamily xmlns:thm15="http://schemas.microsoft.com/office/thememl/2012/main" name="Slate" id="{C3F70B94-7CE9-428E-ADC1-3269CC2C3385}" vid="{3F2DE9A5-64E6-437C-A389-CC4477E817E8}"/>
     </a:ext>
   </a:extLst>
 </a:theme>

--- a/Part_01/Section01.pptx
+++ b/Part_01/Section01.pptx
@@ -211,7 +211,7 @@
           <a:p>
             <a:fld id="{75EEFB58-FC8A-462A-900E-E48AB904531D}" type="datetimeFigureOut">
               <a:rPr lang="en-US" smtClean="0"/>
-              <a:t>11/7/2018</a:t>
+              <a:t>11/8/2018</a:t>
             </a:fld>
             <a:endParaRPr lang="en-US" dirty="0"/>
           </a:p>
@@ -1146,7 +1146,7 @@
           <a:p>
             <a:fld id="{968F8B48-9EEB-4E1A-AB61-E86E4E194647}" type="datetimeFigureOut">
               <a:rPr lang="en-US" smtClean="0"/>
-              <a:t>11/7/2018</a:t>
+              <a:t>11/8/2018</a:t>
             </a:fld>
             <a:endParaRPr lang="en-US" dirty="0"/>
           </a:p>
@@ -1444,7 +1444,7 @@
           <a:p>
             <a:fld id="{968F8B48-9EEB-4E1A-AB61-E86E4E194647}" type="datetimeFigureOut">
               <a:rPr lang="en-US" smtClean="0"/>
-              <a:t>11/7/2018</a:t>
+              <a:t>11/8/2018</a:t>
             </a:fld>
             <a:endParaRPr lang="en-US" dirty="0"/>
           </a:p>
@@ -1636,7 +1636,7 @@
           <a:p>
             <a:fld id="{968F8B48-9EEB-4E1A-AB61-E86E4E194647}" type="datetimeFigureOut">
               <a:rPr lang="en-US" smtClean="0"/>
-              <a:t>11/7/2018</a:t>
+              <a:t>11/8/2018</a:t>
             </a:fld>
             <a:endParaRPr lang="en-US" dirty="0"/>
           </a:p>
@@ -1897,7 +1897,7 @@
           <a:p>
             <a:fld id="{968F8B48-9EEB-4E1A-AB61-E86E4E194647}" type="datetimeFigureOut">
               <a:rPr lang="en-US" smtClean="0"/>
-              <a:t>11/7/2018</a:t>
+              <a:t>11/8/2018</a:t>
             </a:fld>
             <a:endParaRPr lang="en-US" dirty="0"/>
           </a:p>
@@ -2321,7 +2321,7 @@
           <a:p>
             <a:fld id="{968F8B48-9EEB-4E1A-AB61-E86E4E194647}" type="datetimeFigureOut">
               <a:rPr lang="en-US" smtClean="0"/>
-              <a:t>11/7/2018</a:t>
+              <a:t>11/8/2018</a:t>
             </a:fld>
             <a:endParaRPr lang="en-US" dirty="0"/>
           </a:p>
@@ -2858,7 +2858,7 @@
           <a:p>
             <a:fld id="{968F8B48-9EEB-4E1A-AB61-E86E4E194647}" type="datetimeFigureOut">
               <a:rPr lang="en-US" smtClean="0"/>
-              <a:t>11/7/2018</a:t>
+              <a:t>11/8/2018</a:t>
             </a:fld>
             <a:endParaRPr lang="en-US" dirty="0"/>
           </a:p>
@@ -3722,7 +3722,7 @@
           <a:p>
             <a:fld id="{968F8B48-9EEB-4E1A-AB61-E86E4E194647}" type="datetimeFigureOut">
               <a:rPr lang="en-US" smtClean="0"/>
-              <a:t>11/7/2018</a:t>
+              <a:t>11/8/2018</a:t>
             </a:fld>
             <a:endParaRPr lang="en-US" dirty="0"/>
           </a:p>
@@ -3892,7 +3892,7 @@
           <a:p>
             <a:fld id="{968F8B48-9EEB-4E1A-AB61-E86E4E194647}" type="datetimeFigureOut">
               <a:rPr lang="en-US" smtClean="0"/>
-              <a:t>11/7/2018</a:t>
+              <a:t>11/8/2018</a:t>
             </a:fld>
             <a:endParaRPr lang="en-US" dirty="0"/>
           </a:p>
@@ -4076,7 +4076,7 @@
           <a:p>
             <a:fld id="{968F8B48-9EEB-4E1A-AB61-E86E4E194647}" type="datetimeFigureOut">
               <a:rPr lang="en-US" smtClean="0"/>
-              <a:t>11/7/2018</a:t>
+              <a:t>11/8/2018</a:t>
             </a:fld>
             <a:endParaRPr lang="en-US" dirty="0"/>
           </a:p>
@@ -4246,7 +4246,7 @@
           <a:p>
             <a:fld id="{968F8B48-9EEB-4E1A-AB61-E86E4E194647}" type="datetimeFigureOut">
               <a:rPr lang="en-US" smtClean="0"/>
-              <a:t>11/7/2018</a:t>
+              <a:t>11/8/2018</a:t>
             </a:fld>
             <a:endParaRPr lang="en-US" dirty="0"/>
           </a:p>
@@ -4490,7 +4490,7 @@
           <a:p>
             <a:fld id="{968F8B48-9EEB-4E1A-AB61-E86E4E194647}" type="datetimeFigureOut">
               <a:rPr lang="en-US" smtClean="0"/>
-              <a:t>11/7/2018</a:t>
+              <a:t>11/8/2018</a:t>
             </a:fld>
             <a:endParaRPr lang="en-US" dirty="0"/>
           </a:p>
@@ -4726,7 +4726,7 @@
           <a:p>
             <a:fld id="{968F8B48-9EEB-4E1A-AB61-E86E4E194647}" type="datetimeFigureOut">
               <a:rPr lang="en-US" smtClean="0"/>
-              <a:t>11/7/2018</a:t>
+              <a:t>11/8/2018</a:t>
             </a:fld>
             <a:endParaRPr lang="en-US" dirty="0"/>
           </a:p>
@@ -5192,7 +5192,7 @@
           <a:p>
             <a:fld id="{968F8B48-9EEB-4E1A-AB61-E86E4E194647}" type="datetimeFigureOut">
               <a:rPr lang="en-US" smtClean="0"/>
-              <a:t>11/7/2018</a:t>
+              <a:t>11/8/2018</a:t>
             </a:fld>
             <a:endParaRPr lang="en-US" dirty="0"/>
           </a:p>
@@ -5310,7 +5310,7 @@
           <a:p>
             <a:fld id="{968F8B48-9EEB-4E1A-AB61-E86E4E194647}" type="datetimeFigureOut">
               <a:rPr lang="en-US" smtClean="0"/>
-              <a:t>11/7/2018</a:t>
+              <a:t>11/8/2018</a:t>
             </a:fld>
             <a:endParaRPr lang="en-US" dirty="0"/>
           </a:p>
@@ -5405,7 +5405,7 @@
           <a:p>
             <a:fld id="{968F8B48-9EEB-4E1A-AB61-E86E4E194647}" type="datetimeFigureOut">
               <a:rPr lang="en-US" smtClean="0"/>
-              <a:t>11/7/2018</a:t>
+              <a:t>11/8/2018</a:t>
             </a:fld>
             <a:endParaRPr lang="en-US" dirty="0"/>
           </a:p>
@@ -5660,7 +5660,7 @@
           <a:p>
             <a:fld id="{968F8B48-9EEB-4E1A-AB61-E86E4E194647}" type="datetimeFigureOut">
               <a:rPr lang="en-US" smtClean="0"/>
-              <a:t>11/7/2018</a:t>
+              <a:t>11/8/2018</a:t>
             </a:fld>
             <a:endParaRPr lang="en-US" dirty="0"/>
           </a:p>
@@ -5960,7 +5960,7 @@
           <a:p>
             <a:fld id="{968F8B48-9EEB-4E1A-AB61-E86E4E194647}" type="datetimeFigureOut">
               <a:rPr lang="en-US" smtClean="0"/>
-              <a:t>11/7/2018</a:t>
+              <a:t>11/8/2018</a:t>
             </a:fld>
             <a:endParaRPr lang="en-US" dirty="0"/>
           </a:p>
@@ -6194,7 +6194,7 @@
           <a:p>
             <a:fld id="{968F8B48-9EEB-4E1A-AB61-E86E4E194647}" type="datetimeFigureOut">
               <a:rPr lang="en-US" smtClean="0"/>
-              <a:t>11/7/2018</a:t>
+              <a:t>11/8/2018</a:t>
             </a:fld>
             <a:endParaRPr lang="en-US" dirty="0"/>
           </a:p>
@@ -6890,7 +6890,7 @@
       </p:grpSpPr>
       <p:sp useBgFill="1">
         <p:nvSpPr>
-          <p:cNvPr id="12" name="Rectangle 7">
+          <p:cNvPr id="8" name="Rectangle 7">
             <a:extLst>
               <a:ext uri="{FF2B5EF4-FFF2-40B4-BE49-F238E27FC236}">
                 <a16:creationId xmlns:a16="http://schemas.microsoft.com/office/drawing/2014/main" id="{2124007E-BA57-41B2-8C6B-5E99927F2247}"/>
@@ -6985,7 +6985,7 @@
       </p:sp>
       <p:sp>
         <p:nvSpPr>
-          <p:cNvPr id="13" name="Rectangle 9">
+          <p:cNvPr id="10" name="Rectangle 9">
             <a:extLst>
               <a:ext uri="{FF2B5EF4-FFF2-40B4-BE49-F238E27FC236}">
                 <a16:creationId xmlns:a16="http://schemas.microsoft.com/office/drawing/2014/main" id="{8DEB9D55-38C8-45B4-BB2D-4FDBBDB08C37}"/>
